--- a/UA Tutorials/UAClusterIb2dIBAMR.pptx
+++ b/UA Tutorials/UAClusterIb2dIBAMR.pptx
@@ -5,41 +5,42 @@
     <p:sldMasterId id="2147483659" r:id="rId1"/>
   </p:sldMasterIdLst>
   <p:notesMasterIdLst>
-    <p:notesMasterId r:id="rId24"/>
+    <p:notesMasterId r:id="rId25"/>
   </p:notesMasterIdLst>
   <p:sldIdLst>
     <p:sldId id="256" r:id="rId2"/>
-    <p:sldId id="257" r:id="rId3"/>
-    <p:sldId id="268" r:id="rId4"/>
-    <p:sldId id="269" r:id="rId5"/>
-    <p:sldId id="259" r:id="rId6"/>
-    <p:sldId id="265" r:id="rId7"/>
-    <p:sldId id="266" r:id="rId8"/>
-    <p:sldId id="270" r:id="rId9"/>
-    <p:sldId id="271" r:id="rId10"/>
-    <p:sldId id="272" r:id="rId11"/>
-    <p:sldId id="279" r:id="rId12"/>
-    <p:sldId id="280" r:id="rId13"/>
-    <p:sldId id="273" r:id="rId14"/>
-    <p:sldId id="282" r:id="rId15"/>
-    <p:sldId id="283" r:id="rId16"/>
-    <p:sldId id="281" r:id="rId17"/>
-    <p:sldId id="274" r:id="rId18"/>
-    <p:sldId id="278" r:id="rId19"/>
-    <p:sldId id="275" r:id="rId20"/>
-    <p:sldId id="276" r:id="rId21"/>
-    <p:sldId id="284" r:id="rId22"/>
-    <p:sldId id="277" r:id="rId23"/>
+    <p:sldId id="285" r:id="rId3"/>
+    <p:sldId id="257" r:id="rId4"/>
+    <p:sldId id="268" r:id="rId5"/>
+    <p:sldId id="269" r:id="rId6"/>
+    <p:sldId id="259" r:id="rId7"/>
+    <p:sldId id="265" r:id="rId8"/>
+    <p:sldId id="266" r:id="rId9"/>
+    <p:sldId id="270" r:id="rId10"/>
+    <p:sldId id="271" r:id="rId11"/>
+    <p:sldId id="272" r:id="rId12"/>
+    <p:sldId id="279" r:id="rId13"/>
+    <p:sldId id="280" r:id="rId14"/>
+    <p:sldId id="273" r:id="rId15"/>
+    <p:sldId id="282" r:id="rId16"/>
+    <p:sldId id="283" r:id="rId17"/>
+    <p:sldId id="281" r:id="rId18"/>
+    <p:sldId id="274" r:id="rId19"/>
+    <p:sldId id="278" r:id="rId20"/>
+    <p:sldId id="275" r:id="rId21"/>
+    <p:sldId id="276" r:id="rId22"/>
+    <p:sldId id="284" r:id="rId23"/>
+    <p:sldId id="277" r:id="rId24"/>
   </p:sldIdLst>
   <p:sldSz cx="9144000" cy="5143500" type="screen16x9"/>
   <p:notesSz cx="6858000" cy="9144000"/>
   <p:embeddedFontLst>
     <p:embeddedFont>
       <p:font typeface="Roboto Mono" panose="020B0604020202020204" charset="0"/>
-      <p:regular r:id="rId25"/>
-      <p:bold r:id="rId26"/>
-      <p:italic r:id="rId27"/>
-      <p:boldItalic r:id="rId28"/>
+      <p:regular r:id="rId26"/>
+      <p:bold r:id="rId27"/>
+      <p:italic r:id="rId28"/>
+      <p:boldItalic r:id="rId29"/>
     </p:embeddedFont>
   </p:embeddedFontLst>
   <p:defaultTextStyle>
@@ -2057,370 +2058,6 @@
 </file>
 
 <file path=ppt/slideLayouts/slideLayout10.xml><?xml version="1.0" encoding="utf-8"?>
-<p:sldLayout xmlns:a="http://schemas.openxmlformats.org/drawingml/2006/main" xmlns:r="http://schemas.openxmlformats.org/officeDocument/2006/relationships" xmlns:p="http://schemas.openxmlformats.org/presentationml/2006/main" matchingName="Big number">
-  <p:cSld name="BIG_NUMBER">
-    <p:spTree>
-      <p:nvGrpSpPr>
-        <p:cNvPr id="1" name="Shape 44"/>
-        <p:cNvGrpSpPr/>
-        <p:nvPr/>
-      </p:nvGrpSpPr>
-      <p:grpSpPr>
-        <a:xfrm>
-          <a:off x="0" y="0"/>
-          <a:ext cx="0" cy="0"/>
-          <a:chOff x="0" y="0"/>
-          <a:chExt cx="0" cy="0"/>
-        </a:xfrm>
-      </p:grpSpPr>
-      <p:sp>
-        <p:nvSpPr>
-          <p:cNvPr id="45" name="Google Shape;45;p11"/>
-          <p:cNvSpPr txBox="1">
-            <a:spLocks noGrp="1"/>
-          </p:cNvSpPr>
-          <p:nvPr>
-            <p:ph type="title" hasCustomPrompt="1"/>
-          </p:nvPr>
-        </p:nvSpPr>
-        <p:spPr>
-          <a:xfrm>
-            <a:off x="311700" y="1106125"/>
-            <a:ext cx="8520600" cy="1963500"/>
-          </a:xfrm>
-          <a:prstGeom prst="rect">
-            <a:avLst/>
-          </a:prstGeom>
-        </p:spPr>
-        <p:txBody>
-          <a:bodyPr spcFirstLastPara="1" wrap="square" lIns="91425" tIns="91425" rIns="91425" bIns="91425" anchor="b" anchorCtr="0">
-            <a:normAutofit/>
-          </a:bodyPr>
-          <a:lstStyle>
-            <a:lvl1pPr lvl="0" algn="ctr">
-              <a:spcBef>
-                <a:spcPts val="0"/>
-              </a:spcBef>
-              <a:spcAft>
-                <a:spcPts val="0"/>
-              </a:spcAft>
-              <a:buSzPts val="12000"/>
-              <a:buNone/>
-              <a:defRPr sz="12000"/>
-            </a:lvl1pPr>
-            <a:lvl2pPr lvl="1" algn="ctr">
-              <a:spcBef>
-                <a:spcPts val="0"/>
-              </a:spcBef>
-              <a:spcAft>
-                <a:spcPts val="0"/>
-              </a:spcAft>
-              <a:buSzPts val="12000"/>
-              <a:buNone/>
-              <a:defRPr sz="12000"/>
-            </a:lvl2pPr>
-            <a:lvl3pPr lvl="2" algn="ctr">
-              <a:spcBef>
-                <a:spcPts val="0"/>
-              </a:spcBef>
-              <a:spcAft>
-                <a:spcPts val="0"/>
-              </a:spcAft>
-              <a:buSzPts val="12000"/>
-              <a:buNone/>
-              <a:defRPr sz="12000"/>
-            </a:lvl3pPr>
-            <a:lvl4pPr lvl="3" algn="ctr">
-              <a:spcBef>
-                <a:spcPts val="0"/>
-              </a:spcBef>
-              <a:spcAft>
-                <a:spcPts val="0"/>
-              </a:spcAft>
-              <a:buSzPts val="12000"/>
-              <a:buNone/>
-              <a:defRPr sz="12000"/>
-            </a:lvl4pPr>
-            <a:lvl5pPr lvl="4" algn="ctr">
-              <a:spcBef>
-                <a:spcPts val="0"/>
-              </a:spcBef>
-              <a:spcAft>
-                <a:spcPts val="0"/>
-              </a:spcAft>
-              <a:buSzPts val="12000"/>
-              <a:buNone/>
-              <a:defRPr sz="12000"/>
-            </a:lvl5pPr>
-            <a:lvl6pPr lvl="5" algn="ctr">
-              <a:spcBef>
-                <a:spcPts val="0"/>
-              </a:spcBef>
-              <a:spcAft>
-                <a:spcPts val="0"/>
-              </a:spcAft>
-              <a:buSzPts val="12000"/>
-              <a:buNone/>
-              <a:defRPr sz="12000"/>
-            </a:lvl6pPr>
-            <a:lvl7pPr lvl="6" algn="ctr">
-              <a:spcBef>
-                <a:spcPts val="0"/>
-              </a:spcBef>
-              <a:spcAft>
-                <a:spcPts val="0"/>
-              </a:spcAft>
-              <a:buSzPts val="12000"/>
-              <a:buNone/>
-              <a:defRPr sz="12000"/>
-            </a:lvl7pPr>
-            <a:lvl8pPr lvl="7" algn="ctr">
-              <a:spcBef>
-                <a:spcPts val="0"/>
-              </a:spcBef>
-              <a:spcAft>
-                <a:spcPts val="0"/>
-              </a:spcAft>
-              <a:buSzPts val="12000"/>
-              <a:buNone/>
-              <a:defRPr sz="12000"/>
-            </a:lvl8pPr>
-            <a:lvl9pPr lvl="8" algn="ctr">
-              <a:spcBef>
-                <a:spcPts val="0"/>
-              </a:spcBef>
-              <a:spcAft>
-                <a:spcPts val="0"/>
-              </a:spcAft>
-              <a:buSzPts val="12000"/>
-              <a:buNone/>
-              <a:defRPr sz="12000"/>
-            </a:lvl9pPr>
-          </a:lstStyle>
-          <a:p>
-            <a:r>
-              <a:t>xx%</a:t>
-            </a:r>
-          </a:p>
-        </p:txBody>
-      </p:sp>
-      <p:sp>
-        <p:nvSpPr>
-          <p:cNvPr id="46" name="Google Shape;46;p11"/>
-          <p:cNvSpPr txBox="1">
-            <a:spLocks noGrp="1"/>
-          </p:cNvSpPr>
-          <p:nvPr>
-            <p:ph type="body" idx="1"/>
-          </p:nvPr>
-        </p:nvSpPr>
-        <p:spPr>
-          <a:xfrm>
-            <a:off x="311700" y="3152225"/>
-            <a:ext cx="8520600" cy="1300800"/>
-          </a:xfrm>
-          <a:prstGeom prst="rect">
-            <a:avLst/>
-          </a:prstGeom>
-        </p:spPr>
-        <p:txBody>
-          <a:bodyPr spcFirstLastPara="1" wrap="square" lIns="91425" tIns="91425" rIns="91425" bIns="91425" anchor="t" anchorCtr="0">
-            <a:normAutofit/>
-          </a:bodyPr>
-          <a:lstStyle>
-            <a:lvl1pPr marL="457200" lvl="0" indent="-342900" algn="ctr">
-              <a:spcBef>
-                <a:spcPts val="0"/>
-              </a:spcBef>
-              <a:spcAft>
-                <a:spcPts val="0"/>
-              </a:spcAft>
-              <a:buSzPts val="1800"/>
-              <a:buChar char="●"/>
-              <a:defRPr/>
-            </a:lvl1pPr>
-            <a:lvl2pPr marL="914400" lvl="1" indent="-317500" algn="ctr">
-              <a:spcBef>
-                <a:spcPts val="0"/>
-              </a:spcBef>
-              <a:spcAft>
-                <a:spcPts val="0"/>
-              </a:spcAft>
-              <a:buSzPts val="1400"/>
-              <a:buChar char="○"/>
-              <a:defRPr/>
-            </a:lvl2pPr>
-            <a:lvl3pPr marL="1371600" lvl="2" indent="-317500" algn="ctr">
-              <a:spcBef>
-                <a:spcPts val="0"/>
-              </a:spcBef>
-              <a:spcAft>
-                <a:spcPts val="0"/>
-              </a:spcAft>
-              <a:buSzPts val="1400"/>
-              <a:buChar char="■"/>
-              <a:defRPr/>
-            </a:lvl3pPr>
-            <a:lvl4pPr marL="1828800" lvl="3" indent="-317500" algn="ctr">
-              <a:spcBef>
-                <a:spcPts val="0"/>
-              </a:spcBef>
-              <a:spcAft>
-                <a:spcPts val="0"/>
-              </a:spcAft>
-              <a:buSzPts val="1400"/>
-              <a:buChar char="●"/>
-              <a:defRPr/>
-            </a:lvl4pPr>
-            <a:lvl5pPr marL="2286000" lvl="4" indent="-317500" algn="ctr">
-              <a:spcBef>
-                <a:spcPts val="0"/>
-              </a:spcBef>
-              <a:spcAft>
-                <a:spcPts val="0"/>
-              </a:spcAft>
-              <a:buSzPts val="1400"/>
-              <a:buChar char="○"/>
-              <a:defRPr/>
-            </a:lvl5pPr>
-            <a:lvl6pPr marL="2743200" lvl="5" indent="-317500" algn="ctr">
-              <a:spcBef>
-                <a:spcPts val="0"/>
-              </a:spcBef>
-              <a:spcAft>
-                <a:spcPts val="0"/>
-              </a:spcAft>
-              <a:buSzPts val="1400"/>
-              <a:buChar char="■"/>
-              <a:defRPr/>
-            </a:lvl6pPr>
-            <a:lvl7pPr marL="3200400" lvl="6" indent="-317500" algn="ctr">
-              <a:spcBef>
-                <a:spcPts val="0"/>
-              </a:spcBef>
-              <a:spcAft>
-                <a:spcPts val="0"/>
-              </a:spcAft>
-              <a:buSzPts val="1400"/>
-              <a:buChar char="●"/>
-              <a:defRPr/>
-            </a:lvl7pPr>
-            <a:lvl8pPr marL="3657600" lvl="7" indent="-317500" algn="ctr">
-              <a:spcBef>
-                <a:spcPts val="0"/>
-              </a:spcBef>
-              <a:spcAft>
-                <a:spcPts val="0"/>
-              </a:spcAft>
-              <a:buSzPts val="1400"/>
-              <a:buChar char="○"/>
-              <a:defRPr/>
-            </a:lvl8pPr>
-            <a:lvl9pPr marL="4114800" lvl="8" indent="-317500" algn="ctr">
-              <a:spcBef>
-                <a:spcPts val="0"/>
-              </a:spcBef>
-              <a:spcAft>
-                <a:spcPts val="0"/>
-              </a:spcAft>
-              <a:buSzPts val="1400"/>
-              <a:buChar char="■"/>
-              <a:defRPr/>
-            </a:lvl9pPr>
-          </a:lstStyle>
-          <a:p>
-            <a:endParaRPr/>
-          </a:p>
-        </p:txBody>
-      </p:sp>
-      <p:sp>
-        <p:nvSpPr>
-          <p:cNvPr id="47" name="Google Shape;47;p11"/>
-          <p:cNvSpPr txBox="1">
-            <a:spLocks noGrp="1"/>
-          </p:cNvSpPr>
-          <p:nvPr>
-            <p:ph type="sldNum" idx="12"/>
-          </p:nvPr>
-        </p:nvSpPr>
-        <p:spPr>
-          <a:xfrm>
-            <a:off x="8472458" y="4663217"/>
-            <a:ext cx="548700" cy="393600"/>
-          </a:xfrm>
-          <a:prstGeom prst="rect">
-            <a:avLst/>
-          </a:prstGeom>
-        </p:spPr>
-        <p:txBody>
-          <a:bodyPr spcFirstLastPara="1" wrap="square" lIns="91425" tIns="91425" rIns="91425" bIns="91425" anchor="ctr" anchorCtr="0">
-            <a:normAutofit/>
-          </a:bodyPr>
-          <a:lstStyle>
-            <a:lvl1pPr lvl="0">
-              <a:buNone/>
-              <a:defRPr/>
-            </a:lvl1pPr>
-            <a:lvl2pPr lvl="1">
-              <a:buNone/>
-              <a:defRPr/>
-            </a:lvl2pPr>
-            <a:lvl3pPr lvl="2">
-              <a:buNone/>
-              <a:defRPr/>
-            </a:lvl3pPr>
-            <a:lvl4pPr lvl="3">
-              <a:buNone/>
-              <a:defRPr/>
-            </a:lvl4pPr>
-            <a:lvl5pPr lvl="4">
-              <a:buNone/>
-              <a:defRPr/>
-            </a:lvl5pPr>
-            <a:lvl6pPr lvl="5">
-              <a:buNone/>
-              <a:defRPr/>
-            </a:lvl6pPr>
-            <a:lvl7pPr lvl="6">
-              <a:buNone/>
-              <a:defRPr/>
-            </a:lvl7pPr>
-            <a:lvl8pPr lvl="7">
-              <a:buNone/>
-              <a:defRPr/>
-            </a:lvl8pPr>
-            <a:lvl9pPr lvl="8">
-              <a:buNone/>
-              <a:defRPr/>
-            </a:lvl9pPr>
-          </a:lstStyle>
-          <a:p>
-            <a:pPr marL="0" lvl="0" indent="0" algn="r" rtl="0">
-              <a:spcBef>
-                <a:spcPts val="0"/>
-              </a:spcBef>
-              <a:spcAft>
-                <a:spcPts val="0"/>
-              </a:spcAft>
-              <a:buNone/>
-            </a:pPr>
-            <a:fld id="{00000000-1234-1234-1234-123412341234}" type="slidenum">
-              <a:rPr lang="en"/>
-              <a:t>‹#›</a:t>
-            </a:fld>
-            <a:endParaRPr/>
-          </a:p>
-        </p:txBody>
-      </p:sp>
-    </p:spTree>
-  </p:cSld>
-  <p:clrMapOvr>
-    <a:masterClrMapping/>
-  </p:clrMapOvr>
-</p:sldLayout>
-</file>
-
-<file path=ppt/slideLayouts/slideLayout11.xml><?xml version="1.0" encoding="utf-8"?>
 <p:sldLayout xmlns:a="http://schemas.openxmlformats.org/drawingml/2006/main" xmlns:r="http://schemas.openxmlformats.org/officeDocument/2006/relationships" xmlns:p="http://schemas.openxmlformats.org/presentationml/2006/main" matchingName="Blank" type="blank">
   <p:cSld name="BLANK">
     <p:spTree>
@@ -2525,239 +2162,6 @@
 </file>
 
 <file path=ppt/slideLayouts/slideLayout2.xml><?xml version="1.0" encoding="utf-8"?>
-<p:sldLayout xmlns:a="http://schemas.openxmlformats.org/drawingml/2006/main" xmlns:r="http://schemas.openxmlformats.org/officeDocument/2006/relationships" xmlns:p="http://schemas.openxmlformats.org/presentationml/2006/main" matchingName="Section header" type="secHead">
-  <p:cSld name="SECTION_HEADER">
-    <p:spTree>
-      <p:nvGrpSpPr>
-        <p:cNvPr id="1" name="Shape 13"/>
-        <p:cNvGrpSpPr/>
-        <p:nvPr/>
-      </p:nvGrpSpPr>
-      <p:grpSpPr>
-        <a:xfrm>
-          <a:off x="0" y="0"/>
-          <a:ext cx="0" cy="0"/>
-          <a:chOff x="0" y="0"/>
-          <a:chExt cx="0" cy="0"/>
-        </a:xfrm>
-      </p:grpSpPr>
-      <p:sp>
-        <p:nvSpPr>
-          <p:cNvPr id="14" name="Google Shape;14;p3"/>
-          <p:cNvSpPr txBox="1">
-            <a:spLocks noGrp="1"/>
-          </p:cNvSpPr>
-          <p:nvPr>
-            <p:ph type="title"/>
-          </p:nvPr>
-        </p:nvSpPr>
-        <p:spPr>
-          <a:xfrm>
-            <a:off x="311700" y="2150850"/>
-            <a:ext cx="8520600" cy="841800"/>
-          </a:xfrm>
-          <a:prstGeom prst="rect">
-            <a:avLst/>
-          </a:prstGeom>
-        </p:spPr>
-        <p:txBody>
-          <a:bodyPr spcFirstLastPara="1" wrap="square" lIns="91425" tIns="91425" rIns="91425" bIns="91425" anchor="ctr" anchorCtr="0">
-            <a:normAutofit/>
-          </a:bodyPr>
-          <a:lstStyle>
-            <a:lvl1pPr lvl="0" algn="ctr">
-              <a:spcBef>
-                <a:spcPts val="0"/>
-              </a:spcBef>
-              <a:spcAft>
-                <a:spcPts val="0"/>
-              </a:spcAft>
-              <a:buSzPts val="3600"/>
-              <a:buNone/>
-              <a:defRPr sz="3600"/>
-            </a:lvl1pPr>
-            <a:lvl2pPr lvl="1" algn="ctr">
-              <a:spcBef>
-                <a:spcPts val="0"/>
-              </a:spcBef>
-              <a:spcAft>
-                <a:spcPts val="0"/>
-              </a:spcAft>
-              <a:buSzPts val="3600"/>
-              <a:buNone/>
-              <a:defRPr sz="3600"/>
-            </a:lvl2pPr>
-            <a:lvl3pPr lvl="2" algn="ctr">
-              <a:spcBef>
-                <a:spcPts val="0"/>
-              </a:spcBef>
-              <a:spcAft>
-                <a:spcPts val="0"/>
-              </a:spcAft>
-              <a:buSzPts val="3600"/>
-              <a:buNone/>
-              <a:defRPr sz="3600"/>
-            </a:lvl3pPr>
-            <a:lvl4pPr lvl="3" algn="ctr">
-              <a:spcBef>
-                <a:spcPts val="0"/>
-              </a:spcBef>
-              <a:spcAft>
-                <a:spcPts val="0"/>
-              </a:spcAft>
-              <a:buSzPts val="3600"/>
-              <a:buNone/>
-              <a:defRPr sz="3600"/>
-            </a:lvl4pPr>
-            <a:lvl5pPr lvl="4" algn="ctr">
-              <a:spcBef>
-                <a:spcPts val="0"/>
-              </a:spcBef>
-              <a:spcAft>
-                <a:spcPts val="0"/>
-              </a:spcAft>
-              <a:buSzPts val="3600"/>
-              <a:buNone/>
-              <a:defRPr sz="3600"/>
-            </a:lvl5pPr>
-            <a:lvl6pPr lvl="5" algn="ctr">
-              <a:spcBef>
-                <a:spcPts val="0"/>
-              </a:spcBef>
-              <a:spcAft>
-                <a:spcPts val="0"/>
-              </a:spcAft>
-              <a:buSzPts val="3600"/>
-              <a:buNone/>
-              <a:defRPr sz="3600"/>
-            </a:lvl6pPr>
-            <a:lvl7pPr lvl="6" algn="ctr">
-              <a:spcBef>
-                <a:spcPts val="0"/>
-              </a:spcBef>
-              <a:spcAft>
-                <a:spcPts val="0"/>
-              </a:spcAft>
-              <a:buSzPts val="3600"/>
-              <a:buNone/>
-              <a:defRPr sz="3600"/>
-            </a:lvl7pPr>
-            <a:lvl8pPr lvl="7" algn="ctr">
-              <a:spcBef>
-                <a:spcPts val="0"/>
-              </a:spcBef>
-              <a:spcAft>
-                <a:spcPts val="0"/>
-              </a:spcAft>
-              <a:buSzPts val="3600"/>
-              <a:buNone/>
-              <a:defRPr sz="3600"/>
-            </a:lvl8pPr>
-            <a:lvl9pPr lvl="8" algn="ctr">
-              <a:spcBef>
-                <a:spcPts val="0"/>
-              </a:spcBef>
-              <a:spcAft>
-                <a:spcPts val="0"/>
-              </a:spcAft>
-              <a:buSzPts val="3600"/>
-              <a:buNone/>
-              <a:defRPr sz="3600"/>
-            </a:lvl9pPr>
-          </a:lstStyle>
-          <a:p>
-            <a:endParaRPr/>
-          </a:p>
-        </p:txBody>
-      </p:sp>
-      <p:sp>
-        <p:nvSpPr>
-          <p:cNvPr id="15" name="Google Shape;15;p3"/>
-          <p:cNvSpPr txBox="1">
-            <a:spLocks noGrp="1"/>
-          </p:cNvSpPr>
-          <p:nvPr>
-            <p:ph type="sldNum" idx="12"/>
-          </p:nvPr>
-        </p:nvSpPr>
-        <p:spPr>
-          <a:xfrm>
-            <a:off x="8472458" y="4663217"/>
-            <a:ext cx="548700" cy="393600"/>
-          </a:xfrm>
-          <a:prstGeom prst="rect">
-            <a:avLst/>
-          </a:prstGeom>
-        </p:spPr>
-        <p:txBody>
-          <a:bodyPr spcFirstLastPara="1" wrap="square" lIns="91425" tIns="91425" rIns="91425" bIns="91425" anchor="ctr" anchorCtr="0">
-            <a:normAutofit/>
-          </a:bodyPr>
-          <a:lstStyle>
-            <a:lvl1pPr lvl="0">
-              <a:buNone/>
-              <a:defRPr/>
-            </a:lvl1pPr>
-            <a:lvl2pPr lvl="1">
-              <a:buNone/>
-              <a:defRPr/>
-            </a:lvl2pPr>
-            <a:lvl3pPr lvl="2">
-              <a:buNone/>
-              <a:defRPr/>
-            </a:lvl3pPr>
-            <a:lvl4pPr lvl="3">
-              <a:buNone/>
-              <a:defRPr/>
-            </a:lvl4pPr>
-            <a:lvl5pPr lvl="4">
-              <a:buNone/>
-              <a:defRPr/>
-            </a:lvl5pPr>
-            <a:lvl6pPr lvl="5">
-              <a:buNone/>
-              <a:defRPr/>
-            </a:lvl6pPr>
-            <a:lvl7pPr lvl="6">
-              <a:buNone/>
-              <a:defRPr/>
-            </a:lvl7pPr>
-            <a:lvl8pPr lvl="7">
-              <a:buNone/>
-              <a:defRPr/>
-            </a:lvl8pPr>
-            <a:lvl9pPr lvl="8">
-              <a:buNone/>
-              <a:defRPr/>
-            </a:lvl9pPr>
-          </a:lstStyle>
-          <a:p>
-            <a:pPr marL="0" lvl="0" indent="0" algn="r" rtl="0">
-              <a:spcBef>
-                <a:spcPts val="0"/>
-              </a:spcBef>
-              <a:spcAft>
-                <a:spcPts val="0"/>
-              </a:spcAft>
-              <a:buNone/>
-            </a:pPr>
-            <a:fld id="{00000000-1234-1234-1234-123412341234}" type="slidenum">
-              <a:rPr lang="en"/>
-              <a:t>‹#›</a:t>
-            </a:fld>
-            <a:endParaRPr/>
-          </a:p>
-        </p:txBody>
-      </p:sp>
-    </p:spTree>
-  </p:cSld>
-  <p:clrMapOvr>
-    <a:masterClrMapping/>
-  </p:clrMapOvr>
-</p:sldLayout>
-</file>
-
-<file path=ppt/slideLayouts/slideLayout3.xml><?xml version="1.0" encoding="utf-8"?>
 <p:sldLayout xmlns:a="http://schemas.openxmlformats.org/drawingml/2006/main" xmlns:r="http://schemas.openxmlformats.org/officeDocument/2006/relationships" xmlns:p="http://schemas.openxmlformats.org/presentationml/2006/main" matchingName="Title and body" type="tx">
   <p:cSld name="TITLE_AND_BODY">
     <p:spTree>
@@ -3119,7 +2523,7 @@
 </p:sldLayout>
 </file>
 
-<file path=ppt/slideLayouts/slideLayout4.xml><?xml version="1.0" encoding="utf-8"?>
+<file path=ppt/slideLayouts/slideLayout3.xml><?xml version="1.0" encoding="utf-8"?>
 <p:sldLayout xmlns:a="http://schemas.openxmlformats.org/drawingml/2006/main" xmlns:r="http://schemas.openxmlformats.org/officeDocument/2006/relationships" xmlns:p="http://schemas.openxmlformats.org/presentationml/2006/main" matchingName="Title and two columns" type="twoColTx">
   <p:cSld name="TITLE_AND_TWO_COLUMNS">
     <p:spTree>
@@ -3610,7 +3014,7 @@
 </p:sldLayout>
 </file>
 
-<file path=ppt/slideLayouts/slideLayout5.xml><?xml version="1.0" encoding="utf-8"?>
+<file path=ppt/slideLayouts/slideLayout4.xml><?xml version="1.0" encoding="utf-8"?>
 <p:sldLayout xmlns:a="http://schemas.openxmlformats.org/drawingml/2006/main" xmlns:r="http://schemas.openxmlformats.org/officeDocument/2006/relationships" xmlns:p="http://schemas.openxmlformats.org/presentationml/2006/main" matchingName="Title only" type="titleOnly">
   <p:cSld name="TITLE_ONLY">
     <p:spTree>
@@ -3843,7 +3247,7 @@
 </p:sldLayout>
 </file>
 
-<file path=ppt/slideLayouts/slideLayout6.xml><?xml version="1.0" encoding="utf-8"?>
+<file path=ppt/slideLayouts/slideLayout5.xml><?xml version="1.0" encoding="utf-8"?>
 <p:sldLayout xmlns:a="http://schemas.openxmlformats.org/drawingml/2006/main" xmlns:r="http://schemas.openxmlformats.org/officeDocument/2006/relationships" xmlns:p="http://schemas.openxmlformats.org/presentationml/2006/main" matchingName="One column text">
   <p:cSld name="ONE_COLUMN_TEXT">
     <p:spTree>
@@ -4205,7 +3609,7 @@
 </p:sldLayout>
 </file>
 
-<file path=ppt/slideLayouts/slideLayout7.xml><?xml version="1.0" encoding="utf-8"?>
+<file path=ppt/slideLayouts/slideLayout6.xml><?xml version="1.0" encoding="utf-8"?>
 <p:sldLayout xmlns:a="http://schemas.openxmlformats.org/drawingml/2006/main" xmlns:r="http://schemas.openxmlformats.org/officeDocument/2006/relationships" xmlns:p="http://schemas.openxmlformats.org/presentationml/2006/main" matchingName="Main point">
   <p:cSld name="MAIN_POINT">
     <p:spTree>
@@ -4438,7 +3842,7 @@
 </p:sldLayout>
 </file>
 
-<file path=ppt/slideLayouts/slideLayout8.xml><?xml version="1.0" encoding="utf-8"?>
+<file path=ppt/slideLayouts/slideLayout7.xml><?xml version="1.0" encoding="utf-8"?>
 <p:sldLayout xmlns:a="http://schemas.openxmlformats.org/drawingml/2006/main" xmlns:r="http://schemas.openxmlformats.org/officeDocument/2006/relationships" xmlns:p="http://schemas.openxmlformats.org/presentationml/2006/main" matchingName="Section title and description">
   <p:cSld name="SECTION_TITLE_AND_DESCRIPTION">
     <p:spTree>
@@ -4996,7 +4400,7 @@
 </p:sldLayout>
 </file>
 
-<file path=ppt/slideLayouts/slideLayout9.xml><?xml version="1.0" encoding="utf-8"?>
+<file path=ppt/slideLayouts/slideLayout8.xml><?xml version="1.0" encoding="utf-8"?>
 <p:sldLayout xmlns:a="http://schemas.openxmlformats.org/drawingml/2006/main" xmlns:r="http://schemas.openxmlformats.org/officeDocument/2006/relationships" xmlns:p="http://schemas.openxmlformats.org/presentationml/2006/main" matchingName="Caption">
   <p:cSld name="CAPTION_ONLY">
     <p:spTree>
@@ -5060,6 +4464,370 @@
       <p:sp>
         <p:nvSpPr>
           <p:cNvPr id="43" name="Google Shape;43;p10"/>
+          <p:cNvSpPr txBox="1">
+            <a:spLocks noGrp="1"/>
+          </p:cNvSpPr>
+          <p:nvPr>
+            <p:ph type="sldNum" idx="12"/>
+          </p:nvPr>
+        </p:nvSpPr>
+        <p:spPr>
+          <a:xfrm>
+            <a:off x="8472458" y="4663217"/>
+            <a:ext cx="548700" cy="393600"/>
+          </a:xfrm>
+          <a:prstGeom prst="rect">
+            <a:avLst/>
+          </a:prstGeom>
+        </p:spPr>
+        <p:txBody>
+          <a:bodyPr spcFirstLastPara="1" wrap="square" lIns="91425" tIns="91425" rIns="91425" bIns="91425" anchor="ctr" anchorCtr="0">
+            <a:normAutofit/>
+          </a:bodyPr>
+          <a:lstStyle>
+            <a:lvl1pPr lvl="0">
+              <a:buNone/>
+              <a:defRPr/>
+            </a:lvl1pPr>
+            <a:lvl2pPr lvl="1">
+              <a:buNone/>
+              <a:defRPr/>
+            </a:lvl2pPr>
+            <a:lvl3pPr lvl="2">
+              <a:buNone/>
+              <a:defRPr/>
+            </a:lvl3pPr>
+            <a:lvl4pPr lvl="3">
+              <a:buNone/>
+              <a:defRPr/>
+            </a:lvl4pPr>
+            <a:lvl5pPr lvl="4">
+              <a:buNone/>
+              <a:defRPr/>
+            </a:lvl5pPr>
+            <a:lvl6pPr lvl="5">
+              <a:buNone/>
+              <a:defRPr/>
+            </a:lvl6pPr>
+            <a:lvl7pPr lvl="6">
+              <a:buNone/>
+              <a:defRPr/>
+            </a:lvl7pPr>
+            <a:lvl8pPr lvl="7">
+              <a:buNone/>
+              <a:defRPr/>
+            </a:lvl8pPr>
+            <a:lvl9pPr lvl="8">
+              <a:buNone/>
+              <a:defRPr/>
+            </a:lvl9pPr>
+          </a:lstStyle>
+          <a:p>
+            <a:pPr marL="0" lvl="0" indent="0" algn="r" rtl="0">
+              <a:spcBef>
+                <a:spcPts val="0"/>
+              </a:spcBef>
+              <a:spcAft>
+                <a:spcPts val="0"/>
+              </a:spcAft>
+              <a:buNone/>
+            </a:pPr>
+            <a:fld id="{00000000-1234-1234-1234-123412341234}" type="slidenum">
+              <a:rPr lang="en"/>
+              <a:t>‹#›</a:t>
+            </a:fld>
+            <a:endParaRPr/>
+          </a:p>
+        </p:txBody>
+      </p:sp>
+    </p:spTree>
+  </p:cSld>
+  <p:clrMapOvr>
+    <a:masterClrMapping/>
+  </p:clrMapOvr>
+</p:sldLayout>
+</file>
+
+<file path=ppt/slideLayouts/slideLayout9.xml><?xml version="1.0" encoding="utf-8"?>
+<p:sldLayout xmlns:a="http://schemas.openxmlformats.org/drawingml/2006/main" xmlns:r="http://schemas.openxmlformats.org/officeDocument/2006/relationships" xmlns:p="http://schemas.openxmlformats.org/presentationml/2006/main" matchingName="Big number">
+  <p:cSld name="BIG_NUMBER">
+    <p:spTree>
+      <p:nvGrpSpPr>
+        <p:cNvPr id="1" name="Shape 44"/>
+        <p:cNvGrpSpPr/>
+        <p:nvPr/>
+      </p:nvGrpSpPr>
+      <p:grpSpPr>
+        <a:xfrm>
+          <a:off x="0" y="0"/>
+          <a:ext cx="0" cy="0"/>
+          <a:chOff x="0" y="0"/>
+          <a:chExt cx="0" cy="0"/>
+        </a:xfrm>
+      </p:grpSpPr>
+      <p:sp>
+        <p:nvSpPr>
+          <p:cNvPr id="45" name="Google Shape;45;p11"/>
+          <p:cNvSpPr txBox="1">
+            <a:spLocks noGrp="1"/>
+          </p:cNvSpPr>
+          <p:nvPr>
+            <p:ph type="title" hasCustomPrompt="1"/>
+          </p:nvPr>
+        </p:nvSpPr>
+        <p:spPr>
+          <a:xfrm>
+            <a:off x="311700" y="1106125"/>
+            <a:ext cx="8520600" cy="1963500"/>
+          </a:xfrm>
+          <a:prstGeom prst="rect">
+            <a:avLst/>
+          </a:prstGeom>
+        </p:spPr>
+        <p:txBody>
+          <a:bodyPr spcFirstLastPara="1" wrap="square" lIns="91425" tIns="91425" rIns="91425" bIns="91425" anchor="b" anchorCtr="0">
+            <a:normAutofit/>
+          </a:bodyPr>
+          <a:lstStyle>
+            <a:lvl1pPr lvl="0" algn="ctr">
+              <a:spcBef>
+                <a:spcPts val="0"/>
+              </a:spcBef>
+              <a:spcAft>
+                <a:spcPts val="0"/>
+              </a:spcAft>
+              <a:buSzPts val="12000"/>
+              <a:buNone/>
+              <a:defRPr sz="12000"/>
+            </a:lvl1pPr>
+            <a:lvl2pPr lvl="1" algn="ctr">
+              <a:spcBef>
+                <a:spcPts val="0"/>
+              </a:spcBef>
+              <a:spcAft>
+                <a:spcPts val="0"/>
+              </a:spcAft>
+              <a:buSzPts val="12000"/>
+              <a:buNone/>
+              <a:defRPr sz="12000"/>
+            </a:lvl2pPr>
+            <a:lvl3pPr lvl="2" algn="ctr">
+              <a:spcBef>
+                <a:spcPts val="0"/>
+              </a:spcBef>
+              <a:spcAft>
+                <a:spcPts val="0"/>
+              </a:spcAft>
+              <a:buSzPts val="12000"/>
+              <a:buNone/>
+              <a:defRPr sz="12000"/>
+            </a:lvl3pPr>
+            <a:lvl4pPr lvl="3" algn="ctr">
+              <a:spcBef>
+                <a:spcPts val="0"/>
+              </a:spcBef>
+              <a:spcAft>
+                <a:spcPts val="0"/>
+              </a:spcAft>
+              <a:buSzPts val="12000"/>
+              <a:buNone/>
+              <a:defRPr sz="12000"/>
+            </a:lvl4pPr>
+            <a:lvl5pPr lvl="4" algn="ctr">
+              <a:spcBef>
+                <a:spcPts val="0"/>
+              </a:spcBef>
+              <a:spcAft>
+                <a:spcPts val="0"/>
+              </a:spcAft>
+              <a:buSzPts val="12000"/>
+              <a:buNone/>
+              <a:defRPr sz="12000"/>
+            </a:lvl5pPr>
+            <a:lvl6pPr lvl="5" algn="ctr">
+              <a:spcBef>
+                <a:spcPts val="0"/>
+              </a:spcBef>
+              <a:spcAft>
+                <a:spcPts val="0"/>
+              </a:spcAft>
+              <a:buSzPts val="12000"/>
+              <a:buNone/>
+              <a:defRPr sz="12000"/>
+            </a:lvl6pPr>
+            <a:lvl7pPr lvl="6" algn="ctr">
+              <a:spcBef>
+                <a:spcPts val="0"/>
+              </a:spcBef>
+              <a:spcAft>
+                <a:spcPts val="0"/>
+              </a:spcAft>
+              <a:buSzPts val="12000"/>
+              <a:buNone/>
+              <a:defRPr sz="12000"/>
+            </a:lvl7pPr>
+            <a:lvl8pPr lvl="7" algn="ctr">
+              <a:spcBef>
+                <a:spcPts val="0"/>
+              </a:spcBef>
+              <a:spcAft>
+                <a:spcPts val="0"/>
+              </a:spcAft>
+              <a:buSzPts val="12000"/>
+              <a:buNone/>
+              <a:defRPr sz="12000"/>
+            </a:lvl8pPr>
+            <a:lvl9pPr lvl="8" algn="ctr">
+              <a:spcBef>
+                <a:spcPts val="0"/>
+              </a:spcBef>
+              <a:spcAft>
+                <a:spcPts val="0"/>
+              </a:spcAft>
+              <a:buSzPts val="12000"/>
+              <a:buNone/>
+              <a:defRPr sz="12000"/>
+            </a:lvl9pPr>
+          </a:lstStyle>
+          <a:p>
+            <a:r>
+              <a:t>xx%</a:t>
+            </a:r>
+          </a:p>
+        </p:txBody>
+      </p:sp>
+      <p:sp>
+        <p:nvSpPr>
+          <p:cNvPr id="46" name="Google Shape;46;p11"/>
+          <p:cNvSpPr txBox="1">
+            <a:spLocks noGrp="1"/>
+          </p:cNvSpPr>
+          <p:nvPr>
+            <p:ph type="body" idx="1"/>
+          </p:nvPr>
+        </p:nvSpPr>
+        <p:spPr>
+          <a:xfrm>
+            <a:off x="311700" y="3152225"/>
+            <a:ext cx="8520600" cy="1300800"/>
+          </a:xfrm>
+          <a:prstGeom prst="rect">
+            <a:avLst/>
+          </a:prstGeom>
+        </p:spPr>
+        <p:txBody>
+          <a:bodyPr spcFirstLastPara="1" wrap="square" lIns="91425" tIns="91425" rIns="91425" bIns="91425" anchor="t" anchorCtr="0">
+            <a:normAutofit/>
+          </a:bodyPr>
+          <a:lstStyle>
+            <a:lvl1pPr marL="457200" lvl="0" indent="-342900" algn="ctr">
+              <a:spcBef>
+                <a:spcPts val="0"/>
+              </a:spcBef>
+              <a:spcAft>
+                <a:spcPts val="0"/>
+              </a:spcAft>
+              <a:buSzPts val="1800"/>
+              <a:buChar char="●"/>
+              <a:defRPr/>
+            </a:lvl1pPr>
+            <a:lvl2pPr marL="914400" lvl="1" indent="-317500" algn="ctr">
+              <a:spcBef>
+                <a:spcPts val="0"/>
+              </a:spcBef>
+              <a:spcAft>
+                <a:spcPts val="0"/>
+              </a:spcAft>
+              <a:buSzPts val="1400"/>
+              <a:buChar char="○"/>
+              <a:defRPr/>
+            </a:lvl2pPr>
+            <a:lvl3pPr marL="1371600" lvl="2" indent="-317500" algn="ctr">
+              <a:spcBef>
+                <a:spcPts val="0"/>
+              </a:spcBef>
+              <a:spcAft>
+                <a:spcPts val="0"/>
+              </a:spcAft>
+              <a:buSzPts val="1400"/>
+              <a:buChar char="■"/>
+              <a:defRPr/>
+            </a:lvl3pPr>
+            <a:lvl4pPr marL="1828800" lvl="3" indent="-317500" algn="ctr">
+              <a:spcBef>
+                <a:spcPts val="0"/>
+              </a:spcBef>
+              <a:spcAft>
+                <a:spcPts val="0"/>
+              </a:spcAft>
+              <a:buSzPts val="1400"/>
+              <a:buChar char="●"/>
+              <a:defRPr/>
+            </a:lvl4pPr>
+            <a:lvl5pPr marL="2286000" lvl="4" indent="-317500" algn="ctr">
+              <a:spcBef>
+                <a:spcPts val="0"/>
+              </a:spcBef>
+              <a:spcAft>
+                <a:spcPts val="0"/>
+              </a:spcAft>
+              <a:buSzPts val="1400"/>
+              <a:buChar char="○"/>
+              <a:defRPr/>
+            </a:lvl5pPr>
+            <a:lvl6pPr marL="2743200" lvl="5" indent="-317500" algn="ctr">
+              <a:spcBef>
+                <a:spcPts val="0"/>
+              </a:spcBef>
+              <a:spcAft>
+                <a:spcPts val="0"/>
+              </a:spcAft>
+              <a:buSzPts val="1400"/>
+              <a:buChar char="■"/>
+              <a:defRPr/>
+            </a:lvl6pPr>
+            <a:lvl7pPr marL="3200400" lvl="6" indent="-317500" algn="ctr">
+              <a:spcBef>
+                <a:spcPts val="0"/>
+              </a:spcBef>
+              <a:spcAft>
+                <a:spcPts val="0"/>
+              </a:spcAft>
+              <a:buSzPts val="1400"/>
+              <a:buChar char="●"/>
+              <a:defRPr/>
+            </a:lvl7pPr>
+            <a:lvl8pPr marL="3657600" lvl="7" indent="-317500" algn="ctr">
+              <a:spcBef>
+                <a:spcPts val="0"/>
+              </a:spcBef>
+              <a:spcAft>
+                <a:spcPts val="0"/>
+              </a:spcAft>
+              <a:buSzPts val="1400"/>
+              <a:buChar char="○"/>
+              <a:defRPr/>
+            </a:lvl8pPr>
+            <a:lvl9pPr marL="4114800" lvl="8" indent="-317500" algn="ctr">
+              <a:spcBef>
+                <a:spcPts val="0"/>
+              </a:spcBef>
+              <a:spcAft>
+                <a:spcPts val="0"/>
+              </a:spcAft>
+              <a:buSzPts val="1400"/>
+              <a:buChar char="■"/>
+              <a:defRPr/>
+            </a:lvl9pPr>
+          </a:lstStyle>
+          <a:p>
+            <a:endParaRPr/>
+          </a:p>
+        </p:txBody>
+      </p:sp>
+      <p:sp>
+        <p:nvSpPr>
+          <p:cNvPr id="47" name="Google Shape;47;p11"/>
           <p:cNvSpPr txBox="1">
             <a:spLocks noGrp="1"/>
           </p:cNvSpPr>
@@ -5712,16 +5480,15 @@
   <p:clrMap bg1="lt1" tx1="dk1" bg2="dk2" tx2="lt2" accent1="accent1" accent2="accent2" accent3="accent3" accent4="accent4" accent5="accent5" accent6="accent6" hlink="hlink" folHlink="folHlink"/>
   <p:sldLayoutIdLst>
     <p:sldLayoutId id="2147483648" r:id="rId1"/>
-    <p:sldLayoutId id="2147483649" r:id="rId2"/>
-    <p:sldLayoutId id="2147483650" r:id="rId3"/>
-    <p:sldLayoutId id="2147483651" r:id="rId4"/>
-    <p:sldLayoutId id="2147483652" r:id="rId5"/>
-    <p:sldLayoutId id="2147483653" r:id="rId6"/>
-    <p:sldLayoutId id="2147483654" r:id="rId7"/>
-    <p:sldLayoutId id="2147483655" r:id="rId8"/>
-    <p:sldLayoutId id="2147483656" r:id="rId9"/>
-    <p:sldLayoutId id="2147483657" r:id="rId10"/>
-    <p:sldLayoutId id="2147483658" r:id="rId11"/>
+    <p:sldLayoutId id="2147483650" r:id="rId2"/>
+    <p:sldLayoutId id="2147483651" r:id="rId3"/>
+    <p:sldLayoutId id="2147483652" r:id="rId4"/>
+    <p:sldLayoutId id="2147483653" r:id="rId5"/>
+    <p:sldLayoutId id="2147483654" r:id="rId6"/>
+    <p:sldLayoutId id="2147483655" r:id="rId7"/>
+    <p:sldLayoutId id="2147483656" r:id="rId8"/>
+    <p:sldLayoutId id="2147483657" r:id="rId9"/>
+    <p:sldLayoutId id="2147483658" r:id="rId10"/>
   </p:sldLayoutIdLst>
   <p:hf sldNum="0" hdr="0" ftr="0" dt="0"/>
   <p:txStyles>
@@ -6480,6 +6247,13 @@
   <p:clrMapOvr>
     <a:masterClrMapping/>
   </p:clrMapOvr>
+  <p:timing>
+    <p:tnLst>
+      <p:par>
+        <p:cTn id="1" dur="indefinite" restart="never" nodeType="tmRoot"/>
+      </p:par>
+    </p:tnLst>
+  </p:timing>
 </p:sld>
 </file>
 
@@ -6488,7 +6262,7 @@
   <p:cSld>
     <p:spTree>
       <p:nvGrpSpPr>
-        <p:cNvPr id="1" name=""/>
+        <p:cNvPr id="1" name="Shape 145"/>
         <p:cNvGrpSpPr/>
         <p:nvPr/>
       </p:nvGrpSpPr>
@@ -6502,212 +6276,75 @@
       </p:grpSpPr>
       <p:sp>
         <p:nvSpPr>
-          <p:cNvPr id="2" name="Title 1"/>
-          <p:cNvSpPr>
+          <p:cNvPr id="146" name="Google Shape;146;p28"/>
+          <p:cNvSpPr txBox="1">
             <a:spLocks noGrp="1"/>
           </p:cNvSpPr>
           <p:nvPr>
             <p:ph type="title"/>
           </p:nvPr>
         </p:nvSpPr>
-        <p:spPr/>
+        <p:spPr>
+          <a:xfrm>
+            <a:off x="311700" y="445025"/>
+            <a:ext cx="8520600" cy="572700"/>
+          </a:xfrm>
+          <a:prstGeom prst="rect">
+            <a:avLst/>
+          </a:prstGeom>
+        </p:spPr>
         <p:txBody>
-          <a:bodyPr>
+          <a:bodyPr spcFirstLastPara="1" wrap="square" lIns="91425" tIns="91425" rIns="91425" bIns="91425" anchor="t" anchorCtr="0">
             <a:normAutofit fontScale="90000"/>
           </a:bodyPr>
           <a:lstStyle/>
           <a:p>
-            <a:r>
-              <a:rPr lang="en-US" dirty="0" smtClean="0"/>
-              <a:t>Running ib2d on Puma / Ocelot</a:t>
-            </a:r>
-            <a:endParaRPr lang="en-US" dirty="0"/>
+            <a:pPr marL="0" lvl="0" indent="0" algn="l" rtl="0">
+              <a:spcBef>
+                <a:spcPts val="0"/>
+              </a:spcBef>
+              <a:spcAft>
+                <a:spcPts val="0"/>
+              </a:spcAft>
+              <a:buNone/>
+            </a:pPr>
+            <a:r>
+              <a:rPr lang="en" dirty="0"/>
+              <a:t>You may now upload/download through the web interface</a:t>
+            </a:r>
+            <a:endParaRPr dirty="0"/>
           </a:p>
         </p:txBody>
       </p:sp>
-      <p:sp>
-        <p:nvSpPr>
-          <p:cNvPr id="3" name="Text Placeholder 2"/>
-          <p:cNvSpPr>
-            <a:spLocks noGrp="1"/>
-          </p:cNvSpPr>
-          <p:nvPr>
-            <p:ph type="body" idx="1"/>
-          </p:nvPr>
-        </p:nvSpPr>
+      <p:pic>
+        <p:nvPicPr>
+          <p:cNvPr id="147" name="Google Shape;147;p28"/>
+          <p:cNvPicPr preferRelativeResize="0"/>
+          <p:nvPr/>
+        </p:nvPicPr>
+        <p:blipFill>
+          <a:blip r:embed="rId3">
+            <a:alphaModFix/>
+          </a:blip>
+          <a:stretch>
+            <a:fillRect/>
+          </a:stretch>
+        </p:blipFill>
         <p:spPr>
           <a:xfrm>
-            <a:off x="311700" y="1152475"/>
-            <a:ext cx="8520600" cy="3788120"/>
+            <a:off x="152400" y="1170125"/>
+            <a:ext cx="8839202" cy="3449445"/>
           </a:xfrm>
+          <a:prstGeom prst="rect">
+            <a:avLst/>
+          </a:prstGeom>
+          <a:noFill/>
+          <a:ln>
+            <a:noFill/>
+          </a:ln>
         </p:spPr>
-        <p:txBody>
-          <a:bodyPr>
-            <a:normAutofit lnSpcReduction="10000"/>
-          </a:bodyPr>
-          <a:lstStyle/>
-          <a:p>
-            <a:pPr fontAlgn="base"/>
-            <a:r>
-              <a:rPr lang="en-US" dirty="0" smtClean="0"/>
-              <a:t>To upload a static version of ib2d </a:t>
-            </a:r>
-            <a:r>
-              <a:rPr lang="en-US" dirty="0"/>
-              <a:t>onto your account.</a:t>
-            </a:r>
-          </a:p>
-          <a:p>
-            <a:pPr lvl="1" fontAlgn="base"/>
-            <a:r>
-              <a:rPr lang="en-US" dirty="0"/>
-              <a:t>I would start by making an unzipped version of Ib2d, and remove all data files from running simulations (viz_ib2d, hier_ib2d).</a:t>
-            </a:r>
-          </a:p>
-          <a:p>
-            <a:pPr lvl="1" fontAlgn="base"/>
-            <a:r>
-              <a:rPr lang="en-US" dirty="0" smtClean="0"/>
-              <a:t>Option 1: Upload the folder into your directory on the cluster.</a:t>
-            </a:r>
-            <a:endParaRPr lang="en-US" dirty="0"/>
-          </a:p>
-          <a:p>
-            <a:pPr lvl="2" fontAlgn="base"/>
-            <a:r>
-              <a:rPr lang="en-US" dirty="0"/>
-              <a:t>To log into the web interface, go to </a:t>
-            </a:r>
-            <a:r>
-              <a:rPr lang="en-US" u="sng" dirty="0">
-                <a:hlinkClick r:id="rId2"/>
-              </a:rPr>
-              <a:t>https://OnDemand.hpc.arizona.edu</a:t>
-            </a:r>
-            <a:r>
-              <a:rPr lang="en-US" dirty="0"/>
-              <a:t> </a:t>
-            </a:r>
-          </a:p>
-          <a:p>
-            <a:pPr lvl="2" fontAlgn="base"/>
-            <a:r>
-              <a:rPr lang="en-US" dirty="0"/>
-              <a:t>From the </a:t>
-            </a:r>
-            <a:r>
-              <a:rPr lang="en-US" dirty="0" err="1"/>
-              <a:t>OpenOnDemand</a:t>
-            </a:r>
-            <a:r>
-              <a:rPr lang="en-US" dirty="0"/>
-              <a:t> portal, select files and home directory</a:t>
-            </a:r>
-          </a:p>
-          <a:p>
-            <a:pPr lvl="2" fontAlgn="base"/>
-            <a:r>
-              <a:rPr lang="en-US" dirty="0"/>
-              <a:t>You may now upload/download through the web interface using drag and drop from your computer</a:t>
-            </a:r>
-            <a:r>
-              <a:rPr lang="en-US" dirty="0" smtClean="0"/>
-              <a:t>.</a:t>
-            </a:r>
-          </a:p>
-          <a:p>
-            <a:pPr lvl="1" fontAlgn="base"/>
-            <a:r>
-              <a:rPr lang="en-US" dirty="0" smtClean="0"/>
-              <a:t>Option 2: Use the terminal</a:t>
-            </a:r>
-          </a:p>
-          <a:p>
-            <a:pPr lvl="2" fontAlgn="base"/>
-            <a:r>
-              <a:rPr lang="en-US" dirty="0"/>
-              <a:t>You may want </a:t>
-            </a:r>
-            <a:r>
-              <a:rPr lang="en-US" dirty="0" smtClean="0"/>
-              <a:t>to first </a:t>
-            </a:r>
-            <a:r>
-              <a:rPr lang="en-US" dirty="0"/>
-              <a:t>cd to the directory where ib2d lives. For example, </a:t>
-            </a:r>
-            <a:r>
-              <a:rPr lang="en-US" dirty="0" smtClean="0"/>
-              <a:t>if ib2d is on your desktop, cd </a:t>
-            </a:r>
-            <a:r>
-              <a:rPr lang="en-US" dirty="0"/>
-              <a:t>C:/Users/lam9/Desktop</a:t>
-            </a:r>
-          </a:p>
-          <a:p>
-            <a:pPr lvl="2" fontAlgn="base"/>
-            <a:r>
-              <a:rPr lang="en-US" dirty="0"/>
-              <a:t>Now type </a:t>
-            </a:r>
-            <a:r>
-              <a:rPr lang="en-US" dirty="0" err="1"/>
-              <a:t>sftp</a:t>
-            </a:r>
-            <a:r>
-              <a:rPr lang="en-US" dirty="0"/>
-              <a:t> </a:t>
-            </a:r>
-            <a:r>
-              <a:rPr lang="en-US" u="sng" dirty="0">
-                <a:hlinkClick r:id="rId3"/>
-              </a:rPr>
-              <a:t>netid@filexfer.hpc.arizona.edu</a:t>
-            </a:r>
-            <a:r>
-              <a:rPr lang="en-US" dirty="0"/>
-              <a:t>. You will need to use 2-step authentication again.</a:t>
-            </a:r>
-          </a:p>
-          <a:p>
-            <a:pPr lvl="2" fontAlgn="base"/>
-            <a:r>
-              <a:rPr lang="en-US" dirty="0"/>
-              <a:t>To put the entire ib2d folder in your home directory, type </a:t>
-            </a:r>
-            <a:r>
-              <a:rPr lang="en-US" sz="1600" dirty="0"/>
-              <a:t>put -r </a:t>
-            </a:r>
-            <a:r>
-              <a:rPr lang="en-US" sz="1600" dirty="0" smtClean="0"/>
-              <a:t>ib2d</a:t>
-            </a:r>
-          </a:p>
-          <a:p>
-            <a:pPr lvl="3" fontAlgn="base"/>
-            <a:r>
-              <a:rPr lang="en-US" dirty="0" smtClean="0"/>
-              <a:t>If you did not cd to the folder where ib2d lives, you need to type put -r /Path/to/ib2d</a:t>
-            </a:r>
-            <a:endParaRPr lang="en-US" dirty="0"/>
-          </a:p>
-          <a:p>
-            <a:pPr lvl="2" fontAlgn="base"/>
-            <a:endParaRPr lang="en-US" dirty="0"/>
-          </a:p>
-          <a:p>
-            <a:endParaRPr lang="en-US" dirty="0"/>
-          </a:p>
-        </p:txBody>
-      </p:sp>
+      </p:pic>
     </p:spTree>
-    <p:extLst>
-      <p:ext uri="{BB962C8B-B14F-4D97-AF65-F5344CB8AC3E}">
-        <p14:creationId xmlns:p14="http://schemas.microsoft.com/office/powerpoint/2010/main" val="486341022"/>
-      </p:ext>
-    </p:extLst>
   </p:cSld>
   <p:clrMapOvr>
     <a:masterClrMapping/>
@@ -6751,15 +6388,7 @@
           <a:p>
             <a:r>
               <a:rPr lang="en-US" dirty="0" smtClean="0"/>
-              <a:t>Using </a:t>
-            </a:r>
-            <a:r>
-              <a:rPr lang="en-US" dirty="0" err="1" smtClean="0"/>
-              <a:t>git</a:t>
-            </a:r>
-            <a:r>
-              <a:rPr lang="en-US" dirty="0" smtClean="0"/>
-              <a:t> on your HPC account to get and update ib2d</a:t>
+              <a:t>Running ib2d on Puma / Ocelot</a:t>
             </a:r>
             <a:endParaRPr lang="en-US" dirty="0"/>
           </a:p>
@@ -6778,151 +6407,174 @@
         <p:spPr>
           <a:xfrm>
             <a:off x="311700" y="1152475"/>
-            <a:ext cx="8520600" cy="2027143"/>
+            <a:ext cx="8520600" cy="3788120"/>
           </a:xfrm>
         </p:spPr>
         <p:txBody>
           <a:bodyPr>
-            <a:normAutofit fontScale="92500" lnSpcReduction="20000"/>
+            <a:normAutofit lnSpcReduction="10000"/>
           </a:bodyPr>
           <a:lstStyle/>
           <a:p>
+            <a:pPr fontAlgn="base"/>
             <a:r>
               <a:rPr lang="en-US" dirty="0" smtClean="0"/>
-              <a:t>To clone ib2d onto your account</a:t>
-            </a:r>
-          </a:p>
-          <a:p>
-            <a:pPr lvl="1"/>
+              <a:t>To upload a static version of ib2d </a:t>
+            </a:r>
+            <a:r>
+              <a:rPr lang="en-US" dirty="0"/>
+              <a:t>onto your account.</a:t>
+            </a:r>
+          </a:p>
+          <a:p>
+            <a:pPr lvl="1" fontAlgn="base"/>
+            <a:r>
+              <a:rPr lang="en-US" dirty="0"/>
+              <a:t>I would start by making an unzipped version of Ib2d, and remove all data files from running simulations (viz_ib2d, hier_ib2d).</a:t>
+            </a:r>
+          </a:p>
+          <a:p>
+            <a:pPr lvl="1" fontAlgn="base"/>
             <a:r>
               <a:rPr lang="en-US" dirty="0" smtClean="0"/>
-              <a:t>Type </a:t>
-            </a:r>
-            <a:r>
-              <a:rPr lang="en-US" dirty="0" err="1" smtClean="0"/>
-              <a:t>git</a:t>
-            </a:r>
+              <a:t>Option 1: Upload the folder into your directory on the cluster.</a:t>
+            </a:r>
+            <a:endParaRPr lang="en-US" dirty="0"/>
+          </a:p>
+          <a:p>
+            <a:pPr lvl="2" fontAlgn="base"/>
             <a:r>
               <a:rPr lang="en-US" dirty="0"/>
-              <a:t> clone </a:t>
-            </a:r>
-            <a:r>
-              <a:rPr lang="en-US" dirty="0">
+              <a:t>To log into the web interface, go to </a:t>
+            </a:r>
+            <a:r>
+              <a:rPr lang="en-US" u="sng" dirty="0">
                 <a:hlinkClick r:id="rId2"/>
               </a:rPr>
-              <a:t>https://</a:t>
-            </a:r>
-            <a:r>
-              <a:rPr lang="en-US" dirty="0" smtClean="0">
-                <a:hlinkClick r:id="rId2"/>
-              </a:rPr>
-              <a:t>github.com/nickabattista/IB2d.git</a:t>
-            </a:r>
-            <a:endParaRPr lang="en-US" dirty="0" smtClean="0"/>
-          </a:p>
-          <a:p>
+              <a:t>https://OnDemand.hpc.arizona.edu</a:t>
+            </a:r>
+            <a:r>
+              <a:rPr lang="en-US" dirty="0"/>
+              <a:t> </a:t>
+            </a:r>
+          </a:p>
+          <a:p>
+            <a:pPr lvl="2" fontAlgn="base"/>
+            <a:r>
+              <a:rPr lang="en-US" dirty="0"/>
+              <a:t>From the </a:t>
+            </a:r>
+            <a:r>
+              <a:rPr lang="en-US" dirty="0" err="1"/>
+              <a:t>OpenOnDemand</a:t>
+            </a:r>
+            <a:r>
+              <a:rPr lang="en-US" dirty="0"/>
+              <a:t> portal, select files and home directory</a:t>
+            </a:r>
+          </a:p>
+          <a:p>
+            <a:pPr lvl="2" fontAlgn="base"/>
+            <a:r>
+              <a:rPr lang="en-US" dirty="0"/>
+              <a:t>You may now upload/download through the web interface using drag and drop from your computer</a:t>
+            </a:r>
             <a:r>
               <a:rPr lang="en-US" dirty="0" smtClean="0"/>
-              <a:t>To update ib2d</a:t>
-            </a:r>
-          </a:p>
-          <a:p>
-            <a:pPr lvl="1"/>
+              <a:t>.</a:t>
+            </a:r>
+          </a:p>
+          <a:p>
+            <a:pPr lvl="1" fontAlgn="base"/>
             <a:r>
               <a:rPr lang="en-US" dirty="0" smtClean="0"/>
-              <a:t>Cd into the ib2d folder</a:t>
-            </a:r>
-          </a:p>
-          <a:p>
-            <a:pPr lvl="1"/>
+              <a:t>Option 2: Use the terminal</a:t>
+            </a:r>
+          </a:p>
+          <a:p>
+            <a:pPr lvl="2" fontAlgn="base"/>
+            <a:r>
+              <a:rPr lang="en-US" dirty="0"/>
+              <a:t>You may want </a:t>
+            </a:r>
             <a:r>
               <a:rPr lang="en-US" dirty="0" smtClean="0"/>
-              <a:t>Type </a:t>
-            </a:r>
-            <a:r>
-              <a:rPr lang="en-US" dirty="0" err="1" smtClean="0"/>
-              <a:t>git</a:t>
+              <a:t>to first </a:t>
+            </a:r>
+            <a:r>
+              <a:rPr lang="en-US" dirty="0"/>
+              <a:t>cd to the directory where ib2d lives. For example, </a:t>
             </a:r>
             <a:r>
               <a:rPr lang="en-US" dirty="0" smtClean="0"/>
-              <a:t> pull origin master</a:t>
-            </a:r>
-          </a:p>
-          <a:p>
+              <a:t>if ib2d is on your desktop, cd </a:t>
+            </a:r>
+            <a:r>
+              <a:rPr lang="en-US" dirty="0"/>
+              <a:t>C:/Users/lam9/Desktop</a:t>
+            </a:r>
+          </a:p>
+          <a:p>
+            <a:pPr lvl="2" fontAlgn="base"/>
+            <a:r>
+              <a:rPr lang="en-US" dirty="0"/>
+              <a:t>Now type </a:t>
+            </a:r>
+            <a:r>
+              <a:rPr lang="en-US" dirty="0" err="1"/>
+              <a:t>sftp</a:t>
+            </a:r>
+            <a:r>
+              <a:rPr lang="en-US" dirty="0"/>
+              <a:t> </a:t>
+            </a:r>
+            <a:r>
+              <a:rPr lang="en-US" u="sng" dirty="0">
+                <a:hlinkClick r:id="rId3"/>
+              </a:rPr>
+              <a:t>netid@filexfer.hpc.arizona.edu</a:t>
+            </a:r>
+            <a:r>
+              <a:rPr lang="en-US" dirty="0"/>
+              <a:t>. You will need to use 2-step authentication again.</a:t>
+            </a:r>
+          </a:p>
+          <a:p>
+            <a:pPr lvl="2" fontAlgn="base"/>
+            <a:r>
+              <a:rPr lang="en-US" dirty="0"/>
+              <a:t>To put the entire ib2d folder in your home directory, type </a:t>
+            </a:r>
+            <a:r>
+              <a:rPr lang="en-US" sz="1600" dirty="0"/>
+              <a:t>put -r </a:t>
+            </a:r>
+            <a:r>
+              <a:rPr lang="en-US" sz="1600" dirty="0" smtClean="0"/>
+              <a:t>ib2d</a:t>
+            </a:r>
+          </a:p>
+          <a:p>
+            <a:pPr lvl="3" fontAlgn="base"/>
             <a:r>
               <a:rPr lang="en-US" dirty="0" smtClean="0"/>
-              <a:t>Tutorials on </a:t>
-            </a:r>
-            <a:r>
-              <a:rPr lang="en-US" dirty="0" err="1" smtClean="0"/>
-              <a:t>git</a:t>
-            </a:r>
-            <a:r>
-              <a:rPr lang="en-US" dirty="0" smtClean="0"/>
-              <a:t> from the command line</a:t>
-            </a:r>
-          </a:p>
-          <a:p>
-            <a:pPr lvl="1"/>
-            <a:r>
-              <a:rPr lang="en-US" dirty="0">
-                <a:hlinkClick r:id="rId3"/>
-              </a:rPr>
-              <a:t>https://</a:t>
-            </a:r>
-            <a:r>
-              <a:rPr lang="en-US" dirty="0" smtClean="0">
-                <a:hlinkClick r:id="rId3"/>
-              </a:rPr>
-              <a:t>git-scm.com/docs/gittutorial</a:t>
-            </a:r>
-            <a:endParaRPr lang="en-US" dirty="0" smtClean="0"/>
-          </a:p>
-          <a:p>
-            <a:r>
-              <a:rPr lang="en-US" dirty="0" smtClean="0"/>
-              <a:t>Screenshot where I removed my old versions of ib2d and used </a:t>
-            </a:r>
-            <a:r>
-              <a:rPr lang="en-US" dirty="0" err="1" smtClean="0"/>
-              <a:t>git</a:t>
-            </a:r>
-            <a:r>
-              <a:rPr lang="en-US" dirty="0" smtClean="0"/>
-              <a:t> clone:</a:t>
-            </a:r>
+              <a:t>If you did not cd to the folder where ib2d lives, you need to type put -r /Path/to/ib2d</a:t>
+            </a:r>
+            <a:endParaRPr lang="en-US" dirty="0"/>
+          </a:p>
+          <a:p>
+            <a:pPr lvl="2" fontAlgn="base"/>
+            <a:endParaRPr lang="en-US" dirty="0"/>
+          </a:p>
+          <a:p>
             <a:endParaRPr lang="en-US" dirty="0"/>
           </a:p>
         </p:txBody>
       </p:sp>
-      <p:pic>
-        <p:nvPicPr>
-          <p:cNvPr id="6" name="Picture 5"/>
-          <p:cNvPicPr>
-            <a:picLocks noChangeAspect="1"/>
-          </p:cNvPicPr>
-          <p:nvPr/>
-        </p:nvPicPr>
-        <p:blipFill>
-          <a:blip r:embed="rId4"/>
-          <a:stretch>
-            <a:fillRect/>
-          </a:stretch>
-        </p:blipFill>
-        <p:spPr>
-          <a:xfrm>
-            <a:off x="1519453" y="3098656"/>
-            <a:ext cx="6105093" cy="1679567"/>
-          </a:xfrm>
-          <a:prstGeom prst="rect">
-            <a:avLst/>
-          </a:prstGeom>
-        </p:spPr>
-      </p:pic>
     </p:spTree>
     <p:extLst>
       <p:ext uri="{BB962C8B-B14F-4D97-AF65-F5344CB8AC3E}">
-        <p14:creationId xmlns:p14="http://schemas.microsoft.com/office/powerpoint/2010/main" val="361089948"/>
+        <p14:creationId xmlns:p14="http://schemas.microsoft.com/office/powerpoint/2010/main" val="486341022"/>
       </p:ext>
     </p:extLst>
   </p:cSld>
@@ -6968,7 +6620,15 @@
           <a:p>
             <a:r>
               <a:rPr lang="en-US" dirty="0" smtClean="0"/>
-              <a:t>A separate folder for your ib2d simulations</a:t>
+              <a:t>Using </a:t>
+            </a:r>
+            <a:r>
+              <a:rPr lang="en-US" dirty="0" err="1" smtClean="0"/>
+              <a:t>git</a:t>
+            </a:r>
+            <a:r>
+              <a:rPr lang="en-US" dirty="0" smtClean="0"/>
+              <a:t> on your HPC account to get and update ib2d</a:t>
             </a:r>
             <a:endParaRPr lang="en-US" dirty="0"/>
           </a:p>
@@ -6987,66 +6647,18 @@
         <p:spPr>
           <a:xfrm>
             <a:off x="311700" y="1152475"/>
-            <a:ext cx="8520600" cy="3904434"/>
+            <a:ext cx="8520600" cy="2027143"/>
           </a:xfrm>
         </p:spPr>
         <p:txBody>
           <a:bodyPr>
-            <a:normAutofit lnSpcReduction="10000"/>
+            <a:normAutofit fontScale="92500" lnSpcReduction="20000"/>
           </a:bodyPr>
           <a:lstStyle/>
           <a:p>
             <a:r>
               <a:rPr lang="en-US" dirty="0" smtClean="0"/>
-              <a:t>It’s a good idea to run your ib2d simulations outside of the ib2d-master folder</a:t>
-            </a:r>
-            <a:r>
-              <a:rPr lang="en-US" dirty="0" smtClean="0"/>
-              <a:t>.</a:t>
-            </a:r>
-          </a:p>
-          <a:p>
-            <a:pPr lvl="1"/>
-            <a:r>
-              <a:rPr lang="en-US" dirty="0" smtClean="0"/>
-              <a:t>This makes it easy to update ib2d.</a:t>
-            </a:r>
-          </a:p>
-          <a:p>
-            <a:pPr lvl="1"/>
-            <a:r>
-              <a:rPr lang="en-US" dirty="0" smtClean="0"/>
-              <a:t>You can also store simulation data in a temporary folder.</a:t>
-            </a:r>
-            <a:endParaRPr lang="en-US" dirty="0" smtClean="0"/>
-          </a:p>
-          <a:p>
-            <a:r>
-              <a:rPr lang="en-US" dirty="0" smtClean="0"/>
-              <a:t>To get the examples to work, you need to add the path to </a:t>
-            </a:r>
-            <a:r>
-              <a:rPr lang="en-US" dirty="0" err="1" smtClean="0"/>
-              <a:t>IBM_Blackbox</a:t>
-            </a:r>
-            <a:r>
-              <a:rPr lang="en-US" dirty="0" smtClean="0"/>
-              <a:t> to your main2d file.</a:t>
-            </a:r>
-          </a:p>
-          <a:p>
-            <a:pPr lvl="1"/>
-            <a:r>
-              <a:rPr lang="en-US" dirty="0" smtClean="0"/>
-              <a:t>Cd to where </a:t>
-            </a:r>
-            <a:r>
-              <a:rPr lang="en-US" dirty="0" err="1" smtClean="0"/>
-              <a:t>IBM_Blackbox</a:t>
-            </a:r>
-            <a:r>
-              <a:rPr lang="en-US" dirty="0" smtClean="0"/>
-              <a:t> lives.</a:t>
+              <a:t>To clone ib2d onto your account</a:t>
             </a:r>
           </a:p>
           <a:p>
@@ -7057,185 +6669,119 @@
             </a:r>
             <a:r>
               <a:rPr lang="en-US" dirty="0" err="1" smtClean="0"/>
-              <a:t>pwd</a:t>
-            </a:r>
+              <a:t>git</a:t>
+            </a:r>
+            <a:r>
+              <a:rPr lang="en-US" dirty="0"/>
+              <a:t> clone </a:t>
+            </a:r>
+            <a:r>
+              <a:rPr lang="en-US" dirty="0">
+                <a:hlinkClick r:id="rId2"/>
+              </a:rPr>
+              <a:t>https://</a:t>
+            </a:r>
+            <a:r>
+              <a:rPr lang="en-US" dirty="0" smtClean="0">
+                <a:hlinkClick r:id="rId2"/>
+              </a:rPr>
+              <a:t>github.com/nickabattista/IB2d.git</a:t>
+            </a:r>
+            <a:endParaRPr lang="en-US" dirty="0" smtClean="0"/>
+          </a:p>
+          <a:p>
             <a:r>
               <a:rPr lang="en-US" dirty="0" smtClean="0"/>
-              <a:t> to get the </a:t>
-            </a:r>
-            <a:r>
-              <a:rPr lang="en-US" dirty="0"/>
-              <a:t>working directory </a:t>
-            </a:r>
+              <a:t>To update ib2d</a:t>
+            </a:r>
+          </a:p>
+          <a:p>
+            <a:pPr lvl="1"/>
             <a:r>
               <a:rPr lang="en-US" dirty="0" smtClean="0"/>
-              <a:t>- /</a:t>
-            </a:r>
-            <a:r>
-              <a:rPr lang="en-US" dirty="0"/>
-              <a:t>home/u29/lauram9/IB2d/matIB2d/</a:t>
-            </a:r>
-            <a:r>
-              <a:rPr lang="en-US" dirty="0" err="1"/>
-              <a:t>IBM_Blackbox</a:t>
-            </a:r>
-            <a:endParaRPr lang="en-US" dirty="0"/>
-          </a:p>
-          <a:p>
-            <a:pPr marL="596900" lvl="1" indent="0">
-              <a:buNone/>
-            </a:pPr>
+              <a:t>Cd into the ib2d folder</a:t>
+            </a:r>
+          </a:p>
+          <a:p>
+            <a:pPr lvl="1"/>
             <a:r>
               <a:rPr lang="en-US" dirty="0" smtClean="0"/>
-              <a:t> </a:t>
+              <a:t>Type </a:t>
+            </a:r>
+            <a:r>
+              <a:rPr lang="en-US" dirty="0" err="1" smtClean="0"/>
+              <a:t>git</a:t>
+            </a:r>
+            <a:r>
+              <a:rPr lang="en-US" dirty="0" smtClean="0"/>
+              <a:t> pull origin master</a:t>
+            </a:r>
+          </a:p>
+          <a:p>
+            <a:r>
+              <a:rPr lang="en-US" dirty="0" smtClean="0"/>
+              <a:t>Tutorials on </a:t>
+            </a:r>
+            <a:r>
+              <a:rPr lang="en-US" dirty="0" err="1" smtClean="0"/>
+              <a:t>git</a:t>
+            </a:r>
+            <a:r>
+              <a:rPr lang="en-US" dirty="0" smtClean="0"/>
+              <a:t> from the command line</a:t>
             </a:r>
           </a:p>
           <a:p>
             <a:pPr lvl="1"/>
-            <a:endParaRPr lang="en-US" dirty="0"/>
-          </a:p>
-          <a:p>
-            <a:pPr lvl="1"/>
+            <a:r>
+              <a:rPr lang="en-US" dirty="0">
+                <a:hlinkClick r:id="rId3"/>
+              </a:rPr>
+              <a:t>https://</a:t>
+            </a:r>
+            <a:r>
+              <a:rPr lang="en-US" dirty="0" smtClean="0">
+                <a:hlinkClick r:id="rId3"/>
+              </a:rPr>
+              <a:t>git-scm.com/docs/gittutorial</a:t>
+            </a:r>
             <a:endParaRPr lang="en-US" dirty="0" smtClean="0"/>
           </a:p>
           <a:p>
-            <a:pPr lvl="1"/>
-            <a:endParaRPr lang="en-US" dirty="0"/>
-          </a:p>
-          <a:p>
-            <a:pPr lvl="1"/>
             <a:r>
               <a:rPr lang="en-US" dirty="0" smtClean="0"/>
-              <a:t>In main2d.m</a:t>
-            </a:r>
-          </a:p>
-          <a:p>
-            <a:pPr marL="596900" lvl="1" indent="0">
-              <a:buNone/>
-            </a:pPr>
+              <a:t>Screenshot where I removed my old versions of ib2d and used </a:t>
+            </a:r>
+            <a:r>
+              <a:rPr lang="en-US" dirty="0" err="1" smtClean="0"/>
+              <a:t>git</a:t>
+            </a:r>
             <a:r>
               <a:rPr lang="en-US" dirty="0" smtClean="0"/>
-              <a:t>	</a:t>
-            </a:r>
-            <a:r>
-              <a:rPr lang="en-US" dirty="0" err="1" smtClean="0"/>
-              <a:t>addpath</a:t>
-            </a:r>
-            <a:r>
-              <a:rPr lang="en-US" dirty="0"/>
-              <a:t>('../</a:t>
-            </a:r>
-            <a:r>
-              <a:rPr lang="en-US" dirty="0" err="1"/>
-              <a:t>IBM_Blackbox</a:t>
-            </a:r>
-            <a:r>
-              <a:rPr lang="en-US" dirty="0"/>
-              <a:t>/','../../</a:t>
-            </a:r>
-            <a:r>
-              <a:rPr lang="en-US" dirty="0" err="1"/>
-              <a:t>IBM_Blackbox</a:t>
-            </a:r>
-            <a:r>
-              <a:rPr lang="en-US" dirty="0"/>
-              <a:t>/','../../../</a:t>
-            </a:r>
-            <a:r>
-              <a:rPr lang="en-US" dirty="0" err="1"/>
-              <a:t>IBM_Blackbox</a:t>
-            </a:r>
-            <a:r>
-              <a:rPr lang="en-US" dirty="0" smtClean="0"/>
-              <a:t>/','.././../../</a:t>
-            </a:r>
-            <a:r>
-              <a:rPr lang="en-US" dirty="0" err="1"/>
-              <a:t>IBM_Blackbox</a:t>
-            </a:r>
-            <a:r>
-              <a:rPr lang="en-US" dirty="0"/>
-              <a:t>/');</a:t>
-            </a:r>
-          </a:p>
-          <a:p>
-            <a:pPr marL="596900" lvl="1" indent="0">
-              <a:buNone/>
-            </a:pPr>
-            <a:r>
-              <a:rPr lang="en-US" dirty="0" smtClean="0"/>
-              <a:t>	Change to </a:t>
-            </a:r>
-            <a:r>
-              <a:rPr lang="en-US" dirty="0" smtClean="0"/>
-              <a:t>(my example, your path will be different)</a:t>
-            </a:r>
-            <a:endParaRPr lang="en-US" dirty="0" smtClean="0"/>
-          </a:p>
-          <a:p>
-            <a:pPr marL="596900" lvl="1" indent="0">
-              <a:buNone/>
-            </a:pPr>
-            <a:r>
-              <a:rPr lang="en-US" dirty="0" smtClean="0"/>
-              <a:t>	</a:t>
-            </a:r>
-            <a:r>
-              <a:rPr lang="en-US" dirty="0" err="1" smtClean="0"/>
-              <a:t>addpath</a:t>
-            </a:r>
-            <a:r>
-              <a:rPr lang="en-US" dirty="0" smtClean="0"/>
-              <a:t>(</a:t>
-            </a:r>
-            <a:r>
-              <a:rPr lang="en-US" dirty="0"/>
-              <a:t>'</a:t>
-            </a:r>
-            <a:r>
-              <a:rPr lang="en-US" dirty="0" smtClean="0"/>
-              <a:t>/home/u29/lauram9/IB2d/matIB2d/</a:t>
-            </a:r>
-            <a:r>
-              <a:rPr lang="en-US" dirty="0" err="1" smtClean="0"/>
-              <a:t>IBM_Blackbox</a:t>
-            </a:r>
-            <a:r>
-              <a:rPr lang="en-US" dirty="0"/>
-              <a:t>'</a:t>
-            </a:r>
-            <a:r>
-              <a:rPr lang="en-US" dirty="0" smtClean="0"/>
-              <a:t>)</a:t>
-            </a:r>
-            <a:endParaRPr lang="en-US" dirty="0"/>
-          </a:p>
-          <a:p>
-            <a:pPr marL="596900" lvl="1" indent="0">
-              <a:buNone/>
-            </a:pPr>
+              <a:t> clone:</a:t>
+            </a:r>
             <a:endParaRPr lang="en-US" dirty="0"/>
           </a:p>
         </p:txBody>
       </p:sp>
       <p:pic>
         <p:nvPicPr>
-          <p:cNvPr id="4" name="Picture 3"/>
+          <p:cNvPr id="6" name="Picture 5"/>
           <p:cNvPicPr>
             <a:picLocks noChangeAspect="1"/>
           </p:cNvPicPr>
           <p:nvPr/>
         </p:nvPicPr>
         <p:blipFill>
-          <a:blip r:embed="rId2"/>
+          <a:blip r:embed="rId4"/>
           <a:stretch>
             <a:fillRect/>
           </a:stretch>
         </p:blipFill>
         <p:spPr>
           <a:xfrm>
-            <a:off x="2489055" y="3104692"/>
-            <a:ext cx="3971925" cy="704850"/>
+            <a:off x="1519453" y="3098656"/>
+            <a:ext cx="6105093" cy="1679567"/>
           </a:xfrm>
           <a:prstGeom prst="rect">
             <a:avLst/>
@@ -7245,7 +6791,7 @@
     </p:spTree>
     <p:extLst>
       <p:ext uri="{BB962C8B-B14F-4D97-AF65-F5344CB8AC3E}">
-        <p14:creationId xmlns:p14="http://schemas.microsoft.com/office/powerpoint/2010/main" val="3347245325"/>
+        <p14:creationId xmlns:p14="http://schemas.microsoft.com/office/powerpoint/2010/main" val="361089948"/>
       </p:ext>
     </p:extLst>
   </p:cSld>
@@ -7291,6 +6837,319 @@
           <a:p>
             <a:r>
               <a:rPr lang="en-US" dirty="0" smtClean="0"/>
+              <a:t>A separate folder for your ib2d simulations</a:t>
+            </a:r>
+            <a:endParaRPr lang="en-US" dirty="0"/>
+          </a:p>
+        </p:txBody>
+      </p:sp>
+      <p:sp>
+        <p:nvSpPr>
+          <p:cNvPr id="3" name="Text Placeholder 2"/>
+          <p:cNvSpPr>
+            <a:spLocks noGrp="1"/>
+          </p:cNvSpPr>
+          <p:nvPr>
+            <p:ph type="body" idx="1"/>
+          </p:nvPr>
+        </p:nvSpPr>
+        <p:spPr>
+          <a:xfrm>
+            <a:off x="311700" y="1152475"/>
+            <a:ext cx="8520600" cy="3904434"/>
+          </a:xfrm>
+        </p:spPr>
+        <p:txBody>
+          <a:bodyPr>
+            <a:normAutofit lnSpcReduction="10000"/>
+          </a:bodyPr>
+          <a:lstStyle/>
+          <a:p>
+            <a:r>
+              <a:rPr lang="en-US" dirty="0" smtClean="0"/>
+              <a:t>It’s a good idea to run your ib2d simulations outside of the ib2d-master folder.</a:t>
+            </a:r>
+          </a:p>
+          <a:p>
+            <a:pPr lvl="1"/>
+            <a:r>
+              <a:rPr lang="en-US" dirty="0" smtClean="0"/>
+              <a:t>This makes it easy to update ib2d.</a:t>
+            </a:r>
+          </a:p>
+          <a:p>
+            <a:pPr lvl="1"/>
+            <a:r>
+              <a:rPr lang="en-US" dirty="0" smtClean="0"/>
+              <a:t>You can also store simulation data in a temporary folder.</a:t>
+            </a:r>
+          </a:p>
+          <a:p>
+            <a:r>
+              <a:rPr lang="en-US" dirty="0" smtClean="0"/>
+              <a:t>To get the examples to work, you need to add the path to </a:t>
+            </a:r>
+            <a:r>
+              <a:rPr lang="en-US" dirty="0" err="1" smtClean="0"/>
+              <a:t>IBM_Blackbox</a:t>
+            </a:r>
+            <a:r>
+              <a:rPr lang="en-US" dirty="0" smtClean="0"/>
+              <a:t> to your main2d file.</a:t>
+            </a:r>
+          </a:p>
+          <a:p>
+            <a:pPr lvl="1"/>
+            <a:r>
+              <a:rPr lang="en-US" dirty="0" smtClean="0"/>
+              <a:t>Cd to where </a:t>
+            </a:r>
+            <a:r>
+              <a:rPr lang="en-US" dirty="0" err="1" smtClean="0"/>
+              <a:t>IBM_Blackbox</a:t>
+            </a:r>
+            <a:r>
+              <a:rPr lang="en-US" dirty="0" smtClean="0"/>
+              <a:t> lives.</a:t>
+            </a:r>
+          </a:p>
+          <a:p>
+            <a:pPr lvl="1"/>
+            <a:r>
+              <a:rPr lang="en-US" dirty="0" smtClean="0"/>
+              <a:t>Type </a:t>
+            </a:r>
+            <a:r>
+              <a:rPr lang="en-US" dirty="0" err="1" smtClean="0"/>
+              <a:t>pwd</a:t>
+            </a:r>
+            <a:r>
+              <a:rPr lang="en-US" dirty="0" smtClean="0"/>
+              <a:t> to get the </a:t>
+            </a:r>
+            <a:r>
+              <a:rPr lang="en-US" dirty="0"/>
+              <a:t>working directory </a:t>
+            </a:r>
+            <a:r>
+              <a:rPr lang="en-US" dirty="0" smtClean="0"/>
+              <a:t>- /</a:t>
+            </a:r>
+            <a:r>
+              <a:rPr lang="en-US" dirty="0"/>
+              <a:t>home/u29/lauram9/IB2d/matIB2d/</a:t>
+            </a:r>
+            <a:r>
+              <a:rPr lang="en-US" dirty="0" err="1"/>
+              <a:t>IBM_Blackbox</a:t>
+            </a:r>
+            <a:endParaRPr lang="en-US" dirty="0"/>
+          </a:p>
+          <a:p>
+            <a:pPr marL="596900" lvl="1" indent="0">
+              <a:buNone/>
+            </a:pPr>
+            <a:r>
+              <a:rPr lang="en-US" dirty="0" smtClean="0"/>
+              <a:t> </a:t>
+            </a:r>
+          </a:p>
+          <a:p>
+            <a:pPr lvl="1"/>
+            <a:endParaRPr lang="en-US" dirty="0"/>
+          </a:p>
+          <a:p>
+            <a:pPr lvl="1"/>
+            <a:endParaRPr lang="en-US" dirty="0" smtClean="0"/>
+          </a:p>
+          <a:p>
+            <a:pPr lvl="1"/>
+            <a:endParaRPr lang="en-US" dirty="0"/>
+          </a:p>
+          <a:p>
+            <a:pPr lvl="1"/>
+            <a:r>
+              <a:rPr lang="en-US" dirty="0" smtClean="0"/>
+              <a:t>In main2d.m</a:t>
+            </a:r>
+          </a:p>
+          <a:p>
+            <a:pPr marL="596900" lvl="1" indent="0">
+              <a:buNone/>
+            </a:pPr>
+            <a:r>
+              <a:rPr lang="en-US" dirty="0" smtClean="0"/>
+              <a:t>	</a:t>
+            </a:r>
+            <a:r>
+              <a:rPr lang="en-US" dirty="0" err="1" smtClean="0"/>
+              <a:t>addpath</a:t>
+            </a:r>
+            <a:r>
+              <a:rPr lang="en-US" dirty="0"/>
+              <a:t>('../</a:t>
+            </a:r>
+            <a:r>
+              <a:rPr lang="en-US" dirty="0" err="1"/>
+              <a:t>IBM_Blackbox</a:t>
+            </a:r>
+            <a:r>
+              <a:rPr lang="en-US" dirty="0"/>
+              <a:t>/','../../</a:t>
+            </a:r>
+            <a:r>
+              <a:rPr lang="en-US" dirty="0" err="1"/>
+              <a:t>IBM_Blackbox</a:t>
+            </a:r>
+            <a:r>
+              <a:rPr lang="en-US" dirty="0"/>
+              <a:t>/','../../../</a:t>
+            </a:r>
+            <a:r>
+              <a:rPr lang="en-US" dirty="0" err="1"/>
+              <a:t>IBM_Blackbox</a:t>
+            </a:r>
+            <a:r>
+              <a:rPr lang="en-US" dirty="0" smtClean="0"/>
+              <a:t>/','.././../../</a:t>
+            </a:r>
+            <a:r>
+              <a:rPr lang="en-US" dirty="0" err="1"/>
+              <a:t>IBM_Blackbox</a:t>
+            </a:r>
+            <a:r>
+              <a:rPr lang="en-US" dirty="0"/>
+              <a:t>/');</a:t>
+            </a:r>
+          </a:p>
+          <a:p>
+            <a:pPr marL="596900" lvl="1" indent="0">
+              <a:buNone/>
+            </a:pPr>
+            <a:r>
+              <a:rPr lang="en-US" dirty="0" smtClean="0"/>
+              <a:t>	Change to (my example, your path will be different)</a:t>
+            </a:r>
+          </a:p>
+          <a:p>
+            <a:pPr marL="596900" lvl="1" indent="0">
+              <a:buNone/>
+            </a:pPr>
+            <a:r>
+              <a:rPr lang="en-US" dirty="0" smtClean="0"/>
+              <a:t>	</a:t>
+            </a:r>
+            <a:r>
+              <a:rPr lang="en-US" dirty="0" err="1" smtClean="0"/>
+              <a:t>addpath</a:t>
+            </a:r>
+            <a:r>
+              <a:rPr lang="en-US" dirty="0" smtClean="0"/>
+              <a:t>(</a:t>
+            </a:r>
+            <a:r>
+              <a:rPr lang="en-US" dirty="0"/>
+              <a:t>'</a:t>
+            </a:r>
+            <a:r>
+              <a:rPr lang="en-US" dirty="0" smtClean="0"/>
+              <a:t>/home/u29/lauram9/IB2d/matIB2d/</a:t>
+            </a:r>
+            <a:r>
+              <a:rPr lang="en-US" dirty="0" err="1" smtClean="0"/>
+              <a:t>IBM_Blackbox</a:t>
+            </a:r>
+            <a:r>
+              <a:rPr lang="en-US" dirty="0"/>
+              <a:t>'</a:t>
+            </a:r>
+            <a:r>
+              <a:rPr lang="en-US" dirty="0" smtClean="0"/>
+              <a:t>)</a:t>
+            </a:r>
+            <a:endParaRPr lang="en-US" dirty="0"/>
+          </a:p>
+          <a:p>
+            <a:pPr marL="596900" lvl="1" indent="0">
+              <a:buNone/>
+            </a:pPr>
+            <a:endParaRPr lang="en-US" dirty="0"/>
+          </a:p>
+        </p:txBody>
+      </p:sp>
+      <p:pic>
+        <p:nvPicPr>
+          <p:cNvPr id="4" name="Picture 3"/>
+          <p:cNvPicPr>
+            <a:picLocks noChangeAspect="1"/>
+          </p:cNvPicPr>
+          <p:nvPr/>
+        </p:nvPicPr>
+        <p:blipFill>
+          <a:blip r:embed="rId2"/>
+          <a:stretch>
+            <a:fillRect/>
+          </a:stretch>
+        </p:blipFill>
+        <p:spPr>
+          <a:xfrm>
+            <a:off x="2489055" y="3104692"/>
+            <a:ext cx="3971925" cy="704850"/>
+          </a:xfrm>
+          <a:prstGeom prst="rect">
+            <a:avLst/>
+          </a:prstGeom>
+        </p:spPr>
+      </p:pic>
+    </p:spTree>
+    <p:extLst>
+      <p:ext uri="{BB962C8B-B14F-4D97-AF65-F5344CB8AC3E}">
+        <p14:creationId xmlns:p14="http://schemas.microsoft.com/office/powerpoint/2010/main" val="3347245325"/>
+      </p:ext>
+    </p:extLst>
+  </p:cSld>
+  <p:clrMapOvr>
+    <a:masterClrMapping/>
+  </p:clrMapOvr>
+</p:sld>
+</file>
+
+<file path=ppt/slides/slide14.xml><?xml version="1.0" encoding="utf-8"?>
+<p:sld xmlns:a="http://schemas.openxmlformats.org/drawingml/2006/main" xmlns:r="http://schemas.openxmlformats.org/officeDocument/2006/relationships" xmlns:p="http://schemas.openxmlformats.org/presentationml/2006/main">
+  <p:cSld>
+    <p:spTree>
+      <p:nvGrpSpPr>
+        <p:cNvPr id="1" name=""/>
+        <p:cNvGrpSpPr/>
+        <p:nvPr/>
+      </p:nvGrpSpPr>
+      <p:grpSpPr>
+        <a:xfrm>
+          <a:off x="0" y="0"/>
+          <a:ext cx="0" cy="0"/>
+          <a:chOff x="0" y="0"/>
+          <a:chExt cx="0" cy="0"/>
+        </a:xfrm>
+      </p:grpSpPr>
+      <p:sp>
+        <p:nvSpPr>
+          <p:cNvPr id="2" name="Title 1"/>
+          <p:cNvSpPr>
+            <a:spLocks noGrp="1"/>
+          </p:cNvSpPr>
+          <p:nvPr>
+            <p:ph type="title"/>
+          </p:nvPr>
+        </p:nvSpPr>
+        <p:spPr/>
+        <p:txBody>
+          <a:bodyPr>
+            <a:normAutofit fontScale="90000"/>
+          </a:bodyPr>
+          <a:lstStyle/>
+          <a:p>
+            <a:r>
+              <a:rPr lang="en-US" dirty="0" smtClean="0"/>
               <a:t>Running ib2d</a:t>
             </a:r>
             <a:endParaRPr lang="en-US" dirty="0"/>
@@ -7372,13 +7231,8 @@
             </a:r>
             <a:r>
               <a:rPr lang="en-US" dirty="0" smtClean="0"/>
-              <a:t>terminal on your </a:t>
-            </a:r>
-            <a:r>
-              <a:rPr lang="en-US" dirty="0" smtClean="0"/>
-              <a:t>computer </a:t>
-            </a:r>
-            <a:endParaRPr lang="en-US" dirty="0" smtClean="0"/>
+              <a:t>terminal on your computer </a:t>
+            </a:r>
           </a:p>
           <a:p>
             <a:pPr lvl="1" fontAlgn="base"/>
@@ -7502,7 +7356,7 @@
 </p:sld>
 </file>
 
-<file path=ppt/slides/slide14.xml><?xml version="1.0" encoding="utf-8"?>
+<file path=ppt/slides/slide15.xml><?xml version="1.0" encoding="utf-8"?>
 <p:sld xmlns:a="http://schemas.openxmlformats.org/drawingml/2006/main" xmlns:r="http://schemas.openxmlformats.org/officeDocument/2006/relationships" xmlns:p="http://schemas.openxmlformats.org/presentationml/2006/main">
   <p:cSld>
     <p:spTree>
@@ -8516,408 +8370,6 @@
     <p:extLst>
       <p:ext uri="{BB962C8B-B14F-4D97-AF65-F5344CB8AC3E}">
         <p14:creationId xmlns:p14="http://schemas.microsoft.com/office/powerpoint/2010/main" val="234960526"/>
-      </p:ext>
-    </p:extLst>
-  </p:cSld>
-  <p:clrMapOvr>
-    <a:masterClrMapping/>
-  </p:clrMapOvr>
-</p:sld>
-</file>
-
-<file path=ppt/slides/slide15.xml><?xml version="1.0" encoding="utf-8"?>
-<p:sld xmlns:a="http://schemas.openxmlformats.org/drawingml/2006/main" xmlns:r="http://schemas.openxmlformats.org/officeDocument/2006/relationships" xmlns:p="http://schemas.openxmlformats.org/presentationml/2006/main">
-  <p:cSld>
-    <p:spTree>
-      <p:nvGrpSpPr>
-        <p:cNvPr id="1" name=""/>
-        <p:cNvGrpSpPr/>
-        <p:nvPr/>
-      </p:nvGrpSpPr>
-      <p:grpSpPr>
-        <a:xfrm>
-          <a:off x="0" y="0"/>
-          <a:ext cx="0" cy="0"/>
-          <a:chOff x="0" y="0"/>
-          <a:chExt cx="0" cy="0"/>
-        </a:xfrm>
-      </p:grpSpPr>
-      <p:sp>
-        <p:nvSpPr>
-          <p:cNvPr id="2" name="Title 1"/>
-          <p:cNvSpPr>
-            <a:spLocks noGrp="1"/>
-          </p:cNvSpPr>
-          <p:nvPr>
-            <p:ph type="title"/>
-          </p:nvPr>
-        </p:nvSpPr>
-        <p:spPr/>
-        <p:txBody>
-          <a:bodyPr>
-            <a:normAutofit fontScale="90000"/>
-          </a:bodyPr>
-          <a:lstStyle/>
-          <a:p>
-            <a:r>
-              <a:rPr lang="en-US" dirty="0"/>
-              <a:t>SLURM submission </a:t>
-            </a:r>
-            <a:r>
-              <a:rPr lang="en-US" dirty="0" smtClean="0"/>
-              <a:t>script continued</a:t>
-            </a:r>
-            <a:endParaRPr lang="en-US" dirty="0"/>
-          </a:p>
-        </p:txBody>
-      </p:sp>
-      <p:sp>
-        <p:nvSpPr>
-          <p:cNvPr id="3" name="Text Placeholder 2"/>
-          <p:cNvSpPr>
-            <a:spLocks noGrp="1"/>
-          </p:cNvSpPr>
-          <p:nvPr>
-            <p:ph type="body" idx="1"/>
-          </p:nvPr>
-        </p:nvSpPr>
-        <p:spPr/>
-        <p:txBody>
-          <a:bodyPr>
-            <a:normAutofit/>
-          </a:bodyPr>
-          <a:lstStyle/>
-          <a:p>
-            <a:pPr marL="0" lvl="0" indent="0" eaLnBrk="0" fontAlgn="base" hangingPunct="0">
-              <a:lnSpc>
-                <a:spcPct val="100000"/>
-              </a:lnSpc>
-              <a:spcBef>
-                <a:spcPct val="0"/>
-              </a:spcBef>
-              <a:spcAft>
-                <a:spcPct val="0"/>
-              </a:spcAft>
-              <a:buClrTx/>
-              <a:buSzTx/>
-              <a:buNone/>
-            </a:pPr>
-            <a:r>
-              <a:rPr lang="en-US" altLang="en-US" sz="1200" dirty="0" smtClean="0">
-                <a:solidFill>
-                  <a:schemeClr val="tx1"/>
-                </a:solidFill>
-                <a:latin typeface="+mj-lt"/>
-              </a:rPr>
-              <a:t># </a:t>
-            </a:r>
-            <a:r>
-              <a:rPr lang="en-US" altLang="en-US" sz="1200" dirty="0">
-                <a:solidFill>
-                  <a:schemeClr val="tx1"/>
-                </a:solidFill>
-                <a:latin typeface="+mj-lt"/>
-              </a:rPr>
-              <a:t>--------------------------------------------------------------</a:t>
-            </a:r>
-          </a:p>
-          <a:p>
-            <a:pPr marL="0" lvl="0" indent="0" eaLnBrk="0" fontAlgn="base" hangingPunct="0">
-              <a:lnSpc>
-                <a:spcPct val="100000"/>
-              </a:lnSpc>
-              <a:spcBef>
-                <a:spcPct val="0"/>
-              </a:spcBef>
-              <a:spcAft>
-                <a:spcPct val="0"/>
-              </a:spcAft>
-              <a:buClrTx/>
-              <a:buSzTx/>
-              <a:buNone/>
-            </a:pPr>
-            <a:r>
-              <a:rPr lang="en-US" altLang="en-US" sz="1200" dirty="0">
-                <a:solidFill>
-                  <a:schemeClr val="tx1"/>
-                </a:solidFill>
-                <a:latin typeface="+mj-lt"/>
-              </a:rPr>
-              <a:t>### PART 2: Executes bash commands to run your job</a:t>
-            </a:r>
-          </a:p>
-          <a:p>
-            <a:pPr marL="0" lvl="0" indent="0" eaLnBrk="0" fontAlgn="base" hangingPunct="0">
-              <a:lnSpc>
-                <a:spcPct val="100000"/>
-              </a:lnSpc>
-              <a:spcBef>
-                <a:spcPct val="0"/>
-              </a:spcBef>
-              <a:spcAft>
-                <a:spcPct val="0"/>
-              </a:spcAft>
-              <a:buClrTx/>
-              <a:buSzTx/>
-              <a:buNone/>
-            </a:pPr>
-            <a:r>
-              <a:rPr lang="en-US" altLang="en-US" sz="1200" dirty="0">
-                <a:solidFill>
-                  <a:schemeClr val="tx1"/>
-                </a:solidFill>
-                <a:latin typeface="+mj-lt"/>
-              </a:rPr>
-              <a:t># --------------------------------------------------------------</a:t>
-            </a:r>
-          </a:p>
-          <a:p>
-            <a:pPr marL="0" lvl="0" indent="0" eaLnBrk="0" fontAlgn="base" hangingPunct="0">
-              <a:lnSpc>
-                <a:spcPct val="100000"/>
-              </a:lnSpc>
-              <a:spcBef>
-                <a:spcPct val="0"/>
-              </a:spcBef>
-              <a:spcAft>
-                <a:spcPct val="0"/>
-              </a:spcAft>
-              <a:buClrTx/>
-              <a:buSzTx/>
-              <a:buNone/>
-            </a:pPr>
-            <a:r>
-              <a:rPr lang="en-US" altLang="en-US" sz="1200" dirty="0">
-                <a:solidFill>
-                  <a:schemeClr val="tx1"/>
-                </a:solidFill>
-                <a:latin typeface="+mj-lt"/>
-              </a:rPr>
-              <a:t>### Load required modules/libraries if needed</a:t>
-            </a:r>
-          </a:p>
-          <a:p>
-            <a:pPr marL="0" lvl="0" indent="0" eaLnBrk="0" fontAlgn="base" hangingPunct="0">
-              <a:lnSpc>
-                <a:spcPct val="100000"/>
-              </a:lnSpc>
-              <a:spcBef>
-                <a:spcPct val="0"/>
-              </a:spcBef>
-              <a:spcAft>
-                <a:spcPct val="0"/>
-              </a:spcAft>
-              <a:buClrTx/>
-              <a:buSzTx/>
-              <a:buNone/>
-            </a:pPr>
-            <a:r>
-              <a:rPr lang="en-US" altLang="en-US" sz="1200" dirty="0">
-                <a:solidFill>
-                  <a:schemeClr val="tx1"/>
-                </a:solidFill>
-                <a:latin typeface="+mj-lt"/>
-              </a:rPr>
-              <a:t>module load gnu/5.4.0</a:t>
-            </a:r>
-          </a:p>
-          <a:p>
-            <a:pPr marL="0" lvl="0" indent="0" eaLnBrk="0" fontAlgn="base" hangingPunct="0">
-              <a:lnSpc>
-                <a:spcPct val="100000"/>
-              </a:lnSpc>
-              <a:spcBef>
-                <a:spcPct val="0"/>
-              </a:spcBef>
-              <a:spcAft>
-                <a:spcPct val="0"/>
-              </a:spcAft>
-              <a:buClrTx/>
-              <a:buSzTx/>
-              <a:buNone/>
-            </a:pPr>
-            <a:r>
-              <a:rPr lang="en-US" altLang="en-US" sz="1200" dirty="0">
-                <a:solidFill>
-                  <a:schemeClr val="tx1"/>
-                </a:solidFill>
-                <a:latin typeface="+mj-lt"/>
-              </a:rPr>
-              <a:t>### change to your script’s directory </a:t>
-            </a:r>
-          </a:p>
-          <a:p>
-            <a:pPr marL="0" lvl="0" indent="0" eaLnBrk="0" fontAlgn="base" hangingPunct="0">
-              <a:lnSpc>
-                <a:spcPct val="100000"/>
-              </a:lnSpc>
-              <a:spcBef>
-                <a:spcPct val="0"/>
-              </a:spcBef>
-              <a:spcAft>
-                <a:spcPct val="0"/>
-              </a:spcAft>
-              <a:buClrTx/>
-              <a:buSzTx/>
-              <a:buNone/>
-            </a:pPr>
-            <a:r>
-              <a:rPr lang="en-US" altLang="en-US" sz="1200" dirty="0">
-                <a:solidFill>
-                  <a:schemeClr val="tx1"/>
-                </a:solidFill>
-                <a:latin typeface="+mj-lt"/>
-              </a:rPr>
-              <a:t>cd ~/</a:t>
-            </a:r>
-            <a:r>
-              <a:rPr lang="en-US" altLang="en-US" sz="1200" dirty="0" err="1">
-                <a:solidFill>
-                  <a:schemeClr val="tx1"/>
-                </a:solidFill>
-                <a:latin typeface="+mj-lt"/>
-              </a:rPr>
-              <a:t>hello_world</a:t>
-            </a:r>
-            <a:endParaRPr lang="en-US" altLang="en-US" sz="1200" dirty="0">
-              <a:solidFill>
-                <a:schemeClr val="tx1"/>
-              </a:solidFill>
-              <a:latin typeface="+mj-lt"/>
-            </a:endParaRPr>
-          </a:p>
-          <a:p>
-            <a:pPr marL="0" lvl="0" indent="0" eaLnBrk="0" fontAlgn="base" hangingPunct="0">
-              <a:lnSpc>
-                <a:spcPct val="100000"/>
-              </a:lnSpc>
-              <a:spcBef>
-                <a:spcPct val="0"/>
-              </a:spcBef>
-              <a:spcAft>
-                <a:spcPct val="0"/>
-              </a:spcAft>
-              <a:buClrTx/>
-              <a:buSzTx/>
-              <a:buNone/>
-            </a:pPr>
-            <a:r>
-              <a:rPr lang="en-US" altLang="en-US" sz="1200" dirty="0">
-                <a:solidFill>
-                  <a:schemeClr val="tx1"/>
-                </a:solidFill>
-                <a:latin typeface="+mj-lt"/>
-              </a:rPr>
-              <a:t>### Run your work</a:t>
-            </a:r>
-          </a:p>
-          <a:p>
-            <a:pPr marL="0" lvl="0" indent="0" eaLnBrk="0" fontAlgn="base" hangingPunct="0">
-              <a:lnSpc>
-                <a:spcPct val="100000"/>
-              </a:lnSpc>
-              <a:spcBef>
-                <a:spcPct val="0"/>
-              </a:spcBef>
-              <a:spcAft>
-                <a:spcPct val="0"/>
-              </a:spcAft>
-              <a:buClrTx/>
-              <a:buSzTx/>
-              <a:buNone/>
-            </a:pPr>
-            <a:r>
-              <a:rPr lang="en-US" altLang="en-US" sz="1200" dirty="0">
-                <a:solidFill>
-                  <a:schemeClr val="tx1"/>
-                </a:solidFill>
-                <a:latin typeface="+mj-lt"/>
-              </a:rPr>
-              <a:t>./</a:t>
-            </a:r>
-            <a:r>
-              <a:rPr lang="en-US" altLang="en-US" sz="1200" dirty="0" err="1">
-                <a:solidFill>
-                  <a:schemeClr val="tx1"/>
-                </a:solidFill>
-                <a:latin typeface="+mj-lt"/>
-              </a:rPr>
-              <a:t>hello_world</a:t>
-            </a:r>
-            <a:endParaRPr lang="en-US" altLang="en-US" sz="1200" dirty="0">
-              <a:solidFill>
-                <a:schemeClr val="tx1"/>
-              </a:solidFill>
-              <a:latin typeface="+mj-lt"/>
-            </a:endParaRPr>
-          </a:p>
-          <a:p>
-            <a:pPr marL="0" lvl="0" indent="0" eaLnBrk="0" fontAlgn="base" hangingPunct="0">
-              <a:lnSpc>
-                <a:spcPct val="100000"/>
-              </a:lnSpc>
-              <a:spcBef>
-                <a:spcPct val="0"/>
-              </a:spcBef>
-              <a:spcAft>
-                <a:spcPct val="0"/>
-              </a:spcAft>
-              <a:buClrTx/>
-              <a:buSzTx/>
-              <a:buNone/>
-            </a:pPr>
-            <a:r>
-              <a:rPr lang="en-US" altLang="en-US" sz="1200" dirty="0">
-                <a:solidFill>
-                  <a:schemeClr val="tx1"/>
-                </a:solidFill>
-                <a:latin typeface="+mj-lt"/>
-              </a:rPr>
-              <a:t>sleep 10</a:t>
-            </a:r>
-          </a:p>
-          <a:p>
-            <a:pPr marL="114300" indent="0">
-              <a:buNone/>
-            </a:pPr>
-            <a:endParaRPr lang="en-US" sz="1200" dirty="0">
-              <a:latin typeface="+mj-lt"/>
-            </a:endParaRPr>
-          </a:p>
-        </p:txBody>
-      </p:sp>
-      <p:sp>
-        <p:nvSpPr>
-          <p:cNvPr id="4" name="Rectangle 3"/>
-          <p:cNvSpPr/>
-          <p:nvPr/>
-        </p:nvSpPr>
-        <p:spPr>
-          <a:xfrm>
-            <a:off x="407581" y="4099640"/>
-            <a:ext cx="7432158" cy="523220"/>
-          </a:xfrm>
-          <a:prstGeom prst="rect">
-            <a:avLst/>
-          </a:prstGeom>
-        </p:spPr>
-        <p:txBody>
-          <a:bodyPr wrap="square">
-            <a:spAutoFit/>
-          </a:bodyPr>
-          <a:lstStyle/>
-          <a:p>
-            <a:r>
-              <a:rPr lang="en-US" dirty="0"/>
-              <a:t>https://public.confluence.arizona.edu/display/UAHPC/Puma+Quick+Start#PumaQuickStart-WritingaSLURMSubmissionScript</a:t>
-            </a:r>
-          </a:p>
-        </p:txBody>
-      </p:sp>
-    </p:spTree>
-    <p:extLst>
-      <p:ext uri="{BB962C8B-B14F-4D97-AF65-F5344CB8AC3E}">
-        <p14:creationId xmlns:p14="http://schemas.microsoft.com/office/powerpoint/2010/main" val="61784439"/>
       </p:ext>
     </p:extLst>
   </p:cSld>
@@ -8963,11 +8415,11 @@
           <a:p>
             <a:r>
               <a:rPr lang="en-US" dirty="0"/>
-              <a:t>m</a:t>
+              <a:t>SLURM submission </a:t>
             </a:r>
             <a:r>
               <a:rPr lang="en-US" dirty="0" smtClean="0"/>
-              <a:t>yscript.sh</a:t>
+              <a:t>script continued</a:t>
             </a:r>
             <a:endParaRPr lang="en-US" dirty="0"/>
           </a:p>
@@ -8975,66 +8427,22 @@
       </p:sp>
       <p:sp>
         <p:nvSpPr>
-          <p:cNvPr id="4" name="Rectangle 1"/>
+          <p:cNvPr id="3" name="Text Placeholder 2"/>
           <p:cNvSpPr>
-            <a:spLocks noGrp="1" noChangeArrowheads="1"/>
+            <a:spLocks noGrp="1"/>
           </p:cNvSpPr>
           <p:nvPr>
             <p:ph type="body" idx="1"/>
           </p:nvPr>
         </p:nvSpPr>
-        <p:spPr bwMode="auto">
-          <a:xfrm>
-            <a:off x="491809" y="1228486"/>
-            <a:ext cx="3451586" cy="2031325"/>
-          </a:xfrm>
-          <a:prstGeom prst="rect">
-            <a:avLst/>
-          </a:prstGeom>
-          <a:noFill/>
-          <a:ln>
-            <a:noFill/>
-          </a:ln>
-          <a:effectLst/>
-          <a:extLst>
-            <a:ext uri="{909E8E84-426E-40DD-AFC4-6F175D3DCCD1}">
-              <a14:hiddenFill xmlns:a14="http://schemas.microsoft.com/office/drawing/2010/main">
-                <a:solidFill>
-                  <a:schemeClr val="accent1"/>
-                </a:solidFill>
-              </a14:hiddenFill>
-            </a:ext>
-            <a:ext uri="{91240B29-F687-4F45-9708-019B960494DF}">
-              <a14:hiddenLine xmlns:a14="http://schemas.microsoft.com/office/drawing/2010/main" w="9525">
-                <a:solidFill>
-                  <a:schemeClr val="tx1"/>
-                </a:solidFill>
-                <a:miter lim="800000"/>
-                <a:headEnd/>
-                <a:tailEnd/>
-              </a14:hiddenLine>
-            </a:ext>
-            <a:ext uri="{AF507438-7753-43E0-B8FC-AC1667EBCBE1}">
-              <a14:hiddenEffects xmlns:a14="http://schemas.microsoft.com/office/drawing/2010/main">
-                <a:effectLst>
-                  <a:outerShdw dist="35921" dir="2700000" algn="ctr" rotWithShape="0">
-                    <a:schemeClr val="bg2"/>
-                  </a:outerShdw>
-                </a:effectLst>
-              </a14:hiddenEffects>
-            </a:ext>
-          </a:extLst>
-        </p:spPr>
+        <p:spPr/>
         <p:txBody>
-          <a:bodyPr vert="horz" wrap="none" lIns="91440" tIns="45720" rIns="91440" bIns="45720" numCol="1" anchor="ctr" anchorCtr="0" compatLnSpc="1">
-            <a:prstTxWarp prst="textNoShape">
-              <a:avLst/>
-            </a:prstTxWarp>
-            <a:spAutoFit/>
+          <a:bodyPr>
+            <a:normAutofit/>
           </a:bodyPr>
           <a:lstStyle/>
           <a:p>
-            <a:pPr marL="0" marR="0" lvl="0" indent="0" algn="l" defTabSz="914400" rtl="0" eaLnBrk="0" fontAlgn="base" latinLnBrk="0" hangingPunct="0">
+            <a:pPr marL="0" lvl="0" indent="0" eaLnBrk="0" fontAlgn="base" hangingPunct="0">
               <a:lnSpc>
                 <a:spcPct val="100000"/>
               </a:lnSpc>
@@ -9046,26 +8454,29 @@
               </a:spcAft>
               <a:buClrTx/>
               <a:buSzTx/>
-              <a:buFontTx/>
-              <a:buNone/>
-              <a:tabLst/>
+              <a:buNone/>
             </a:pPr>
             <a:r>
-              <a:rPr kumimoji="0" lang="en-US" altLang="en-US" sz="1400" b="0" i="0" u="none" strike="noStrike" cap="none" normalizeH="0" baseline="0" dirty="0" smtClean="0">
-                <a:ln>
-                  <a:noFill/>
-                </a:ln>
+              <a:rPr lang="en-US" altLang="en-US" sz="1200" dirty="0" smtClean="0">
                 <a:solidFill>
                   <a:schemeClr val="tx1"/>
                 </a:solidFill>
-                <a:effectLst/>
                 <a:latin typeface="+mj-lt"/>
               </a:rPr>
-              <a:t>#!/bin/bash </a:t>
-            </a:r>
-          </a:p>
-          <a:p>
-            <a:pPr marL="0" marR="0" lvl="0" indent="0" algn="l" defTabSz="914400" rtl="0" eaLnBrk="0" fontAlgn="base" latinLnBrk="0" hangingPunct="0">
+              <a:t># </a:t>
+            </a:r>
+            <a:r>
+              <a:rPr lang="en-US" altLang="en-US" sz="1200" dirty="0">
+                <a:solidFill>
+                  <a:schemeClr val="tx1"/>
+                </a:solidFill>
+                <a:latin typeface="+mj-lt"/>
+              </a:rPr>
+              <a:t>--------------------------------------------------------------</a:t>
+            </a:r>
+          </a:p>
+          <a:p>
+            <a:pPr marL="0" lvl="0" indent="0" eaLnBrk="0" fontAlgn="base" hangingPunct="0">
               <a:lnSpc>
                 <a:spcPct val="100000"/>
               </a:lnSpc>
@@ -9077,52 +8488,20 @@
               </a:spcAft>
               <a:buClrTx/>
               <a:buSzTx/>
-              <a:buFontTx/>
-              <a:buNone/>
-              <a:tabLst/>
+              <a:buNone/>
             </a:pPr>
             <a:r>
-              <a:rPr kumimoji="0" lang="en-US" altLang="en-US" sz="1400" b="0" i="0" u="none" strike="noStrike" cap="none" normalizeH="0" baseline="0" dirty="0" smtClean="0">
-                <a:ln>
-                  <a:noFill/>
-                </a:ln>
+              <a:rPr lang="en-US" altLang="en-US" sz="1200" dirty="0">
                 <a:solidFill>
                   <a:schemeClr val="tx1"/>
                 </a:solidFill>
-                <a:effectLst/>
                 <a:latin typeface="+mj-lt"/>
               </a:rPr>
-              <a:t>#SBATCH --job-name=</a:t>
-            </a:r>
-            <a:r>
-              <a:rPr kumimoji="0" lang="en-US" altLang="en-US" sz="1400" b="0" i="0" u="none" strike="noStrike" cap="none" normalizeH="0" baseline="0" dirty="0" err="1" smtClean="0">
-                <a:ln>
-                  <a:noFill/>
-                </a:ln>
-                <a:solidFill>
-                  <a:schemeClr val="tx1"/>
-                </a:solidFill>
-                <a:effectLst/>
-                <a:latin typeface="+mj-lt"/>
-              </a:rPr>
-              <a:t>Lauras_job</a:t>
-            </a:r>
-            <a:r>
-              <a:rPr kumimoji="0" lang="en-US" altLang="en-US" sz="1400" b="0" i="0" u="none" strike="noStrike" cap="none" normalizeH="0" baseline="0" dirty="0" smtClean="0">
-                <a:ln>
-                  <a:noFill/>
-                </a:ln>
-                <a:solidFill>
-                  <a:schemeClr val="tx1"/>
-                </a:solidFill>
-                <a:effectLst/>
-                <a:latin typeface="+mj-lt"/>
-              </a:rPr>
-              <a:t> </a:t>
-            </a:r>
-          </a:p>
-          <a:p>
-            <a:pPr marL="0" marR="0" lvl="0" indent="0" algn="l" defTabSz="914400" rtl="0" eaLnBrk="0" fontAlgn="base" latinLnBrk="0" hangingPunct="0">
+              <a:t>### PART 2: Executes bash commands to run your job</a:t>
+            </a:r>
+          </a:p>
+          <a:p>
+            <a:pPr marL="0" lvl="0" indent="0" eaLnBrk="0" fontAlgn="base" hangingPunct="0">
               <a:lnSpc>
                 <a:spcPct val="100000"/>
               </a:lnSpc>
@@ -9134,52 +8513,20 @@
               </a:spcAft>
               <a:buClrTx/>
               <a:buSzTx/>
-              <a:buFontTx/>
-              <a:buNone/>
-              <a:tabLst/>
+              <a:buNone/>
             </a:pPr>
             <a:r>
-              <a:rPr kumimoji="0" lang="en-US" altLang="en-US" sz="1400" b="0" i="0" u="none" strike="noStrike" cap="none" normalizeH="0" baseline="0" dirty="0" smtClean="0">
-                <a:ln>
-                  <a:noFill/>
-                </a:ln>
+              <a:rPr lang="en-US" altLang="en-US" sz="1200" dirty="0">
                 <a:solidFill>
                   <a:schemeClr val="tx1"/>
                 </a:solidFill>
-                <a:effectLst/>
                 <a:latin typeface="+mj-lt"/>
               </a:rPr>
-              <a:t>#SBATCH --</a:t>
-            </a:r>
-            <a:r>
-              <a:rPr kumimoji="0" lang="en-US" altLang="en-US" sz="1400" b="0" i="0" u="none" strike="noStrike" cap="none" normalizeH="0" baseline="0" dirty="0" err="1" smtClean="0">
-                <a:ln>
-                  <a:noFill/>
-                </a:ln>
-                <a:solidFill>
-                  <a:schemeClr val="tx1"/>
-                </a:solidFill>
-                <a:effectLst/>
-                <a:latin typeface="+mj-lt"/>
-              </a:rPr>
-              <a:t>ntasks</a:t>
-            </a:r>
-            <a:r>
-              <a:rPr kumimoji="0" lang="en-US" altLang="en-US" sz="1400" b="0" i="0" u="none" strike="noStrike" cap="none" normalizeH="0" baseline="0" dirty="0" smtClean="0">
-                <a:ln>
-                  <a:noFill/>
-                </a:ln>
-                <a:solidFill>
-                  <a:schemeClr val="tx1"/>
-                </a:solidFill>
-                <a:effectLst/>
-                <a:latin typeface="+mj-lt"/>
-              </a:rPr>
-              <a:t>=1 </a:t>
-            </a:r>
-          </a:p>
-          <a:p>
-            <a:pPr marL="0" marR="0" lvl="0" indent="0" algn="l" defTabSz="914400" rtl="0" eaLnBrk="0" fontAlgn="base" latinLnBrk="0" hangingPunct="0">
+              <a:t># --------------------------------------------------------------</a:t>
+            </a:r>
+          </a:p>
+          <a:p>
+            <a:pPr marL="0" lvl="0" indent="0" eaLnBrk="0" fontAlgn="base" hangingPunct="0">
               <a:lnSpc>
                 <a:spcPct val="100000"/>
               </a:lnSpc>
@@ -9191,26 +8538,20 @@
               </a:spcAft>
               <a:buClrTx/>
               <a:buSzTx/>
-              <a:buFontTx/>
-              <a:buNone/>
-              <a:tabLst/>
+              <a:buNone/>
             </a:pPr>
             <a:r>
-              <a:rPr kumimoji="0" lang="en-US" altLang="en-US" sz="1400" b="0" i="0" u="none" strike="noStrike" cap="none" normalizeH="0" baseline="0" dirty="0" smtClean="0">
-                <a:ln>
-                  <a:noFill/>
-                </a:ln>
+              <a:rPr lang="en-US" altLang="en-US" sz="1200" dirty="0">
                 <a:solidFill>
                   <a:schemeClr val="tx1"/>
                 </a:solidFill>
-                <a:effectLst/>
                 <a:latin typeface="+mj-lt"/>
               </a:rPr>
-              <a:t>#SBATCH --mem=16gb </a:t>
-            </a:r>
-          </a:p>
-          <a:p>
-            <a:pPr marL="0" marR="0" lvl="0" indent="0" algn="l" defTabSz="914400" rtl="0" eaLnBrk="0" fontAlgn="base" latinLnBrk="0" hangingPunct="0">
+              <a:t>### Load required modules/libraries if needed</a:t>
+            </a:r>
+          </a:p>
+          <a:p>
+            <a:pPr marL="0" lvl="0" indent="0" eaLnBrk="0" fontAlgn="base" hangingPunct="0">
               <a:lnSpc>
                 <a:spcPct val="100000"/>
               </a:lnSpc>
@@ -9222,26 +8563,20 @@
               </a:spcAft>
               <a:buClrTx/>
               <a:buSzTx/>
-              <a:buFontTx/>
-              <a:buNone/>
-              <a:tabLst/>
+              <a:buNone/>
             </a:pPr>
             <a:r>
-              <a:rPr kumimoji="0" lang="en-US" altLang="en-US" sz="1400" b="0" i="0" u="none" strike="noStrike" cap="none" normalizeH="0" baseline="0" dirty="0" smtClean="0">
-                <a:ln>
-                  <a:noFill/>
-                </a:ln>
+              <a:rPr lang="en-US" altLang="en-US" sz="1200" dirty="0">
                 <a:solidFill>
                   <a:schemeClr val="tx1"/>
                 </a:solidFill>
-                <a:effectLst/>
                 <a:latin typeface="+mj-lt"/>
               </a:rPr>
-              <a:t>#SBATCH --time=04:00:00</a:t>
-            </a:r>
-          </a:p>
-          <a:p>
-            <a:pPr marL="0" marR="0" lvl="0" indent="0" algn="l" defTabSz="914400" rtl="0" eaLnBrk="0" fontAlgn="base" latinLnBrk="0" hangingPunct="0">
+              <a:t>module load gnu/5.4.0</a:t>
+            </a:r>
+          </a:p>
+          <a:p>
+            <a:pPr marL="0" lvl="0" indent="0" eaLnBrk="0" fontAlgn="base" hangingPunct="0">
               <a:lnSpc>
                 <a:spcPct val="100000"/>
               </a:lnSpc>
@@ -9253,26 +8588,20 @@
               </a:spcAft>
               <a:buClrTx/>
               <a:buSzTx/>
-              <a:buFontTx/>
-              <a:buNone/>
-              <a:tabLst/>
+              <a:buNone/>
             </a:pPr>
             <a:r>
-              <a:rPr kumimoji="0" lang="en-US" altLang="en-US" sz="1400" b="0" i="0" u="none" strike="noStrike" cap="none" normalizeH="0" baseline="0" dirty="0" smtClean="0">
-                <a:ln>
-                  <a:noFill/>
-                </a:ln>
+              <a:rPr lang="en-US" altLang="en-US" sz="1200" dirty="0">
                 <a:solidFill>
                   <a:schemeClr val="tx1"/>
                 </a:solidFill>
-                <a:effectLst/>
                 <a:latin typeface="+mj-lt"/>
               </a:rPr>
-              <a:t> #SBATCH --partition=windfall </a:t>
-            </a:r>
-          </a:p>
-          <a:p>
-            <a:pPr marL="0" marR="0" lvl="0" indent="0" algn="l" defTabSz="914400" rtl="0" eaLnBrk="0" fontAlgn="base" latinLnBrk="0" hangingPunct="0">
+              <a:t>### change to your script’s directory </a:t>
+            </a:r>
+          </a:p>
+          <a:p>
+            <a:pPr marL="0" lvl="0" indent="0" eaLnBrk="0" fontAlgn="base" hangingPunct="0">
               <a:lnSpc>
                 <a:spcPct val="100000"/>
               </a:lnSpc>
@@ -9284,11 +8613,27 @@
               </a:spcAft>
               <a:buClrTx/>
               <a:buSzTx/>
-              <a:buFontTx/>
-              <a:buNone/>
-              <a:tabLst/>
+              <a:buNone/>
             </a:pPr>
-            <a:endParaRPr lang="en-US" altLang="en-US" sz="1400" dirty="0">
+            <a:r>
+              <a:rPr lang="en-US" altLang="en-US" sz="1200" dirty="0">
+                <a:solidFill>
+                  <a:schemeClr val="tx1"/>
+                </a:solidFill>
+                <a:latin typeface="+mj-lt"/>
+              </a:rPr>
+              <a:t>cd ~/</a:t>
+            </a:r>
+            <a:r>
+              <a:rPr lang="en-US" altLang="en-US" sz="1200" dirty="0" err="1">
+                <a:solidFill>
+                  <a:schemeClr val="tx1"/>
+                </a:solidFill>
+                <a:latin typeface="+mj-lt"/>
+              </a:rPr>
+              <a:t>hello_world</a:t>
+            </a:r>
+            <a:endParaRPr lang="en-US" altLang="en-US" sz="1200" dirty="0">
               <a:solidFill>
                 <a:schemeClr val="tx1"/>
               </a:solidFill>
@@ -9296,7 +8641,7 @@
             </a:endParaRPr>
           </a:p>
           <a:p>
-            <a:pPr marL="0" marR="0" lvl="0" indent="0" algn="l" defTabSz="914400" rtl="0" eaLnBrk="0" fontAlgn="base" latinLnBrk="0" hangingPunct="0">
+            <a:pPr marL="0" lvl="0" indent="0" eaLnBrk="0" fontAlgn="base" hangingPunct="0">
               <a:lnSpc>
                 <a:spcPct val="100000"/>
               </a:lnSpc>
@@ -9308,52 +8653,20 @@
               </a:spcAft>
               <a:buClrTx/>
               <a:buSzTx/>
-              <a:buFontTx/>
-              <a:buNone/>
-              <a:tabLst/>
+              <a:buNone/>
             </a:pPr>
             <a:r>
-              <a:rPr kumimoji="0" lang="en-US" altLang="en-US" sz="1400" b="0" i="0" u="none" strike="noStrike" cap="none" normalizeH="0" baseline="0" dirty="0" smtClean="0">
-                <a:ln>
-                  <a:noFill/>
-                </a:ln>
+              <a:rPr lang="en-US" altLang="en-US" sz="1200" dirty="0">
                 <a:solidFill>
                   <a:schemeClr val="tx1"/>
                 </a:solidFill>
-                <a:effectLst/>
                 <a:latin typeface="+mj-lt"/>
               </a:rPr>
-              <a:t>module load </a:t>
-            </a:r>
-            <a:r>
-              <a:rPr kumimoji="0" lang="en-US" altLang="en-US" sz="1400" b="0" i="0" u="none" strike="noStrike" cap="none" normalizeH="0" baseline="0" dirty="0" err="1" smtClean="0">
-                <a:ln>
-                  <a:noFill/>
-                </a:ln>
-                <a:solidFill>
-                  <a:schemeClr val="tx1"/>
-                </a:solidFill>
-                <a:effectLst/>
-                <a:latin typeface="+mj-lt"/>
-              </a:rPr>
-              <a:t>matlab</a:t>
-            </a:r>
-            <a:r>
-              <a:rPr kumimoji="0" lang="en-US" altLang="en-US" sz="1400" b="0" i="0" u="none" strike="noStrike" cap="none" normalizeH="0" baseline="0" dirty="0" smtClean="0">
-                <a:ln>
-                  <a:noFill/>
-                </a:ln>
-                <a:solidFill>
-                  <a:schemeClr val="tx1"/>
-                </a:solidFill>
-                <a:effectLst/>
-                <a:latin typeface="+mj-lt"/>
-              </a:rPr>
-              <a:t> </a:t>
-            </a:r>
-          </a:p>
-          <a:p>
-            <a:pPr marL="0" marR="0" lvl="0" indent="0" algn="l" defTabSz="914400" rtl="0" eaLnBrk="0" fontAlgn="base" latinLnBrk="0" hangingPunct="0">
+              <a:t>### Run your work</a:t>
+            </a:r>
+          </a:p>
+          <a:p>
+            <a:pPr marL="0" lvl="0" indent="0" eaLnBrk="0" fontAlgn="base" hangingPunct="0">
               <a:lnSpc>
                 <a:spcPct val="100000"/>
               </a:lnSpc>
@@ -9365,87 +8678,92 @@
               </a:spcAft>
               <a:buClrTx/>
               <a:buSzTx/>
-              <a:buFontTx/>
-              <a:buNone/>
-              <a:tabLst/>
+              <a:buNone/>
             </a:pPr>
             <a:r>
-              <a:rPr kumimoji="0" lang="en-US" altLang="en-US" sz="1400" b="0" i="0" u="none" strike="noStrike" cap="none" normalizeH="0" baseline="0" dirty="0" err="1" smtClean="0">
-                <a:ln>
-                  <a:noFill/>
-                </a:ln>
+              <a:rPr lang="en-US" altLang="en-US" sz="1200" dirty="0">
                 <a:solidFill>
                   <a:schemeClr val="tx1"/>
                 </a:solidFill>
-                <a:effectLst/>
                 <a:latin typeface="+mj-lt"/>
               </a:rPr>
-              <a:t>matlab</a:t>
-            </a:r>
-            <a:r>
-              <a:rPr kumimoji="0" lang="en-US" altLang="en-US" sz="1400" b="0" i="0" u="none" strike="noStrike" cap="none" normalizeH="0" baseline="0" dirty="0" smtClean="0">
-                <a:ln>
-                  <a:noFill/>
-                </a:ln>
+              <a:t>./</a:t>
+            </a:r>
+            <a:r>
+              <a:rPr lang="en-US" altLang="en-US" sz="1200" dirty="0" err="1">
                 <a:solidFill>
                   <a:schemeClr val="tx1"/>
                 </a:solidFill>
-                <a:effectLst/>
                 <a:latin typeface="+mj-lt"/>
               </a:rPr>
-              <a:t> -</a:t>
-            </a:r>
-            <a:r>
-              <a:rPr kumimoji="0" lang="en-US" altLang="en-US" sz="1400" b="0" i="0" u="none" strike="noStrike" cap="none" normalizeH="0" baseline="0" dirty="0" err="1" smtClean="0">
-                <a:ln>
-                  <a:noFill/>
-                </a:ln>
+              <a:t>hello_world</a:t>
+            </a:r>
+            <a:endParaRPr lang="en-US" altLang="en-US" sz="1200" dirty="0">
+              <a:solidFill>
+                <a:schemeClr val="tx1"/>
+              </a:solidFill>
+              <a:latin typeface="+mj-lt"/>
+            </a:endParaRPr>
+          </a:p>
+          <a:p>
+            <a:pPr marL="0" lvl="0" indent="0" eaLnBrk="0" fontAlgn="base" hangingPunct="0">
+              <a:lnSpc>
+                <a:spcPct val="100000"/>
+              </a:lnSpc>
+              <a:spcBef>
+                <a:spcPct val="0"/>
+              </a:spcBef>
+              <a:spcAft>
+                <a:spcPct val="0"/>
+              </a:spcAft>
+              <a:buClrTx/>
+              <a:buSzTx/>
+              <a:buNone/>
+            </a:pPr>
+            <a:r>
+              <a:rPr lang="en-US" altLang="en-US" sz="1200" dirty="0">
                 <a:solidFill>
                   <a:schemeClr val="tx1"/>
                 </a:solidFill>
-                <a:effectLst/>
                 <a:latin typeface="+mj-lt"/>
               </a:rPr>
-              <a:t>nodisplay</a:t>
-            </a:r>
-            <a:r>
-              <a:rPr kumimoji="0" lang="en-US" altLang="en-US" sz="1400" b="0" i="0" u="none" strike="noStrike" cap="none" normalizeH="0" baseline="0" dirty="0" smtClean="0">
-                <a:ln>
-                  <a:noFill/>
-                </a:ln>
-                <a:solidFill>
-                  <a:schemeClr val="tx1"/>
-                </a:solidFill>
-                <a:effectLst/>
-                <a:latin typeface="+mj-lt"/>
-              </a:rPr>
-              <a:t> -</a:t>
-            </a:r>
-            <a:r>
-              <a:rPr kumimoji="0" lang="en-US" altLang="en-US" sz="1400" b="0" i="0" u="none" strike="noStrike" cap="none" normalizeH="0" baseline="0" dirty="0" err="1" smtClean="0">
-                <a:ln>
-                  <a:noFill/>
-                </a:ln>
-                <a:solidFill>
-                  <a:schemeClr val="tx1"/>
-                </a:solidFill>
-                <a:effectLst/>
-                <a:latin typeface="+mj-lt"/>
-              </a:rPr>
-              <a:t>nosplash</a:t>
-            </a:r>
-            <a:r>
-              <a:rPr kumimoji="0" lang="en-US" altLang="en-US" sz="1400" b="0" i="0" u="none" strike="noStrike" cap="none" normalizeH="0" baseline="0" dirty="0" smtClean="0">
-                <a:ln>
-                  <a:noFill/>
-                </a:ln>
-                <a:solidFill>
-                  <a:schemeClr val="tx1"/>
-                </a:solidFill>
-                <a:effectLst/>
-                <a:latin typeface="+mj-lt"/>
-              </a:rPr>
-              <a:t> &lt; main2d.m </a:t>
+              <a:t>sleep 10</a:t>
+            </a:r>
+          </a:p>
+          <a:p>
+            <a:pPr marL="114300" indent="0">
+              <a:buNone/>
+            </a:pPr>
+            <a:endParaRPr lang="en-US" sz="1200" dirty="0">
+              <a:latin typeface="+mj-lt"/>
+            </a:endParaRPr>
+          </a:p>
+        </p:txBody>
+      </p:sp>
+      <p:sp>
+        <p:nvSpPr>
+          <p:cNvPr id="4" name="Rectangle 3"/>
+          <p:cNvSpPr/>
+          <p:nvPr/>
+        </p:nvSpPr>
+        <p:spPr>
+          <a:xfrm>
+            <a:off x="407581" y="4099640"/>
+            <a:ext cx="7432158" cy="523220"/>
+          </a:xfrm>
+          <a:prstGeom prst="rect">
+            <a:avLst/>
+          </a:prstGeom>
+        </p:spPr>
+        <p:txBody>
+          <a:bodyPr wrap="square">
+            <a:spAutoFit/>
+          </a:bodyPr>
+          <a:lstStyle/>
+          <a:p>
+            <a:r>
+              <a:rPr lang="en-US" dirty="0"/>
+              <a:t>https://public.confluence.arizona.edu/display/UAHPC/Puma+Quick+Start#PumaQuickStart-WritingaSLURMSubmissionScript</a:t>
             </a:r>
           </a:p>
         </p:txBody>
@@ -9453,7 +8771,7 @@
     </p:spTree>
     <p:extLst>
       <p:ext uri="{BB962C8B-B14F-4D97-AF65-F5344CB8AC3E}">
-        <p14:creationId xmlns:p14="http://schemas.microsoft.com/office/powerpoint/2010/main" val="636812607"/>
+        <p14:creationId xmlns:p14="http://schemas.microsoft.com/office/powerpoint/2010/main" val="61784439"/>
       </p:ext>
     </p:extLst>
   </p:cSld>
@@ -9498,8 +8816,12 @@
           <a:lstStyle/>
           <a:p>
             <a:r>
+              <a:rPr lang="en-US" dirty="0"/>
+              <a:t>m</a:t>
+            </a:r>
+            <a:r>
               <a:rPr lang="en-US" dirty="0" smtClean="0"/>
-              <a:t>Download data and book keeping</a:t>
+              <a:t>yscript.sh</a:t>
             </a:r>
             <a:endParaRPr lang="en-US" dirty="0"/>
           </a:p>
@@ -9507,45 +8829,477 @@
       </p:sp>
       <p:sp>
         <p:nvSpPr>
-          <p:cNvPr id="3" name="Text Placeholder 2"/>
+          <p:cNvPr id="4" name="Rectangle 1"/>
           <p:cNvSpPr>
-            <a:spLocks noGrp="1"/>
+            <a:spLocks noGrp="1" noChangeArrowheads="1"/>
           </p:cNvSpPr>
           <p:nvPr>
             <p:ph type="body" idx="1"/>
           </p:nvPr>
         </p:nvSpPr>
-        <p:spPr/>
+        <p:spPr bwMode="auto">
+          <a:xfrm>
+            <a:off x="491809" y="1228486"/>
+            <a:ext cx="3451586" cy="2031325"/>
+          </a:xfrm>
+          <a:prstGeom prst="rect">
+            <a:avLst/>
+          </a:prstGeom>
+          <a:noFill/>
+          <a:ln>
+            <a:noFill/>
+          </a:ln>
+          <a:effectLst/>
+          <a:extLst>
+            <a:ext uri="{909E8E84-426E-40DD-AFC4-6F175D3DCCD1}">
+              <a14:hiddenFill xmlns:a14="http://schemas.microsoft.com/office/drawing/2010/main">
+                <a:solidFill>
+                  <a:schemeClr val="accent1"/>
+                </a:solidFill>
+              </a14:hiddenFill>
+            </a:ext>
+            <a:ext uri="{91240B29-F687-4F45-9708-019B960494DF}">
+              <a14:hiddenLine xmlns:a14="http://schemas.microsoft.com/office/drawing/2010/main" w="9525">
+                <a:solidFill>
+                  <a:schemeClr val="tx1"/>
+                </a:solidFill>
+                <a:miter lim="800000"/>
+                <a:headEnd/>
+                <a:tailEnd/>
+              </a14:hiddenLine>
+            </a:ext>
+            <a:ext uri="{AF507438-7753-43E0-B8FC-AC1667EBCBE1}">
+              <a14:hiddenEffects xmlns:a14="http://schemas.microsoft.com/office/drawing/2010/main">
+                <a:effectLst>
+                  <a:outerShdw dist="35921" dir="2700000" algn="ctr" rotWithShape="0">
+                    <a:schemeClr val="bg2"/>
+                  </a:outerShdw>
+                </a:effectLst>
+              </a14:hiddenEffects>
+            </a:ext>
+          </a:extLst>
+        </p:spPr>
         <p:txBody>
-          <a:bodyPr/>
+          <a:bodyPr vert="horz" wrap="none" lIns="91440" tIns="45720" rIns="91440" bIns="45720" numCol="1" anchor="ctr" anchorCtr="0" compatLnSpc="1">
+            <a:prstTxWarp prst="textNoShape">
+              <a:avLst/>
+            </a:prstTxWarp>
+            <a:spAutoFit/>
+          </a:bodyPr>
           <a:lstStyle/>
           <a:p>
-            <a:pPr fontAlgn="base"/>
-            <a:r>
-              <a:rPr lang="en-US" dirty="0"/>
-              <a:t>To download the results. Use the web interface or </a:t>
-            </a:r>
-            <a:r>
-              <a:rPr lang="en-US" dirty="0" err="1"/>
-              <a:t>sftp</a:t>
-            </a:r>
-            <a:r>
-              <a:rPr lang="en-US" dirty="0"/>
-              <a:t>, cd to where viz_IB2d lives, and type get -r viz_IB2d</a:t>
-            </a:r>
-          </a:p>
-          <a:p>
-            <a:r>
-              <a:rPr lang="en-US" dirty="0"/>
-              <a:t>To save space on the cluster, now remove this data. Delete in the web interface or type </a:t>
-            </a:r>
-            <a:r>
-              <a:rPr lang="en-US" dirty="0" err="1"/>
-              <a:t>rm</a:t>
-            </a:r>
-            <a:r>
-              <a:rPr lang="en-US" dirty="0"/>
-              <a:t> -r viz_IB2d</a:t>
+            <a:pPr marL="0" marR="0" lvl="0" indent="0" algn="l" defTabSz="914400" rtl="0" eaLnBrk="0" fontAlgn="base" latinLnBrk="0" hangingPunct="0">
+              <a:lnSpc>
+                <a:spcPct val="100000"/>
+              </a:lnSpc>
+              <a:spcBef>
+                <a:spcPct val="0"/>
+              </a:spcBef>
+              <a:spcAft>
+                <a:spcPct val="0"/>
+              </a:spcAft>
+              <a:buClrTx/>
+              <a:buSzTx/>
+              <a:buFontTx/>
+              <a:buNone/>
+              <a:tabLst/>
+            </a:pPr>
+            <a:r>
+              <a:rPr kumimoji="0" lang="en-US" altLang="en-US" sz="1400" b="0" i="0" u="none" strike="noStrike" cap="none" normalizeH="0" baseline="0" dirty="0" smtClean="0">
+                <a:ln>
+                  <a:noFill/>
+                </a:ln>
+                <a:solidFill>
+                  <a:schemeClr val="tx1"/>
+                </a:solidFill>
+                <a:effectLst/>
+                <a:latin typeface="+mj-lt"/>
+              </a:rPr>
+              <a:t>#!/bin/bash </a:t>
+            </a:r>
+          </a:p>
+          <a:p>
+            <a:pPr marL="0" marR="0" lvl="0" indent="0" algn="l" defTabSz="914400" rtl="0" eaLnBrk="0" fontAlgn="base" latinLnBrk="0" hangingPunct="0">
+              <a:lnSpc>
+                <a:spcPct val="100000"/>
+              </a:lnSpc>
+              <a:spcBef>
+                <a:spcPct val="0"/>
+              </a:spcBef>
+              <a:spcAft>
+                <a:spcPct val="0"/>
+              </a:spcAft>
+              <a:buClrTx/>
+              <a:buSzTx/>
+              <a:buFontTx/>
+              <a:buNone/>
+              <a:tabLst/>
+            </a:pPr>
+            <a:r>
+              <a:rPr kumimoji="0" lang="en-US" altLang="en-US" sz="1400" b="0" i="0" u="none" strike="noStrike" cap="none" normalizeH="0" baseline="0" dirty="0" smtClean="0">
+                <a:ln>
+                  <a:noFill/>
+                </a:ln>
+                <a:solidFill>
+                  <a:schemeClr val="tx1"/>
+                </a:solidFill>
+                <a:effectLst/>
+                <a:latin typeface="+mj-lt"/>
+              </a:rPr>
+              <a:t>#SBATCH --job-name=</a:t>
+            </a:r>
+            <a:r>
+              <a:rPr kumimoji="0" lang="en-US" altLang="en-US" sz="1400" b="0" i="0" u="none" strike="noStrike" cap="none" normalizeH="0" baseline="0" dirty="0" err="1" smtClean="0">
+                <a:ln>
+                  <a:noFill/>
+                </a:ln>
+                <a:solidFill>
+                  <a:schemeClr val="tx1"/>
+                </a:solidFill>
+                <a:effectLst/>
+                <a:latin typeface="+mj-lt"/>
+              </a:rPr>
+              <a:t>Lauras_job</a:t>
+            </a:r>
+            <a:r>
+              <a:rPr kumimoji="0" lang="en-US" altLang="en-US" sz="1400" b="0" i="0" u="none" strike="noStrike" cap="none" normalizeH="0" baseline="0" dirty="0" smtClean="0">
+                <a:ln>
+                  <a:noFill/>
+                </a:ln>
+                <a:solidFill>
+                  <a:schemeClr val="tx1"/>
+                </a:solidFill>
+                <a:effectLst/>
+                <a:latin typeface="+mj-lt"/>
+              </a:rPr>
+              <a:t> </a:t>
+            </a:r>
+          </a:p>
+          <a:p>
+            <a:pPr marL="0" marR="0" lvl="0" indent="0" algn="l" defTabSz="914400" rtl="0" eaLnBrk="0" fontAlgn="base" latinLnBrk="0" hangingPunct="0">
+              <a:lnSpc>
+                <a:spcPct val="100000"/>
+              </a:lnSpc>
+              <a:spcBef>
+                <a:spcPct val="0"/>
+              </a:spcBef>
+              <a:spcAft>
+                <a:spcPct val="0"/>
+              </a:spcAft>
+              <a:buClrTx/>
+              <a:buSzTx/>
+              <a:buFontTx/>
+              <a:buNone/>
+              <a:tabLst/>
+            </a:pPr>
+            <a:r>
+              <a:rPr kumimoji="0" lang="en-US" altLang="en-US" sz="1400" b="0" i="0" u="none" strike="noStrike" cap="none" normalizeH="0" baseline="0" dirty="0" smtClean="0">
+                <a:ln>
+                  <a:noFill/>
+                </a:ln>
+                <a:solidFill>
+                  <a:schemeClr val="tx1"/>
+                </a:solidFill>
+                <a:effectLst/>
+                <a:latin typeface="+mj-lt"/>
+              </a:rPr>
+              <a:t>#SBATCH --</a:t>
+            </a:r>
+            <a:r>
+              <a:rPr kumimoji="0" lang="en-US" altLang="en-US" sz="1400" b="0" i="0" u="none" strike="noStrike" cap="none" normalizeH="0" baseline="0" dirty="0" err="1" smtClean="0">
+                <a:ln>
+                  <a:noFill/>
+                </a:ln>
+                <a:solidFill>
+                  <a:schemeClr val="tx1"/>
+                </a:solidFill>
+                <a:effectLst/>
+                <a:latin typeface="+mj-lt"/>
+              </a:rPr>
+              <a:t>ntasks</a:t>
+            </a:r>
+            <a:r>
+              <a:rPr kumimoji="0" lang="en-US" altLang="en-US" sz="1400" b="0" i="0" u="none" strike="noStrike" cap="none" normalizeH="0" baseline="0" dirty="0" smtClean="0">
+                <a:ln>
+                  <a:noFill/>
+                </a:ln>
+                <a:solidFill>
+                  <a:schemeClr val="tx1"/>
+                </a:solidFill>
+                <a:effectLst/>
+                <a:latin typeface="+mj-lt"/>
+              </a:rPr>
+              <a:t>=1 </a:t>
+            </a:r>
+          </a:p>
+          <a:p>
+            <a:pPr marL="0" marR="0" lvl="0" indent="0" algn="l" defTabSz="914400" rtl="0" eaLnBrk="0" fontAlgn="base" latinLnBrk="0" hangingPunct="0">
+              <a:lnSpc>
+                <a:spcPct val="100000"/>
+              </a:lnSpc>
+              <a:spcBef>
+                <a:spcPct val="0"/>
+              </a:spcBef>
+              <a:spcAft>
+                <a:spcPct val="0"/>
+              </a:spcAft>
+              <a:buClrTx/>
+              <a:buSzTx/>
+              <a:buFontTx/>
+              <a:buNone/>
+              <a:tabLst/>
+            </a:pPr>
+            <a:r>
+              <a:rPr kumimoji="0" lang="en-US" altLang="en-US" sz="1400" b="0" i="0" u="none" strike="noStrike" cap="none" normalizeH="0" baseline="0" dirty="0" smtClean="0">
+                <a:ln>
+                  <a:noFill/>
+                </a:ln>
+                <a:solidFill>
+                  <a:schemeClr val="tx1"/>
+                </a:solidFill>
+                <a:effectLst/>
+                <a:latin typeface="+mj-lt"/>
+              </a:rPr>
+              <a:t>#SBATCH --mem=16gb </a:t>
+            </a:r>
+          </a:p>
+          <a:p>
+            <a:pPr marL="0" marR="0" lvl="0" indent="0" algn="l" defTabSz="914400" rtl="0" eaLnBrk="0" fontAlgn="base" latinLnBrk="0" hangingPunct="0">
+              <a:lnSpc>
+                <a:spcPct val="100000"/>
+              </a:lnSpc>
+              <a:spcBef>
+                <a:spcPct val="0"/>
+              </a:spcBef>
+              <a:spcAft>
+                <a:spcPct val="0"/>
+              </a:spcAft>
+              <a:buClrTx/>
+              <a:buSzTx/>
+              <a:buFontTx/>
+              <a:buNone/>
+              <a:tabLst/>
+            </a:pPr>
+            <a:r>
+              <a:rPr kumimoji="0" lang="en-US" altLang="en-US" sz="1400" b="0" i="0" u="none" strike="noStrike" cap="none" normalizeH="0" baseline="0" dirty="0" smtClean="0">
+                <a:ln>
+                  <a:noFill/>
+                </a:ln>
+                <a:solidFill>
+                  <a:schemeClr val="tx1"/>
+                </a:solidFill>
+                <a:effectLst/>
+                <a:latin typeface="+mj-lt"/>
+              </a:rPr>
+              <a:t>#SBATCH --time=04:00:00</a:t>
+            </a:r>
+          </a:p>
+          <a:p>
+            <a:pPr marL="0" marR="0" lvl="0" indent="0" algn="l" defTabSz="914400" rtl="0" eaLnBrk="0" fontAlgn="base" latinLnBrk="0" hangingPunct="0">
+              <a:lnSpc>
+                <a:spcPct val="100000"/>
+              </a:lnSpc>
+              <a:spcBef>
+                <a:spcPct val="0"/>
+              </a:spcBef>
+              <a:spcAft>
+                <a:spcPct val="0"/>
+              </a:spcAft>
+              <a:buClrTx/>
+              <a:buSzTx/>
+              <a:buFontTx/>
+              <a:buNone/>
+              <a:tabLst/>
+            </a:pPr>
+            <a:r>
+              <a:rPr kumimoji="0" lang="en-US" altLang="en-US" sz="1400" b="0" i="0" u="none" strike="noStrike" cap="none" normalizeH="0" baseline="0" dirty="0" smtClean="0">
+                <a:ln>
+                  <a:noFill/>
+                </a:ln>
+                <a:solidFill>
+                  <a:schemeClr val="tx1"/>
+                </a:solidFill>
+                <a:effectLst/>
+                <a:latin typeface="+mj-lt"/>
+              </a:rPr>
+              <a:t> #SBATCH --partition=windfall </a:t>
+            </a:r>
+          </a:p>
+          <a:p>
+            <a:pPr marL="0" marR="0" lvl="0" indent="0" algn="l" defTabSz="914400" rtl="0" eaLnBrk="0" fontAlgn="base" latinLnBrk="0" hangingPunct="0">
+              <a:lnSpc>
+                <a:spcPct val="100000"/>
+              </a:lnSpc>
+              <a:spcBef>
+                <a:spcPct val="0"/>
+              </a:spcBef>
+              <a:spcAft>
+                <a:spcPct val="0"/>
+              </a:spcAft>
+              <a:buClrTx/>
+              <a:buSzTx/>
+              <a:buFontTx/>
+              <a:buNone/>
+              <a:tabLst/>
+            </a:pPr>
+            <a:endParaRPr lang="en-US" altLang="en-US" sz="1400" dirty="0">
+              <a:solidFill>
+                <a:schemeClr val="tx1"/>
+              </a:solidFill>
+              <a:latin typeface="+mj-lt"/>
+            </a:endParaRPr>
+          </a:p>
+          <a:p>
+            <a:pPr marL="0" marR="0" lvl="0" indent="0" algn="l" defTabSz="914400" rtl="0" eaLnBrk="0" fontAlgn="base" latinLnBrk="0" hangingPunct="0">
+              <a:lnSpc>
+                <a:spcPct val="100000"/>
+              </a:lnSpc>
+              <a:spcBef>
+                <a:spcPct val="0"/>
+              </a:spcBef>
+              <a:spcAft>
+                <a:spcPct val="0"/>
+              </a:spcAft>
+              <a:buClrTx/>
+              <a:buSzTx/>
+              <a:buFontTx/>
+              <a:buNone/>
+              <a:tabLst/>
+            </a:pPr>
+            <a:r>
+              <a:rPr kumimoji="0" lang="en-US" altLang="en-US" sz="1400" b="0" i="0" u="none" strike="noStrike" cap="none" normalizeH="0" baseline="0" dirty="0" smtClean="0">
+                <a:ln>
+                  <a:noFill/>
+                </a:ln>
+                <a:solidFill>
+                  <a:schemeClr val="tx1"/>
+                </a:solidFill>
+                <a:effectLst/>
+                <a:latin typeface="+mj-lt"/>
+              </a:rPr>
+              <a:t>module load </a:t>
+            </a:r>
+            <a:r>
+              <a:rPr kumimoji="0" lang="en-US" altLang="en-US" sz="1400" b="0" i="0" u="none" strike="noStrike" cap="none" normalizeH="0" baseline="0" dirty="0" err="1" smtClean="0">
+                <a:ln>
+                  <a:noFill/>
+                </a:ln>
+                <a:solidFill>
+                  <a:schemeClr val="tx1"/>
+                </a:solidFill>
+                <a:effectLst/>
+                <a:latin typeface="+mj-lt"/>
+              </a:rPr>
+              <a:t>matlab</a:t>
+            </a:r>
+            <a:r>
+              <a:rPr kumimoji="0" lang="en-US" altLang="en-US" sz="1400" b="0" i="0" u="none" strike="noStrike" cap="none" normalizeH="0" baseline="0" dirty="0" smtClean="0">
+                <a:ln>
+                  <a:noFill/>
+                </a:ln>
+                <a:solidFill>
+                  <a:schemeClr val="tx1"/>
+                </a:solidFill>
+                <a:effectLst/>
+                <a:latin typeface="+mj-lt"/>
+              </a:rPr>
+              <a:t> </a:t>
+            </a:r>
+          </a:p>
+          <a:p>
+            <a:pPr marL="0" marR="0" lvl="0" indent="0" algn="l" defTabSz="914400" rtl="0" eaLnBrk="0" fontAlgn="base" latinLnBrk="0" hangingPunct="0">
+              <a:lnSpc>
+                <a:spcPct val="100000"/>
+              </a:lnSpc>
+              <a:spcBef>
+                <a:spcPct val="0"/>
+              </a:spcBef>
+              <a:spcAft>
+                <a:spcPct val="0"/>
+              </a:spcAft>
+              <a:buClrTx/>
+              <a:buSzTx/>
+              <a:buFontTx/>
+              <a:buNone/>
+              <a:tabLst/>
+            </a:pPr>
+            <a:r>
+              <a:rPr kumimoji="0" lang="en-US" altLang="en-US" sz="1400" b="0" i="0" u="none" strike="noStrike" cap="none" normalizeH="0" baseline="0" dirty="0" err="1" smtClean="0">
+                <a:ln>
+                  <a:noFill/>
+                </a:ln>
+                <a:solidFill>
+                  <a:schemeClr val="tx1"/>
+                </a:solidFill>
+                <a:effectLst/>
+                <a:latin typeface="+mj-lt"/>
+              </a:rPr>
+              <a:t>matlab</a:t>
+            </a:r>
+            <a:r>
+              <a:rPr kumimoji="0" lang="en-US" altLang="en-US" sz="1400" b="0" i="0" u="none" strike="noStrike" cap="none" normalizeH="0" baseline="0" dirty="0" smtClean="0">
+                <a:ln>
+                  <a:noFill/>
+                </a:ln>
+                <a:solidFill>
+                  <a:schemeClr val="tx1"/>
+                </a:solidFill>
+                <a:effectLst/>
+                <a:latin typeface="+mj-lt"/>
+              </a:rPr>
+              <a:t> -</a:t>
+            </a:r>
+            <a:r>
+              <a:rPr kumimoji="0" lang="en-US" altLang="en-US" sz="1400" b="0" i="0" u="none" strike="noStrike" cap="none" normalizeH="0" baseline="0" dirty="0" err="1" smtClean="0">
+                <a:ln>
+                  <a:noFill/>
+                </a:ln>
+                <a:solidFill>
+                  <a:schemeClr val="tx1"/>
+                </a:solidFill>
+                <a:effectLst/>
+                <a:latin typeface="+mj-lt"/>
+              </a:rPr>
+              <a:t>nodisplay</a:t>
+            </a:r>
+            <a:r>
+              <a:rPr kumimoji="0" lang="en-US" altLang="en-US" sz="1400" b="0" i="0" u="none" strike="noStrike" cap="none" normalizeH="0" baseline="0" dirty="0" smtClean="0">
+                <a:ln>
+                  <a:noFill/>
+                </a:ln>
+                <a:solidFill>
+                  <a:schemeClr val="tx1"/>
+                </a:solidFill>
+                <a:effectLst/>
+                <a:latin typeface="+mj-lt"/>
+              </a:rPr>
+              <a:t> -</a:t>
+            </a:r>
+            <a:r>
+              <a:rPr kumimoji="0" lang="en-US" altLang="en-US" sz="1400" b="0" i="0" u="none" strike="noStrike" cap="none" normalizeH="0" baseline="0" dirty="0" err="1" smtClean="0">
+                <a:ln>
+                  <a:noFill/>
+                </a:ln>
+                <a:solidFill>
+                  <a:schemeClr val="tx1"/>
+                </a:solidFill>
+                <a:effectLst/>
+                <a:latin typeface="+mj-lt"/>
+              </a:rPr>
+              <a:t>nosplash</a:t>
+            </a:r>
+            <a:r>
+              <a:rPr kumimoji="0" lang="en-US" altLang="en-US" sz="1400" b="0" i="0" u="none" strike="noStrike" cap="none" normalizeH="0" baseline="0" dirty="0" smtClean="0">
+                <a:ln>
+                  <a:noFill/>
+                </a:ln>
+                <a:solidFill>
+                  <a:schemeClr val="tx1"/>
+                </a:solidFill>
+                <a:effectLst/>
+                <a:latin typeface="+mj-lt"/>
+              </a:rPr>
+              <a:t> &lt; main2d.m </a:t>
             </a:r>
           </a:p>
         </p:txBody>
@@ -9553,7 +9307,7 @@
     </p:spTree>
     <p:extLst>
       <p:ext uri="{BB962C8B-B14F-4D97-AF65-F5344CB8AC3E}">
-        <p14:creationId xmlns:p14="http://schemas.microsoft.com/office/powerpoint/2010/main" val="389745442"/>
+        <p14:creationId xmlns:p14="http://schemas.microsoft.com/office/powerpoint/2010/main" val="636812607"/>
       </p:ext>
     </p:extLst>
   </p:cSld>
@@ -9599,7 +9353,7 @@
           <a:p>
             <a:r>
               <a:rPr lang="en-US" dirty="0" smtClean="0"/>
-              <a:t>Running IBAMR</a:t>
+              <a:t>Download data and book keeping</a:t>
             </a:r>
             <a:endParaRPr lang="en-US" dirty="0"/>
           </a:p>
@@ -9622,106 +9376,38 @@
           <a:p>
             <a:pPr fontAlgn="base"/>
             <a:r>
+              <a:rPr lang="en-US" dirty="0"/>
+              <a:t>To download the results. Use the web interface or </a:t>
+            </a:r>
+            <a:r>
               <a:rPr lang="en-US" dirty="0" err="1"/>
-              <a:t>Mpiruns</a:t>
+              <a:t>sftp</a:t>
             </a:r>
             <a:r>
               <a:rPr lang="en-US" dirty="0"/>
-              <a:t> </a:t>
-            </a:r>
-            <a:r>
-              <a:rPr lang="en-US" dirty="0" smtClean="0"/>
-              <a:t>using IBFE can </a:t>
-            </a:r>
+              <a:t>, cd to where viz_IB2d lives, and type get -r viz_IB2d</a:t>
+            </a:r>
+          </a:p>
+          <a:p>
             <a:r>
               <a:rPr lang="en-US" dirty="0"/>
-              <a:t>only be done on ocelot </a:t>
-            </a:r>
-            <a:endParaRPr lang="en-US" dirty="0" smtClean="0"/>
-          </a:p>
-          <a:p>
-            <a:pPr lvl="1" fontAlgn="base"/>
-            <a:r>
-              <a:rPr lang="en-US" dirty="0" smtClean="0"/>
-              <a:t>This </a:t>
-            </a:r>
-            <a:r>
-              <a:rPr lang="en-US" dirty="0" smtClean="0"/>
-              <a:t>cluster should </a:t>
+              <a:t>To save space on the cluster, now remove this data. Delete in the web interface or type </a:t>
+            </a:r>
+            <a:r>
+              <a:rPr lang="en-US" dirty="0" err="1"/>
+              <a:t>rm</a:t>
             </a:r>
             <a:r>
               <a:rPr lang="en-US" dirty="0"/>
-              <a:t>be online July </a:t>
-            </a:r>
-            <a:r>
-              <a:rPr lang="en-US" dirty="0" smtClean="0"/>
-              <a:t>12.</a:t>
-            </a:r>
-            <a:endParaRPr lang="en-US" dirty="0"/>
-          </a:p>
-          <a:p>
-            <a:pPr lvl="1" fontAlgn="base"/>
-            <a:r>
-              <a:rPr lang="en-US" dirty="0"/>
-              <a:t>We can run </a:t>
-            </a:r>
-            <a:r>
-              <a:rPr lang="en-US" dirty="0" smtClean="0"/>
-              <a:t>simulations using IBFE by </a:t>
-            </a:r>
-            <a:r>
-              <a:rPr lang="en-US" dirty="0"/>
-              <a:t>using </a:t>
-            </a:r>
-            <a:r>
-              <a:rPr lang="en-US" dirty="0" err="1"/>
-              <a:t>srun</a:t>
-            </a:r>
-            <a:r>
-              <a:rPr lang="en-US" dirty="0"/>
-              <a:t> on puma (2D runs</a:t>
-            </a:r>
-            <a:r>
-              <a:rPr lang="en-US" dirty="0" smtClean="0"/>
-              <a:t>).</a:t>
-            </a:r>
-          </a:p>
-          <a:p>
-            <a:pPr fontAlgn="base"/>
-            <a:r>
-              <a:rPr lang="en-US" dirty="0" smtClean="0"/>
-              <a:t>If you are  not using finite elements / </a:t>
-            </a:r>
-            <a:r>
-              <a:rPr lang="en-US" dirty="0" err="1" smtClean="0"/>
-              <a:t>libmesh</a:t>
-            </a:r>
-            <a:r>
-              <a:rPr lang="en-US" dirty="0" smtClean="0"/>
-              <a:t> (e.g. fiber based IBM), then you can use </a:t>
-            </a:r>
-            <a:r>
-              <a:rPr lang="en-US" dirty="0" err="1" smtClean="0"/>
-              <a:t>mpirun</a:t>
-            </a:r>
-            <a:r>
-              <a:rPr lang="en-US" dirty="0" smtClean="0"/>
-              <a:t> on puma.</a:t>
-            </a:r>
-            <a:endParaRPr lang="en-US" dirty="0"/>
-          </a:p>
-          <a:p>
-            <a:pPr marL="114300" indent="0">
-              <a:buNone/>
-            </a:pPr>
-            <a:endParaRPr lang="en-US" dirty="0"/>
+              <a:t> -r viz_IB2d</a:t>
+            </a:r>
           </a:p>
         </p:txBody>
       </p:sp>
     </p:spTree>
     <p:extLst>
       <p:ext uri="{BB962C8B-B14F-4D97-AF65-F5344CB8AC3E}">
-        <p14:creationId xmlns:p14="http://schemas.microsoft.com/office/powerpoint/2010/main" val="470862121"/>
+        <p14:creationId xmlns:p14="http://schemas.microsoft.com/office/powerpoint/2010/main" val="389745442"/>
       </p:ext>
     </p:extLst>
   </p:cSld>
@@ -9767,7 +9453,7 @@
           <a:p>
             <a:r>
               <a:rPr lang="en-US" dirty="0" smtClean="0"/>
-              <a:t>IBAMR Tutorials</a:t>
+              <a:t>Running IBAMR</a:t>
             </a:r>
             <a:endParaRPr lang="en-US" dirty="0"/>
           </a:p>
@@ -9790,12 +9476,8 @@
           <a:p>
             <a:pPr fontAlgn="base"/>
             <a:r>
-              <a:rPr lang="en-US" dirty="0"/>
-              <a:t>Tutorials on </a:t>
-            </a:r>
-            <a:r>
               <a:rPr lang="en-US" dirty="0" err="1"/>
-              <a:t>github</a:t>
+              <a:t>Mpiruns</a:t>
             </a:r>
             <a:r>
               <a:rPr lang="en-US" dirty="0"/>
@@ -9803,7 +9485,27 @@
             </a:r>
             <a:r>
               <a:rPr lang="en-US" dirty="0" smtClean="0"/>
-              <a:t>with examples of UNC</a:t>
+              <a:t>using IBFE can </a:t>
+            </a:r>
+            <a:r>
+              <a:rPr lang="en-US" dirty="0"/>
+              <a:t>only be done on ocelot </a:t>
+            </a:r>
+            <a:endParaRPr lang="en-US" dirty="0" smtClean="0"/>
+          </a:p>
+          <a:p>
+            <a:pPr lvl="1" fontAlgn="base"/>
+            <a:r>
+              <a:rPr lang="en-US" dirty="0" smtClean="0"/>
+              <a:t>This cluster should </a:t>
+            </a:r>
+            <a:r>
+              <a:rPr lang="en-US" dirty="0"/>
+              <a:t>be online July </a:t>
+            </a:r>
+            <a:r>
+              <a:rPr lang="en-US" dirty="0" smtClean="0"/>
+              <a:t>12.</a:t>
             </a:r>
             <a:endParaRPr lang="en-US" dirty="0"/>
           </a:p>
@@ -9811,87 +9513,57 @@
             <a:pPr lvl="1" fontAlgn="base"/>
             <a:r>
               <a:rPr lang="en-US" dirty="0"/>
-              <a:t>Power point slides and code at </a:t>
-            </a:r>
-            <a:r>
-              <a:rPr lang="en-US" u="sng" dirty="0">
-                <a:hlinkClick r:id="rId2"/>
-              </a:rPr>
-              <a:t>https://github.com/fairyflies9/IBAMR-Tutorials</a:t>
+              <a:t>We can run </a:t>
+            </a:r>
+            <a:r>
+              <a:rPr lang="en-US" dirty="0" smtClean="0"/>
+              <a:t>simulations using IBFE by </a:t>
+            </a:r>
+            <a:r>
+              <a:rPr lang="en-US" dirty="0"/>
+              <a:t>using </a:t>
+            </a:r>
+            <a:r>
+              <a:rPr lang="en-US" dirty="0" err="1"/>
+              <a:t>srun</a:t>
+            </a:r>
+            <a:r>
+              <a:rPr lang="en-US" dirty="0"/>
+              <a:t> on puma (2D runs</a:t>
+            </a:r>
+            <a:r>
+              <a:rPr lang="en-US" dirty="0" smtClean="0"/>
+              <a:t>).</a:t>
+            </a:r>
+          </a:p>
+          <a:p>
+            <a:pPr fontAlgn="base"/>
+            <a:r>
+              <a:rPr lang="en-US" dirty="0" smtClean="0"/>
+              <a:t>If you are  not using finite elements / </a:t>
+            </a:r>
+            <a:r>
+              <a:rPr lang="en-US" dirty="0" err="1" smtClean="0"/>
+              <a:t>libmesh</a:t>
+            </a:r>
+            <a:r>
+              <a:rPr lang="en-US" dirty="0" smtClean="0"/>
+              <a:t> (e.g. fiber based IBM), then you can use </a:t>
+            </a:r>
+            <a:r>
+              <a:rPr lang="en-US" dirty="0" err="1" smtClean="0"/>
+              <a:t>mpirun</a:t>
+            </a:r>
+            <a:r>
+              <a:rPr lang="en-US" dirty="0" smtClean="0"/>
+              <a:t> on puma.</a:t>
             </a:r>
             <a:endParaRPr lang="en-US" dirty="0"/>
           </a:p>
           <a:p>
-            <a:r>
-              <a:rPr lang="en-US" dirty="0" smtClean="0"/>
-              <a:t>Zoom videos of old tutorials and </a:t>
-            </a:r>
-            <a:r>
-              <a:rPr lang="en-US" dirty="0"/>
-              <a:t>other </a:t>
-            </a:r>
-            <a:r>
-              <a:rPr lang="en-US" dirty="0" smtClean="0"/>
-              <a:t>materials</a:t>
-            </a:r>
-          </a:p>
-          <a:p>
-            <a:pPr lvl="1"/>
-            <a:r>
-              <a:rPr lang="en-US" u="sng" dirty="0" smtClean="0">
-                <a:hlinkClick r:id="rId3"/>
-              </a:rPr>
-              <a:t>https</a:t>
-            </a:r>
-            <a:r>
-              <a:rPr lang="en-US" u="sng" dirty="0">
-                <a:hlinkClick r:id="rId3"/>
-              </a:rPr>
-              <a:t>://drive.google.com/drive/folders/1g0TIf-mRa3f2cOt2h8zztOmrhvMdZpuY?usp=sharing</a:t>
-            </a:r>
-            <a:endParaRPr lang="en-US" dirty="0" smtClean="0"/>
-          </a:p>
-          <a:p>
-            <a:pPr fontAlgn="base"/>
-            <a:r>
-              <a:rPr lang="en-US" dirty="0" smtClean="0"/>
-              <a:t>I’ve </a:t>
-            </a:r>
-            <a:r>
-              <a:rPr lang="en-US" dirty="0"/>
-              <a:t>started a new folder for UA examples here: </a:t>
-            </a:r>
-            <a:endParaRPr lang="en-US" dirty="0" smtClean="0"/>
-          </a:p>
-          <a:p>
-            <a:pPr lvl="1" fontAlgn="base"/>
-            <a:r>
-              <a:rPr lang="en-US" u="sng" dirty="0" smtClean="0">
-                <a:hlinkClick r:id="rId4"/>
-              </a:rPr>
-              <a:t>IBAMR-Tutorials/AZ-Examples/IBFE-UA-Example-2DTriangle </a:t>
-            </a:r>
-            <a:r>
-              <a:rPr lang="en-US" u="sng" dirty="0">
-                <a:hlinkClick r:id="rId4"/>
-              </a:rPr>
-              <a:t>at master · fairyflies9/IBAMR-Tutorials · GitHub</a:t>
-            </a:r>
-            <a:endParaRPr lang="en-US" dirty="0"/>
-          </a:p>
-          <a:p>
-            <a:pPr lvl="1" fontAlgn="base"/>
-            <a:r>
-              <a:rPr lang="en-US" dirty="0"/>
-              <a:t>I will keep adding new examples over the coming weeks and will start zoom tutorials next </a:t>
-            </a:r>
-            <a:r>
-              <a:rPr lang="en-US" dirty="0" smtClean="0"/>
-              <a:t>week.</a:t>
-            </a:r>
-            <a:endParaRPr lang="en-US" dirty="0"/>
-          </a:p>
-          <a:p>
+            <a:pPr marL="114300" indent="0">
+              <a:buNone/>
+            </a:pPr>
             <a:endParaRPr lang="en-US" dirty="0"/>
           </a:p>
         </p:txBody>
@@ -9899,7 +9571,7 @@
     </p:spTree>
     <p:extLst>
       <p:ext uri="{BB962C8B-B14F-4D97-AF65-F5344CB8AC3E}">
-        <p14:creationId xmlns:p14="http://schemas.microsoft.com/office/powerpoint/2010/main" val="3710708118"/>
+        <p14:creationId xmlns:p14="http://schemas.microsoft.com/office/powerpoint/2010/main" val="470862121"/>
       </p:ext>
     </p:extLst>
   </p:cSld>
@@ -9914,7 +9586,7 @@
   <p:cSld>
     <p:spTree>
       <p:nvGrpSpPr>
-        <p:cNvPr id="1" name="Shape 58"/>
+        <p:cNvPr id="1" name=""/>
         <p:cNvGrpSpPr/>
         <p:nvPr/>
       </p:nvGrpSpPr>
@@ -9928,151 +9600,115 @@
       </p:grpSpPr>
       <p:sp>
         <p:nvSpPr>
-          <p:cNvPr id="59" name="Google Shape;59;p14"/>
-          <p:cNvSpPr txBox="1">
+          <p:cNvPr id="2" name="Title 1"/>
+          <p:cNvSpPr>
             <a:spLocks noGrp="1"/>
           </p:cNvSpPr>
           <p:nvPr>
             <p:ph type="title"/>
           </p:nvPr>
         </p:nvSpPr>
-        <p:spPr>
-          <a:xfrm>
-            <a:off x="311700" y="445025"/>
-            <a:ext cx="8520600" cy="572700"/>
-          </a:xfrm>
-          <a:prstGeom prst="rect">
-            <a:avLst/>
-          </a:prstGeom>
-        </p:spPr>
+        <p:spPr/>
         <p:txBody>
-          <a:bodyPr spcFirstLastPara="1" wrap="square" lIns="91425" tIns="91425" rIns="91425" bIns="91425" anchor="t" anchorCtr="0">
+          <a:bodyPr>
             <a:normAutofit fontScale="90000"/>
           </a:bodyPr>
           <a:lstStyle/>
           <a:p>
-            <a:pPr marL="0" lvl="0" indent="0" algn="l" rtl="0">
-              <a:spcBef>
-                <a:spcPts val="0"/>
-              </a:spcBef>
-              <a:spcAft>
-                <a:spcPts val="0"/>
-              </a:spcAft>
-              <a:buNone/>
-            </a:pPr>
-            <a:r>
-              <a:rPr lang="en"/>
-              <a:t>Services available</a:t>
-            </a:r>
-            <a:endParaRPr/>
+            <a:r>
+              <a:rPr lang="en-US" dirty="0" smtClean="0"/>
+              <a:t>Resources</a:t>
+            </a:r>
+            <a:endParaRPr lang="en-US" dirty="0"/>
           </a:p>
         </p:txBody>
       </p:sp>
       <p:sp>
         <p:nvSpPr>
-          <p:cNvPr id="60" name="Google Shape;60;p14"/>
-          <p:cNvSpPr txBox="1">
+          <p:cNvPr id="3" name="Text Placeholder 2"/>
+          <p:cNvSpPr>
             <a:spLocks noGrp="1"/>
           </p:cNvSpPr>
           <p:nvPr>
             <p:ph type="body" idx="1"/>
           </p:nvPr>
         </p:nvSpPr>
-        <p:spPr>
-          <a:xfrm>
-            <a:off x="311700" y="1152475"/>
-            <a:ext cx="8520600" cy="789000"/>
-          </a:xfrm>
-          <a:prstGeom prst="rect">
-            <a:avLst/>
-          </a:prstGeom>
-        </p:spPr>
+        <p:spPr/>
         <p:txBody>
-          <a:bodyPr spcFirstLastPara="1" wrap="square" lIns="91425" tIns="91425" rIns="91425" bIns="91425" anchor="t" anchorCtr="0">
-            <a:normAutofit fontScale="85000" lnSpcReduction="20000"/>
-          </a:bodyPr>
+          <a:bodyPr/>
           <a:lstStyle/>
           <a:p>
-            <a:pPr marL="457200" lvl="0" indent="-342900" algn="l" rtl="0">
-              <a:spcBef>
-                <a:spcPts val="1200"/>
-              </a:spcBef>
-              <a:spcAft>
-                <a:spcPts val="0"/>
-              </a:spcAft>
-              <a:buSzPts val="1800"/>
-              <a:buChar char="●"/>
-            </a:pPr>
-            <a:r>
-              <a:rPr lang="en">
-                <a:solidFill>
-                  <a:schemeClr val="dk1"/>
-                </a:solidFill>
-                <a:uFill>
-                  <a:noFill/>
-                </a:uFill>
-                <a:hlinkClick r:id="rId3">
-                  <a:extLst>
-                    <a:ext uri="{A12FA001-AC4F-418D-AE19-62706E023703}">
-                      <ahyp:hlinkClr xmlns="" xmlns:mc="http://schemas.openxmlformats.org/markup-compatibility/2006" xmlns:mv="urn:schemas-microsoft-com:mac:vml" xmlns:c="http://schemas.openxmlformats.org/drawingml/2006/chart" xmlns:dgm="http://schemas.openxmlformats.org/drawingml/2006/diagram" xmlns:o="urn:schemas-microsoft-com:office:office" xmlns:v="urn:schemas-microsoft-com:vml" xmlns:pvml="urn:schemas-microsoft-com:office:powerpoint" xmlns:com="http://schemas.openxmlformats.org/drawingml/2006/compatibility" xmlns:p14="http://schemas.microsoft.com/office/powerpoint/2010/main" xmlns:p15="http://schemas.microsoft.com/office/powerpoint/2012/main" xmlns:ahyp="http://schemas.microsoft.com/office/drawing/2018/hyperlinkcolor" val="tx"/>
-                    </a:ext>
-                  </a:extLst>
-                </a:hlinkClick>
-              </a:rPr>
-              <a:t> UA offers a variety of services, including a Unix environment and an HPC account. </a:t>
-            </a:r>
-            <a:r>
-              <a:rPr lang="en" u="sng">
-                <a:solidFill>
-                  <a:schemeClr val="accent5"/>
-                </a:solidFill>
-                <a:hlinkClick r:id="rId3">
-                  <a:extLst>
-                    <a:ext uri="{A12FA001-AC4F-418D-AE19-62706E023703}">
-                      <ahyp:hlinkClr xmlns="" xmlns:mc="http://schemas.openxmlformats.org/markup-compatibility/2006" xmlns:mv="urn:schemas-microsoft-com:mac:vml" xmlns:c="http://schemas.openxmlformats.org/drawingml/2006/chart" xmlns:dgm="http://schemas.openxmlformats.org/drawingml/2006/diagram" xmlns:o="urn:schemas-microsoft-com:office:office" xmlns:v="urn:schemas-microsoft-com:vml" xmlns:pvml="urn:schemas-microsoft-com:office:powerpoint" xmlns:com="http://schemas.openxmlformats.org/drawingml/2006/compatibility" xmlns:p14="http://schemas.microsoft.com/office/powerpoint/2010/main" xmlns:p15="http://schemas.microsoft.com/office/powerpoint/2012/main" xmlns:ahyp="http://schemas.microsoft.com/office/drawing/2018/hyperlinkcolor" val="tx"/>
-                    </a:ext>
-                  </a:extLst>
-                </a:hlinkClick>
-              </a:rPr>
-              <a:t>https://account.arizona.edu</a:t>
-            </a:r>
-            <a:endParaRPr/>
+            <a:r>
+              <a:rPr lang="en-US" u="sng" dirty="0">
+                <a:hlinkClick r:id="rId2"/>
+              </a:rPr>
+              <a:t>https://</a:t>
+            </a:r>
+            <a:r>
+              <a:rPr lang="en-US" u="sng" dirty="0" smtClean="0">
+                <a:hlinkClick r:id="rId2"/>
+              </a:rPr>
+              <a:t>github.com/fairyflies9/IBAMR-Tutorials</a:t>
+            </a:r>
+            <a:endParaRPr lang="en-US" u="sng" dirty="0" smtClean="0"/>
+          </a:p>
+          <a:p>
+            <a:pPr lvl="1"/>
+            <a:r>
+              <a:rPr lang="en-US" dirty="0" smtClean="0"/>
+              <a:t>Examples and </a:t>
+            </a:r>
+            <a:r>
+              <a:rPr lang="en-US" dirty="0" err="1" smtClean="0"/>
+              <a:t>powerpoint</a:t>
+            </a:r>
+            <a:r>
+              <a:rPr lang="en-US" dirty="0" smtClean="0"/>
+              <a:t> slides</a:t>
+            </a:r>
+          </a:p>
+          <a:p>
+            <a:r>
+              <a:rPr lang="en-US" dirty="0">
+                <a:hlinkClick r:id="rId3"/>
+              </a:rPr>
+              <a:t>https://</a:t>
+            </a:r>
+            <a:r>
+              <a:rPr lang="en-US" dirty="0" smtClean="0">
+                <a:hlinkClick r:id="rId3"/>
+              </a:rPr>
+              <a:t>drive.google.com/drive/folders/1g0TIf-mRa3f2cOt2h8zztOmrhvMdZpuY?usp=sharing</a:t>
+            </a:r>
+            <a:endParaRPr lang="en-US" dirty="0" smtClean="0"/>
+          </a:p>
+          <a:p>
+            <a:pPr lvl="1"/>
+            <a:r>
+              <a:rPr lang="en-US" dirty="0" smtClean="0"/>
+              <a:t>Zoom recordings for old and new tutorials</a:t>
+            </a:r>
+            <a:endParaRPr lang="en-US" dirty="0"/>
           </a:p>
         </p:txBody>
       </p:sp>
-      <p:pic>
-        <p:nvPicPr>
-          <p:cNvPr id="61" name="Google Shape;61;p14"/>
-          <p:cNvPicPr preferRelativeResize="0"/>
-          <p:nvPr/>
-        </p:nvPicPr>
-        <p:blipFill>
-          <a:blip r:embed="rId4">
-            <a:alphaModFix/>
-          </a:blip>
-          <a:stretch>
-            <a:fillRect/>
-          </a:stretch>
-        </p:blipFill>
-        <p:spPr>
-          <a:xfrm>
-            <a:off x="1947800" y="2076225"/>
-            <a:ext cx="5467214" cy="2897225"/>
-          </a:xfrm>
-          <a:prstGeom prst="rect">
-            <a:avLst/>
-          </a:prstGeom>
-          <a:noFill/>
-          <a:ln>
-            <a:noFill/>
-          </a:ln>
-        </p:spPr>
-      </p:pic>
     </p:spTree>
+    <p:extLst>
+      <p:ext uri="{BB962C8B-B14F-4D97-AF65-F5344CB8AC3E}">
+        <p14:creationId xmlns:p14="http://schemas.microsoft.com/office/powerpoint/2010/main" val="2154838708"/>
+      </p:ext>
+    </p:extLst>
   </p:cSld>
   <p:clrMapOvr>
     <a:masterClrMapping/>
   </p:clrMapOvr>
+  <p:timing>
+    <p:tnLst>
+      <p:par>
+        <p:cTn id="1" dur="indefinite" restart="never" nodeType="tmRoot"/>
+      </p:par>
+    </p:tnLst>
+  </p:timing>
 </p:sld>
 </file>
 
@@ -10112,6 +9748,196 @@
           <a:p>
             <a:r>
               <a:rPr lang="en-US" dirty="0" smtClean="0"/>
+              <a:t>IBAMR Tutorials</a:t>
+            </a:r>
+            <a:endParaRPr lang="en-US" dirty="0"/>
+          </a:p>
+        </p:txBody>
+      </p:sp>
+      <p:sp>
+        <p:nvSpPr>
+          <p:cNvPr id="3" name="Text Placeholder 2"/>
+          <p:cNvSpPr>
+            <a:spLocks noGrp="1"/>
+          </p:cNvSpPr>
+          <p:nvPr>
+            <p:ph type="body" idx="1"/>
+          </p:nvPr>
+        </p:nvSpPr>
+        <p:spPr/>
+        <p:txBody>
+          <a:bodyPr/>
+          <a:lstStyle/>
+          <a:p>
+            <a:pPr fontAlgn="base"/>
+            <a:r>
+              <a:rPr lang="en-US" dirty="0"/>
+              <a:t>Tutorials on </a:t>
+            </a:r>
+            <a:r>
+              <a:rPr lang="en-US" dirty="0" err="1"/>
+              <a:t>github</a:t>
+            </a:r>
+            <a:r>
+              <a:rPr lang="en-US" dirty="0"/>
+              <a:t> </a:t>
+            </a:r>
+            <a:r>
+              <a:rPr lang="en-US" dirty="0" smtClean="0"/>
+              <a:t>with examples </a:t>
+            </a:r>
+            <a:r>
+              <a:rPr lang="en-US" dirty="0" smtClean="0"/>
+              <a:t>from</a:t>
+            </a:r>
+            <a:r>
+              <a:rPr lang="en-US" dirty="0" smtClean="0"/>
+              <a:t> </a:t>
+            </a:r>
+            <a:r>
+              <a:rPr lang="en-US" dirty="0" smtClean="0"/>
+              <a:t>UNC</a:t>
+            </a:r>
+            <a:endParaRPr lang="en-US" dirty="0"/>
+          </a:p>
+          <a:p>
+            <a:pPr lvl="1" fontAlgn="base"/>
+            <a:r>
+              <a:rPr lang="en-US" dirty="0"/>
+              <a:t>Power point slides and code at </a:t>
+            </a:r>
+            <a:r>
+              <a:rPr lang="en-US" u="sng" dirty="0">
+                <a:hlinkClick r:id="rId2"/>
+              </a:rPr>
+              <a:t>https://github.com/fairyflies9/IBAMR-Tutorials</a:t>
+            </a:r>
+            <a:endParaRPr lang="en-US" dirty="0"/>
+          </a:p>
+          <a:p>
+            <a:r>
+              <a:rPr lang="en-US" dirty="0" smtClean="0"/>
+              <a:t>Zoom videos of old tutorials and </a:t>
+            </a:r>
+            <a:r>
+              <a:rPr lang="en-US" dirty="0"/>
+              <a:t>other </a:t>
+            </a:r>
+            <a:r>
+              <a:rPr lang="en-US" dirty="0" smtClean="0"/>
+              <a:t>materials</a:t>
+            </a:r>
+          </a:p>
+          <a:p>
+            <a:pPr lvl="1"/>
+            <a:r>
+              <a:rPr lang="en-US" u="sng" dirty="0" smtClean="0">
+                <a:hlinkClick r:id="rId3"/>
+              </a:rPr>
+              <a:t>https</a:t>
+            </a:r>
+            <a:r>
+              <a:rPr lang="en-US" u="sng" dirty="0">
+                <a:hlinkClick r:id="rId3"/>
+              </a:rPr>
+              <a:t>://drive.google.com/drive/folders/1g0TIf-mRa3f2cOt2h8zztOmrhvMdZpuY?usp=sharing</a:t>
+            </a:r>
+            <a:endParaRPr lang="en-US" dirty="0" smtClean="0"/>
+          </a:p>
+          <a:p>
+            <a:pPr fontAlgn="base"/>
+            <a:r>
+              <a:rPr lang="en-US" dirty="0" smtClean="0"/>
+              <a:t>I’ve </a:t>
+            </a:r>
+            <a:r>
+              <a:rPr lang="en-US" dirty="0"/>
+              <a:t>started a new folder for UA examples here: </a:t>
+            </a:r>
+            <a:endParaRPr lang="en-US" dirty="0" smtClean="0"/>
+          </a:p>
+          <a:p>
+            <a:pPr lvl="1" fontAlgn="base"/>
+            <a:r>
+              <a:rPr lang="en-US" u="sng" dirty="0" smtClean="0">
+                <a:hlinkClick r:id="rId4"/>
+              </a:rPr>
+              <a:t>IBAMR-Tutorials/AZ-Examples/IBFE-UA-Example-2DTriangle </a:t>
+            </a:r>
+            <a:r>
+              <a:rPr lang="en-US" u="sng" dirty="0">
+                <a:hlinkClick r:id="rId4"/>
+              </a:rPr>
+              <a:t>at master · fairyflies9/IBAMR-Tutorials · GitHub</a:t>
+            </a:r>
+            <a:endParaRPr lang="en-US" dirty="0"/>
+          </a:p>
+          <a:p>
+            <a:pPr lvl="1" fontAlgn="base"/>
+            <a:r>
+              <a:rPr lang="en-US" dirty="0"/>
+              <a:t>I will keep adding new examples over the coming weeks and will start zoom tutorials next </a:t>
+            </a:r>
+            <a:r>
+              <a:rPr lang="en-US" dirty="0" smtClean="0"/>
+              <a:t>week.</a:t>
+            </a:r>
+            <a:endParaRPr lang="en-US" dirty="0"/>
+          </a:p>
+          <a:p>
+            <a:endParaRPr lang="en-US" dirty="0"/>
+          </a:p>
+        </p:txBody>
+      </p:sp>
+    </p:spTree>
+    <p:extLst>
+      <p:ext uri="{BB962C8B-B14F-4D97-AF65-F5344CB8AC3E}">
+        <p14:creationId xmlns:p14="http://schemas.microsoft.com/office/powerpoint/2010/main" val="3710708118"/>
+      </p:ext>
+    </p:extLst>
+  </p:cSld>
+  <p:clrMapOvr>
+    <a:masterClrMapping/>
+  </p:clrMapOvr>
+</p:sld>
+</file>
+
+<file path=ppt/slides/slide21.xml><?xml version="1.0" encoding="utf-8"?>
+<p:sld xmlns:a="http://schemas.openxmlformats.org/drawingml/2006/main" xmlns:r="http://schemas.openxmlformats.org/officeDocument/2006/relationships" xmlns:p="http://schemas.openxmlformats.org/presentationml/2006/main">
+  <p:cSld>
+    <p:spTree>
+      <p:nvGrpSpPr>
+        <p:cNvPr id="1" name=""/>
+        <p:cNvGrpSpPr/>
+        <p:nvPr/>
+      </p:nvGrpSpPr>
+      <p:grpSpPr>
+        <a:xfrm>
+          <a:off x="0" y="0"/>
+          <a:ext cx="0" cy="0"/>
+          <a:chOff x="0" y="0"/>
+          <a:chExt cx="0" cy="0"/>
+        </a:xfrm>
+      </p:grpSpPr>
+      <p:sp>
+        <p:nvSpPr>
+          <p:cNvPr id="2" name="Title 1"/>
+          <p:cNvSpPr>
+            <a:spLocks noGrp="1"/>
+          </p:cNvSpPr>
+          <p:nvPr>
+            <p:ph type="title"/>
+          </p:nvPr>
+        </p:nvSpPr>
+        <p:spPr/>
+        <p:txBody>
+          <a:bodyPr>
+            <a:normAutofit fontScale="90000"/>
+          </a:bodyPr>
+          <a:lstStyle/>
+          <a:p>
+            <a:r>
+              <a:rPr lang="en-US" dirty="0" smtClean="0"/>
               <a:t>Updating examples from UNC</a:t>
             </a:r>
             <a:endParaRPr lang="en-US" dirty="0"/>
@@ -10384,7 +10210,7 @@
 </p:sld>
 </file>
 
-<file path=ppt/slides/slide21.xml><?xml version="1.0" encoding="utf-8"?>
+<file path=ppt/slides/slide22.xml><?xml version="1.0" encoding="utf-8"?>
 <p:sld xmlns:a="http://schemas.openxmlformats.org/drawingml/2006/main" xmlns:r="http://schemas.openxmlformats.org/officeDocument/2006/relationships" xmlns:p="http://schemas.openxmlformats.org/presentationml/2006/main">
   <p:cSld>
     <p:spTree>
@@ -10606,7 +10432,7 @@
                     <a:p>
                       <a:pPr fontAlgn="t"/>
                       <a:r>
-                        <a:rPr lang="en-US" sz="1300">
+                        <a:rPr lang="en-US" sz="1300" dirty="0">
                           <a:effectLst/>
                           <a:latin typeface="+mj-lt"/>
                         </a:rPr>
@@ -10646,7 +10472,7 @@
                     <a:p>
                       <a:pPr fontAlgn="t"/>
                       <a:r>
-                        <a:rPr lang="en-US" sz="1300">
+                        <a:rPr lang="en-US" sz="1300" dirty="0">
                           <a:effectLst/>
                           <a:latin typeface="+mj-lt"/>
                         </a:rPr>
@@ -10833,7 +10659,7 @@
 </p:sld>
 </file>
 
-<file path=ppt/slides/slide22.xml><?xml version="1.0" encoding="utf-8"?>
+<file path=ppt/slides/slide23.xml><?xml version="1.0" encoding="utf-8"?>
 <p:sld xmlns:a="http://schemas.openxmlformats.org/drawingml/2006/main" xmlns:r="http://schemas.openxmlformats.org/officeDocument/2006/relationships" xmlns:p="http://schemas.openxmlformats.org/presentationml/2006/main">
   <p:cSld>
     <p:spTree>
@@ -11001,11 +10827,7 @@
             </a:r>
             <a:r>
               <a:rPr lang="en-US" dirty="0" err="1" smtClean="0"/>
-              <a:t>my_ib</a:t>
-            </a:r>
-            <a:r>
-              <a:rPr lang="en-US" dirty="0" err="1" smtClean="0"/>
-              <a:t>_sim_folder</a:t>
+              <a:t>my_ib_sim_folder</a:t>
             </a:r>
             <a:endParaRPr lang="en-US" dirty="0" smtClean="0"/>
           </a:p>
@@ -11034,6 +10856,180 @@
 </file>
 
 <file path=ppt/slides/slide3.xml><?xml version="1.0" encoding="utf-8"?>
+<p:sld xmlns:a="http://schemas.openxmlformats.org/drawingml/2006/main" xmlns:r="http://schemas.openxmlformats.org/officeDocument/2006/relationships" xmlns:p="http://schemas.openxmlformats.org/presentationml/2006/main">
+  <p:cSld>
+    <p:spTree>
+      <p:nvGrpSpPr>
+        <p:cNvPr id="1" name="Shape 58"/>
+        <p:cNvGrpSpPr/>
+        <p:nvPr/>
+      </p:nvGrpSpPr>
+      <p:grpSpPr>
+        <a:xfrm>
+          <a:off x="0" y="0"/>
+          <a:ext cx="0" cy="0"/>
+          <a:chOff x="0" y="0"/>
+          <a:chExt cx="0" cy="0"/>
+        </a:xfrm>
+      </p:grpSpPr>
+      <p:sp>
+        <p:nvSpPr>
+          <p:cNvPr id="59" name="Google Shape;59;p14"/>
+          <p:cNvSpPr txBox="1">
+            <a:spLocks noGrp="1"/>
+          </p:cNvSpPr>
+          <p:nvPr>
+            <p:ph type="title"/>
+          </p:nvPr>
+        </p:nvSpPr>
+        <p:spPr>
+          <a:xfrm>
+            <a:off x="311700" y="445025"/>
+            <a:ext cx="8520600" cy="572700"/>
+          </a:xfrm>
+          <a:prstGeom prst="rect">
+            <a:avLst/>
+          </a:prstGeom>
+        </p:spPr>
+        <p:txBody>
+          <a:bodyPr spcFirstLastPara="1" wrap="square" lIns="91425" tIns="91425" rIns="91425" bIns="91425" anchor="t" anchorCtr="0">
+            <a:normAutofit fontScale="90000"/>
+          </a:bodyPr>
+          <a:lstStyle/>
+          <a:p>
+            <a:pPr marL="0" lvl="0" indent="0" algn="l" rtl="0">
+              <a:spcBef>
+                <a:spcPts val="0"/>
+              </a:spcBef>
+              <a:spcAft>
+                <a:spcPts val="0"/>
+              </a:spcAft>
+              <a:buNone/>
+            </a:pPr>
+            <a:r>
+              <a:rPr lang="en"/>
+              <a:t>Services available</a:t>
+            </a:r>
+            <a:endParaRPr/>
+          </a:p>
+        </p:txBody>
+      </p:sp>
+      <p:sp>
+        <p:nvSpPr>
+          <p:cNvPr id="60" name="Google Shape;60;p14"/>
+          <p:cNvSpPr txBox="1">
+            <a:spLocks noGrp="1"/>
+          </p:cNvSpPr>
+          <p:nvPr>
+            <p:ph type="body" idx="1"/>
+          </p:nvPr>
+        </p:nvSpPr>
+        <p:spPr>
+          <a:xfrm>
+            <a:off x="311700" y="1152475"/>
+            <a:ext cx="8520600" cy="789000"/>
+          </a:xfrm>
+          <a:prstGeom prst="rect">
+            <a:avLst/>
+          </a:prstGeom>
+        </p:spPr>
+        <p:txBody>
+          <a:bodyPr spcFirstLastPara="1" wrap="square" lIns="91425" tIns="91425" rIns="91425" bIns="91425" anchor="t" anchorCtr="0">
+            <a:normAutofit fontScale="85000" lnSpcReduction="20000"/>
+          </a:bodyPr>
+          <a:lstStyle/>
+          <a:p>
+            <a:pPr marL="457200" lvl="0" indent="-342900" algn="l" rtl="0">
+              <a:spcBef>
+                <a:spcPts val="1200"/>
+              </a:spcBef>
+              <a:spcAft>
+                <a:spcPts val="0"/>
+              </a:spcAft>
+              <a:buSzPts val="1800"/>
+              <a:buChar char="●"/>
+            </a:pPr>
+            <a:r>
+              <a:rPr lang="en">
+                <a:solidFill>
+                  <a:schemeClr val="dk1"/>
+                </a:solidFill>
+                <a:uFill>
+                  <a:noFill/>
+                </a:uFill>
+                <a:hlinkClick r:id="rId3">
+                  <a:extLst>
+                    <a:ext uri="{A12FA001-AC4F-418D-AE19-62706E023703}">
+                      <ahyp:hlinkClr xmlns:ahyp="http://schemas.microsoft.com/office/drawing/2018/hyperlinkcolor" xmlns:p15="http://schemas.microsoft.com/office/powerpoint/2012/main" xmlns:p14="http://schemas.microsoft.com/office/powerpoint/2010/main" xmlns:com="http://schemas.openxmlformats.org/drawingml/2006/compatibility" xmlns:pvml="urn:schemas-microsoft-com:office:powerpoint" xmlns:v="urn:schemas-microsoft-com:vml" xmlns:o="urn:schemas-microsoft-com:office:office" xmlns:dgm="http://schemas.openxmlformats.org/drawingml/2006/diagram" xmlns:c="http://schemas.openxmlformats.org/drawingml/2006/chart" xmlns:mv="urn:schemas-microsoft-com:mac:vml" xmlns:mc="http://schemas.openxmlformats.org/markup-compatibility/2006" xmlns="" val="tx"/>
+                    </a:ext>
+                  </a:extLst>
+                </a:hlinkClick>
+              </a:rPr>
+              <a:t> UA offers a variety of services, including a Unix environment and an HPC account. </a:t>
+            </a:r>
+            <a:r>
+              <a:rPr lang="en" u="sng">
+                <a:solidFill>
+                  <a:schemeClr val="accent5"/>
+                </a:solidFill>
+                <a:hlinkClick r:id="rId3">
+                  <a:extLst>
+                    <a:ext uri="{A12FA001-AC4F-418D-AE19-62706E023703}">
+                      <ahyp:hlinkClr xmlns:ahyp="http://schemas.microsoft.com/office/drawing/2018/hyperlinkcolor" xmlns:p15="http://schemas.microsoft.com/office/powerpoint/2012/main" xmlns:p14="http://schemas.microsoft.com/office/powerpoint/2010/main" xmlns:com="http://schemas.openxmlformats.org/drawingml/2006/compatibility" xmlns:pvml="urn:schemas-microsoft-com:office:powerpoint" xmlns:v="urn:schemas-microsoft-com:vml" xmlns:o="urn:schemas-microsoft-com:office:office" xmlns:dgm="http://schemas.openxmlformats.org/drawingml/2006/diagram" xmlns:c="http://schemas.openxmlformats.org/drawingml/2006/chart" xmlns:mv="urn:schemas-microsoft-com:mac:vml" xmlns:mc="http://schemas.openxmlformats.org/markup-compatibility/2006" xmlns="" val="tx"/>
+                    </a:ext>
+                  </a:extLst>
+                </a:hlinkClick>
+              </a:rPr>
+              <a:t>https://account.arizona.edu</a:t>
+            </a:r>
+            <a:endParaRPr/>
+          </a:p>
+        </p:txBody>
+      </p:sp>
+      <p:pic>
+        <p:nvPicPr>
+          <p:cNvPr id="61" name="Google Shape;61;p14"/>
+          <p:cNvPicPr preferRelativeResize="0"/>
+          <p:nvPr/>
+        </p:nvPicPr>
+        <p:blipFill>
+          <a:blip r:embed="rId4">
+            <a:alphaModFix/>
+          </a:blip>
+          <a:stretch>
+            <a:fillRect/>
+          </a:stretch>
+        </p:blipFill>
+        <p:spPr>
+          <a:xfrm>
+            <a:off x="1947800" y="2076225"/>
+            <a:ext cx="5467214" cy="2897225"/>
+          </a:xfrm>
+          <a:prstGeom prst="rect">
+            <a:avLst/>
+          </a:prstGeom>
+          <a:noFill/>
+          <a:ln>
+            <a:noFill/>
+          </a:ln>
+        </p:spPr>
+      </p:pic>
+    </p:spTree>
+  </p:cSld>
+  <p:clrMapOvr>
+    <a:masterClrMapping/>
+  </p:clrMapOvr>
+  <p:timing>
+    <p:tnLst>
+      <p:par>
+        <p:cTn id="1" dur="indefinite" restart="never" nodeType="tmRoot"/>
+      </p:par>
+    </p:tnLst>
+  </p:timing>
+</p:sld>
+</file>
+
+<file path=ppt/slides/slide4.xml><?xml version="1.0" encoding="utf-8"?>
 <p:sld xmlns:a="http://schemas.openxmlformats.org/drawingml/2006/main" xmlns:r="http://schemas.openxmlformats.org/officeDocument/2006/relationships" xmlns:p="http://schemas.openxmlformats.org/presentationml/2006/main">
   <p:cSld>
     <p:spTree>
@@ -11199,7 +11195,7 @@
                 <a:hlinkClick r:id="rId3">
                   <a:extLst>
                     <a:ext uri="{A12FA001-AC4F-418D-AE19-62706E023703}">
-                      <ahyp:hlinkClr xmlns="" xmlns:mc="http://schemas.openxmlformats.org/markup-compatibility/2006" xmlns:mv="urn:schemas-microsoft-com:mac:vml" xmlns:c="http://schemas.openxmlformats.org/drawingml/2006/chart" xmlns:dgm="http://schemas.openxmlformats.org/drawingml/2006/diagram" xmlns:o="urn:schemas-microsoft-com:office:office" xmlns:v="urn:schemas-microsoft-com:vml" xmlns:pvml="urn:schemas-microsoft-com:office:powerpoint" xmlns:com="http://schemas.openxmlformats.org/drawingml/2006/compatibility" xmlns:p14="http://schemas.microsoft.com/office/powerpoint/2010/main" xmlns:p15="http://schemas.microsoft.com/office/powerpoint/2012/main" xmlns:ahyp="http://schemas.microsoft.com/office/drawing/2018/hyperlinkcolor" val="tx"/>
+                      <ahyp:hlinkClr xmlns:ahyp="http://schemas.microsoft.com/office/drawing/2018/hyperlinkcolor" xmlns:p15="http://schemas.microsoft.com/office/powerpoint/2012/main" xmlns:p14="http://schemas.microsoft.com/office/powerpoint/2010/main" xmlns:com="http://schemas.openxmlformats.org/drawingml/2006/compatibility" xmlns:pvml="urn:schemas-microsoft-com:office:powerpoint" xmlns:v="urn:schemas-microsoft-com:vml" xmlns:o="urn:schemas-microsoft-com:office:office" xmlns:dgm="http://schemas.openxmlformats.org/drawingml/2006/diagram" xmlns:c="http://schemas.openxmlformats.org/drawingml/2006/chart" xmlns:mv="urn:schemas-microsoft-com:mac:vml" xmlns:mc="http://schemas.openxmlformats.org/markup-compatibility/2006" xmlns="" val="tx"/>
                     </a:ext>
                   </a:extLst>
                 </a:hlinkClick>
@@ -11297,15 +11293,7 @@
                   <a:schemeClr val="dk1"/>
                 </a:solidFill>
               </a:rPr>
-              <a:t>my</a:t>
-            </a:r>
-            <a:r>
-              <a:rPr lang="en" dirty="0" smtClean="0">
-                <a:solidFill>
-                  <a:schemeClr val="dk1"/>
-                </a:solidFill>
-              </a:rPr>
-              <a:t> </a:t>
+              <a:t>my </a:t>
             </a:r>
             <a:r>
               <a:rPr lang="en" dirty="0">
@@ -11351,7 +11339,7 @@
                 <a:hlinkClick r:id="rId4">
                   <a:extLst>
                     <a:ext uri="{A12FA001-AC4F-418D-AE19-62706E023703}">
-                      <ahyp:hlinkClr xmlns="" xmlns:mc="http://schemas.openxmlformats.org/markup-compatibility/2006" xmlns:mv="urn:schemas-microsoft-com:mac:vml" xmlns:c="http://schemas.openxmlformats.org/drawingml/2006/chart" xmlns:dgm="http://schemas.openxmlformats.org/drawingml/2006/diagram" xmlns:o="urn:schemas-microsoft-com:office:office" xmlns:v="urn:schemas-microsoft-com:vml" xmlns:pvml="urn:schemas-microsoft-com:office:powerpoint" xmlns:com="http://schemas.openxmlformats.org/drawingml/2006/compatibility" xmlns:p14="http://schemas.microsoft.com/office/powerpoint/2010/main" xmlns:p15="http://schemas.microsoft.com/office/powerpoint/2012/main" xmlns:ahyp="http://schemas.microsoft.com/office/drawing/2018/hyperlinkcolor" val="tx"/>
+                      <ahyp:hlinkClr xmlns:ahyp="http://schemas.microsoft.com/office/drawing/2018/hyperlinkcolor" xmlns:p15="http://schemas.microsoft.com/office/powerpoint/2012/main" xmlns:p14="http://schemas.microsoft.com/office/powerpoint/2010/main" xmlns:com="http://schemas.openxmlformats.org/drawingml/2006/compatibility" xmlns:pvml="urn:schemas-microsoft-com:office:powerpoint" xmlns:v="urn:schemas-microsoft-com:vml" xmlns:o="urn:schemas-microsoft-com:office:office" xmlns:dgm="http://schemas.openxmlformats.org/drawingml/2006/diagram" xmlns:c="http://schemas.openxmlformats.org/drawingml/2006/chart" xmlns:mv="urn:schemas-microsoft-com:mac:vml" xmlns:mc="http://schemas.openxmlformats.org/markup-compatibility/2006" xmlns="" val="tx"/>
                     </a:ext>
                   </a:extLst>
                 </a:hlinkClick>
@@ -11420,10 +11408,17 @@
   <p:clrMapOvr>
     <a:masterClrMapping/>
   </p:clrMapOvr>
+  <p:timing>
+    <p:tnLst>
+      <p:par>
+        <p:cTn id="1" dur="indefinite" restart="never" nodeType="tmRoot"/>
+      </p:par>
+    </p:tnLst>
+  </p:timing>
 </p:sld>
 </file>
 
-<file path=ppt/slides/slide4.xml><?xml version="1.0" encoding="utf-8"?>
+<file path=ppt/slides/slide5.xml><?xml version="1.0" encoding="utf-8"?>
 <p:sld xmlns:a="http://schemas.openxmlformats.org/drawingml/2006/main" xmlns:r="http://schemas.openxmlformats.org/officeDocument/2006/relationships" xmlns:p="http://schemas.openxmlformats.org/presentationml/2006/main">
   <p:cSld>
     <p:spTree>
@@ -11569,13 +11564,7 @@
                 <a:solidFill>
                   <a:schemeClr val="accent5"/>
                 </a:solidFill>
-                <a:hlinkClick r:id="rId3">
-                  <a:extLst>
-                    <a:ext uri="{A12FA001-AC4F-418D-AE19-62706E023703}">
-                      <ahyp:hlinkClr xmlns="" xmlns:mc="http://schemas.openxmlformats.org/markup-compatibility/2006" xmlns:mv="urn:schemas-microsoft-com:mac:vml" xmlns:c="http://schemas.openxmlformats.org/drawingml/2006/chart" xmlns:dgm="http://schemas.openxmlformats.org/drawingml/2006/diagram" xmlns:o="urn:schemas-microsoft-com:office:office" xmlns:v="urn:schemas-microsoft-com:vml" xmlns:pvml="urn:schemas-microsoft-com:office:powerpoint" xmlns:com="http://schemas.openxmlformats.org/drawingml/2006/compatibility" xmlns:p14="http://schemas.microsoft.com/office/powerpoint/2010/main" xmlns:p15="http://schemas.microsoft.com/office/powerpoint/2012/main" xmlns:ahyp="http://schemas.microsoft.com/office/drawing/2018/hyperlinkcolor" val="tx"/>
-                    </a:ext>
-                  </a:extLst>
-                </a:hlinkClick>
+                <a:hlinkClick r:id="rId3"/>
               </a:rPr>
               <a:t>https://OnDemand.hpc.arizona.edu</a:t>
             </a:r>
@@ -11592,10 +11581,17 @@
   <p:clrMapOvr>
     <a:masterClrMapping/>
   </p:clrMapOvr>
+  <p:timing>
+    <p:tnLst>
+      <p:par>
+        <p:cTn id="1" dur="indefinite" restart="never" nodeType="tmRoot"/>
+      </p:par>
+    </p:tnLst>
+  </p:timing>
 </p:sld>
 </file>
 
-<file path=ppt/slides/slide5.xml><?xml version="1.0" encoding="utf-8"?>
+<file path=ppt/slides/slide6.xml><?xml version="1.0" encoding="utf-8"?>
 <p:sld xmlns:a="http://schemas.openxmlformats.org/drawingml/2006/main" xmlns:r="http://schemas.openxmlformats.org/officeDocument/2006/relationships" xmlns:p="http://schemas.openxmlformats.org/presentationml/2006/main">
   <p:cSld>
     <p:spTree>
@@ -11820,7 +11816,7 @@
                 <a:hlinkClick r:id="rId3">
                   <a:extLst>
                     <a:ext uri="{A12FA001-AC4F-418D-AE19-62706E023703}">
-                      <ahyp:hlinkClr xmlns="" xmlns:mc="http://schemas.openxmlformats.org/markup-compatibility/2006" xmlns:mv="urn:schemas-microsoft-com:mac:vml" xmlns:c="http://schemas.openxmlformats.org/drawingml/2006/chart" xmlns:dgm="http://schemas.openxmlformats.org/drawingml/2006/diagram" xmlns:o="urn:schemas-microsoft-com:office:office" xmlns:v="urn:schemas-microsoft-com:vml" xmlns:pvml="urn:schemas-microsoft-com:office:powerpoint" xmlns:com="http://schemas.openxmlformats.org/drawingml/2006/compatibility" xmlns:p14="http://schemas.microsoft.com/office/powerpoint/2010/main" xmlns:p15="http://schemas.microsoft.com/office/powerpoint/2012/main" xmlns:ahyp="http://schemas.microsoft.com/office/drawing/2018/hyperlinkcolor" val="tx"/>
+                      <ahyp:hlinkClr xmlns:ahyp="http://schemas.microsoft.com/office/drawing/2018/hyperlinkcolor" xmlns:p15="http://schemas.microsoft.com/office/powerpoint/2012/main" xmlns:p14="http://schemas.microsoft.com/office/powerpoint/2010/main" xmlns:com="http://schemas.openxmlformats.org/drawingml/2006/compatibility" xmlns:pvml="urn:schemas-microsoft-com:office:powerpoint" xmlns:v="urn:schemas-microsoft-com:vml" xmlns:o="urn:schemas-microsoft-com:office:office" xmlns:dgm="http://schemas.openxmlformats.org/drawingml/2006/diagram" xmlns:c="http://schemas.openxmlformats.org/drawingml/2006/chart" xmlns:mv="urn:schemas-microsoft-com:mac:vml" xmlns:mc="http://schemas.openxmlformats.org/markup-compatibility/2006" xmlns="" val="tx"/>
                     </a:ext>
                   </a:extLst>
                 </a:hlinkClick>
@@ -11836,10 +11832,17 @@
   <p:clrMapOvr>
     <a:masterClrMapping/>
   </p:clrMapOvr>
+  <p:timing>
+    <p:tnLst>
+      <p:par>
+        <p:cTn id="1" dur="indefinite" restart="never" nodeType="tmRoot"/>
+      </p:par>
+    </p:tnLst>
+  </p:timing>
 </p:sld>
 </file>
 
-<file path=ppt/slides/slide6.xml><?xml version="1.0" encoding="utf-8"?>
+<file path=ppt/slides/slide7.xml><?xml version="1.0" encoding="utf-8"?>
 <p:sld xmlns:a="http://schemas.openxmlformats.org/drawingml/2006/main" xmlns:r="http://schemas.openxmlformats.org/officeDocument/2006/relationships" xmlns:p="http://schemas.openxmlformats.org/presentationml/2006/main">
   <p:cSld>
     <p:spTree>
@@ -11950,15 +11953,7 @@
                   <a:schemeClr val="dk1"/>
                 </a:solidFill>
               </a:rPr>
-              <a:t>the files are</a:t>
-            </a:r>
-            <a:r>
-              <a:rPr lang="en" dirty="0" smtClean="0">
-                <a:solidFill>
-                  <a:schemeClr val="dk1"/>
-                </a:solidFill>
-              </a:rPr>
-              <a:t> </a:t>
+              <a:t>the files are </a:t>
             </a:r>
             <a:r>
               <a:rPr lang="en" dirty="0">
@@ -12032,15 +12027,7 @@
                   <a:schemeClr val="dk1"/>
                 </a:solidFill>
               </a:rPr>
-              <a:t>hpc</a:t>
-            </a:r>
-            <a:r>
-              <a:rPr lang="en" b="1" dirty="0" smtClean="0">
-                <a:solidFill>
-                  <a:schemeClr val="dk1"/>
-                </a:solidFill>
-              </a:rPr>
-              <a:t>.arizona.edu</a:t>
+              <a:t>hpc.arizona.edu</a:t>
             </a:r>
             <a:r>
               <a:rPr lang="en" dirty="0">
@@ -12196,10 +12183,17 @@
   <p:clrMapOvr>
     <a:masterClrMapping/>
   </p:clrMapOvr>
+  <p:timing>
+    <p:tnLst>
+      <p:par>
+        <p:cTn id="1" dur="indefinite" restart="never" nodeType="tmRoot"/>
+      </p:par>
+    </p:tnLst>
+  </p:timing>
 </p:sld>
 </file>
 
-<file path=ppt/slides/slide7.xml><?xml version="1.0" encoding="utf-8"?>
+<file path=ppt/slides/slide8.xml><?xml version="1.0" encoding="utf-8"?>
 <p:sld xmlns:a="http://schemas.openxmlformats.org/drawingml/2006/main" xmlns:r="http://schemas.openxmlformats.org/officeDocument/2006/relationships" xmlns:p="http://schemas.openxmlformats.org/presentationml/2006/main">
   <p:cSld>
     <p:spTree>
@@ -12612,10 +12606,17 @@
   <p:clrMapOvr>
     <a:masterClrMapping/>
   </p:clrMapOvr>
+  <p:timing>
+    <p:tnLst>
+      <p:par>
+        <p:cTn id="1" dur="indefinite" restart="never" nodeType="tmRoot"/>
+      </p:par>
+    </p:tnLst>
+  </p:timing>
 </p:sld>
 </file>
 
-<file path=ppt/slides/slide8.xml><?xml version="1.0" encoding="utf-8"?>
+<file path=ppt/slides/slide9.xml><?xml version="1.0" encoding="utf-8"?>
 <p:sld xmlns:a="http://schemas.openxmlformats.org/drawingml/2006/main" xmlns:r="http://schemas.openxmlformats.org/officeDocument/2006/relationships" xmlns:p="http://schemas.openxmlformats.org/presentationml/2006/main">
   <p:cSld>
     <p:spTree>
@@ -12738,101 +12739,6 @@
           <a:xfrm>
             <a:off x="370563" y="1646275"/>
             <a:ext cx="8402875" cy="3335049"/>
-          </a:xfrm>
-          <a:prstGeom prst="rect">
-            <a:avLst/>
-          </a:prstGeom>
-          <a:noFill/>
-          <a:ln>
-            <a:noFill/>
-          </a:ln>
-        </p:spPr>
-      </p:pic>
-    </p:spTree>
-  </p:cSld>
-  <p:clrMapOvr>
-    <a:masterClrMapping/>
-  </p:clrMapOvr>
-</p:sld>
-</file>
-
-<file path=ppt/slides/slide9.xml><?xml version="1.0" encoding="utf-8"?>
-<p:sld xmlns:a="http://schemas.openxmlformats.org/drawingml/2006/main" xmlns:r="http://schemas.openxmlformats.org/officeDocument/2006/relationships" xmlns:p="http://schemas.openxmlformats.org/presentationml/2006/main">
-  <p:cSld>
-    <p:spTree>
-      <p:nvGrpSpPr>
-        <p:cNvPr id="1" name="Shape 145"/>
-        <p:cNvGrpSpPr/>
-        <p:nvPr/>
-      </p:nvGrpSpPr>
-      <p:grpSpPr>
-        <a:xfrm>
-          <a:off x="0" y="0"/>
-          <a:ext cx="0" cy="0"/>
-          <a:chOff x="0" y="0"/>
-          <a:chExt cx="0" cy="0"/>
-        </a:xfrm>
-      </p:grpSpPr>
-      <p:sp>
-        <p:nvSpPr>
-          <p:cNvPr id="146" name="Google Shape;146;p28"/>
-          <p:cNvSpPr txBox="1">
-            <a:spLocks noGrp="1"/>
-          </p:cNvSpPr>
-          <p:nvPr>
-            <p:ph type="title"/>
-          </p:nvPr>
-        </p:nvSpPr>
-        <p:spPr>
-          <a:xfrm>
-            <a:off x="311700" y="445025"/>
-            <a:ext cx="8520600" cy="572700"/>
-          </a:xfrm>
-          <a:prstGeom prst="rect">
-            <a:avLst/>
-          </a:prstGeom>
-        </p:spPr>
-        <p:txBody>
-          <a:bodyPr spcFirstLastPara="1" wrap="square" lIns="91425" tIns="91425" rIns="91425" bIns="91425" anchor="t" anchorCtr="0">
-            <a:normAutofit fontScale="90000"/>
-          </a:bodyPr>
-          <a:lstStyle/>
-          <a:p>
-            <a:pPr marL="0" lvl="0" indent="0" algn="l" rtl="0">
-              <a:spcBef>
-                <a:spcPts val="0"/>
-              </a:spcBef>
-              <a:spcAft>
-                <a:spcPts val="0"/>
-              </a:spcAft>
-              <a:buNone/>
-            </a:pPr>
-            <a:r>
-              <a:rPr lang="en" dirty="0"/>
-              <a:t>You may now upload/download through the web interface</a:t>
-            </a:r>
-            <a:endParaRPr dirty="0"/>
-          </a:p>
-        </p:txBody>
-      </p:sp>
-      <p:pic>
-        <p:nvPicPr>
-          <p:cNvPr id="147" name="Google Shape;147;p28"/>
-          <p:cNvPicPr preferRelativeResize="0"/>
-          <p:nvPr/>
-        </p:nvPicPr>
-        <p:blipFill>
-          <a:blip r:embed="rId3">
-            <a:alphaModFix/>
-          </a:blip>
-          <a:stretch>
-            <a:fillRect/>
-          </a:stretch>
-        </p:blipFill>
-        <p:spPr>
-          <a:xfrm>
-            <a:off x="152400" y="1170125"/>
-            <a:ext cx="8839202" cy="3449445"/>
           </a:xfrm>
           <a:prstGeom prst="rect">
             <a:avLst/>

--- a/UA Tutorials/UAClusterIb2dIBAMR.pptx
+++ b/UA Tutorials/UAClusterIb2dIBAMR.pptx
@@ -9784,19 +9784,7 @@
             </a:r>
             <a:r>
               <a:rPr lang="en-US" dirty="0" smtClean="0"/>
-              <a:t>with examples </a:t>
-            </a:r>
-            <a:r>
-              <a:rPr lang="en-US" dirty="0" smtClean="0"/>
-              <a:t>from</a:t>
-            </a:r>
-            <a:r>
-              <a:rPr lang="en-US" dirty="0" smtClean="0"/>
-              <a:t> </a:t>
-            </a:r>
-            <a:r>
-              <a:rPr lang="en-US" dirty="0" smtClean="0"/>
-              <a:t>UNC</a:t>
+              <a:t>with examples from UNC</a:t>
             </a:r>
             <a:endParaRPr lang="en-US" dirty="0"/>
           </a:p>
@@ -10960,7 +10948,7 @@
                 <a:hlinkClick r:id="rId3">
                   <a:extLst>
                     <a:ext uri="{A12FA001-AC4F-418D-AE19-62706E023703}">
-                      <ahyp:hlinkClr xmlns:ahyp="http://schemas.microsoft.com/office/drawing/2018/hyperlinkcolor" xmlns:p15="http://schemas.microsoft.com/office/powerpoint/2012/main" xmlns:p14="http://schemas.microsoft.com/office/powerpoint/2010/main" xmlns:com="http://schemas.openxmlformats.org/drawingml/2006/compatibility" xmlns:pvml="urn:schemas-microsoft-com:office:powerpoint" xmlns:v="urn:schemas-microsoft-com:vml" xmlns:o="urn:schemas-microsoft-com:office:office" xmlns:dgm="http://schemas.openxmlformats.org/drawingml/2006/diagram" xmlns:c="http://schemas.openxmlformats.org/drawingml/2006/chart" xmlns:mv="urn:schemas-microsoft-com:mac:vml" xmlns:mc="http://schemas.openxmlformats.org/markup-compatibility/2006" xmlns="" val="tx"/>
+                      <ahyp:hlinkClr xmlns="" xmlns:mc="http://schemas.openxmlformats.org/markup-compatibility/2006" xmlns:mv="urn:schemas-microsoft-com:mac:vml" xmlns:c="http://schemas.openxmlformats.org/drawingml/2006/chart" xmlns:dgm="http://schemas.openxmlformats.org/drawingml/2006/diagram" xmlns:o="urn:schemas-microsoft-com:office:office" xmlns:v="urn:schemas-microsoft-com:vml" xmlns:pvml="urn:schemas-microsoft-com:office:powerpoint" xmlns:com="http://schemas.openxmlformats.org/drawingml/2006/compatibility" xmlns:p14="http://schemas.microsoft.com/office/powerpoint/2010/main" xmlns:p15="http://schemas.microsoft.com/office/powerpoint/2012/main" xmlns:ahyp="http://schemas.microsoft.com/office/drawing/2018/hyperlinkcolor" val="tx"/>
                     </a:ext>
                   </a:extLst>
                 </a:hlinkClick>
@@ -10975,7 +10963,7 @@
                 <a:hlinkClick r:id="rId3">
                   <a:extLst>
                     <a:ext uri="{A12FA001-AC4F-418D-AE19-62706E023703}">
-                      <ahyp:hlinkClr xmlns:ahyp="http://schemas.microsoft.com/office/drawing/2018/hyperlinkcolor" xmlns:p15="http://schemas.microsoft.com/office/powerpoint/2012/main" xmlns:p14="http://schemas.microsoft.com/office/powerpoint/2010/main" xmlns:com="http://schemas.openxmlformats.org/drawingml/2006/compatibility" xmlns:pvml="urn:schemas-microsoft-com:office:powerpoint" xmlns:v="urn:schemas-microsoft-com:vml" xmlns:o="urn:schemas-microsoft-com:office:office" xmlns:dgm="http://schemas.openxmlformats.org/drawingml/2006/diagram" xmlns:c="http://schemas.openxmlformats.org/drawingml/2006/chart" xmlns:mv="urn:schemas-microsoft-com:mac:vml" xmlns:mc="http://schemas.openxmlformats.org/markup-compatibility/2006" xmlns="" val="tx"/>
+                      <ahyp:hlinkClr xmlns="" xmlns:mc="http://schemas.openxmlformats.org/markup-compatibility/2006" xmlns:mv="urn:schemas-microsoft-com:mac:vml" xmlns:c="http://schemas.openxmlformats.org/drawingml/2006/chart" xmlns:dgm="http://schemas.openxmlformats.org/drawingml/2006/diagram" xmlns:o="urn:schemas-microsoft-com:office:office" xmlns:v="urn:schemas-microsoft-com:vml" xmlns:pvml="urn:schemas-microsoft-com:office:powerpoint" xmlns:com="http://schemas.openxmlformats.org/drawingml/2006/compatibility" xmlns:p14="http://schemas.microsoft.com/office/powerpoint/2010/main" xmlns:p15="http://schemas.microsoft.com/office/powerpoint/2012/main" xmlns:ahyp="http://schemas.microsoft.com/office/drawing/2018/hyperlinkcolor" val="tx"/>
                     </a:ext>
                   </a:extLst>
                 </a:hlinkClick>
@@ -11195,7 +11183,7 @@
                 <a:hlinkClick r:id="rId3">
                   <a:extLst>
                     <a:ext uri="{A12FA001-AC4F-418D-AE19-62706E023703}">
-                      <ahyp:hlinkClr xmlns:ahyp="http://schemas.microsoft.com/office/drawing/2018/hyperlinkcolor" xmlns:p15="http://schemas.microsoft.com/office/powerpoint/2012/main" xmlns:p14="http://schemas.microsoft.com/office/powerpoint/2010/main" xmlns:com="http://schemas.openxmlformats.org/drawingml/2006/compatibility" xmlns:pvml="urn:schemas-microsoft-com:office:powerpoint" xmlns:v="urn:schemas-microsoft-com:vml" xmlns:o="urn:schemas-microsoft-com:office:office" xmlns:dgm="http://schemas.openxmlformats.org/drawingml/2006/diagram" xmlns:c="http://schemas.openxmlformats.org/drawingml/2006/chart" xmlns:mv="urn:schemas-microsoft-com:mac:vml" xmlns:mc="http://schemas.openxmlformats.org/markup-compatibility/2006" xmlns="" val="tx"/>
+                      <ahyp:hlinkClr xmlns="" xmlns:mc="http://schemas.openxmlformats.org/markup-compatibility/2006" xmlns:mv="urn:schemas-microsoft-com:mac:vml" xmlns:c="http://schemas.openxmlformats.org/drawingml/2006/chart" xmlns:dgm="http://schemas.openxmlformats.org/drawingml/2006/diagram" xmlns:o="urn:schemas-microsoft-com:office:office" xmlns:v="urn:schemas-microsoft-com:vml" xmlns:pvml="urn:schemas-microsoft-com:office:powerpoint" xmlns:com="http://schemas.openxmlformats.org/drawingml/2006/compatibility" xmlns:p14="http://schemas.microsoft.com/office/powerpoint/2010/main" xmlns:p15="http://schemas.microsoft.com/office/powerpoint/2012/main" xmlns:ahyp="http://schemas.microsoft.com/office/drawing/2018/hyperlinkcolor" val="tx"/>
                     </a:ext>
                   </a:extLst>
                 </a:hlinkClick>
@@ -11339,7 +11327,7 @@
                 <a:hlinkClick r:id="rId4">
                   <a:extLst>
                     <a:ext uri="{A12FA001-AC4F-418D-AE19-62706E023703}">
-                      <ahyp:hlinkClr xmlns:ahyp="http://schemas.microsoft.com/office/drawing/2018/hyperlinkcolor" xmlns:p15="http://schemas.microsoft.com/office/powerpoint/2012/main" xmlns:p14="http://schemas.microsoft.com/office/powerpoint/2010/main" xmlns:com="http://schemas.openxmlformats.org/drawingml/2006/compatibility" xmlns:pvml="urn:schemas-microsoft-com:office:powerpoint" xmlns:v="urn:schemas-microsoft-com:vml" xmlns:o="urn:schemas-microsoft-com:office:office" xmlns:dgm="http://schemas.openxmlformats.org/drawingml/2006/diagram" xmlns:c="http://schemas.openxmlformats.org/drawingml/2006/chart" xmlns:mv="urn:schemas-microsoft-com:mac:vml" xmlns:mc="http://schemas.openxmlformats.org/markup-compatibility/2006" xmlns="" val="tx"/>
+                      <ahyp:hlinkClr xmlns="" xmlns:mc="http://schemas.openxmlformats.org/markup-compatibility/2006" xmlns:mv="urn:schemas-microsoft-com:mac:vml" xmlns:c="http://schemas.openxmlformats.org/drawingml/2006/chart" xmlns:dgm="http://schemas.openxmlformats.org/drawingml/2006/diagram" xmlns:o="urn:schemas-microsoft-com:office:office" xmlns:v="urn:schemas-microsoft-com:vml" xmlns:pvml="urn:schemas-microsoft-com:office:powerpoint" xmlns:com="http://schemas.openxmlformats.org/drawingml/2006/compatibility" xmlns:p14="http://schemas.microsoft.com/office/powerpoint/2010/main" xmlns:p15="http://schemas.microsoft.com/office/powerpoint/2012/main" xmlns:ahyp="http://schemas.microsoft.com/office/drawing/2018/hyperlinkcolor" val="tx"/>
                     </a:ext>
                   </a:extLst>
                 </a:hlinkClick>
@@ -11542,6 +11530,47 @@
             </a:endParaRPr>
           </a:p>
           <a:p>
+            <a:pPr marL="0" indent="0">
+              <a:spcBef>
+                <a:spcPts val="1200"/>
+              </a:spcBef>
+              <a:spcAft>
+                <a:spcPts val="1200"/>
+              </a:spcAft>
+              <a:buNone/>
+            </a:pPr>
+            <a:r>
+              <a:rPr lang="en" dirty="0">
+                <a:solidFill>
+                  <a:schemeClr val="dk1"/>
+                </a:solidFill>
+              </a:rPr>
+              <a:t>To log into the web interface, go </a:t>
+            </a:r>
+            <a:r>
+              <a:rPr lang="en" dirty="0" smtClean="0">
+                <a:solidFill>
+                  <a:schemeClr val="dk1"/>
+                </a:solidFill>
+              </a:rPr>
+              <a:t>to </a:t>
+            </a:r>
+            <a:r>
+              <a:rPr lang="en-US" u="sng" dirty="0">
+                <a:solidFill>
+                  <a:schemeClr val="accent5"/>
+                </a:solidFill>
+                <a:hlinkClick r:id="rId3"/>
+              </a:rPr>
+              <a:t>https://OnDemand.hpc.arizona.edu</a:t>
+            </a:r>
+            <a:endParaRPr lang="en-US" dirty="0">
+              <a:solidFill>
+                <a:schemeClr val="accent5"/>
+              </a:solidFill>
+            </a:endParaRPr>
+          </a:p>
+          <a:p>
             <a:pPr marL="0" lvl="0" indent="0" algn="l" rtl="0">
               <a:spcBef>
                 <a:spcPts val="1200"/>
@@ -11551,23 +11580,6 @@
               </a:spcAft>
               <a:buNone/>
             </a:pPr>
-            <a:r>
-              <a:rPr lang="en" dirty="0">
-                <a:solidFill>
-                  <a:schemeClr val="dk1"/>
-                </a:solidFill>
-              </a:rPr>
-              <a:t>To log into the web interface, go to </a:t>
-            </a:r>
-            <a:r>
-              <a:rPr lang="en" u="sng" dirty="0">
-                <a:solidFill>
-                  <a:schemeClr val="accent5"/>
-                </a:solidFill>
-                <a:hlinkClick r:id="rId3"/>
-              </a:rPr>
-              <a:t>https://OnDemand.hpc.arizona.edu</a:t>
-            </a:r>
             <a:endParaRPr dirty="0">
               <a:solidFill>
                 <a:schemeClr val="accent5"/>
@@ -11816,7 +11828,7 @@
                 <a:hlinkClick r:id="rId3">
                   <a:extLst>
                     <a:ext uri="{A12FA001-AC4F-418D-AE19-62706E023703}">
-                      <ahyp:hlinkClr xmlns:ahyp="http://schemas.microsoft.com/office/drawing/2018/hyperlinkcolor" xmlns:p15="http://schemas.microsoft.com/office/powerpoint/2012/main" xmlns:p14="http://schemas.microsoft.com/office/powerpoint/2010/main" xmlns:com="http://schemas.openxmlformats.org/drawingml/2006/compatibility" xmlns:pvml="urn:schemas-microsoft-com:office:powerpoint" xmlns:v="urn:schemas-microsoft-com:vml" xmlns:o="urn:schemas-microsoft-com:office:office" xmlns:dgm="http://schemas.openxmlformats.org/drawingml/2006/diagram" xmlns:c="http://schemas.openxmlformats.org/drawingml/2006/chart" xmlns:mv="urn:schemas-microsoft-com:mac:vml" xmlns:mc="http://schemas.openxmlformats.org/markup-compatibility/2006" xmlns="" val="tx"/>
+                      <ahyp:hlinkClr xmlns="" xmlns:mc="http://schemas.openxmlformats.org/markup-compatibility/2006" xmlns:mv="urn:schemas-microsoft-com:mac:vml" xmlns:c="http://schemas.openxmlformats.org/drawingml/2006/chart" xmlns:dgm="http://schemas.openxmlformats.org/drawingml/2006/diagram" xmlns:o="urn:schemas-microsoft-com:office:office" xmlns:v="urn:schemas-microsoft-com:vml" xmlns:pvml="urn:schemas-microsoft-com:office:powerpoint" xmlns:com="http://schemas.openxmlformats.org/drawingml/2006/compatibility" xmlns:p14="http://schemas.microsoft.com/office/powerpoint/2010/main" xmlns:p15="http://schemas.microsoft.com/office/powerpoint/2012/main" xmlns:ahyp="http://schemas.microsoft.com/office/drawing/2018/hyperlinkcolor" val="tx"/>
                     </a:ext>
                   </a:extLst>
                 </a:hlinkClick>

--- a/UA Tutorials/UAClusterIb2dIBAMR.pptx
+++ b/UA Tutorials/UAClusterIb2dIBAMR.pptx
@@ -5,7 +5,7 @@
     <p:sldMasterId id="2147483659" r:id="rId1"/>
   </p:sldMasterIdLst>
   <p:notesMasterIdLst>
-    <p:notesMasterId r:id="rId25"/>
+    <p:notesMasterId r:id="rId27"/>
   </p:notesMasterIdLst>
   <p:sldIdLst>
     <p:sldId id="256" r:id="rId2"/>
@@ -14,33 +14,35 @@
     <p:sldId id="268" r:id="rId5"/>
     <p:sldId id="269" r:id="rId6"/>
     <p:sldId id="259" r:id="rId7"/>
-    <p:sldId id="265" r:id="rId8"/>
-    <p:sldId id="266" r:id="rId9"/>
-    <p:sldId id="270" r:id="rId10"/>
-    <p:sldId id="271" r:id="rId11"/>
-    <p:sldId id="272" r:id="rId12"/>
-    <p:sldId id="279" r:id="rId13"/>
-    <p:sldId id="280" r:id="rId14"/>
-    <p:sldId id="273" r:id="rId15"/>
-    <p:sldId id="282" r:id="rId16"/>
-    <p:sldId id="283" r:id="rId17"/>
-    <p:sldId id="281" r:id="rId18"/>
-    <p:sldId id="274" r:id="rId19"/>
-    <p:sldId id="278" r:id="rId20"/>
-    <p:sldId id="275" r:id="rId21"/>
-    <p:sldId id="276" r:id="rId22"/>
-    <p:sldId id="284" r:id="rId23"/>
-    <p:sldId id="277" r:id="rId24"/>
+    <p:sldId id="286" r:id="rId8"/>
+    <p:sldId id="287" r:id="rId9"/>
+    <p:sldId id="265" r:id="rId10"/>
+    <p:sldId id="266" r:id="rId11"/>
+    <p:sldId id="270" r:id="rId12"/>
+    <p:sldId id="271" r:id="rId13"/>
+    <p:sldId id="272" r:id="rId14"/>
+    <p:sldId id="279" r:id="rId15"/>
+    <p:sldId id="280" r:id="rId16"/>
+    <p:sldId id="273" r:id="rId17"/>
+    <p:sldId id="282" r:id="rId18"/>
+    <p:sldId id="283" r:id="rId19"/>
+    <p:sldId id="281" r:id="rId20"/>
+    <p:sldId id="274" r:id="rId21"/>
+    <p:sldId id="278" r:id="rId22"/>
+    <p:sldId id="275" r:id="rId23"/>
+    <p:sldId id="276" r:id="rId24"/>
+    <p:sldId id="284" r:id="rId25"/>
+    <p:sldId id="277" r:id="rId26"/>
   </p:sldIdLst>
   <p:sldSz cx="9144000" cy="5143500" type="screen16x9"/>
   <p:notesSz cx="6858000" cy="9144000"/>
   <p:embeddedFontLst>
     <p:embeddedFont>
       <p:font typeface="Roboto Mono" panose="020B0604020202020204" charset="0"/>
-      <p:regular r:id="rId26"/>
-      <p:bold r:id="rId27"/>
-      <p:italic r:id="rId28"/>
-      <p:boldItalic r:id="rId29"/>
+      <p:regular r:id="rId28"/>
+      <p:bold r:id="rId29"/>
+      <p:italic r:id="rId30"/>
+      <p:boldItalic r:id="rId31"/>
     </p:embeddedFont>
   </p:embeddedFontLst>
   <p:defaultTextStyle>
@@ -6235,7 +6237,7 @@
               <a:buNone/>
             </a:pPr>
             <a:r>
-              <a:rPr lang="en" dirty="0" smtClean="0"/>
+              <a:rPr lang="en" dirty="0"/>
               <a:t>HPC @ UA, running ib2d and IBAMR</a:t>
             </a:r>
             <a:endParaRPr dirty="0"/>
@@ -6247,17 +6249,516 @@
   <p:clrMapOvr>
     <a:masterClrMapping/>
   </p:clrMapOvr>
-  <p:timing>
-    <p:tnLst>
-      <p:par>
-        <p:cTn id="1" dur="indefinite" restart="never" nodeType="tmRoot"/>
-      </p:par>
-    </p:tnLst>
-  </p:timing>
 </p:sld>
 </file>
 
 <file path=ppt/slides/slide10.xml><?xml version="1.0" encoding="utf-8"?>
+<p:sld xmlns:a="http://schemas.openxmlformats.org/drawingml/2006/main" xmlns:r="http://schemas.openxmlformats.org/officeDocument/2006/relationships" xmlns:p="http://schemas.openxmlformats.org/presentationml/2006/main">
+  <p:cSld>
+    <p:spTree>
+      <p:nvGrpSpPr>
+        <p:cNvPr id="1" name="Shape 114"/>
+        <p:cNvGrpSpPr/>
+        <p:nvPr/>
+      </p:nvGrpSpPr>
+      <p:grpSpPr>
+        <a:xfrm>
+          <a:off x="0" y="0"/>
+          <a:ext cx="0" cy="0"/>
+          <a:chOff x="0" y="0"/>
+          <a:chExt cx="0" cy="0"/>
+        </a:xfrm>
+      </p:grpSpPr>
+      <p:sp>
+        <p:nvSpPr>
+          <p:cNvPr id="115" name="Google Shape;115;p23"/>
+          <p:cNvSpPr txBox="1">
+            <a:spLocks noGrp="1"/>
+          </p:cNvSpPr>
+          <p:nvPr>
+            <p:ph type="title"/>
+          </p:nvPr>
+        </p:nvSpPr>
+        <p:spPr>
+          <a:xfrm>
+            <a:off x="311700" y="445025"/>
+            <a:ext cx="8520600" cy="572700"/>
+          </a:xfrm>
+          <a:prstGeom prst="rect">
+            <a:avLst/>
+          </a:prstGeom>
+        </p:spPr>
+        <p:txBody>
+          <a:bodyPr spcFirstLastPara="1" wrap="square" lIns="91425" tIns="91425" rIns="91425" bIns="91425" anchor="t" anchorCtr="0">
+            <a:normAutofit fontScale="90000"/>
+          </a:bodyPr>
+          <a:lstStyle/>
+          <a:p>
+            <a:pPr marL="0" lvl="0" indent="0" algn="l" rtl="0">
+              <a:spcBef>
+                <a:spcPts val="0"/>
+              </a:spcBef>
+              <a:spcAft>
+                <a:spcPts val="0"/>
+              </a:spcAft>
+              <a:buNone/>
+            </a:pPr>
+            <a:r>
+              <a:rPr lang="en" dirty="0"/>
+              <a:t>Terminal - transferring files and folders</a:t>
+            </a:r>
+            <a:endParaRPr dirty="0"/>
+          </a:p>
+        </p:txBody>
+      </p:sp>
+      <p:sp>
+        <p:nvSpPr>
+          <p:cNvPr id="116" name="Google Shape;116;p23"/>
+          <p:cNvSpPr txBox="1">
+            <a:spLocks noGrp="1"/>
+          </p:cNvSpPr>
+          <p:nvPr>
+            <p:ph type="body" idx="1"/>
+          </p:nvPr>
+        </p:nvSpPr>
+        <p:spPr>
+          <a:xfrm>
+            <a:off x="311700" y="1152475"/>
+            <a:ext cx="8520600" cy="3416400"/>
+          </a:xfrm>
+          <a:prstGeom prst="rect">
+            <a:avLst/>
+          </a:prstGeom>
+        </p:spPr>
+        <p:txBody>
+          <a:bodyPr spcFirstLastPara="1" wrap="square" lIns="91425" tIns="91425" rIns="91425" bIns="91425" anchor="t" anchorCtr="0">
+            <a:normAutofit/>
+          </a:bodyPr>
+          <a:lstStyle/>
+          <a:p>
+            <a:pPr marL="0" lvl="0" indent="0" algn="l" rtl="0">
+              <a:spcBef>
+                <a:spcPts val="0"/>
+              </a:spcBef>
+              <a:spcAft>
+                <a:spcPts val="0"/>
+              </a:spcAft>
+              <a:buNone/>
+            </a:pPr>
+            <a:r>
+              <a:rPr lang="en" sz="1600" dirty="0">
+                <a:solidFill>
+                  <a:schemeClr val="dk1"/>
+                </a:solidFill>
+              </a:rPr>
+              <a:t>Once logged in, type puma or ocelot to use one of these servers. </a:t>
+            </a:r>
+          </a:p>
+          <a:p>
+            <a:pPr marL="0" lvl="0" indent="0" algn="l" rtl="0">
+              <a:spcBef>
+                <a:spcPts val="0"/>
+              </a:spcBef>
+              <a:spcAft>
+                <a:spcPts val="0"/>
+              </a:spcAft>
+              <a:buNone/>
+            </a:pPr>
+            <a:endParaRPr lang="en" sz="1600" dirty="0">
+              <a:solidFill>
+                <a:schemeClr val="dk1"/>
+              </a:solidFill>
+            </a:endParaRPr>
+          </a:p>
+          <a:p>
+            <a:pPr marL="0" lvl="0" indent="0" algn="l" rtl="0">
+              <a:spcBef>
+                <a:spcPts val="0"/>
+              </a:spcBef>
+              <a:spcAft>
+                <a:spcPts val="0"/>
+              </a:spcAft>
+              <a:buNone/>
+            </a:pPr>
+            <a:r>
+              <a:rPr lang="en" sz="1600" dirty="0">
+                <a:solidFill>
+                  <a:schemeClr val="dk1"/>
+                </a:solidFill>
+              </a:rPr>
+              <a:t>Type </a:t>
+            </a:r>
+            <a:r>
+              <a:rPr lang="en" sz="1600" i="1" dirty="0">
+                <a:solidFill>
+                  <a:srgbClr val="0000FF"/>
+                </a:solidFill>
+              </a:rPr>
+              <a:t>ls</a:t>
+            </a:r>
+            <a:r>
+              <a:rPr lang="en" sz="1600" dirty="0">
+                <a:solidFill>
+                  <a:schemeClr val="dk1"/>
+                </a:solidFill>
+              </a:rPr>
+              <a:t> and you will see the files in your current directory. Type </a:t>
+            </a:r>
+            <a:r>
+              <a:rPr lang="en" sz="1600" i="1" dirty="0">
+                <a:solidFill>
+                  <a:srgbClr val="0000FF"/>
+                </a:solidFill>
+              </a:rPr>
+              <a:t>pwd</a:t>
+            </a:r>
+            <a:r>
+              <a:rPr lang="en" sz="1600" dirty="0">
+                <a:solidFill>
+                  <a:schemeClr val="dk1"/>
+                </a:solidFill>
+              </a:rPr>
+              <a:t> to see the current path. You may also cd to where you would like to upload or download files.</a:t>
+            </a:r>
+            <a:endParaRPr sz="1600" dirty="0">
+              <a:solidFill>
+                <a:schemeClr val="dk1"/>
+              </a:solidFill>
+            </a:endParaRPr>
+          </a:p>
+          <a:p>
+            <a:pPr marL="0" lvl="0" indent="0" algn="l" rtl="0">
+              <a:spcBef>
+                <a:spcPts val="0"/>
+              </a:spcBef>
+              <a:spcAft>
+                <a:spcPts val="0"/>
+              </a:spcAft>
+              <a:buNone/>
+            </a:pPr>
+            <a:endParaRPr sz="1600" dirty="0">
+              <a:solidFill>
+                <a:schemeClr val="dk1"/>
+              </a:solidFill>
+            </a:endParaRPr>
+          </a:p>
+          <a:p>
+            <a:pPr marL="0" lvl="0" indent="0" algn="l" rtl="0">
+              <a:spcBef>
+                <a:spcPts val="0"/>
+              </a:spcBef>
+              <a:spcAft>
+                <a:spcPts val="0"/>
+              </a:spcAft>
+              <a:buNone/>
+            </a:pPr>
+            <a:r>
+              <a:rPr lang="en" sz="1600" dirty="0">
+                <a:solidFill>
+                  <a:schemeClr val="dk1"/>
+                </a:solidFill>
+              </a:rPr>
+              <a:t>To upload a file from your computer to the cluster, type </a:t>
+            </a:r>
+            <a:r>
+              <a:rPr lang="en" sz="1600" i="1" dirty="0">
+                <a:solidFill>
+                  <a:srgbClr val="0000FF"/>
+                </a:solidFill>
+              </a:rPr>
+              <a:t>put file. </a:t>
+            </a:r>
+            <a:r>
+              <a:rPr lang="en" sz="1600" dirty="0">
+                <a:solidFill>
+                  <a:schemeClr val="dk1"/>
+                </a:solidFill>
+              </a:rPr>
+              <a:t>To put an entire folder on the cluster, type </a:t>
+            </a:r>
+            <a:r>
+              <a:rPr lang="en" sz="1600" i="1" dirty="0">
+                <a:solidFill>
+                  <a:srgbClr val="0000FF"/>
+                </a:solidFill>
+                <a:latin typeface="Roboto Mono"/>
+                <a:ea typeface="Roboto Mono"/>
+                <a:cs typeface="Roboto Mono"/>
+                <a:sym typeface="Roboto Mono"/>
+              </a:rPr>
+              <a:t>put -r folder</a:t>
+            </a:r>
+            <a:endParaRPr sz="1600" i="1" dirty="0">
+              <a:solidFill>
+                <a:srgbClr val="0000FF"/>
+              </a:solidFill>
+              <a:latin typeface="Roboto Mono"/>
+              <a:ea typeface="Roboto Mono"/>
+              <a:cs typeface="Roboto Mono"/>
+              <a:sym typeface="Roboto Mono"/>
+            </a:endParaRPr>
+          </a:p>
+          <a:p>
+            <a:pPr marL="0" lvl="0" indent="0" algn="l" rtl="0">
+              <a:spcBef>
+                <a:spcPts val="0"/>
+              </a:spcBef>
+              <a:spcAft>
+                <a:spcPts val="0"/>
+              </a:spcAft>
+              <a:buNone/>
+            </a:pPr>
+            <a:r>
+              <a:rPr lang="en" sz="1600" dirty="0">
+                <a:solidFill>
+                  <a:schemeClr val="dk1"/>
+                </a:solidFill>
+              </a:rPr>
+              <a:t>If you want to get files / folders from the cluster to your computer, cd to where the folder lives and type </a:t>
+            </a:r>
+            <a:r>
+              <a:rPr lang="en" sz="1600" i="1" dirty="0">
+                <a:solidFill>
+                  <a:srgbClr val="0000FF"/>
+                </a:solidFill>
+                <a:latin typeface="Roboto Mono"/>
+                <a:ea typeface="Roboto Mono"/>
+                <a:cs typeface="Roboto Mono"/>
+                <a:sym typeface="Roboto Mono"/>
+              </a:rPr>
+              <a:t>get file </a:t>
+            </a:r>
+            <a:r>
+              <a:rPr lang="en" sz="1600" dirty="0">
+                <a:solidFill>
+                  <a:schemeClr val="dk1"/>
+                </a:solidFill>
+                <a:latin typeface="Roboto Mono"/>
+                <a:ea typeface="Roboto Mono"/>
+                <a:cs typeface="Roboto Mono"/>
+                <a:sym typeface="Roboto Mono"/>
+              </a:rPr>
+              <a:t>or</a:t>
+            </a:r>
+            <a:r>
+              <a:rPr lang="en" sz="1600" dirty="0">
+                <a:solidFill>
+                  <a:schemeClr val="dk1"/>
+                </a:solidFill>
+              </a:rPr>
+              <a:t> </a:t>
+            </a:r>
+            <a:r>
+              <a:rPr lang="en" sz="1600" i="1" dirty="0">
+                <a:solidFill>
+                  <a:srgbClr val="0000FF"/>
+                </a:solidFill>
+                <a:latin typeface="Roboto Mono"/>
+                <a:ea typeface="Roboto Mono"/>
+                <a:cs typeface="Roboto Mono"/>
+                <a:sym typeface="Roboto Mono"/>
+              </a:rPr>
+              <a:t>get -r folder</a:t>
+            </a:r>
+            <a:endParaRPr sz="1600" i="1" dirty="0">
+              <a:solidFill>
+                <a:srgbClr val="0000FF"/>
+              </a:solidFill>
+              <a:latin typeface="Roboto Mono"/>
+              <a:ea typeface="Roboto Mono"/>
+              <a:cs typeface="Roboto Mono"/>
+              <a:sym typeface="Roboto Mono"/>
+            </a:endParaRPr>
+          </a:p>
+          <a:p>
+            <a:pPr marL="0" lvl="0" indent="0" algn="l" rtl="0">
+              <a:spcBef>
+                <a:spcPts val="0"/>
+              </a:spcBef>
+              <a:spcAft>
+                <a:spcPts val="0"/>
+              </a:spcAft>
+              <a:buNone/>
+            </a:pPr>
+            <a:endParaRPr sz="1600" i="1" dirty="0">
+              <a:solidFill>
+                <a:srgbClr val="0000FF"/>
+              </a:solidFill>
+              <a:latin typeface="Roboto Mono"/>
+              <a:ea typeface="Roboto Mono"/>
+              <a:cs typeface="Roboto Mono"/>
+              <a:sym typeface="Roboto Mono"/>
+            </a:endParaRPr>
+          </a:p>
+        </p:txBody>
+      </p:sp>
+    </p:spTree>
+  </p:cSld>
+  <p:clrMapOvr>
+    <a:masterClrMapping/>
+  </p:clrMapOvr>
+</p:sld>
+</file>
+
+<file path=ppt/slides/slide11.xml><?xml version="1.0" encoding="utf-8"?>
+<p:sld xmlns:a="http://schemas.openxmlformats.org/drawingml/2006/main" xmlns:r="http://schemas.openxmlformats.org/officeDocument/2006/relationships" xmlns:p="http://schemas.openxmlformats.org/presentationml/2006/main">
+  <p:cSld>
+    <p:spTree>
+      <p:nvGrpSpPr>
+        <p:cNvPr id="1" name="Shape 138"/>
+        <p:cNvGrpSpPr/>
+        <p:nvPr/>
+      </p:nvGrpSpPr>
+      <p:grpSpPr>
+        <a:xfrm>
+          <a:off x="0" y="0"/>
+          <a:ext cx="0" cy="0"/>
+          <a:chOff x="0" y="0"/>
+          <a:chExt cx="0" cy="0"/>
+        </a:xfrm>
+      </p:grpSpPr>
+      <p:sp>
+        <p:nvSpPr>
+          <p:cNvPr id="139" name="Google Shape;139;p27"/>
+          <p:cNvSpPr txBox="1">
+            <a:spLocks noGrp="1"/>
+          </p:cNvSpPr>
+          <p:nvPr>
+            <p:ph type="title"/>
+          </p:nvPr>
+        </p:nvSpPr>
+        <p:spPr>
+          <a:xfrm>
+            <a:off x="311700" y="445025"/>
+            <a:ext cx="8520600" cy="572700"/>
+          </a:xfrm>
+          <a:prstGeom prst="rect">
+            <a:avLst/>
+          </a:prstGeom>
+        </p:spPr>
+        <p:txBody>
+          <a:bodyPr spcFirstLastPara="1" wrap="square" lIns="91425" tIns="91425" rIns="91425" bIns="91425" anchor="t" anchorCtr="0">
+            <a:normAutofit fontScale="90000"/>
+          </a:bodyPr>
+          <a:lstStyle/>
+          <a:p>
+            <a:pPr marL="0" lvl="0" indent="0" algn="l" rtl="0">
+              <a:spcBef>
+                <a:spcPts val="0"/>
+              </a:spcBef>
+              <a:spcAft>
+                <a:spcPts val="0"/>
+              </a:spcAft>
+              <a:buNone/>
+            </a:pPr>
+            <a:r>
+              <a:rPr lang="en" dirty="0"/>
+              <a:t>GUI - Moving files</a:t>
+            </a:r>
+            <a:endParaRPr dirty="0"/>
+          </a:p>
+        </p:txBody>
+      </p:sp>
+      <p:sp>
+        <p:nvSpPr>
+          <p:cNvPr id="140" name="Google Shape;140;p27"/>
+          <p:cNvSpPr txBox="1">
+            <a:spLocks noGrp="1"/>
+          </p:cNvSpPr>
+          <p:nvPr>
+            <p:ph type="body" idx="1"/>
+          </p:nvPr>
+        </p:nvSpPr>
+        <p:spPr>
+          <a:xfrm>
+            <a:off x="311700" y="1152475"/>
+            <a:ext cx="8520600" cy="3416400"/>
+          </a:xfrm>
+          <a:prstGeom prst="rect">
+            <a:avLst/>
+          </a:prstGeom>
+        </p:spPr>
+        <p:txBody>
+          <a:bodyPr spcFirstLastPara="1" wrap="square" lIns="91425" tIns="91425" rIns="91425" bIns="91425" anchor="t" anchorCtr="0">
+            <a:normAutofit/>
+          </a:bodyPr>
+          <a:lstStyle/>
+          <a:p>
+            <a:pPr marL="0" lvl="0" indent="0" algn="l" rtl="0">
+              <a:spcBef>
+                <a:spcPts val="0"/>
+              </a:spcBef>
+              <a:spcAft>
+                <a:spcPts val="1200"/>
+              </a:spcAft>
+              <a:buNone/>
+            </a:pPr>
+            <a:r>
+              <a:rPr lang="en" dirty="0"/>
+              <a:t>Go to ood.hpc.arizona.edu</a:t>
+            </a:r>
+          </a:p>
+          <a:p>
+            <a:pPr marL="0" lvl="0" indent="0" algn="l" rtl="0">
+              <a:spcBef>
+                <a:spcPts val="0"/>
+              </a:spcBef>
+              <a:spcAft>
+                <a:spcPts val="1200"/>
+              </a:spcAft>
+              <a:buNone/>
+            </a:pPr>
+            <a:r>
+              <a:rPr lang="en" dirty="0"/>
+              <a:t>From the OpenOnDemand portal, select files and home directory</a:t>
+            </a:r>
+            <a:endParaRPr dirty="0"/>
+          </a:p>
+        </p:txBody>
+      </p:sp>
+      <p:pic>
+        <p:nvPicPr>
+          <p:cNvPr id="5" name="Google Shape;141;p27">
+            <a:extLst>
+              <a:ext uri="{FF2B5EF4-FFF2-40B4-BE49-F238E27FC236}">
+                <a16:creationId xmlns:a16="http://schemas.microsoft.com/office/drawing/2014/main" id="{30611A9D-F875-4CCB-B0F3-CB01E10D74ED}"/>
+              </a:ext>
+            </a:extLst>
+          </p:cNvPr>
+          <p:cNvPicPr preferRelativeResize="0"/>
+          <p:nvPr/>
+        </p:nvPicPr>
+        <p:blipFill>
+          <a:blip r:embed="rId3">
+            <a:alphaModFix/>
+          </a:blip>
+          <a:stretch>
+            <a:fillRect/>
+          </a:stretch>
+        </p:blipFill>
+        <p:spPr>
+          <a:xfrm>
+            <a:off x="370564" y="2200589"/>
+            <a:ext cx="7838940" cy="2780735"/>
+          </a:xfrm>
+          <a:prstGeom prst="rect">
+            <a:avLst/>
+          </a:prstGeom>
+          <a:noFill/>
+          <a:ln>
+            <a:noFill/>
+          </a:ln>
+        </p:spPr>
+      </p:pic>
+    </p:spTree>
+  </p:cSld>
+  <p:clrMapOvr>
+    <a:masterClrMapping/>
+  </p:clrMapOvr>
+</p:sld>
+</file>
+
+<file path=ppt/slides/slide12.xml><?xml version="1.0" encoding="utf-8"?>
 <p:sld xmlns:a="http://schemas.openxmlformats.org/drawingml/2006/main" xmlns:r="http://schemas.openxmlformats.org/officeDocument/2006/relationships" xmlns:p="http://schemas.openxmlformats.org/presentationml/2006/main">
   <p:cSld>
     <p:spTree>
@@ -6352,455 +6853,6 @@
 </p:sld>
 </file>
 
-<file path=ppt/slides/slide11.xml><?xml version="1.0" encoding="utf-8"?>
-<p:sld xmlns:a="http://schemas.openxmlformats.org/drawingml/2006/main" xmlns:r="http://schemas.openxmlformats.org/officeDocument/2006/relationships" xmlns:p="http://schemas.openxmlformats.org/presentationml/2006/main">
-  <p:cSld>
-    <p:spTree>
-      <p:nvGrpSpPr>
-        <p:cNvPr id="1" name=""/>
-        <p:cNvGrpSpPr/>
-        <p:nvPr/>
-      </p:nvGrpSpPr>
-      <p:grpSpPr>
-        <a:xfrm>
-          <a:off x="0" y="0"/>
-          <a:ext cx="0" cy="0"/>
-          <a:chOff x="0" y="0"/>
-          <a:chExt cx="0" cy="0"/>
-        </a:xfrm>
-      </p:grpSpPr>
-      <p:sp>
-        <p:nvSpPr>
-          <p:cNvPr id="2" name="Title 1"/>
-          <p:cNvSpPr>
-            <a:spLocks noGrp="1"/>
-          </p:cNvSpPr>
-          <p:nvPr>
-            <p:ph type="title"/>
-          </p:nvPr>
-        </p:nvSpPr>
-        <p:spPr/>
-        <p:txBody>
-          <a:bodyPr>
-            <a:normAutofit fontScale="90000"/>
-          </a:bodyPr>
-          <a:lstStyle/>
-          <a:p>
-            <a:r>
-              <a:rPr lang="en-US" dirty="0" smtClean="0"/>
-              <a:t>Running ib2d on Puma / Ocelot</a:t>
-            </a:r>
-            <a:endParaRPr lang="en-US" dirty="0"/>
-          </a:p>
-        </p:txBody>
-      </p:sp>
-      <p:sp>
-        <p:nvSpPr>
-          <p:cNvPr id="3" name="Text Placeholder 2"/>
-          <p:cNvSpPr>
-            <a:spLocks noGrp="1"/>
-          </p:cNvSpPr>
-          <p:nvPr>
-            <p:ph type="body" idx="1"/>
-          </p:nvPr>
-        </p:nvSpPr>
-        <p:spPr>
-          <a:xfrm>
-            <a:off x="311700" y="1152475"/>
-            <a:ext cx="8520600" cy="3788120"/>
-          </a:xfrm>
-        </p:spPr>
-        <p:txBody>
-          <a:bodyPr>
-            <a:normAutofit lnSpcReduction="10000"/>
-          </a:bodyPr>
-          <a:lstStyle/>
-          <a:p>
-            <a:pPr fontAlgn="base"/>
-            <a:r>
-              <a:rPr lang="en-US" dirty="0" smtClean="0"/>
-              <a:t>To upload a static version of ib2d </a:t>
-            </a:r>
-            <a:r>
-              <a:rPr lang="en-US" dirty="0"/>
-              <a:t>onto your account.</a:t>
-            </a:r>
-          </a:p>
-          <a:p>
-            <a:pPr lvl="1" fontAlgn="base"/>
-            <a:r>
-              <a:rPr lang="en-US" dirty="0"/>
-              <a:t>I would start by making an unzipped version of Ib2d, and remove all data files from running simulations (viz_ib2d, hier_ib2d).</a:t>
-            </a:r>
-          </a:p>
-          <a:p>
-            <a:pPr lvl="1" fontAlgn="base"/>
-            <a:r>
-              <a:rPr lang="en-US" dirty="0" smtClean="0"/>
-              <a:t>Option 1: Upload the folder into your directory on the cluster.</a:t>
-            </a:r>
-            <a:endParaRPr lang="en-US" dirty="0"/>
-          </a:p>
-          <a:p>
-            <a:pPr lvl="2" fontAlgn="base"/>
-            <a:r>
-              <a:rPr lang="en-US" dirty="0"/>
-              <a:t>To log into the web interface, go to </a:t>
-            </a:r>
-            <a:r>
-              <a:rPr lang="en-US" u="sng" dirty="0">
-                <a:hlinkClick r:id="rId2"/>
-              </a:rPr>
-              <a:t>https://OnDemand.hpc.arizona.edu</a:t>
-            </a:r>
-            <a:r>
-              <a:rPr lang="en-US" dirty="0"/>
-              <a:t> </a:t>
-            </a:r>
-          </a:p>
-          <a:p>
-            <a:pPr lvl="2" fontAlgn="base"/>
-            <a:r>
-              <a:rPr lang="en-US" dirty="0"/>
-              <a:t>From the </a:t>
-            </a:r>
-            <a:r>
-              <a:rPr lang="en-US" dirty="0" err="1"/>
-              <a:t>OpenOnDemand</a:t>
-            </a:r>
-            <a:r>
-              <a:rPr lang="en-US" dirty="0"/>
-              <a:t> portal, select files and home directory</a:t>
-            </a:r>
-          </a:p>
-          <a:p>
-            <a:pPr lvl="2" fontAlgn="base"/>
-            <a:r>
-              <a:rPr lang="en-US" dirty="0"/>
-              <a:t>You may now upload/download through the web interface using drag and drop from your computer</a:t>
-            </a:r>
-            <a:r>
-              <a:rPr lang="en-US" dirty="0" smtClean="0"/>
-              <a:t>.</a:t>
-            </a:r>
-          </a:p>
-          <a:p>
-            <a:pPr lvl="1" fontAlgn="base"/>
-            <a:r>
-              <a:rPr lang="en-US" dirty="0" smtClean="0"/>
-              <a:t>Option 2: Use the terminal</a:t>
-            </a:r>
-          </a:p>
-          <a:p>
-            <a:pPr lvl="2" fontAlgn="base"/>
-            <a:r>
-              <a:rPr lang="en-US" dirty="0"/>
-              <a:t>You may want </a:t>
-            </a:r>
-            <a:r>
-              <a:rPr lang="en-US" dirty="0" smtClean="0"/>
-              <a:t>to first </a:t>
-            </a:r>
-            <a:r>
-              <a:rPr lang="en-US" dirty="0"/>
-              <a:t>cd to the directory where ib2d lives. For example, </a:t>
-            </a:r>
-            <a:r>
-              <a:rPr lang="en-US" dirty="0" smtClean="0"/>
-              <a:t>if ib2d is on your desktop, cd </a:t>
-            </a:r>
-            <a:r>
-              <a:rPr lang="en-US" dirty="0"/>
-              <a:t>C:/Users/lam9/Desktop</a:t>
-            </a:r>
-          </a:p>
-          <a:p>
-            <a:pPr lvl="2" fontAlgn="base"/>
-            <a:r>
-              <a:rPr lang="en-US" dirty="0"/>
-              <a:t>Now type </a:t>
-            </a:r>
-            <a:r>
-              <a:rPr lang="en-US" dirty="0" err="1"/>
-              <a:t>sftp</a:t>
-            </a:r>
-            <a:r>
-              <a:rPr lang="en-US" dirty="0"/>
-              <a:t> </a:t>
-            </a:r>
-            <a:r>
-              <a:rPr lang="en-US" u="sng" dirty="0">
-                <a:hlinkClick r:id="rId3"/>
-              </a:rPr>
-              <a:t>netid@filexfer.hpc.arizona.edu</a:t>
-            </a:r>
-            <a:r>
-              <a:rPr lang="en-US" dirty="0"/>
-              <a:t>. You will need to use 2-step authentication again.</a:t>
-            </a:r>
-          </a:p>
-          <a:p>
-            <a:pPr lvl="2" fontAlgn="base"/>
-            <a:r>
-              <a:rPr lang="en-US" dirty="0"/>
-              <a:t>To put the entire ib2d folder in your home directory, type </a:t>
-            </a:r>
-            <a:r>
-              <a:rPr lang="en-US" sz="1600" dirty="0"/>
-              <a:t>put -r </a:t>
-            </a:r>
-            <a:r>
-              <a:rPr lang="en-US" sz="1600" dirty="0" smtClean="0"/>
-              <a:t>ib2d</a:t>
-            </a:r>
-          </a:p>
-          <a:p>
-            <a:pPr lvl="3" fontAlgn="base"/>
-            <a:r>
-              <a:rPr lang="en-US" dirty="0" smtClean="0"/>
-              <a:t>If you did not cd to the folder where ib2d lives, you need to type put -r /Path/to/ib2d</a:t>
-            </a:r>
-            <a:endParaRPr lang="en-US" dirty="0"/>
-          </a:p>
-          <a:p>
-            <a:pPr lvl="2" fontAlgn="base"/>
-            <a:endParaRPr lang="en-US" dirty="0"/>
-          </a:p>
-          <a:p>
-            <a:endParaRPr lang="en-US" dirty="0"/>
-          </a:p>
-        </p:txBody>
-      </p:sp>
-    </p:spTree>
-    <p:extLst>
-      <p:ext uri="{BB962C8B-B14F-4D97-AF65-F5344CB8AC3E}">
-        <p14:creationId xmlns:p14="http://schemas.microsoft.com/office/powerpoint/2010/main" val="486341022"/>
-      </p:ext>
-    </p:extLst>
-  </p:cSld>
-  <p:clrMapOvr>
-    <a:masterClrMapping/>
-  </p:clrMapOvr>
-</p:sld>
-</file>
-
-<file path=ppt/slides/slide12.xml><?xml version="1.0" encoding="utf-8"?>
-<p:sld xmlns:a="http://schemas.openxmlformats.org/drawingml/2006/main" xmlns:r="http://schemas.openxmlformats.org/officeDocument/2006/relationships" xmlns:p="http://schemas.openxmlformats.org/presentationml/2006/main">
-  <p:cSld>
-    <p:spTree>
-      <p:nvGrpSpPr>
-        <p:cNvPr id="1" name=""/>
-        <p:cNvGrpSpPr/>
-        <p:nvPr/>
-      </p:nvGrpSpPr>
-      <p:grpSpPr>
-        <a:xfrm>
-          <a:off x="0" y="0"/>
-          <a:ext cx="0" cy="0"/>
-          <a:chOff x="0" y="0"/>
-          <a:chExt cx="0" cy="0"/>
-        </a:xfrm>
-      </p:grpSpPr>
-      <p:sp>
-        <p:nvSpPr>
-          <p:cNvPr id="2" name="Title 1"/>
-          <p:cNvSpPr>
-            <a:spLocks noGrp="1"/>
-          </p:cNvSpPr>
-          <p:nvPr>
-            <p:ph type="title"/>
-          </p:nvPr>
-        </p:nvSpPr>
-        <p:spPr/>
-        <p:txBody>
-          <a:bodyPr>
-            <a:normAutofit fontScale="90000"/>
-          </a:bodyPr>
-          <a:lstStyle/>
-          <a:p>
-            <a:r>
-              <a:rPr lang="en-US" dirty="0" smtClean="0"/>
-              <a:t>Using </a:t>
-            </a:r>
-            <a:r>
-              <a:rPr lang="en-US" dirty="0" err="1" smtClean="0"/>
-              <a:t>git</a:t>
-            </a:r>
-            <a:r>
-              <a:rPr lang="en-US" dirty="0" smtClean="0"/>
-              <a:t> on your HPC account to get and update ib2d</a:t>
-            </a:r>
-            <a:endParaRPr lang="en-US" dirty="0"/>
-          </a:p>
-        </p:txBody>
-      </p:sp>
-      <p:sp>
-        <p:nvSpPr>
-          <p:cNvPr id="3" name="Text Placeholder 2"/>
-          <p:cNvSpPr>
-            <a:spLocks noGrp="1"/>
-          </p:cNvSpPr>
-          <p:nvPr>
-            <p:ph type="body" idx="1"/>
-          </p:nvPr>
-        </p:nvSpPr>
-        <p:spPr>
-          <a:xfrm>
-            <a:off x="311700" y="1152475"/>
-            <a:ext cx="8520600" cy="2027143"/>
-          </a:xfrm>
-        </p:spPr>
-        <p:txBody>
-          <a:bodyPr>
-            <a:normAutofit fontScale="92500" lnSpcReduction="20000"/>
-          </a:bodyPr>
-          <a:lstStyle/>
-          <a:p>
-            <a:r>
-              <a:rPr lang="en-US" dirty="0" smtClean="0"/>
-              <a:t>To clone ib2d onto your account</a:t>
-            </a:r>
-          </a:p>
-          <a:p>
-            <a:pPr lvl="1"/>
-            <a:r>
-              <a:rPr lang="en-US" dirty="0" smtClean="0"/>
-              <a:t>Type </a:t>
-            </a:r>
-            <a:r>
-              <a:rPr lang="en-US" dirty="0" err="1" smtClean="0"/>
-              <a:t>git</a:t>
-            </a:r>
-            <a:r>
-              <a:rPr lang="en-US" dirty="0"/>
-              <a:t> clone </a:t>
-            </a:r>
-            <a:r>
-              <a:rPr lang="en-US" dirty="0">
-                <a:hlinkClick r:id="rId2"/>
-              </a:rPr>
-              <a:t>https://</a:t>
-            </a:r>
-            <a:r>
-              <a:rPr lang="en-US" dirty="0" smtClean="0">
-                <a:hlinkClick r:id="rId2"/>
-              </a:rPr>
-              <a:t>github.com/nickabattista/IB2d.git</a:t>
-            </a:r>
-            <a:endParaRPr lang="en-US" dirty="0" smtClean="0"/>
-          </a:p>
-          <a:p>
-            <a:r>
-              <a:rPr lang="en-US" dirty="0" smtClean="0"/>
-              <a:t>To update ib2d</a:t>
-            </a:r>
-          </a:p>
-          <a:p>
-            <a:pPr lvl="1"/>
-            <a:r>
-              <a:rPr lang="en-US" dirty="0" smtClean="0"/>
-              <a:t>Cd into the ib2d folder</a:t>
-            </a:r>
-          </a:p>
-          <a:p>
-            <a:pPr lvl="1"/>
-            <a:r>
-              <a:rPr lang="en-US" dirty="0" smtClean="0"/>
-              <a:t>Type </a:t>
-            </a:r>
-            <a:r>
-              <a:rPr lang="en-US" dirty="0" err="1" smtClean="0"/>
-              <a:t>git</a:t>
-            </a:r>
-            <a:r>
-              <a:rPr lang="en-US" dirty="0" smtClean="0"/>
-              <a:t> pull origin master</a:t>
-            </a:r>
-          </a:p>
-          <a:p>
-            <a:r>
-              <a:rPr lang="en-US" dirty="0" smtClean="0"/>
-              <a:t>Tutorials on </a:t>
-            </a:r>
-            <a:r>
-              <a:rPr lang="en-US" dirty="0" err="1" smtClean="0"/>
-              <a:t>git</a:t>
-            </a:r>
-            <a:r>
-              <a:rPr lang="en-US" dirty="0" smtClean="0"/>
-              <a:t> from the command line</a:t>
-            </a:r>
-          </a:p>
-          <a:p>
-            <a:pPr lvl="1"/>
-            <a:r>
-              <a:rPr lang="en-US" dirty="0">
-                <a:hlinkClick r:id="rId3"/>
-              </a:rPr>
-              <a:t>https://</a:t>
-            </a:r>
-            <a:r>
-              <a:rPr lang="en-US" dirty="0" smtClean="0">
-                <a:hlinkClick r:id="rId3"/>
-              </a:rPr>
-              <a:t>git-scm.com/docs/gittutorial</a:t>
-            </a:r>
-            <a:endParaRPr lang="en-US" dirty="0" smtClean="0"/>
-          </a:p>
-          <a:p>
-            <a:r>
-              <a:rPr lang="en-US" dirty="0" smtClean="0"/>
-              <a:t>Screenshot where I removed my old versions of ib2d and used </a:t>
-            </a:r>
-            <a:r>
-              <a:rPr lang="en-US" dirty="0" err="1" smtClean="0"/>
-              <a:t>git</a:t>
-            </a:r>
-            <a:r>
-              <a:rPr lang="en-US" dirty="0" smtClean="0"/>
-              <a:t> clone:</a:t>
-            </a:r>
-            <a:endParaRPr lang="en-US" dirty="0"/>
-          </a:p>
-        </p:txBody>
-      </p:sp>
-      <p:pic>
-        <p:nvPicPr>
-          <p:cNvPr id="6" name="Picture 5"/>
-          <p:cNvPicPr>
-            <a:picLocks noChangeAspect="1"/>
-          </p:cNvPicPr>
-          <p:nvPr/>
-        </p:nvPicPr>
-        <p:blipFill>
-          <a:blip r:embed="rId4"/>
-          <a:stretch>
-            <a:fillRect/>
-          </a:stretch>
-        </p:blipFill>
-        <p:spPr>
-          <a:xfrm>
-            <a:off x="1519453" y="3098656"/>
-            <a:ext cx="6105093" cy="1679567"/>
-          </a:xfrm>
-          <a:prstGeom prst="rect">
-            <a:avLst/>
-          </a:prstGeom>
-        </p:spPr>
-      </p:pic>
-    </p:spTree>
-    <p:extLst>
-      <p:ext uri="{BB962C8B-B14F-4D97-AF65-F5344CB8AC3E}">
-        <p14:creationId xmlns:p14="http://schemas.microsoft.com/office/powerpoint/2010/main" val="361089948"/>
-      </p:ext>
-    </p:extLst>
-  </p:cSld>
-  <p:clrMapOvr>
-    <a:masterClrMapping/>
-  </p:clrMapOvr>
-</p:sld>
-</file>
-
 <file path=ppt/slides/slide13.xml><?xml version="1.0" encoding="utf-8"?>
 <p:sld xmlns:a="http://schemas.openxmlformats.org/drawingml/2006/main" xmlns:r="http://schemas.openxmlformats.org/officeDocument/2006/relationships" xmlns:p="http://schemas.openxmlformats.org/presentationml/2006/main">
   <p:cSld>
@@ -6836,10 +6888,9 @@
           <a:lstStyle/>
           <a:p>
             <a:r>
-              <a:rPr lang="en-US" dirty="0" smtClean="0"/>
-              <a:t>A separate folder for your ib2d simulations</a:t>
-            </a:r>
-            <a:endParaRPr lang="en-US" dirty="0"/>
+              <a:rPr lang="en-US" dirty="0"/>
+              <a:t>Running ib2d on Puma / Ocelot</a:t>
+            </a:r>
           </a:p>
         </p:txBody>
       </p:sp>
@@ -6856,7 +6907,7 @@
         <p:spPr>
           <a:xfrm>
             <a:off x="311700" y="1152475"/>
-            <a:ext cx="8520600" cy="3904434"/>
+            <a:ext cx="8520600" cy="3788120"/>
           </a:xfrm>
         </p:spPr>
         <p:txBody>
@@ -6865,246 +6916,135 @@
           </a:bodyPr>
           <a:lstStyle/>
           <a:p>
-            <a:r>
-              <a:rPr lang="en-US" dirty="0" smtClean="0"/>
-              <a:t>It’s a good idea to run your ib2d simulations outside of the ib2d-master folder.</a:t>
-            </a:r>
-          </a:p>
-          <a:p>
-            <a:pPr lvl="1"/>
-            <a:r>
-              <a:rPr lang="en-US" dirty="0" smtClean="0"/>
-              <a:t>This makes it easy to update ib2d.</a:t>
-            </a:r>
-          </a:p>
-          <a:p>
-            <a:pPr lvl="1"/>
-            <a:r>
-              <a:rPr lang="en-US" dirty="0" smtClean="0"/>
-              <a:t>You can also store simulation data in a temporary folder.</a:t>
-            </a:r>
-          </a:p>
-          <a:p>
-            <a:r>
-              <a:rPr lang="en-US" dirty="0" smtClean="0"/>
-              <a:t>To get the examples to work, you need to add the path to </a:t>
-            </a:r>
-            <a:r>
-              <a:rPr lang="en-US" dirty="0" err="1" smtClean="0"/>
-              <a:t>IBM_Blackbox</a:t>
-            </a:r>
-            <a:r>
-              <a:rPr lang="en-US" dirty="0" smtClean="0"/>
-              <a:t> to your main2d file.</a:t>
-            </a:r>
-          </a:p>
-          <a:p>
-            <a:pPr lvl="1"/>
-            <a:r>
-              <a:rPr lang="en-US" dirty="0" smtClean="0"/>
-              <a:t>Cd to where </a:t>
-            </a:r>
-            <a:r>
-              <a:rPr lang="en-US" dirty="0" err="1" smtClean="0"/>
-              <a:t>IBM_Blackbox</a:t>
-            </a:r>
-            <a:r>
-              <a:rPr lang="en-US" dirty="0" smtClean="0"/>
-              <a:t> lives.</a:t>
-            </a:r>
-          </a:p>
-          <a:p>
-            <a:pPr lvl="1"/>
-            <a:r>
-              <a:rPr lang="en-US" dirty="0" smtClean="0"/>
-              <a:t>Type </a:t>
-            </a:r>
-            <a:r>
-              <a:rPr lang="en-US" dirty="0" err="1" smtClean="0"/>
-              <a:t>pwd</a:t>
-            </a:r>
-            <a:r>
-              <a:rPr lang="en-US" dirty="0" smtClean="0"/>
-              <a:t> to get the </a:t>
-            </a:r>
-            <a:r>
-              <a:rPr lang="en-US" dirty="0"/>
-              <a:t>working directory </a:t>
-            </a:r>
-            <a:r>
-              <a:rPr lang="en-US" dirty="0" smtClean="0"/>
-              <a:t>- /</a:t>
-            </a:r>
-            <a:r>
-              <a:rPr lang="en-US" dirty="0"/>
-              <a:t>home/u29/lauram9/IB2d/matIB2d/</a:t>
+            <a:pPr fontAlgn="base"/>
+            <a:r>
+              <a:rPr lang="en-US" dirty="0"/>
+              <a:t>To upload a static version of ib2d onto your account.</a:t>
+            </a:r>
+          </a:p>
+          <a:p>
+            <a:pPr lvl="1" fontAlgn="base"/>
+            <a:r>
+              <a:rPr lang="en-US" dirty="0"/>
+              <a:t>I would start by making an unzipped version of Ib2d, and remove all data files from running simulations (viz_ib2d, hier_ib2d).</a:t>
+            </a:r>
+          </a:p>
+          <a:p>
+            <a:pPr lvl="1" fontAlgn="base"/>
+            <a:r>
+              <a:rPr lang="en-US" dirty="0"/>
+              <a:t>Option 1: Upload the folder into your directory on the cluster.</a:t>
+            </a:r>
+          </a:p>
+          <a:p>
+            <a:pPr lvl="2" fontAlgn="base"/>
+            <a:r>
+              <a:rPr lang="en-US" dirty="0"/>
+              <a:t>To log into the web interface, go to </a:t>
+            </a:r>
+            <a:r>
+              <a:rPr lang="en-US" u="sng" dirty="0">
+                <a:hlinkClick r:id="rId2"/>
+              </a:rPr>
+              <a:t>https://OnDemand.hpc.arizona.edu</a:t>
+            </a:r>
+            <a:r>
+              <a:rPr lang="en-US" dirty="0"/>
+              <a:t> </a:t>
+            </a:r>
+          </a:p>
+          <a:p>
+            <a:pPr lvl="2" fontAlgn="base"/>
+            <a:r>
+              <a:rPr lang="en-US" dirty="0"/>
+              <a:t>From the </a:t>
             </a:r>
             <a:r>
               <a:rPr lang="en-US" dirty="0" err="1"/>
-              <a:t>IBM_Blackbox</a:t>
-            </a:r>
+              <a:t>OpenOnDemand</a:t>
+            </a:r>
+            <a:r>
+              <a:rPr lang="en-US" dirty="0"/>
+              <a:t> portal, select files and home directory</a:t>
+            </a:r>
+          </a:p>
+          <a:p>
+            <a:pPr lvl="2" fontAlgn="base"/>
+            <a:r>
+              <a:rPr lang="en-US" dirty="0"/>
+              <a:t>You may now upload/download through the web interface using drag and drop from your computer.</a:t>
+            </a:r>
+          </a:p>
+          <a:p>
+            <a:pPr lvl="1" fontAlgn="base"/>
+            <a:r>
+              <a:rPr lang="en-US" dirty="0"/>
+              <a:t>Option 2: Use the terminal</a:t>
+            </a:r>
+          </a:p>
+          <a:p>
+            <a:pPr lvl="2" fontAlgn="base"/>
+            <a:r>
+              <a:rPr lang="en-US" dirty="0"/>
+              <a:t>You may want to first cd to the directory where ib2d lives. For example, if ib2d is on your desktop, cd C:/Users/lam9/Desktop</a:t>
+            </a:r>
+          </a:p>
+          <a:p>
+            <a:pPr lvl="2" fontAlgn="base"/>
+            <a:r>
+              <a:rPr lang="en-US" dirty="0"/>
+              <a:t>Now type </a:t>
+            </a:r>
+            <a:r>
+              <a:rPr lang="en-US" dirty="0" err="1"/>
+              <a:t>sftp</a:t>
+            </a:r>
+            <a:r>
+              <a:rPr lang="en-US" dirty="0"/>
+              <a:t> </a:t>
+            </a:r>
+            <a:r>
+              <a:rPr lang="en-US" u="sng" dirty="0">
+                <a:hlinkClick r:id="rId3"/>
+              </a:rPr>
+              <a:t>netid@filexfer.hpc.arizona.edu</a:t>
+            </a:r>
+            <a:r>
+              <a:rPr lang="en-US" dirty="0"/>
+              <a:t>. You will need to use 2-step authentication again.</a:t>
+            </a:r>
+          </a:p>
+          <a:p>
+            <a:pPr lvl="2" fontAlgn="base"/>
+            <a:r>
+              <a:rPr lang="en-US" dirty="0"/>
+              <a:t>To put the entire ib2d folder in your home directory, type </a:t>
+            </a:r>
+            <a:r>
+              <a:rPr lang="en-US" sz="1600" dirty="0"/>
+              <a:t>put -r ib2d</a:t>
+            </a:r>
+          </a:p>
+          <a:p>
+            <a:pPr lvl="3" fontAlgn="base"/>
+            <a:r>
+              <a:rPr lang="en-US" dirty="0"/>
+              <a:t>If you did not cd to the folder where ib2d lives, you need to type put -r /Path/to/ib2d</a:t>
+            </a:r>
+          </a:p>
+          <a:p>
+            <a:pPr lvl="2" fontAlgn="base"/>
             <a:endParaRPr lang="en-US" dirty="0"/>
           </a:p>
           <a:p>
-            <a:pPr marL="596900" lvl="1" indent="0">
-              <a:buNone/>
-            </a:pPr>
-            <a:r>
-              <a:rPr lang="en-US" dirty="0" smtClean="0"/>
-              <a:t> </a:t>
-            </a:r>
-          </a:p>
-          <a:p>
-            <a:pPr lvl="1"/>
-            <a:endParaRPr lang="en-US" dirty="0"/>
-          </a:p>
-          <a:p>
-            <a:pPr lvl="1"/>
-            <a:endParaRPr lang="en-US" dirty="0" smtClean="0"/>
-          </a:p>
-          <a:p>
-            <a:pPr lvl="1"/>
-            <a:endParaRPr lang="en-US" dirty="0"/>
-          </a:p>
-          <a:p>
-            <a:pPr lvl="1"/>
-            <a:r>
-              <a:rPr lang="en-US" dirty="0" smtClean="0"/>
-              <a:t>In main2d.m</a:t>
-            </a:r>
-          </a:p>
-          <a:p>
-            <a:pPr marL="596900" lvl="1" indent="0">
-              <a:buNone/>
-            </a:pPr>
-            <a:r>
-              <a:rPr lang="en-US" dirty="0" smtClean="0"/>
-              <a:t>	</a:t>
-            </a:r>
-            <a:r>
-              <a:rPr lang="en-US" dirty="0" err="1" smtClean="0"/>
-              <a:t>addpath</a:t>
-            </a:r>
-            <a:r>
-              <a:rPr lang="en-US" dirty="0"/>
-              <a:t>('../</a:t>
-            </a:r>
-            <a:r>
-              <a:rPr lang="en-US" dirty="0" err="1"/>
-              <a:t>IBM_Blackbox</a:t>
-            </a:r>
-            <a:r>
-              <a:rPr lang="en-US" dirty="0"/>
-              <a:t>/','../../</a:t>
-            </a:r>
-            <a:r>
-              <a:rPr lang="en-US" dirty="0" err="1"/>
-              <a:t>IBM_Blackbox</a:t>
-            </a:r>
-            <a:r>
-              <a:rPr lang="en-US" dirty="0"/>
-              <a:t>/','../../../</a:t>
-            </a:r>
-            <a:r>
-              <a:rPr lang="en-US" dirty="0" err="1"/>
-              <a:t>IBM_Blackbox</a:t>
-            </a:r>
-            <a:r>
-              <a:rPr lang="en-US" dirty="0" smtClean="0"/>
-              <a:t>/','.././../../</a:t>
-            </a:r>
-            <a:r>
-              <a:rPr lang="en-US" dirty="0" err="1"/>
-              <a:t>IBM_Blackbox</a:t>
-            </a:r>
-            <a:r>
-              <a:rPr lang="en-US" dirty="0"/>
-              <a:t>/');</a:t>
-            </a:r>
-          </a:p>
-          <a:p>
-            <a:pPr marL="596900" lvl="1" indent="0">
-              <a:buNone/>
-            </a:pPr>
-            <a:r>
-              <a:rPr lang="en-US" dirty="0" smtClean="0"/>
-              <a:t>	Change to (my example, your path will be different)</a:t>
-            </a:r>
-          </a:p>
-          <a:p>
-            <a:pPr marL="596900" lvl="1" indent="0">
-              <a:buNone/>
-            </a:pPr>
-            <a:r>
-              <a:rPr lang="en-US" dirty="0" smtClean="0"/>
-              <a:t>	</a:t>
-            </a:r>
-            <a:r>
-              <a:rPr lang="en-US" dirty="0" err="1" smtClean="0"/>
-              <a:t>addpath</a:t>
-            </a:r>
-            <a:r>
-              <a:rPr lang="en-US" dirty="0" smtClean="0"/>
-              <a:t>(</a:t>
-            </a:r>
-            <a:r>
-              <a:rPr lang="en-US" dirty="0"/>
-              <a:t>'</a:t>
-            </a:r>
-            <a:r>
-              <a:rPr lang="en-US" dirty="0" smtClean="0"/>
-              <a:t>/home/u29/lauram9/IB2d/matIB2d/</a:t>
-            </a:r>
-            <a:r>
-              <a:rPr lang="en-US" dirty="0" err="1" smtClean="0"/>
-              <a:t>IBM_Blackbox</a:t>
-            </a:r>
-            <a:r>
-              <a:rPr lang="en-US" dirty="0"/>
-              <a:t>'</a:t>
-            </a:r>
-            <a:r>
-              <a:rPr lang="en-US" dirty="0" smtClean="0"/>
-              <a:t>)</a:t>
-            </a:r>
-            <a:endParaRPr lang="en-US" dirty="0"/>
-          </a:p>
-          <a:p>
-            <a:pPr marL="596900" lvl="1" indent="0">
-              <a:buNone/>
-            </a:pPr>
             <a:endParaRPr lang="en-US" dirty="0"/>
           </a:p>
         </p:txBody>
       </p:sp>
-      <p:pic>
-        <p:nvPicPr>
-          <p:cNvPr id="4" name="Picture 3"/>
-          <p:cNvPicPr>
-            <a:picLocks noChangeAspect="1"/>
-          </p:cNvPicPr>
-          <p:nvPr/>
-        </p:nvPicPr>
-        <p:blipFill>
-          <a:blip r:embed="rId2"/>
-          <a:stretch>
-            <a:fillRect/>
-          </a:stretch>
-        </p:blipFill>
-        <p:spPr>
-          <a:xfrm>
-            <a:off x="2489055" y="3104692"/>
-            <a:ext cx="3971925" cy="704850"/>
-          </a:xfrm>
-          <a:prstGeom prst="rect">
-            <a:avLst/>
-          </a:prstGeom>
-        </p:spPr>
-      </p:pic>
     </p:spTree>
     <p:extLst>
       <p:ext uri="{BB962C8B-B14F-4D97-AF65-F5344CB8AC3E}">
-        <p14:creationId xmlns:p14="http://schemas.microsoft.com/office/powerpoint/2010/main" val="3347245325"/>
+        <p14:creationId xmlns:p14="http://schemas.microsoft.com/office/powerpoint/2010/main" val="486341022"/>
       </p:ext>
     </p:extLst>
   </p:cSld>
@@ -7149,10 +7089,9 @@
           <a:lstStyle/>
           <a:p>
             <a:r>
-              <a:rPr lang="en-US" dirty="0" smtClean="0"/>
-              <a:t>Running ib2d</a:t>
-            </a:r>
-            <a:endParaRPr lang="en-US" dirty="0"/>
+              <a:rPr lang="en-US" dirty="0"/>
+              <a:t>Better Option: Use git on your HPC account to get and update ib2d</a:t>
+            </a:r>
           </a:p>
         </p:txBody>
       </p:sp>
@@ -7166,187 +7105,141 @@
             <p:ph type="body" idx="1"/>
           </p:nvPr>
         </p:nvSpPr>
-        <p:spPr/>
+        <p:spPr>
+          <a:xfrm>
+            <a:off x="311699" y="1273055"/>
+            <a:ext cx="8520600" cy="2027143"/>
+          </a:xfrm>
+        </p:spPr>
         <p:txBody>
           <a:bodyPr>
-            <a:normAutofit lnSpcReduction="10000"/>
+            <a:normAutofit fontScale="92500" lnSpcReduction="20000"/>
           </a:bodyPr>
           <a:lstStyle/>
           <a:p>
-            <a:pPr fontAlgn="base"/>
-            <a:r>
-              <a:rPr lang="en-US" dirty="0"/>
-              <a:t>There is a tutorial on how to run MATLAB through the command </a:t>
-            </a:r>
-            <a:r>
-              <a:rPr lang="en-US" dirty="0" smtClean="0"/>
-              <a:t>line</a:t>
-            </a:r>
-          </a:p>
-          <a:p>
-            <a:pPr lvl="1" fontAlgn="base"/>
-            <a:r>
-              <a:rPr lang="en-US" u="sng" dirty="0" smtClean="0">
+            <a:r>
+              <a:rPr lang="en-US" dirty="0"/>
+              <a:t>To clone ib2d onto your account</a:t>
+            </a:r>
+          </a:p>
+          <a:p>
+            <a:pPr lvl="1"/>
+            <a:r>
+              <a:rPr lang="en-US" dirty="0"/>
+              <a:t>Type </a:t>
+            </a:r>
+            <a:r>
+              <a:rPr lang="en-US" dirty="0" err="1"/>
+              <a:t>git</a:t>
+            </a:r>
+            <a:r>
+              <a:rPr lang="en-US" dirty="0"/>
+              <a:t> clone </a:t>
+            </a:r>
+            <a:r>
+              <a:rPr lang="en-US" dirty="0">
                 <a:hlinkClick r:id="rId2"/>
               </a:rPr>
-              <a:t>https</a:t>
-            </a:r>
-            <a:r>
-              <a:rPr lang="en-US" u="sng" dirty="0">
-                <a:hlinkClick r:id="rId2"/>
-              </a:rPr>
-              <a:t>://public.confluence.arizona.edu/display/UAHPC/Using+Matlab</a:t>
-            </a:r>
-            <a:r>
-              <a:rPr lang="en-US" dirty="0"/>
-              <a:t> </a:t>
-            </a:r>
-          </a:p>
-          <a:p>
-            <a:pPr fontAlgn="base"/>
-            <a:r>
-              <a:rPr lang="en-US" dirty="0"/>
-              <a:t>We will submit the job using a script. A sample script is in this folder. </a:t>
+              <a:t>https://github.com/nickabattista/IB2d.git</a:t>
+            </a:r>
+            <a:endParaRPr lang="en-US" dirty="0"/>
+          </a:p>
+          <a:p>
+            <a:r>
+              <a:rPr lang="en-US" dirty="0"/>
+              <a:t>To update ib2d</a:t>
             </a:r>
           </a:p>
           <a:p>
             <a:pPr lvl="1"/>
             <a:r>
-              <a:rPr lang="en-US" u="sng" dirty="0">
+              <a:rPr lang="en-US" dirty="0"/>
+              <a:t>Cd into the ib2d folder</a:t>
+            </a:r>
+          </a:p>
+          <a:p>
+            <a:pPr lvl="1"/>
+            <a:r>
+              <a:rPr lang="en-US" dirty="0"/>
+              <a:t>Type </a:t>
+            </a:r>
+            <a:r>
+              <a:rPr lang="en-US" dirty="0" err="1"/>
+              <a:t>git</a:t>
+            </a:r>
+            <a:r>
+              <a:rPr lang="en-US" dirty="0"/>
+              <a:t> pull origin master</a:t>
+            </a:r>
+          </a:p>
+          <a:p>
+            <a:r>
+              <a:rPr lang="en-US" dirty="0"/>
+              <a:t>Tutorials on </a:t>
+            </a:r>
+            <a:r>
+              <a:rPr lang="en-US" dirty="0" err="1"/>
+              <a:t>git</a:t>
+            </a:r>
+            <a:r>
+              <a:rPr lang="en-US" dirty="0"/>
+              <a:t> from the command line</a:t>
+            </a:r>
+          </a:p>
+          <a:p>
+            <a:pPr lvl="1"/>
+            <a:r>
+              <a:rPr lang="en-US" dirty="0">
                 <a:hlinkClick r:id="rId3"/>
               </a:rPr>
-              <a:t>https://drive.google.com/file/d/17ocdeTnpdIf_vHHj2BlHLU4pF6Q_I5p_/view?usp=sharing</a:t>
-            </a:r>
-            <a:r>
-              <a:rPr lang="en-US" dirty="0"/>
-              <a:t> </a:t>
-            </a:r>
-            <a:endParaRPr lang="en-US" dirty="0" smtClean="0"/>
-          </a:p>
-          <a:p>
-            <a:pPr fontAlgn="base"/>
-            <a:r>
-              <a:rPr lang="en-US" dirty="0"/>
-              <a:t>Open a </a:t>
-            </a:r>
-            <a:r>
-              <a:rPr lang="en-US" dirty="0" smtClean="0"/>
-              <a:t>terminal on your computer </a:t>
-            </a:r>
-          </a:p>
-          <a:p>
-            <a:pPr lvl="1" fontAlgn="base"/>
-            <a:r>
-              <a:rPr lang="en-US" dirty="0" smtClean="0"/>
-              <a:t>Type </a:t>
+              <a:t>https://git-scm.com/docs/gittutorial</a:t>
+            </a:r>
+            <a:endParaRPr lang="en-US" dirty="0"/>
+          </a:p>
+          <a:p>
+            <a:r>
+              <a:rPr lang="en-US" dirty="0"/>
+              <a:t>Screenshot where I removed my old versions of ib2d and used </a:t>
             </a:r>
             <a:r>
               <a:rPr lang="en-US" dirty="0" err="1"/>
-              <a:t>ssh</a:t>
-            </a:r>
-            <a:r>
-              <a:rPr lang="en-US" dirty="0"/>
-              <a:t> </a:t>
-            </a:r>
-            <a:r>
-              <a:rPr lang="en-US" dirty="0" smtClean="0"/>
-              <a:t>netid@hpc.arizona.edu</a:t>
-            </a:r>
-            <a:endParaRPr lang="en-US" dirty="0"/>
-          </a:p>
-          <a:p>
-            <a:pPr lvl="1" fontAlgn="base"/>
-            <a:r>
-              <a:rPr lang="en-US" dirty="0" smtClean="0"/>
-              <a:t>Type puma/ocelot </a:t>
-            </a:r>
-            <a:r>
-              <a:rPr lang="en-US" dirty="0"/>
-              <a:t>to work on this </a:t>
-            </a:r>
-            <a:r>
-              <a:rPr lang="en-US" dirty="0" smtClean="0"/>
-              <a:t>cluster.</a:t>
-            </a:r>
-          </a:p>
-          <a:p>
-            <a:pPr lvl="1" fontAlgn="base"/>
-            <a:r>
-              <a:rPr lang="en-US" dirty="0"/>
-              <a:t>c</a:t>
-            </a:r>
-            <a:r>
-              <a:rPr lang="en-US" dirty="0" smtClean="0"/>
-              <a:t>d </a:t>
-            </a:r>
-            <a:r>
-              <a:rPr lang="en-US" dirty="0"/>
-              <a:t>into the directory where the example is that you want to </a:t>
-            </a:r>
-            <a:r>
-              <a:rPr lang="en-US" dirty="0" smtClean="0"/>
-              <a:t>run</a:t>
-            </a:r>
-          </a:p>
-          <a:p>
-            <a:pPr lvl="1" fontAlgn="base"/>
-            <a:r>
-              <a:rPr lang="en-US" dirty="0" smtClean="0"/>
-              <a:t>Be sure myscript.sh is in this folder</a:t>
-            </a:r>
-            <a:endParaRPr lang="en-US" dirty="0"/>
-          </a:p>
-          <a:p>
-            <a:pPr lvl="1" fontAlgn="base"/>
-            <a:r>
-              <a:rPr lang="en-US" dirty="0"/>
-              <a:t>Type </a:t>
-            </a:r>
-            <a:r>
-              <a:rPr lang="en-US" dirty="0" err="1"/>
-              <a:t>sbatch</a:t>
-            </a:r>
-            <a:r>
-              <a:rPr lang="en-US" dirty="0"/>
-              <a:t> myscript.sh</a:t>
-            </a:r>
-          </a:p>
-          <a:p>
-            <a:pPr fontAlgn="base"/>
-            <a:r>
-              <a:rPr lang="en-US" dirty="0"/>
-              <a:t>To check the job, type </a:t>
-            </a:r>
-            <a:r>
-              <a:rPr lang="en-US" dirty="0" err="1"/>
-              <a:t>squeue</a:t>
-            </a:r>
-            <a:r>
-              <a:rPr lang="en-US" dirty="0"/>
-              <a:t> -</a:t>
-            </a:r>
-            <a:r>
-              <a:rPr lang="en-US" dirty="0" err="1"/>
-              <a:t>unetid</a:t>
-            </a:r>
-            <a:endParaRPr lang="en-US" dirty="0"/>
-          </a:p>
-          <a:p>
-            <a:pPr lvl="1" fontAlgn="base"/>
-            <a:r>
-              <a:rPr lang="en-US" dirty="0"/>
-              <a:t>This will show the job as pending or running. If nothing comes up, then you have no code that is running.</a:t>
-            </a:r>
-          </a:p>
-          <a:p>
-            <a:endParaRPr lang="en-US" dirty="0"/>
+              <a:t>git</a:t>
+            </a:r>
+            <a:r>
+              <a:rPr lang="en-US" dirty="0"/>
+              <a:t> clone:</a:t>
+            </a:r>
           </a:p>
         </p:txBody>
       </p:sp>
+      <p:pic>
+        <p:nvPicPr>
+          <p:cNvPr id="6" name="Picture 5"/>
+          <p:cNvPicPr>
+            <a:picLocks noChangeAspect="1"/>
+          </p:cNvPicPr>
+          <p:nvPr/>
+        </p:nvPicPr>
+        <p:blipFill>
+          <a:blip r:embed="rId4"/>
+          <a:stretch>
+            <a:fillRect/>
+          </a:stretch>
+        </p:blipFill>
+        <p:spPr>
+          <a:xfrm>
+            <a:off x="1519453" y="3179618"/>
+            <a:ext cx="6105093" cy="1679567"/>
+          </a:xfrm>
+          <a:prstGeom prst="rect">
+            <a:avLst/>
+          </a:prstGeom>
+        </p:spPr>
+      </p:pic>
     </p:spTree>
     <p:extLst>
       <p:ext uri="{BB962C8B-B14F-4D97-AF65-F5344CB8AC3E}">
-        <p14:creationId xmlns:p14="http://schemas.microsoft.com/office/powerpoint/2010/main" val="1399510160"/>
+        <p14:creationId xmlns:p14="http://schemas.microsoft.com/office/powerpoint/2010/main" val="361089948"/>
       </p:ext>
     </p:extLst>
   </p:cSld>
@@ -7383,12 +7276,7 @@
             <p:ph type="title"/>
           </p:nvPr>
         </p:nvSpPr>
-        <p:spPr>
-          <a:xfrm>
-            <a:off x="311700" y="179706"/>
-            <a:ext cx="8520600" cy="572700"/>
-          </a:xfrm>
-        </p:spPr>
+        <p:spPr/>
         <p:txBody>
           <a:bodyPr>
             <a:normAutofit fontScale="90000"/>
@@ -7396,980 +7284,249 @@
           <a:lstStyle/>
           <a:p>
             <a:r>
-              <a:rPr lang="en-US" dirty="0" smtClean="0"/>
-              <a:t>SLURM submission script</a:t>
-            </a:r>
-            <a:endParaRPr lang="en-US" dirty="0"/>
+              <a:rPr lang="en-US" dirty="0"/>
+              <a:t>A separate folder for your ib2d simulations</a:t>
+            </a:r>
           </a:p>
         </p:txBody>
       </p:sp>
       <p:sp>
         <p:nvSpPr>
-          <p:cNvPr id="4" name="Rectangle 1"/>
+          <p:cNvPr id="3" name="Text Placeholder 2"/>
           <p:cNvSpPr>
-            <a:spLocks noGrp="1" noChangeArrowheads="1"/>
+            <a:spLocks noGrp="1"/>
           </p:cNvSpPr>
           <p:nvPr>
             <p:ph type="body" idx="1"/>
           </p:nvPr>
         </p:nvSpPr>
-        <p:spPr bwMode="auto">
+        <p:spPr>
           <a:xfrm>
-            <a:off x="311700" y="813961"/>
-            <a:ext cx="5571649" cy="4093428"/>
+            <a:off x="311700" y="1152475"/>
+            <a:ext cx="8520600" cy="3904434"/>
+          </a:xfrm>
+        </p:spPr>
+        <p:txBody>
+          <a:bodyPr>
+            <a:normAutofit lnSpcReduction="10000"/>
+          </a:bodyPr>
+          <a:lstStyle/>
+          <a:p>
+            <a:r>
+              <a:rPr lang="en-US" dirty="0"/>
+              <a:t>It’s a good idea to run your ib2d simulations outside of the ib2d-master folder.</a:t>
+            </a:r>
+          </a:p>
+          <a:p>
+            <a:pPr lvl="1"/>
+            <a:r>
+              <a:rPr lang="en-US" dirty="0"/>
+              <a:t>This makes it easy to update ib2d.</a:t>
+            </a:r>
+          </a:p>
+          <a:p>
+            <a:pPr lvl="1"/>
+            <a:r>
+              <a:rPr lang="en-US" dirty="0"/>
+              <a:t>You can also store simulation data in a temporary folder.</a:t>
+            </a:r>
+          </a:p>
+          <a:p>
+            <a:r>
+              <a:rPr lang="en-US" dirty="0"/>
+              <a:t>To get the examples to work, you need to add the path to </a:t>
+            </a:r>
+            <a:r>
+              <a:rPr lang="en-US" dirty="0" err="1"/>
+              <a:t>IBM_Blackbox</a:t>
+            </a:r>
+            <a:r>
+              <a:rPr lang="en-US" dirty="0"/>
+              <a:t> to your main2d file.</a:t>
+            </a:r>
+          </a:p>
+          <a:p>
+            <a:pPr lvl="1"/>
+            <a:r>
+              <a:rPr lang="en-US" dirty="0"/>
+              <a:t>Cd to where </a:t>
+            </a:r>
+            <a:r>
+              <a:rPr lang="en-US" dirty="0" err="1"/>
+              <a:t>IBM_Blackbox</a:t>
+            </a:r>
+            <a:r>
+              <a:rPr lang="en-US" dirty="0"/>
+              <a:t> lives.</a:t>
+            </a:r>
+          </a:p>
+          <a:p>
+            <a:pPr lvl="1"/>
+            <a:r>
+              <a:rPr lang="en-US" dirty="0"/>
+              <a:t>Type </a:t>
+            </a:r>
+            <a:r>
+              <a:rPr lang="en-US" dirty="0" err="1"/>
+              <a:t>pwd</a:t>
+            </a:r>
+            <a:r>
+              <a:rPr lang="en-US" dirty="0"/>
+              <a:t> to get the working directory - /home/u29/lauram9/IB2d/matIB2d/</a:t>
+            </a:r>
+            <a:r>
+              <a:rPr lang="en-US" dirty="0" err="1"/>
+              <a:t>IBM_Blackbox</a:t>
+            </a:r>
+            <a:endParaRPr lang="en-US" dirty="0"/>
+          </a:p>
+          <a:p>
+            <a:pPr marL="596900" lvl="1" indent="0">
+              <a:buNone/>
+            </a:pPr>
+            <a:r>
+              <a:rPr lang="en-US" dirty="0"/>
+              <a:t> </a:t>
+            </a:r>
+          </a:p>
+          <a:p>
+            <a:pPr lvl="1"/>
+            <a:endParaRPr lang="en-US" dirty="0"/>
+          </a:p>
+          <a:p>
+            <a:pPr lvl="1"/>
+            <a:endParaRPr lang="en-US" dirty="0"/>
+          </a:p>
+          <a:p>
+            <a:pPr lvl="1"/>
+            <a:endParaRPr lang="en-US" dirty="0"/>
+          </a:p>
+          <a:p>
+            <a:pPr lvl="1"/>
+            <a:r>
+              <a:rPr lang="en-US" dirty="0"/>
+              <a:t>In main2d.m</a:t>
+            </a:r>
+          </a:p>
+          <a:p>
+            <a:pPr marL="596900" lvl="1" indent="0">
+              <a:buNone/>
+            </a:pPr>
+            <a:r>
+              <a:rPr lang="en-US" dirty="0"/>
+              <a:t>	</a:t>
+            </a:r>
+            <a:r>
+              <a:rPr lang="en-US" dirty="0" err="1"/>
+              <a:t>addpath</a:t>
+            </a:r>
+            <a:r>
+              <a:rPr lang="en-US" dirty="0"/>
+              <a:t>('../</a:t>
+            </a:r>
+            <a:r>
+              <a:rPr lang="en-US" dirty="0" err="1"/>
+              <a:t>IBM_Blackbox</a:t>
+            </a:r>
+            <a:r>
+              <a:rPr lang="en-US" dirty="0"/>
+              <a:t>/','../../</a:t>
+            </a:r>
+            <a:r>
+              <a:rPr lang="en-US" dirty="0" err="1"/>
+              <a:t>IBM_Blackbox</a:t>
+            </a:r>
+            <a:r>
+              <a:rPr lang="en-US" dirty="0"/>
+              <a:t>/','../../../</a:t>
+            </a:r>
+            <a:r>
+              <a:rPr lang="en-US" dirty="0" err="1"/>
+              <a:t>IBM_Blackbox</a:t>
+            </a:r>
+            <a:r>
+              <a:rPr lang="en-US" dirty="0"/>
+              <a:t>/','.././../../</a:t>
+            </a:r>
+            <a:r>
+              <a:rPr lang="en-US" dirty="0" err="1"/>
+              <a:t>IBM_Blackbox</a:t>
+            </a:r>
+            <a:r>
+              <a:rPr lang="en-US" dirty="0"/>
+              <a:t>/');</a:t>
+            </a:r>
+          </a:p>
+          <a:p>
+            <a:pPr marL="596900" lvl="1" indent="0">
+              <a:buNone/>
+            </a:pPr>
+            <a:r>
+              <a:rPr lang="en-US" dirty="0"/>
+              <a:t>	Change to (my example, your path will be different)</a:t>
+            </a:r>
+          </a:p>
+          <a:p>
+            <a:pPr marL="596900" lvl="1" indent="0">
+              <a:buNone/>
+            </a:pPr>
+            <a:r>
+              <a:rPr lang="en-US" dirty="0"/>
+              <a:t>	</a:t>
+            </a:r>
+            <a:r>
+              <a:rPr lang="en-US" dirty="0" err="1"/>
+              <a:t>addpath</a:t>
+            </a:r>
+            <a:r>
+              <a:rPr lang="en-US" dirty="0"/>
+              <a:t>('/home/u29/lauram9/IB2d/matIB2d/</a:t>
+            </a:r>
+            <a:r>
+              <a:rPr lang="en-US" dirty="0" err="1"/>
+              <a:t>IBM_Blackbox</a:t>
+            </a:r>
+            <a:r>
+              <a:rPr lang="en-US" dirty="0"/>
+              <a:t>')</a:t>
+            </a:r>
+          </a:p>
+          <a:p>
+            <a:pPr marL="596900" lvl="1" indent="0">
+              <a:buNone/>
+            </a:pPr>
+            <a:endParaRPr lang="en-US" dirty="0"/>
+          </a:p>
+        </p:txBody>
+      </p:sp>
+      <p:pic>
+        <p:nvPicPr>
+          <p:cNvPr id="4" name="Picture 3"/>
+          <p:cNvPicPr>
+            <a:picLocks noChangeAspect="1"/>
+          </p:cNvPicPr>
+          <p:nvPr/>
+        </p:nvPicPr>
+        <p:blipFill>
+          <a:blip r:embed="rId2"/>
+          <a:stretch>
+            <a:fillRect/>
+          </a:stretch>
+        </p:blipFill>
+        <p:spPr>
+          <a:xfrm>
+            <a:off x="2489055" y="3104692"/>
+            <a:ext cx="3971925" cy="704850"/>
           </a:xfrm>
           <a:prstGeom prst="rect">
             <a:avLst/>
           </a:prstGeom>
-          <a:noFill/>
-          <a:ln>
-            <a:noFill/>
-          </a:ln>
-          <a:effectLst/>
-          <a:extLst>
-            <a:ext uri="{909E8E84-426E-40DD-AFC4-6F175D3DCCD1}">
-              <a14:hiddenFill xmlns:a14="http://schemas.microsoft.com/office/drawing/2010/main">
-                <a:solidFill>
-                  <a:schemeClr val="accent1"/>
-                </a:solidFill>
-              </a14:hiddenFill>
-            </a:ext>
-            <a:ext uri="{91240B29-F687-4F45-9708-019B960494DF}">
-              <a14:hiddenLine xmlns:a14="http://schemas.microsoft.com/office/drawing/2010/main" w="9525">
-                <a:solidFill>
-                  <a:schemeClr val="tx1"/>
-                </a:solidFill>
-                <a:miter lim="800000"/>
-                <a:headEnd/>
-                <a:tailEnd/>
-              </a14:hiddenLine>
-            </a:ext>
-            <a:ext uri="{AF507438-7753-43E0-B8FC-AC1667EBCBE1}">
-              <a14:hiddenEffects xmlns:a14="http://schemas.microsoft.com/office/drawing/2010/main">
-                <a:effectLst>
-                  <a:outerShdw dist="35921" dir="2700000" algn="ctr" rotWithShape="0">
-                    <a:schemeClr val="bg2"/>
-                  </a:outerShdw>
-                </a:effectLst>
-              </a14:hiddenEffects>
-            </a:ext>
-          </a:extLst>
         </p:spPr>
-        <p:txBody>
-          <a:bodyPr vert="horz" wrap="square" lIns="91440" tIns="45720" rIns="91440" bIns="45720" numCol="1" anchor="ctr" anchorCtr="0" compatLnSpc="1">
-            <a:prstTxWarp prst="textNoShape">
-              <a:avLst/>
-            </a:prstTxWarp>
-            <a:spAutoFit/>
-          </a:bodyPr>
-          <a:lstStyle/>
-          <a:p>
-            <a:pPr marL="0" marR="0" lvl="0" indent="0" algn="l" defTabSz="914400" rtl="0" eaLnBrk="0" fontAlgn="base" latinLnBrk="0" hangingPunct="0">
-              <a:lnSpc>
-                <a:spcPct val="100000"/>
-              </a:lnSpc>
-              <a:spcBef>
-                <a:spcPct val="0"/>
-              </a:spcBef>
-              <a:spcAft>
-                <a:spcPct val="0"/>
-              </a:spcAft>
-              <a:buClrTx/>
-              <a:buSzTx/>
-              <a:buFontTx/>
-              <a:buNone/>
-              <a:tabLst/>
-            </a:pPr>
-            <a:r>
-              <a:rPr kumimoji="0" lang="en-US" altLang="en-US" sz="1000" b="0" i="0" u="none" strike="noStrike" cap="none" normalizeH="0" baseline="0" dirty="0" smtClean="0">
-                <a:ln>
-                  <a:noFill/>
-                </a:ln>
-                <a:solidFill>
-                  <a:schemeClr val="tx1"/>
-                </a:solidFill>
-                <a:effectLst/>
-                <a:latin typeface="+mj-lt"/>
-              </a:rPr>
-              <a:t>#!/bin/bash</a:t>
-            </a:r>
-          </a:p>
-          <a:p>
-            <a:pPr marL="0" marR="0" lvl="0" indent="0" algn="l" defTabSz="914400" rtl="0" eaLnBrk="0" fontAlgn="base" latinLnBrk="0" hangingPunct="0">
-              <a:lnSpc>
-                <a:spcPct val="100000"/>
-              </a:lnSpc>
-              <a:spcBef>
-                <a:spcPct val="0"/>
-              </a:spcBef>
-              <a:spcAft>
-                <a:spcPct val="0"/>
-              </a:spcAft>
-              <a:buClrTx/>
-              <a:buSzTx/>
-              <a:buFontTx/>
-              <a:buNone/>
-              <a:tabLst/>
-            </a:pPr>
-            <a:r>
-              <a:rPr kumimoji="0" lang="en-US" altLang="en-US" sz="1000" b="0" i="0" u="none" strike="noStrike" cap="none" normalizeH="0" baseline="0" dirty="0" smtClean="0">
-                <a:ln>
-                  <a:noFill/>
-                </a:ln>
-                <a:solidFill>
-                  <a:schemeClr val="tx1"/>
-                </a:solidFill>
-                <a:effectLst/>
-                <a:latin typeface="+mj-lt"/>
-              </a:rPr>
-              <a:t> </a:t>
-            </a:r>
-          </a:p>
-          <a:p>
-            <a:pPr marL="0" marR="0" lvl="0" indent="0" algn="l" defTabSz="914400" rtl="0" eaLnBrk="0" fontAlgn="base" latinLnBrk="0" hangingPunct="0">
-              <a:lnSpc>
-                <a:spcPct val="100000"/>
-              </a:lnSpc>
-              <a:spcBef>
-                <a:spcPct val="0"/>
-              </a:spcBef>
-              <a:spcAft>
-                <a:spcPct val="0"/>
-              </a:spcAft>
-              <a:buClrTx/>
-              <a:buSzTx/>
-              <a:buFontTx/>
-              <a:buNone/>
-              <a:tabLst/>
-            </a:pPr>
-            <a:r>
-              <a:rPr kumimoji="0" lang="en-US" altLang="en-US" sz="1000" b="0" i="0" u="none" strike="noStrike" cap="none" normalizeH="0" baseline="0" dirty="0" smtClean="0">
-                <a:ln>
-                  <a:noFill/>
-                </a:ln>
-                <a:solidFill>
-                  <a:schemeClr val="tx1"/>
-                </a:solidFill>
-                <a:effectLst/>
-                <a:latin typeface="+mj-lt"/>
-              </a:rPr>
-              <a:t># --------------------------------------------------------------</a:t>
-            </a:r>
-          </a:p>
-          <a:p>
-            <a:pPr marL="0" marR="0" lvl="0" indent="0" algn="l" defTabSz="914400" rtl="0" eaLnBrk="0" fontAlgn="base" latinLnBrk="0" hangingPunct="0">
-              <a:lnSpc>
-                <a:spcPct val="100000"/>
-              </a:lnSpc>
-              <a:spcBef>
-                <a:spcPct val="0"/>
-              </a:spcBef>
-              <a:spcAft>
-                <a:spcPct val="0"/>
-              </a:spcAft>
-              <a:buClrTx/>
-              <a:buSzTx/>
-              <a:buFontTx/>
-              <a:buNone/>
-              <a:tabLst/>
-            </a:pPr>
-            <a:r>
-              <a:rPr kumimoji="0" lang="en-US" altLang="en-US" sz="1000" b="0" i="0" u="none" strike="noStrike" cap="none" normalizeH="0" baseline="0" dirty="0" smtClean="0">
-                <a:ln>
-                  <a:noFill/>
-                </a:ln>
-                <a:solidFill>
-                  <a:schemeClr val="tx1"/>
-                </a:solidFill>
-                <a:effectLst/>
-                <a:latin typeface="+mj-lt"/>
-              </a:rPr>
-              <a:t>### PART 1: Requests resources to run your job.</a:t>
-            </a:r>
-          </a:p>
-          <a:p>
-            <a:pPr marL="0" marR="0" lvl="0" indent="0" algn="l" defTabSz="914400" rtl="0" eaLnBrk="0" fontAlgn="base" latinLnBrk="0" hangingPunct="0">
-              <a:lnSpc>
-                <a:spcPct val="100000"/>
-              </a:lnSpc>
-              <a:spcBef>
-                <a:spcPct val="0"/>
-              </a:spcBef>
-              <a:spcAft>
-                <a:spcPct val="0"/>
-              </a:spcAft>
-              <a:buClrTx/>
-              <a:buSzTx/>
-              <a:buFontTx/>
-              <a:buNone/>
-              <a:tabLst/>
-            </a:pPr>
-            <a:r>
-              <a:rPr kumimoji="0" lang="en-US" altLang="en-US" sz="1000" b="0" i="0" u="none" strike="noStrike" cap="none" normalizeH="0" baseline="0" dirty="0" smtClean="0">
-                <a:ln>
-                  <a:noFill/>
-                </a:ln>
-                <a:solidFill>
-                  <a:schemeClr val="tx1"/>
-                </a:solidFill>
-                <a:effectLst/>
-                <a:latin typeface="+mj-lt"/>
-              </a:rPr>
-              <a:t># --------------------------------------------------------------</a:t>
-            </a:r>
-          </a:p>
-          <a:p>
-            <a:pPr marL="0" marR="0" lvl="0" indent="0" algn="l" defTabSz="914400" rtl="0" eaLnBrk="0" fontAlgn="base" latinLnBrk="0" hangingPunct="0">
-              <a:lnSpc>
-                <a:spcPct val="100000"/>
-              </a:lnSpc>
-              <a:spcBef>
-                <a:spcPct val="0"/>
-              </a:spcBef>
-              <a:spcAft>
-                <a:spcPct val="0"/>
-              </a:spcAft>
-              <a:buClrTx/>
-              <a:buSzTx/>
-              <a:buFontTx/>
-              <a:buNone/>
-              <a:tabLst/>
-            </a:pPr>
-            <a:r>
-              <a:rPr kumimoji="0" lang="en-US" altLang="en-US" sz="1000" b="0" i="0" u="none" strike="noStrike" cap="none" normalizeH="0" baseline="0" dirty="0" smtClean="0">
-                <a:ln>
-                  <a:noFill/>
-                </a:ln>
-                <a:solidFill>
-                  <a:schemeClr val="tx1"/>
-                </a:solidFill>
-                <a:effectLst/>
-                <a:latin typeface="+mj-lt"/>
-              </a:rPr>
-              <a:t>### Optional. Set the job name</a:t>
-            </a:r>
-          </a:p>
-          <a:p>
-            <a:pPr marL="0" marR="0" lvl="0" indent="0" algn="l" defTabSz="914400" rtl="0" eaLnBrk="0" fontAlgn="base" latinLnBrk="0" hangingPunct="0">
-              <a:lnSpc>
-                <a:spcPct val="100000"/>
-              </a:lnSpc>
-              <a:spcBef>
-                <a:spcPct val="0"/>
-              </a:spcBef>
-              <a:spcAft>
-                <a:spcPct val="0"/>
-              </a:spcAft>
-              <a:buClrTx/>
-              <a:buSzTx/>
-              <a:buFontTx/>
-              <a:buNone/>
-              <a:tabLst/>
-            </a:pPr>
-            <a:r>
-              <a:rPr kumimoji="0" lang="en-US" altLang="en-US" sz="1000" b="0" i="0" u="none" strike="noStrike" cap="none" normalizeH="0" baseline="0" dirty="0" smtClean="0">
-                <a:ln>
-                  <a:noFill/>
-                </a:ln>
-                <a:solidFill>
-                  <a:schemeClr val="tx1"/>
-                </a:solidFill>
-                <a:effectLst/>
-                <a:latin typeface="+mj-lt"/>
-              </a:rPr>
-              <a:t>#SBATCH --job-name=</a:t>
-            </a:r>
-            <a:r>
-              <a:rPr kumimoji="0" lang="en-US" altLang="en-US" sz="1000" b="0" i="0" u="none" strike="noStrike" cap="none" normalizeH="0" baseline="0" dirty="0" err="1" smtClean="0">
-                <a:ln>
-                  <a:noFill/>
-                </a:ln>
-                <a:solidFill>
-                  <a:schemeClr val="tx1"/>
-                </a:solidFill>
-                <a:effectLst/>
-                <a:latin typeface="+mj-lt"/>
-              </a:rPr>
-              <a:t>hello_world</a:t>
-            </a:r>
-            <a:endParaRPr kumimoji="0" lang="en-US" altLang="en-US" sz="1000" b="0" i="0" u="none" strike="noStrike" cap="none" normalizeH="0" baseline="0" dirty="0" smtClean="0">
-              <a:ln>
-                <a:noFill/>
-              </a:ln>
-              <a:solidFill>
-                <a:schemeClr val="tx1"/>
-              </a:solidFill>
-              <a:effectLst/>
-              <a:latin typeface="+mj-lt"/>
-            </a:endParaRPr>
-          </a:p>
-          <a:p>
-            <a:pPr marL="0" marR="0" lvl="0" indent="0" algn="l" defTabSz="914400" rtl="0" eaLnBrk="0" fontAlgn="base" latinLnBrk="0" hangingPunct="0">
-              <a:lnSpc>
-                <a:spcPct val="100000"/>
-              </a:lnSpc>
-              <a:spcBef>
-                <a:spcPct val="0"/>
-              </a:spcBef>
-              <a:spcAft>
-                <a:spcPct val="0"/>
-              </a:spcAft>
-              <a:buClrTx/>
-              <a:buSzTx/>
-              <a:buFontTx/>
-              <a:buNone/>
-              <a:tabLst/>
-            </a:pPr>
-            <a:r>
-              <a:rPr kumimoji="0" lang="en-US" altLang="en-US" sz="1000" b="0" i="0" u="none" strike="noStrike" cap="none" normalizeH="0" baseline="0" dirty="0" smtClean="0">
-                <a:ln>
-                  <a:noFill/>
-                </a:ln>
-                <a:solidFill>
-                  <a:schemeClr val="tx1"/>
-                </a:solidFill>
-                <a:effectLst/>
-                <a:latin typeface="+mj-lt"/>
-              </a:rPr>
-              <a:t>### Optional. Set the output filename. </a:t>
-            </a:r>
-          </a:p>
-          <a:p>
-            <a:pPr marL="0" marR="0" lvl="0" indent="0" algn="l" defTabSz="914400" rtl="0" eaLnBrk="0" fontAlgn="base" latinLnBrk="0" hangingPunct="0">
-              <a:lnSpc>
-                <a:spcPct val="100000"/>
-              </a:lnSpc>
-              <a:spcBef>
-                <a:spcPct val="0"/>
-              </a:spcBef>
-              <a:spcAft>
-                <a:spcPct val="0"/>
-              </a:spcAft>
-              <a:buClrTx/>
-              <a:buSzTx/>
-              <a:buFontTx/>
-              <a:buNone/>
-              <a:tabLst/>
-            </a:pPr>
-            <a:r>
-              <a:rPr kumimoji="0" lang="en-US" altLang="en-US" sz="1000" b="0" i="0" u="none" strike="noStrike" cap="none" normalizeH="0" baseline="0" dirty="0" smtClean="0">
-                <a:ln>
-                  <a:noFill/>
-                </a:ln>
-                <a:solidFill>
-                  <a:schemeClr val="tx1"/>
-                </a:solidFill>
-                <a:effectLst/>
-                <a:latin typeface="+mj-lt"/>
-              </a:rPr>
-              <a:t>### SLURM reads %x as the job name and %j as the job ID</a:t>
-            </a:r>
-          </a:p>
-          <a:p>
-            <a:pPr marL="0" marR="0" lvl="0" indent="0" algn="l" defTabSz="914400" rtl="0" eaLnBrk="0" fontAlgn="base" latinLnBrk="0" hangingPunct="0">
-              <a:lnSpc>
-                <a:spcPct val="100000"/>
-              </a:lnSpc>
-              <a:spcBef>
-                <a:spcPct val="0"/>
-              </a:spcBef>
-              <a:spcAft>
-                <a:spcPct val="0"/>
-              </a:spcAft>
-              <a:buClrTx/>
-              <a:buSzTx/>
-              <a:buFontTx/>
-              <a:buNone/>
-              <a:tabLst/>
-            </a:pPr>
-            <a:r>
-              <a:rPr kumimoji="0" lang="en-US" altLang="en-US" sz="1000" b="0" i="0" u="none" strike="noStrike" cap="none" normalizeH="0" baseline="0" dirty="0" smtClean="0">
-                <a:ln>
-                  <a:noFill/>
-                </a:ln>
-                <a:solidFill>
-                  <a:schemeClr val="tx1"/>
-                </a:solidFill>
-                <a:effectLst/>
-                <a:latin typeface="+mj-lt"/>
-              </a:rPr>
-              <a:t>#SBATCH --output=%x-%</a:t>
-            </a:r>
-            <a:r>
-              <a:rPr kumimoji="0" lang="en-US" altLang="en-US" sz="1000" b="0" i="0" u="none" strike="noStrike" cap="none" normalizeH="0" baseline="0" dirty="0" err="1" smtClean="0">
-                <a:ln>
-                  <a:noFill/>
-                </a:ln>
-                <a:solidFill>
-                  <a:schemeClr val="tx1"/>
-                </a:solidFill>
-                <a:effectLst/>
-                <a:latin typeface="+mj-lt"/>
-              </a:rPr>
-              <a:t>j.out</a:t>
-            </a:r>
-            <a:endParaRPr kumimoji="0" lang="en-US" altLang="en-US" sz="1000" b="0" i="0" u="none" strike="noStrike" cap="none" normalizeH="0" baseline="0" dirty="0" smtClean="0">
-              <a:ln>
-                <a:noFill/>
-              </a:ln>
-              <a:solidFill>
-                <a:schemeClr val="tx1"/>
-              </a:solidFill>
-              <a:effectLst/>
-              <a:latin typeface="+mj-lt"/>
-            </a:endParaRPr>
-          </a:p>
-          <a:p>
-            <a:pPr marL="0" marR="0" lvl="0" indent="0" algn="l" defTabSz="914400" rtl="0" eaLnBrk="0" fontAlgn="base" latinLnBrk="0" hangingPunct="0">
-              <a:lnSpc>
-                <a:spcPct val="100000"/>
-              </a:lnSpc>
-              <a:spcBef>
-                <a:spcPct val="0"/>
-              </a:spcBef>
-              <a:spcAft>
-                <a:spcPct val="0"/>
-              </a:spcAft>
-              <a:buClrTx/>
-              <a:buSzTx/>
-              <a:buFontTx/>
-              <a:buNone/>
-              <a:tabLst/>
-            </a:pPr>
-            <a:r>
-              <a:rPr kumimoji="0" lang="en-US" altLang="en-US" sz="1000" b="0" i="0" u="none" strike="noStrike" cap="none" normalizeH="0" baseline="0" dirty="0" smtClean="0">
-                <a:ln>
-                  <a:noFill/>
-                </a:ln>
-                <a:solidFill>
-                  <a:schemeClr val="tx1"/>
-                </a:solidFill>
-                <a:effectLst/>
-                <a:latin typeface="+mj-lt"/>
-              </a:rPr>
-              <a:t>### REQUIRED. Specify the PI group for this job</a:t>
-            </a:r>
-          </a:p>
-          <a:p>
-            <a:pPr marL="0" marR="0" lvl="0" indent="0" algn="l" defTabSz="914400" rtl="0" eaLnBrk="0" fontAlgn="base" latinLnBrk="0" hangingPunct="0">
-              <a:lnSpc>
-                <a:spcPct val="100000"/>
-              </a:lnSpc>
-              <a:spcBef>
-                <a:spcPct val="0"/>
-              </a:spcBef>
-              <a:spcAft>
-                <a:spcPct val="0"/>
-              </a:spcAft>
-              <a:buClrTx/>
-              <a:buSzTx/>
-              <a:buFontTx/>
-              <a:buNone/>
-              <a:tabLst/>
-            </a:pPr>
-            <a:r>
-              <a:rPr kumimoji="0" lang="en-US" altLang="en-US" sz="1000" b="0" i="0" u="none" strike="noStrike" cap="none" normalizeH="0" baseline="0" dirty="0" smtClean="0">
-                <a:ln>
-                  <a:noFill/>
-                </a:ln>
-                <a:solidFill>
-                  <a:schemeClr val="tx1"/>
-                </a:solidFill>
-                <a:effectLst/>
-                <a:latin typeface="+mj-lt"/>
-              </a:rPr>
-              <a:t>#SBATCH --account=&lt;PI GROUP&gt;</a:t>
-            </a:r>
-          </a:p>
-          <a:p>
-            <a:pPr marL="0" marR="0" lvl="0" indent="0" algn="l" defTabSz="914400" rtl="0" eaLnBrk="0" fontAlgn="base" latinLnBrk="0" hangingPunct="0">
-              <a:lnSpc>
-                <a:spcPct val="100000"/>
-              </a:lnSpc>
-              <a:spcBef>
-                <a:spcPct val="0"/>
-              </a:spcBef>
-              <a:spcAft>
-                <a:spcPct val="0"/>
-              </a:spcAft>
-              <a:buClrTx/>
-              <a:buSzTx/>
-              <a:buFontTx/>
-              <a:buNone/>
-              <a:tabLst/>
-            </a:pPr>
-            <a:r>
-              <a:rPr kumimoji="0" lang="en-US" altLang="en-US" sz="1000" b="0" i="0" u="none" strike="noStrike" cap="none" normalizeH="0" baseline="0" dirty="0" smtClean="0">
-                <a:ln>
-                  <a:noFill/>
-                </a:ln>
-                <a:solidFill>
-                  <a:schemeClr val="tx1"/>
-                </a:solidFill>
-                <a:effectLst/>
-                <a:latin typeface="+mj-lt"/>
-              </a:rPr>
-              <a:t>### Optional. Request email when job begins and ends</a:t>
-            </a:r>
-          </a:p>
-          <a:p>
-            <a:pPr marL="0" marR="0" lvl="0" indent="0" algn="l" defTabSz="914400" rtl="0" eaLnBrk="0" fontAlgn="base" latinLnBrk="0" hangingPunct="0">
-              <a:lnSpc>
-                <a:spcPct val="100000"/>
-              </a:lnSpc>
-              <a:spcBef>
-                <a:spcPct val="0"/>
-              </a:spcBef>
-              <a:spcAft>
-                <a:spcPct val="0"/>
-              </a:spcAft>
-              <a:buClrTx/>
-              <a:buSzTx/>
-              <a:buFontTx/>
-              <a:buNone/>
-              <a:tabLst/>
-            </a:pPr>
-            <a:r>
-              <a:rPr kumimoji="0" lang="en-US" altLang="en-US" sz="1000" b="0" i="0" u="none" strike="noStrike" cap="none" normalizeH="0" baseline="0" dirty="0" smtClean="0">
-                <a:ln>
-                  <a:noFill/>
-                </a:ln>
-                <a:solidFill>
-                  <a:schemeClr val="tx1"/>
-                </a:solidFill>
-                <a:effectLst/>
-                <a:latin typeface="+mj-lt"/>
-              </a:rPr>
-              <a:t>### SBATCH --mail-type=ALL</a:t>
-            </a:r>
-          </a:p>
-          <a:p>
-            <a:pPr marL="0" marR="0" lvl="0" indent="0" algn="l" defTabSz="914400" rtl="0" eaLnBrk="0" fontAlgn="base" latinLnBrk="0" hangingPunct="0">
-              <a:lnSpc>
-                <a:spcPct val="100000"/>
-              </a:lnSpc>
-              <a:spcBef>
-                <a:spcPct val="0"/>
-              </a:spcBef>
-              <a:spcAft>
-                <a:spcPct val="0"/>
-              </a:spcAft>
-              <a:buClrTx/>
-              <a:buSzTx/>
-              <a:buFontTx/>
-              <a:buNone/>
-              <a:tabLst/>
-            </a:pPr>
-            <a:r>
-              <a:rPr kumimoji="0" lang="en-US" altLang="en-US" sz="1000" b="0" i="0" u="none" strike="noStrike" cap="none" normalizeH="0" baseline="0" dirty="0" smtClean="0">
-                <a:ln>
-                  <a:noFill/>
-                </a:ln>
-                <a:solidFill>
-                  <a:schemeClr val="tx1"/>
-                </a:solidFill>
-                <a:effectLst/>
-                <a:latin typeface="+mj-lt"/>
-              </a:rPr>
-              <a:t>### Optional. Specify email address to use for notification</a:t>
-            </a:r>
-          </a:p>
-          <a:p>
-            <a:pPr marL="0" marR="0" lvl="0" indent="0" algn="l" defTabSz="914400" rtl="0" eaLnBrk="0" fontAlgn="base" latinLnBrk="0" hangingPunct="0">
-              <a:lnSpc>
-                <a:spcPct val="100000"/>
-              </a:lnSpc>
-              <a:spcBef>
-                <a:spcPct val="0"/>
-              </a:spcBef>
-              <a:spcAft>
-                <a:spcPct val="0"/>
-              </a:spcAft>
-              <a:buClrTx/>
-              <a:buSzTx/>
-              <a:buFontTx/>
-              <a:buNone/>
-              <a:tabLst/>
-            </a:pPr>
-            <a:r>
-              <a:rPr kumimoji="0" lang="en-US" altLang="en-US" sz="1000" b="0" i="0" u="none" strike="noStrike" cap="none" normalizeH="0" baseline="0" dirty="0" smtClean="0">
-                <a:ln>
-                  <a:noFill/>
-                </a:ln>
-                <a:solidFill>
-                  <a:schemeClr val="tx1"/>
-                </a:solidFill>
-                <a:effectLst/>
-                <a:latin typeface="+mj-lt"/>
-              </a:rPr>
-              <a:t>### SBATCH --mail-user=&lt;YOUR NETID&gt;@email.arizona.edu</a:t>
-            </a:r>
-          </a:p>
-          <a:p>
-            <a:pPr marL="0" marR="0" lvl="0" indent="0" algn="l" defTabSz="914400" rtl="0" eaLnBrk="0" fontAlgn="base" latinLnBrk="0" hangingPunct="0">
-              <a:lnSpc>
-                <a:spcPct val="100000"/>
-              </a:lnSpc>
-              <a:spcBef>
-                <a:spcPct val="0"/>
-              </a:spcBef>
-              <a:spcAft>
-                <a:spcPct val="0"/>
-              </a:spcAft>
-              <a:buClrTx/>
-              <a:buSzTx/>
-              <a:buFontTx/>
-              <a:buNone/>
-              <a:tabLst/>
-            </a:pPr>
-            <a:r>
-              <a:rPr kumimoji="0" lang="en-US" altLang="en-US" sz="1000" b="0" i="0" u="none" strike="noStrike" cap="none" normalizeH="0" baseline="0" dirty="0" smtClean="0">
-                <a:ln>
-                  <a:noFill/>
-                </a:ln>
-                <a:solidFill>
-                  <a:schemeClr val="tx1"/>
-                </a:solidFill>
-                <a:effectLst/>
-                <a:latin typeface="+mj-lt"/>
-              </a:rPr>
-              <a:t>### REQUIRED. Set the partition for your job.</a:t>
-            </a:r>
-          </a:p>
-          <a:p>
-            <a:pPr marL="0" marR="0" lvl="0" indent="0" algn="l" defTabSz="914400" rtl="0" eaLnBrk="0" fontAlgn="base" latinLnBrk="0" hangingPunct="0">
-              <a:lnSpc>
-                <a:spcPct val="100000"/>
-              </a:lnSpc>
-              <a:spcBef>
-                <a:spcPct val="0"/>
-              </a:spcBef>
-              <a:spcAft>
-                <a:spcPct val="0"/>
-              </a:spcAft>
-              <a:buClrTx/>
-              <a:buSzTx/>
-              <a:buFontTx/>
-              <a:buNone/>
-              <a:tabLst/>
-            </a:pPr>
-            <a:r>
-              <a:rPr kumimoji="0" lang="en-US" altLang="en-US" sz="1000" b="0" i="0" u="none" strike="noStrike" cap="none" normalizeH="0" baseline="0" dirty="0" smtClean="0">
-                <a:ln>
-                  <a:noFill/>
-                </a:ln>
-                <a:solidFill>
-                  <a:schemeClr val="tx1"/>
-                </a:solidFill>
-                <a:effectLst/>
-                <a:latin typeface="+mj-lt"/>
-              </a:rPr>
-              <a:t>#SBATCH --partition=standard</a:t>
-            </a:r>
-          </a:p>
-          <a:p>
-            <a:pPr marL="0" marR="0" lvl="0" indent="0" algn="l" defTabSz="914400" rtl="0" eaLnBrk="0" fontAlgn="base" latinLnBrk="0" hangingPunct="0">
-              <a:lnSpc>
-                <a:spcPct val="100000"/>
-              </a:lnSpc>
-              <a:spcBef>
-                <a:spcPct val="0"/>
-              </a:spcBef>
-              <a:spcAft>
-                <a:spcPct val="0"/>
-              </a:spcAft>
-              <a:buClrTx/>
-              <a:buSzTx/>
-              <a:buFontTx/>
-              <a:buNone/>
-              <a:tabLst/>
-            </a:pPr>
-            <a:r>
-              <a:rPr kumimoji="0" lang="en-US" altLang="en-US" sz="1000" b="0" i="0" u="none" strike="noStrike" cap="none" normalizeH="0" baseline="0" dirty="0" smtClean="0">
-                <a:ln>
-                  <a:noFill/>
-                </a:ln>
-                <a:solidFill>
-                  <a:schemeClr val="tx1"/>
-                </a:solidFill>
-                <a:effectLst/>
-                <a:latin typeface="+mj-lt"/>
-              </a:rPr>
-              <a:t>### REQUIRED. Set the number of cores that will be used for this job. </a:t>
-            </a:r>
-          </a:p>
-          <a:p>
-            <a:pPr marL="0" marR="0" lvl="0" indent="0" algn="l" defTabSz="914400" rtl="0" eaLnBrk="0" fontAlgn="base" latinLnBrk="0" hangingPunct="0">
-              <a:lnSpc>
-                <a:spcPct val="100000"/>
-              </a:lnSpc>
-              <a:spcBef>
-                <a:spcPct val="0"/>
-              </a:spcBef>
-              <a:spcAft>
-                <a:spcPct val="0"/>
-              </a:spcAft>
-              <a:buClrTx/>
-              <a:buSzTx/>
-              <a:buFontTx/>
-              <a:buNone/>
-              <a:tabLst/>
-            </a:pPr>
-            <a:r>
-              <a:rPr kumimoji="0" lang="en-US" altLang="en-US" sz="1000" b="0" i="0" u="none" strike="noStrike" cap="none" normalizeH="0" baseline="0" dirty="0" smtClean="0">
-                <a:ln>
-                  <a:noFill/>
-                </a:ln>
-                <a:solidFill>
-                  <a:schemeClr val="tx1"/>
-                </a:solidFill>
-                <a:effectLst/>
-                <a:latin typeface="+mj-lt"/>
-              </a:rPr>
-              <a:t>#SBATCH --</a:t>
-            </a:r>
-            <a:r>
-              <a:rPr kumimoji="0" lang="en-US" altLang="en-US" sz="1000" b="0" i="0" u="none" strike="noStrike" cap="none" normalizeH="0" baseline="0" dirty="0" err="1" smtClean="0">
-                <a:ln>
-                  <a:noFill/>
-                </a:ln>
-                <a:solidFill>
-                  <a:schemeClr val="tx1"/>
-                </a:solidFill>
-                <a:effectLst/>
-                <a:latin typeface="+mj-lt"/>
-              </a:rPr>
-              <a:t>ntasks</a:t>
-            </a:r>
-            <a:r>
-              <a:rPr kumimoji="0" lang="en-US" altLang="en-US" sz="1000" b="0" i="0" u="none" strike="noStrike" cap="none" normalizeH="0" baseline="0" dirty="0" smtClean="0">
-                <a:ln>
-                  <a:noFill/>
-                </a:ln>
-                <a:solidFill>
-                  <a:schemeClr val="tx1"/>
-                </a:solidFill>
-                <a:effectLst/>
-                <a:latin typeface="+mj-lt"/>
-              </a:rPr>
-              <a:t>=1 </a:t>
-            </a:r>
-          </a:p>
-          <a:p>
-            <a:pPr marL="0" marR="0" lvl="0" indent="0" algn="l" defTabSz="914400" rtl="0" eaLnBrk="0" fontAlgn="base" latinLnBrk="0" hangingPunct="0">
-              <a:lnSpc>
-                <a:spcPct val="100000"/>
-              </a:lnSpc>
-              <a:spcBef>
-                <a:spcPct val="0"/>
-              </a:spcBef>
-              <a:spcAft>
-                <a:spcPct val="0"/>
-              </a:spcAft>
-              <a:buClrTx/>
-              <a:buSzTx/>
-              <a:buFontTx/>
-              <a:buNone/>
-              <a:tabLst/>
-            </a:pPr>
-            <a:r>
-              <a:rPr kumimoji="0" lang="en-US" altLang="en-US" sz="1000" b="0" i="0" u="none" strike="noStrike" cap="none" normalizeH="0" baseline="0" dirty="0" smtClean="0">
-                <a:ln>
-                  <a:noFill/>
-                </a:ln>
-                <a:solidFill>
-                  <a:schemeClr val="tx1"/>
-                </a:solidFill>
-                <a:effectLst/>
-                <a:latin typeface="+mj-lt"/>
-              </a:rPr>
-              <a:t>### REQUIRED. Set the number of nodes</a:t>
-            </a:r>
-          </a:p>
-          <a:p>
-            <a:pPr marL="0" marR="0" lvl="0" indent="0" algn="l" defTabSz="914400" rtl="0" eaLnBrk="0" fontAlgn="base" latinLnBrk="0" hangingPunct="0">
-              <a:lnSpc>
-                <a:spcPct val="100000"/>
-              </a:lnSpc>
-              <a:spcBef>
-                <a:spcPct val="0"/>
-              </a:spcBef>
-              <a:spcAft>
-                <a:spcPct val="0"/>
-              </a:spcAft>
-              <a:buClrTx/>
-              <a:buSzTx/>
-              <a:buFontTx/>
-              <a:buNone/>
-              <a:tabLst/>
-            </a:pPr>
-            <a:r>
-              <a:rPr kumimoji="0" lang="en-US" altLang="en-US" sz="1000" b="0" i="0" u="none" strike="noStrike" cap="none" normalizeH="0" baseline="0" dirty="0" smtClean="0">
-                <a:ln>
-                  <a:noFill/>
-                </a:ln>
-                <a:solidFill>
-                  <a:schemeClr val="tx1"/>
-                </a:solidFill>
-                <a:effectLst/>
-                <a:latin typeface="+mj-lt"/>
-              </a:rPr>
-              <a:t>#SBATCH --nodes=1</a:t>
-            </a:r>
-          </a:p>
-          <a:p>
-            <a:pPr marL="0" marR="0" lvl="0" indent="0" algn="l" defTabSz="914400" rtl="0" eaLnBrk="0" fontAlgn="base" latinLnBrk="0" hangingPunct="0">
-              <a:lnSpc>
-                <a:spcPct val="100000"/>
-              </a:lnSpc>
-              <a:spcBef>
-                <a:spcPct val="0"/>
-              </a:spcBef>
-              <a:spcAft>
-                <a:spcPct val="0"/>
-              </a:spcAft>
-              <a:buClrTx/>
-              <a:buSzTx/>
-              <a:buFontTx/>
-              <a:buNone/>
-              <a:tabLst/>
-            </a:pPr>
-            <a:r>
-              <a:rPr kumimoji="0" lang="en-US" altLang="en-US" sz="1000" b="0" i="0" u="none" strike="noStrike" cap="none" normalizeH="0" baseline="0" dirty="0" smtClean="0">
-                <a:ln>
-                  <a:noFill/>
-                </a:ln>
-                <a:solidFill>
-                  <a:schemeClr val="tx1"/>
-                </a:solidFill>
-                <a:effectLst/>
-                <a:latin typeface="+mj-lt"/>
-              </a:rPr>
-              <a:t>### REQUIRED. Set the memory required for this job.</a:t>
-            </a:r>
-          </a:p>
-          <a:p>
-            <a:pPr marL="0" marR="0" lvl="0" indent="0" algn="l" defTabSz="914400" rtl="0" eaLnBrk="0" fontAlgn="base" latinLnBrk="0" hangingPunct="0">
-              <a:lnSpc>
-                <a:spcPct val="100000"/>
-              </a:lnSpc>
-              <a:spcBef>
-                <a:spcPct val="0"/>
-              </a:spcBef>
-              <a:spcAft>
-                <a:spcPct val="0"/>
-              </a:spcAft>
-              <a:buClrTx/>
-              <a:buSzTx/>
-              <a:buFontTx/>
-              <a:buNone/>
-              <a:tabLst/>
-            </a:pPr>
-            <a:r>
-              <a:rPr kumimoji="0" lang="en-US" altLang="en-US" sz="1000" b="0" i="0" u="none" strike="noStrike" cap="none" normalizeH="0" baseline="0" dirty="0" smtClean="0">
-                <a:ln>
-                  <a:noFill/>
-                </a:ln>
-                <a:solidFill>
-                  <a:schemeClr val="tx1"/>
-                </a:solidFill>
-                <a:effectLst/>
-                <a:latin typeface="+mj-lt"/>
-              </a:rPr>
-              <a:t>#SBATCH --mem=1gb</a:t>
-            </a:r>
-          </a:p>
-          <a:p>
-            <a:pPr marL="0" marR="0" lvl="0" indent="0" algn="l" defTabSz="914400" rtl="0" eaLnBrk="0" fontAlgn="base" latinLnBrk="0" hangingPunct="0">
-              <a:lnSpc>
-                <a:spcPct val="100000"/>
-              </a:lnSpc>
-              <a:spcBef>
-                <a:spcPct val="0"/>
-              </a:spcBef>
-              <a:spcAft>
-                <a:spcPct val="0"/>
-              </a:spcAft>
-              <a:buClrTx/>
-              <a:buSzTx/>
-              <a:buFontTx/>
-              <a:buNone/>
-              <a:tabLst/>
-            </a:pPr>
-            <a:r>
-              <a:rPr kumimoji="0" lang="en-US" altLang="en-US" sz="1000" b="0" i="0" u="none" strike="noStrike" cap="none" normalizeH="0" baseline="0" dirty="0" smtClean="0">
-                <a:ln>
-                  <a:noFill/>
-                </a:ln>
-                <a:solidFill>
-                  <a:schemeClr val="tx1"/>
-                </a:solidFill>
-                <a:effectLst/>
-                <a:latin typeface="+mj-lt"/>
-              </a:rPr>
-              <a:t>### REQUIRED. Specify the time required for this job, </a:t>
-            </a:r>
-            <a:r>
-              <a:rPr kumimoji="0" lang="en-US" altLang="en-US" sz="1000" b="0" i="0" u="none" strike="noStrike" cap="none" normalizeH="0" baseline="0" dirty="0" err="1" smtClean="0">
-                <a:ln>
-                  <a:noFill/>
-                </a:ln>
-                <a:solidFill>
-                  <a:schemeClr val="tx1"/>
-                </a:solidFill>
-                <a:effectLst/>
-                <a:latin typeface="+mj-lt"/>
-              </a:rPr>
-              <a:t>hhh:mm:ss</a:t>
-            </a:r>
-            <a:endParaRPr kumimoji="0" lang="en-US" altLang="en-US" sz="1000" b="0" i="0" u="none" strike="noStrike" cap="none" normalizeH="0" baseline="0" dirty="0" smtClean="0">
-              <a:ln>
-                <a:noFill/>
-              </a:ln>
-              <a:solidFill>
-                <a:schemeClr val="tx1"/>
-              </a:solidFill>
-              <a:effectLst/>
-              <a:latin typeface="+mj-lt"/>
-            </a:endParaRPr>
-          </a:p>
-          <a:p>
-            <a:pPr marL="0" marR="0" lvl="0" indent="0" algn="l" defTabSz="914400" rtl="0" eaLnBrk="0" fontAlgn="base" latinLnBrk="0" hangingPunct="0">
-              <a:lnSpc>
-                <a:spcPct val="100000"/>
-              </a:lnSpc>
-              <a:spcBef>
-                <a:spcPct val="0"/>
-              </a:spcBef>
-              <a:spcAft>
-                <a:spcPct val="0"/>
-              </a:spcAft>
-              <a:buClrTx/>
-              <a:buSzTx/>
-              <a:buFontTx/>
-              <a:buNone/>
-              <a:tabLst/>
-            </a:pPr>
-            <a:r>
-              <a:rPr kumimoji="0" lang="en-US" altLang="en-US" sz="1000" b="0" i="0" u="none" strike="noStrike" cap="none" normalizeH="0" baseline="0" dirty="0" smtClean="0">
-                <a:ln>
-                  <a:noFill/>
-                </a:ln>
-                <a:solidFill>
-                  <a:schemeClr val="tx1"/>
-                </a:solidFill>
-                <a:effectLst/>
-                <a:latin typeface="+mj-lt"/>
-              </a:rPr>
-              <a:t>#SBATCH --time=00:01:00 </a:t>
-            </a:r>
-          </a:p>
-        </p:txBody>
-      </p:sp>
+      </p:pic>
     </p:spTree>
     <p:extLst>
       <p:ext uri="{BB962C8B-B14F-4D97-AF65-F5344CB8AC3E}">
-        <p14:creationId xmlns:p14="http://schemas.microsoft.com/office/powerpoint/2010/main" val="234960526"/>
+        <p14:creationId xmlns:p14="http://schemas.microsoft.com/office/powerpoint/2010/main" val="3347245325"/>
       </p:ext>
     </p:extLst>
   </p:cSld>
@@ -8415,13 +7572,8 @@
           <a:p>
             <a:r>
               <a:rPr lang="en-US" dirty="0"/>
-              <a:t>SLURM submission </a:t>
-            </a:r>
-            <a:r>
-              <a:rPr lang="en-US" dirty="0" smtClean="0"/>
-              <a:t>script continued</a:t>
-            </a:r>
-            <a:endParaRPr lang="en-US" dirty="0"/>
+              <a:t>Running ib2d</a:t>
+            </a:r>
           </a:p>
         </p:txBody>
       </p:sp>
@@ -8438,340 +7590,143 @@
         <p:spPr/>
         <p:txBody>
           <a:bodyPr>
-            <a:normAutofit/>
+            <a:normAutofit lnSpcReduction="10000"/>
           </a:bodyPr>
           <a:lstStyle/>
           <a:p>
-            <a:pPr marL="0" lvl="0" indent="0" eaLnBrk="0" fontAlgn="base" hangingPunct="0">
-              <a:lnSpc>
-                <a:spcPct val="100000"/>
-              </a:lnSpc>
-              <a:spcBef>
-                <a:spcPct val="0"/>
-              </a:spcBef>
-              <a:spcAft>
-                <a:spcPct val="0"/>
-              </a:spcAft>
-              <a:buClrTx/>
-              <a:buSzTx/>
-              <a:buNone/>
-            </a:pPr>
-            <a:r>
-              <a:rPr lang="en-US" altLang="en-US" sz="1200" dirty="0" smtClean="0">
-                <a:solidFill>
-                  <a:schemeClr val="tx1"/>
-                </a:solidFill>
-                <a:latin typeface="+mj-lt"/>
-              </a:rPr>
-              <a:t># </a:t>
-            </a:r>
-            <a:r>
-              <a:rPr lang="en-US" altLang="en-US" sz="1200" dirty="0">
-                <a:solidFill>
-                  <a:schemeClr val="tx1"/>
-                </a:solidFill>
-                <a:latin typeface="+mj-lt"/>
-              </a:rPr>
-              <a:t>--------------------------------------------------------------</a:t>
-            </a:r>
-          </a:p>
-          <a:p>
-            <a:pPr marL="0" lvl="0" indent="0" eaLnBrk="0" fontAlgn="base" hangingPunct="0">
-              <a:lnSpc>
-                <a:spcPct val="100000"/>
-              </a:lnSpc>
-              <a:spcBef>
-                <a:spcPct val="0"/>
-              </a:spcBef>
-              <a:spcAft>
-                <a:spcPct val="0"/>
-              </a:spcAft>
-              <a:buClrTx/>
-              <a:buSzTx/>
-              <a:buNone/>
-            </a:pPr>
-            <a:r>
-              <a:rPr lang="en-US" altLang="en-US" sz="1200" dirty="0">
-                <a:solidFill>
-                  <a:schemeClr val="tx1"/>
-                </a:solidFill>
-                <a:latin typeface="+mj-lt"/>
-              </a:rPr>
-              <a:t>### PART 2: Executes bash commands to run your job</a:t>
-            </a:r>
-          </a:p>
-          <a:p>
-            <a:pPr marL="0" lvl="0" indent="0" eaLnBrk="0" fontAlgn="base" hangingPunct="0">
-              <a:lnSpc>
-                <a:spcPct val="100000"/>
-              </a:lnSpc>
-              <a:spcBef>
-                <a:spcPct val="0"/>
-              </a:spcBef>
-              <a:spcAft>
-                <a:spcPct val="0"/>
-              </a:spcAft>
-              <a:buClrTx/>
-              <a:buSzTx/>
-              <a:buNone/>
-            </a:pPr>
-            <a:r>
-              <a:rPr lang="en-US" altLang="en-US" sz="1200" dirty="0">
-                <a:solidFill>
-                  <a:schemeClr val="tx1"/>
-                </a:solidFill>
-                <a:latin typeface="+mj-lt"/>
-              </a:rPr>
-              <a:t># --------------------------------------------------------------</a:t>
-            </a:r>
-          </a:p>
-          <a:p>
-            <a:pPr marL="0" lvl="0" indent="0" eaLnBrk="0" fontAlgn="base" hangingPunct="0">
-              <a:lnSpc>
-                <a:spcPct val="100000"/>
-              </a:lnSpc>
-              <a:spcBef>
-                <a:spcPct val="0"/>
-              </a:spcBef>
-              <a:spcAft>
-                <a:spcPct val="0"/>
-              </a:spcAft>
-              <a:buClrTx/>
-              <a:buSzTx/>
-              <a:buNone/>
-            </a:pPr>
-            <a:r>
-              <a:rPr lang="en-US" altLang="en-US" sz="1200" dirty="0">
-                <a:solidFill>
-                  <a:schemeClr val="tx1"/>
-                </a:solidFill>
-                <a:latin typeface="+mj-lt"/>
-              </a:rPr>
-              <a:t>### Load required modules/libraries if needed</a:t>
-            </a:r>
-          </a:p>
-          <a:p>
-            <a:pPr marL="0" lvl="0" indent="0" eaLnBrk="0" fontAlgn="base" hangingPunct="0">
-              <a:lnSpc>
-                <a:spcPct val="100000"/>
-              </a:lnSpc>
-              <a:spcBef>
-                <a:spcPct val="0"/>
-              </a:spcBef>
-              <a:spcAft>
-                <a:spcPct val="0"/>
-              </a:spcAft>
-              <a:buClrTx/>
-              <a:buSzTx/>
-              <a:buNone/>
-            </a:pPr>
-            <a:r>
-              <a:rPr lang="en-US" altLang="en-US" sz="1200" dirty="0">
-                <a:solidFill>
-                  <a:schemeClr val="tx1"/>
-                </a:solidFill>
-                <a:latin typeface="+mj-lt"/>
-              </a:rPr>
-              <a:t>module load gnu/5.4.0</a:t>
-            </a:r>
-          </a:p>
-          <a:p>
-            <a:pPr marL="0" lvl="0" indent="0" eaLnBrk="0" fontAlgn="base" hangingPunct="0">
-              <a:lnSpc>
-                <a:spcPct val="100000"/>
-              </a:lnSpc>
-              <a:spcBef>
-                <a:spcPct val="0"/>
-              </a:spcBef>
-              <a:spcAft>
-                <a:spcPct val="0"/>
-              </a:spcAft>
-              <a:buClrTx/>
-              <a:buSzTx/>
-              <a:buNone/>
-            </a:pPr>
-            <a:r>
-              <a:rPr lang="en-US" altLang="en-US" sz="1200" dirty="0">
-                <a:solidFill>
-                  <a:schemeClr val="tx1"/>
-                </a:solidFill>
-                <a:latin typeface="+mj-lt"/>
-              </a:rPr>
-              <a:t>### change to your script’s directory </a:t>
-            </a:r>
-          </a:p>
-          <a:p>
-            <a:pPr marL="0" lvl="0" indent="0" eaLnBrk="0" fontAlgn="base" hangingPunct="0">
-              <a:lnSpc>
-                <a:spcPct val="100000"/>
-              </a:lnSpc>
-              <a:spcBef>
-                <a:spcPct val="0"/>
-              </a:spcBef>
-              <a:spcAft>
-                <a:spcPct val="0"/>
-              </a:spcAft>
-              <a:buClrTx/>
-              <a:buSzTx/>
-              <a:buNone/>
-            </a:pPr>
-            <a:r>
-              <a:rPr lang="en-US" altLang="en-US" sz="1200" dirty="0">
-                <a:solidFill>
-                  <a:schemeClr val="tx1"/>
-                </a:solidFill>
-                <a:latin typeface="+mj-lt"/>
-              </a:rPr>
-              <a:t>cd ~/</a:t>
-            </a:r>
-            <a:r>
-              <a:rPr lang="en-US" altLang="en-US" sz="1200" dirty="0" err="1">
-                <a:solidFill>
-                  <a:schemeClr val="tx1"/>
-                </a:solidFill>
-                <a:latin typeface="+mj-lt"/>
-              </a:rPr>
-              <a:t>hello_world</a:t>
-            </a:r>
-            <a:endParaRPr lang="en-US" altLang="en-US" sz="1200" dirty="0">
-              <a:solidFill>
-                <a:schemeClr val="tx1"/>
-              </a:solidFill>
-              <a:latin typeface="+mj-lt"/>
-            </a:endParaRPr>
-          </a:p>
-          <a:p>
-            <a:pPr marL="0" lvl="0" indent="0" eaLnBrk="0" fontAlgn="base" hangingPunct="0">
-              <a:lnSpc>
-                <a:spcPct val="100000"/>
-              </a:lnSpc>
-              <a:spcBef>
-                <a:spcPct val="0"/>
-              </a:spcBef>
-              <a:spcAft>
-                <a:spcPct val="0"/>
-              </a:spcAft>
-              <a:buClrTx/>
-              <a:buSzTx/>
-              <a:buNone/>
-            </a:pPr>
-            <a:r>
-              <a:rPr lang="en-US" altLang="en-US" sz="1200" dirty="0">
-                <a:solidFill>
-                  <a:schemeClr val="tx1"/>
-                </a:solidFill>
-                <a:latin typeface="+mj-lt"/>
-              </a:rPr>
-              <a:t>### Run your work</a:t>
-            </a:r>
-          </a:p>
-          <a:p>
-            <a:pPr marL="0" lvl="0" indent="0" eaLnBrk="0" fontAlgn="base" hangingPunct="0">
-              <a:lnSpc>
-                <a:spcPct val="100000"/>
-              </a:lnSpc>
-              <a:spcBef>
-                <a:spcPct val="0"/>
-              </a:spcBef>
-              <a:spcAft>
-                <a:spcPct val="0"/>
-              </a:spcAft>
-              <a:buClrTx/>
-              <a:buSzTx/>
-              <a:buNone/>
-            </a:pPr>
-            <a:r>
-              <a:rPr lang="en-US" altLang="en-US" sz="1200" dirty="0">
-                <a:solidFill>
-                  <a:schemeClr val="tx1"/>
-                </a:solidFill>
-                <a:latin typeface="+mj-lt"/>
-              </a:rPr>
-              <a:t>./</a:t>
-            </a:r>
-            <a:r>
-              <a:rPr lang="en-US" altLang="en-US" sz="1200" dirty="0" err="1">
-                <a:solidFill>
-                  <a:schemeClr val="tx1"/>
-                </a:solidFill>
-                <a:latin typeface="+mj-lt"/>
-              </a:rPr>
-              <a:t>hello_world</a:t>
-            </a:r>
-            <a:endParaRPr lang="en-US" altLang="en-US" sz="1200" dirty="0">
-              <a:solidFill>
-                <a:schemeClr val="tx1"/>
-              </a:solidFill>
-              <a:latin typeface="+mj-lt"/>
-            </a:endParaRPr>
-          </a:p>
-          <a:p>
-            <a:pPr marL="0" lvl="0" indent="0" eaLnBrk="0" fontAlgn="base" hangingPunct="0">
-              <a:lnSpc>
-                <a:spcPct val="100000"/>
-              </a:lnSpc>
-              <a:spcBef>
-                <a:spcPct val="0"/>
-              </a:spcBef>
-              <a:spcAft>
-                <a:spcPct val="0"/>
-              </a:spcAft>
-              <a:buClrTx/>
-              <a:buSzTx/>
-              <a:buNone/>
-            </a:pPr>
-            <a:r>
-              <a:rPr lang="en-US" altLang="en-US" sz="1200" dirty="0">
-                <a:solidFill>
-                  <a:schemeClr val="tx1"/>
-                </a:solidFill>
-                <a:latin typeface="+mj-lt"/>
-              </a:rPr>
-              <a:t>sleep 10</a:t>
-            </a:r>
-          </a:p>
-          <a:p>
-            <a:pPr marL="114300" indent="0">
-              <a:buNone/>
-            </a:pPr>
-            <a:endParaRPr lang="en-US" sz="1200" dirty="0">
-              <a:latin typeface="+mj-lt"/>
-            </a:endParaRPr>
-          </a:p>
-        </p:txBody>
-      </p:sp>
-      <p:sp>
-        <p:nvSpPr>
-          <p:cNvPr id="4" name="Rectangle 3"/>
-          <p:cNvSpPr/>
-          <p:nvPr/>
-        </p:nvSpPr>
-        <p:spPr>
-          <a:xfrm>
-            <a:off x="407581" y="4099640"/>
-            <a:ext cx="7432158" cy="523220"/>
-          </a:xfrm>
-          <a:prstGeom prst="rect">
-            <a:avLst/>
-          </a:prstGeom>
-        </p:spPr>
-        <p:txBody>
-          <a:bodyPr wrap="square">
-            <a:spAutoFit/>
-          </a:bodyPr>
-          <a:lstStyle/>
-          <a:p>
-            <a:r>
-              <a:rPr lang="en-US" dirty="0"/>
-              <a:t>https://public.confluence.arizona.edu/display/UAHPC/Puma+Quick+Start#PumaQuickStart-WritingaSLURMSubmissionScript</a:t>
-            </a:r>
+            <a:pPr fontAlgn="base"/>
+            <a:r>
+              <a:rPr lang="en-US" dirty="0"/>
+              <a:t>There is a tutorial on how to run MATLAB through the command line</a:t>
+            </a:r>
+          </a:p>
+          <a:p>
+            <a:pPr lvl="1" fontAlgn="base"/>
+            <a:r>
+              <a:rPr lang="en-US" u="sng" dirty="0">
+                <a:hlinkClick r:id="rId2"/>
+              </a:rPr>
+              <a:t>https://public.confluence.arizona.edu/display/UAHPC/Using+Matlab</a:t>
+            </a:r>
+            <a:r>
+              <a:rPr lang="en-US" dirty="0"/>
+              <a:t> </a:t>
+            </a:r>
+          </a:p>
+          <a:p>
+            <a:pPr fontAlgn="base"/>
+            <a:r>
+              <a:rPr lang="en-US" dirty="0"/>
+              <a:t>We will submit the job using a script. A sample script is in this folder. </a:t>
+            </a:r>
+          </a:p>
+          <a:p>
+            <a:pPr lvl="1"/>
+            <a:r>
+              <a:rPr lang="en-US" u="sng" dirty="0">
+                <a:hlinkClick r:id="rId3"/>
+              </a:rPr>
+              <a:t>https://drive.google.com/file/d/17ocdeTnpdIf_vHHj2BlHLU4pF6Q_I5p_/view?usp=sharing</a:t>
+            </a:r>
+            <a:r>
+              <a:rPr lang="en-US" dirty="0"/>
+              <a:t> </a:t>
+            </a:r>
+          </a:p>
+          <a:p>
+            <a:pPr fontAlgn="base"/>
+            <a:r>
+              <a:rPr lang="en-US" dirty="0"/>
+              <a:t>Open a terminal on your computer </a:t>
+            </a:r>
+          </a:p>
+          <a:p>
+            <a:pPr lvl="1" fontAlgn="base"/>
+            <a:r>
+              <a:rPr lang="en-US" dirty="0"/>
+              <a:t>Type </a:t>
+            </a:r>
+            <a:r>
+              <a:rPr lang="en-US" dirty="0" err="1"/>
+              <a:t>ssh</a:t>
+            </a:r>
+            <a:r>
+              <a:rPr lang="en-US" dirty="0"/>
+              <a:t> netid@hpc.arizona.edu</a:t>
+            </a:r>
+          </a:p>
+          <a:p>
+            <a:pPr lvl="1" fontAlgn="base"/>
+            <a:r>
+              <a:rPr lang="en-US" dirty="0"/>
+              <a:t>Type puma/ocelot to work on this cluster.</a:t>
+            </a:r>
+          </a:p>
+          <a:p>
+            <a:pPr lvl="1" fontAlgn="base"/>
+            <a:r>
+              <a:rPr lang="en-US" dirty="0"/>
+              <a:t>cd into the directory where the example is that you want to run</a:t>
+            </a:r>
+          </a:p>
+          <a:p>
+            <a:pPr lvl="1" fontAlgn="base"/>
+            <a:r>
+              <a:rPr lang="en-US" dirty="0"/>
+              <a:t>Be sure myscript.sh is in this folder</a:t>
+            </a:r>
+          </a:p>
+          <a:p>
+            <a:pPr lvl="1" fontAlgn="base"/>
+            <a:r>
+              <a:rPr lang="en-US" dirty="0"/>
+              <a:t>Type </a:t>
+            </a:r>
+            <a:r>
+              <a:rPr lang="en-US" dirty="0" err="1"/>
+              <a:t>sbatch</a:t>
+            </a:r>
+            <a:r>
+              <a:rPr lang="en-US" dirty="0"/>
+              <a:t> myscript.sh</a:t>
+            </a:r>
+          </a:p>
+          <a:p>
+            <a:pPr fontAlgn="base"/>
+            <a:r>
+              <a:rPr lang="en-US" dirty="0"/>
+              <a:t>To check the job, type </a:t>
+            </a:r>
+            <a:r>
+              <a:rPr lang="en-US" dirty="0" err="1"/>
+              <a:t>squeue</a:t>
+            </a:r>
+            <a:r>
+              <a:rPr lang="en-US" dirty="0"/>
+              <a:t> -</a:t>
+            </a:r>
+            <a:r>
+              <a:rPr lang="en-US" dirty="0" err="1"/>
+              <a:t>unetid</a:t>
+            </a:r>
+            <a:endParaRPr lang="en-US" dirty="0"/>
+          </a:p>
+          <a:p>
+            <a:pPr lvl="1" fontAlgn="base"/>
+            <a:r>
+              <a:rPr lang="en-US" dirty="0"/>
+              <a:t>This will show the job as pending or running. If nothing comes up, then you have no code that is running.</a:t>
+            </a:r>
+          </a:p>
+          <a:p>
+            <a:endParaRPr lang="en-US" dirty="0"/>
           </a:p>
         </p:txBody>
       </p:sp>
     </p:spTree>
     <p:extLst>
       <p:ext uri="{BB962C8B-B14F-4D97-AF65-F5344CB8AC3E}">
-        <p14:creationId xmlns:p14="http://schemas.microsoft.com/office/powerpoint/2010/main" val="61784439"/>
+        <p14:creationId xmlns:p14="http://schemas.microsoft.com/office/powerpoint/2010/main" val="1399510160"/>
       </p:ext>
     </p:extLst>
   </p:cSld>
@@ -8808,7 +7763,12 @@
             <p:ph type="title"/>
           </p:nvPr>
         </p:nvSpPr>
-        <p:spPr/>
+        <p:spPr>
+          <a:xfrm>
+            <a:off x="311700" y="179706"/>
+            <a:ext cx="8520600" cy="572700"/>
+          </a:xfrm>
+        </p:spPr>
         <p:txBody>
           <a:bodyPr>
             <a:normAutofit fontScale="90000"/>
@@ -8817,13 +7777,8 @@
           <a:p>
             <a:r>
               <a:rPr lang="en-US" dirty="0"/>
-              <a:t>m</a:t>
-            </a:r>
-            <a:r>
-              <a:rPr lang="en-US" dirty="0" smtClean="0"/>
-              <a:t>yscript.sh</a:t>
-            </a:r>
-            <a:endParaRPr lang="en-US" dirty="0"/>
+              <a:t>SLURM submission script</a:t>
+            </a:r>
           </a:p>
         </p:txBody>
       </p:sp>
@@ -8839,8 +7794,8 @@
         </p:nvSpPr>
         <p:spPr bwMode="auto">
           <a:xfrm>
-            <a:off x="491809" y="1228486"/>
-            <a:ext cx="3451586" cy="2031325"/>
+            <a:off x="311700" y="813961"/>
+            <a:ext cx="5571649" cy="4093428"/>
           </a:xfrm>
           <a:prstGeom prst="rect">
             <a:avLst/>
@@ -8880,7 +7835,7 @@
           </a:extLst>
         </p:spPr>
         <p:txBody>
-          <a:bodyPr vert="horz" wrap="none" lIns="91440" tIns="45720" rIns="91440" bIns="45720" numCol="1" anchor="ctr" anchorCtr="0" compatLnSpc="1">
+          <a:bodyPr vert="horz" wrap="square" lIns="91440" tIns="45720" rIns="91440" bIns="45720" numCol="1" anchor="ctr" anchorCtr="0" compatLnSpc="1">
             <a:prstTxWarp prst="textNoShape">
               <a:avLst/>
             </a:prstTxWarp>
@@ -8905,7 +7860,7 @@
               <a:tabLst/>
             </a:pPr>
             <a:r>
-              <a:rPr kumimoji="0" lang="en-US" altLang="en-US" sz="1400" b="0" i="0" u="none" strike="noStrike" cap="none" normalizeH="0" baseline="0" dirty="0" smtClean="0">
+              <a:rPr kumimoji="0" lang="en-US" altLang="en-US" sz="1000" b="0" i="0" u="none" strike="noStrike" cap="none" normalizeH="0" baseline="0" dirty="0">
                 <a:ln>
                   <a:noFill/>
                 </a:ln>
@@ -8915,7 +7870,7 @@
                 <a:effectLst/>
                 <a:latin typeface="+mj-lt"/>
               </a:rPr>
-              <a:t>#!/bin/bash </a:t>
+              <a:t>#!/bin/bash</a:t>
             </a:r>
           </a:p>
           <a:p>
@@ -8936,7 +7891,7 @@
               <a:tabLst/>
             </a:pPr>
             <a:r>
-              <a:rPr kumimoji="0" lang="en-US" altLang="en-US" sz="1400" b="0" i="0" u="none" strike="noStrike" cap="none" normalizeH="0" baseline="0" dirty="0" smtClean="0">
+              <a:rPr kumimoji="0" lang="en-US" altLang="en-US" sz="1000" b="0" i="0" u="none" strike="noStrike" cap="none" normalizeH="0" baseline="0" dirty="0">
                 <a:ln>
                   <a:noFill/>
                 </a:ln>
@@ -8946,33 +7901,7 @@
                 <a:effectLst/>
                 <a:latin typeface="+mj-lt"/>
               </a:rPr>
-              <a:t>#SBATCH --job-name=</a:t>
-            </a:r>
-            <a:r>
-              <a:rPr kumimoji="0" lang="en-US" altLang="en-US" sz="1400" b="0" i="0" u="none" strike="noStrike" cap="none" normalizeH="0" baseline="0" dirty="0" err="1" smtClean="0">
-                <a:ln>
-                  <a:noFill/>
-                </a:ln>
-                <a:solidFill>
-                  <a:schemeClr val="tx1"/>
-                </a:solidFill>
-                <a:effectLst/>
-                <a:latin typeface="+mj-lt"/>
-              </a:rPr>
-              <a:t>Lauras_job</a:t>
-            </a:r>
-            <a:r>
-              <a:rPr kumimoji="0" lang="en-US" altLang="en-US" sz="1400" b="0" i="0" u="none" strike="noStrike" cap="none" normalizeH="0" baseline="0" dirty="0" smtClean="0">
-                <a:ln>
-                  <a:noFill/>
-                </a:ln>
-                <a:solidFill>
-                  <a:schemeClr val="tx1"/>
-                </a:solidFill>
-                <a:effectLst/>
-                <a:latin typeface="+mj-lt"/>
-              </a:rPr>
-              <a:t> </a:t>
+              <a:t> </a:t>
             </a:r>
           </a:p>
           <a:p>
@@ -8993,7 +7922,7 @@
               <a:tabLst/>
             </a:pPr>
             <a:r>
-              <a:rPr kumimoji="0" lang="en-US" altLang="en-US" sz="1400" b="0" i="0" u="none" strike="noStrike" cap="none" normalizeH="0" baseline="0" dirty="0" smtClean="0">
+              <a:rPr kumimoji="0" lang="en-US" altLang="en-US" sz="1000" b="0" i="0" u="none" strike="noStrike" cap="none" normalizeH="0" baseline="0" dirty="0">
                 <a:ln>
                   <a:noFill/>
                 </a:ln>
@@ -9003,33 +7932,7 @@
                 <a:effectLst/>
                 <a:latin typeface="+mj-lt"/>
               </a:rPr>
-              <a:t>#SBATCH --</a:t>
-            </a:r>
-            <a:r>
-              <a:rPr kumimoji="0" lang="en-US" altLang="en-US" sz="1400" b="0" i="0" u="none" strike="noStrike" cap="none" normalizeH="0" baseline="0" dirty="0" err="1" smtClean="0">
-                <a:ln>
-                  <a:noFill/>
-                </a:ln>
-                <a:solidFill>
-                  <a:schemeClr val="tx1"/>
-                </a:solidFill>
-                <a:effectLst/>
-                <a:latin typeface="+mj-lt"/>
-              </a:rPr>
-              <a:t>ntasks</a:t>
-            </a:r>
-            <a:r>
-              <a:rPr kumimoji="0" lang="en-US" altLang="en-US" sz="1400" b="0" i="0" u="none" strike="noStrike" cap="none" normalizeH="0" baseline="0" dirty="0" smtClean="0">
-                <a:ln>
-                  <a:noFill/>
-                </a:ln>
-                <a:solidFill>
-                  <a:schemeClr val="tx1"/>
-                </a:solidFill>
-                <a:effectLst/>
-                <a:latin typeface="+mj-lt"/>
-              </a:rPr>
-              <a:t>=1 </a:t>
+              <a:t># --------------------------------------------------------------</a:t>
             </a:r>
           </a:p>
           <a:p>
@@ -9050,7 +7953,7 @@
               <a:tabLst/>
             </a:pPr>
             <a:r>
-              <a:rPr kumimoji="0" lang="en-US" altLang="en-US" sz="1400" b="0" i="0" u="none" strike="noStrike" cap="none" normalizeH="0" baseline="0" dirty="0" smtClean="0">
+              <a:rPr kumimoji="0" lang="en-US" altLang="en-US" sz="1000" b="0" i="0" u="none" strike="noStrike" cap="none" normalizeH="0" baseline="0" dirty="0">
                 <a:ln>
                   <a:noFill/>
                 </a:ln>
@@ -9060,7 +7963,7 @@
                 <a:effectLst/>
                 <a:latin typeface="+mj-lt"/>
               </a:rPr>
-              <a:t>#SBATCH --mem=16gb </a:t>
+              <a:t>### PART 1: Requests resources to run your job.</a:t>
             </a:r>
           </a:p>
           <a:p>
@@ -9081,7 +7984,7 @@
               <a:tabLst/>
             </a:pPr>
             <a:r>
-              <a:rPr kumimoji="0" lang="en-US" altLang="en-US" sz="1400" b="0" i="0" u="none" strike="noStrike" cap="none" normalizeH="0" baseline="0" dirty="0" smtClean="0">
+              <a:rPr kumimoji="0" lang="en-US" altLang="en-US" sz="1000" b="0" i="0" u="none" strike="noStrike" cap="none" normalizeH="0" baseline="0" dirty="0">
                 <a:ln>
                   <a:noFill/>
                 </a:ln>
@@ -9091,7 +7994,7 @@
                 <a:effectLst/>
                 <a:latin typeface="+mj-lt"/>
               </a:rPr>
-              <a:t>#SBATCH --time=04:00:00</a:t>
+              <a:t># --------------------------------------------------------------</a:t>
             </a:r>
           </a:p>
           <a:p>
@@ -9112,7 +8015,7 @@
               <a:tabLst/>
             </a:pPr>
             <a:r>
-              <a:rPr kumimoji="0" lang="en-US" altLang="en-US" sz="1400" b="0" i="0" u="none" strike="noStrike" cap="none" normalizeH="0" baseline="0" dirty="0" smtClean="0">
+              <a:rPr kumimoji="0" lang="en-US" altLang="en-US" sz="1000" b="0" i="0" u="none" strike="noStrike" cap="none" normalizeH="0" baseline="0" dirty="0">
                 <a:ln>
                   <a:noFill/>
                 </a:ln>
@@ -9122,7 +8025,7 @@
                 <a:effectLst/>
                 <a:latin typeface="+mj-lt"/>
               </a:rPr>
-              <a:t> #SBATCH --partition=windfall </a:t>
+              <a:t>### Optional. Set the job name</a:t>
             </a:r>
           </a:p>
           <a:p>
@@ -9142,10 +8045,40 @@
               <a:buNone/>
               <a:tabLst/>
             </a:pPr>
-            <a:endParaRPr lang="en-US" altLang="en-US" sz="1400" dirty="0">
+            <a:r>
+              <a:rPr kumimoji="0" lang="en-US" altLang="en-US" sz="1000" b="0" i="0" u="none" strike="noStrike" cap="none" normalizeH="0" baseline="0" dirty="0">
+                <a:ln>
+                  <a:noFill/>
+                </a:ln>
+                <a:solidFill>
+                  <a:schemeClr val="tx1"/>
+                </a:solidFill>
+                <a:effectLst/>
+                <a:latin typeface="+mj-lt"/>
+              </a:rPr>
+              <a:t>#SBATCH --job-name=</a:t>
+            </a:r>
+            <a:r>
+              <a:rPr kumimoji="0" lang="en-US" altLang="en-US" sz="1000" b="0" i="0" u="none" strike="noStrike" cap="none" normalizeH="0" baseline="0" dirty="0" err="1">
+                <a:ln>
+                  <a:noFill/>
+                </a:ln>
+                <a:solidFill>
+                  <a:schemeClr val="tx1"/>
+                </a:solidFill>
+                <a:effectLst/>
+                <a:latin typeface="+mj-lt"/>
+              </a:rPr>
+              <a:t>hello_world</a:t>
+            </a:r>
+            <a:endParaRPr kumimoji="0" lang="en-US" altLang="en-US" sz="1000" b="0" i="0" u="none" strike="noStrike" cap="none" normalizeH="0" baseline="0" dirty="0">
+              <a:ln>
+                <a:noFill/>
+              </a:ln>
               <a:solidFill>
                 <a:schemeClr val="tx1"/>
               </a:solidFill>
+              <a:effectLst/>
               <a:latin typeface="+mj-lt"/>
             </a:endParaRPr>
           </a:p>
@@ -9167,7 +8100,7 @@
               <a:tabLst/>
             </a:pPr>
             <a:r>
-              <a:rPr kumimoji="0" lang="en-US" altLang="en-US" sz="1400" b="0" i="0" u="none" strike="noStrike" cap="none" normalizeH="0" baseline="0" dirty="0" smtClean="0">
+              <a:rPr kumimoji="0" lang="en-US" altLang="en-US" sz="1000" b="0" i="0" u="none" strike="noStrike" cap="none" normalizeH="0" baseline="0" dirty="0">
                 <a:ln>
                   <a:noFill/>
                 </a:ln>
@@ -9177,33 +8110,7 @@
                 <a:effectLst/>
                 <a:latin typeface="+mj-lt"/>
               </a:rPr>
-              <a:t>module load </a:t>
-            </a:r>
-            <a:r>
-              <a:rPr kumimoji="0" lang="en-US" altLang="en-US" sz="1400" b="0" i="0" u="none" strike="noStrike" cap="none" normalizeH="0" baseline="0" dirty="0" err="1" smtClean="0">
-                <a:ln>
-                  <a:noFill/>
-                </a:ln>
-                <a:solidFill>
-                  <a:schemeClr val="tx1"/>
-                </a:solidFill>
-                <a:effectLst/>
-                <a:latin typeface="+mj-lt"/>
-              </a:rPr>
-              <a:t>matlab</a:t>
-            </a:r>
-            <a:r>
-              <a:rPr kumimoji="0" lang="en-US" altLang="en-US" sz="1400" b="0" i="0" u="none" strike="noStrike" cap="none" normalizeH="0" baseline="0" dirty="0" smtClean="0">
-                <a:ln>
-                  <a:noFill/>
-                </a:ln>
-                <a:solidFill>
-                  <a:schemeClr val="tx1"/>
-                </a:solidFill>
-                <a:effectLst/>
-                <a:latin typeface="+mj-lt"/>
-              </a:rPr>
-              <a:t> </a:t>
+              <a:t>### Optional. Set the output filename. </a:t>
             </a:r>
           </a:p>
           <a:p>
@@ -9224,7 +8131,7 @@
               <a:tabLst/>
             </a:pPr>
             <a:r>
-              <a:rPr kumimoji="0" lang="en-US" altLang="en-US" sz="1400" b="0" i="0" u="none" strike="noStrike" cap="none" normalizeH="0" baseline="0" dirty="0" err="1" smtClean="0">
+              <a:rPr kumimoji="0" lang="en-US" altLang="en-US" sz="1000" b="0" i="0" u="none" strike="noStrike" cap="none" normalizeH="0" baseline="0" dirty="0">
                 <a:ln>
                   <a:noFill/>
                 </a:ln>
@@ -9234,10 +8141,28 @@
                 <a:effectLst/>
                 <a:latin typeface="+mj-lt"/>
               </a:rPr>
-              <a:t>matlab</a:t>
-            </a:r>
-            <a:r>
-              <a:rPr kumimoji="0" lang="en-US" altLang="en-US" sz="1400" b="0" i="0" u="none" strike="noStrike" cap="none" normalizeH="0" baseline="0" dirty="0" smtClean="0">
+              <a:t>### SLURM reads %x as the job name and %j as the job ID</a:t>
+            </a:r>
+          </a:p>
+          <a:p>
+            <a:pPr marL="0" marR="0" lvl="0" indent="0" algn="l" defTabSz="914400" rtl="0" eaLnBrk="0" fontAlgn="base" latinLnBrk="0" hangingPunct="0">
+              <a:lnSpc>
+                <a:spcPct val="100000"/>
+              </a:lnSpc>
+              <a:spcBef>
+                <a:spcPct val="0"/>
+              </a:spcBef>
+              <a:spcAft>
+                <a:spcPct val="0"/>
+              </a:spcAft>
+              <a:buClrTx/>
+              <a:buSzTx/>
+              <a:buFontTx/>
+              <a:buNone/>
+              <a:tabLst/>
+            </a:pPr>
+            <a:r>
+              <a:rPr kumimoji="0" lang="en-US" altLang="en-US" sz="1000" b="0" i="0" u="none" strike="noStrike" cap="none" normalizeH="0" baseline="0" dirty="0">
                 <a:ln>
                   <a:noFill/>
                 </a:ln>
@@ -9247,10 +8172,10 @@
                 <a:effectLst/>
                 <a:latin typeface="+mj-lt"/>
               </a:rPr>
-              <a:t> -</a:t>
-            </a:r>
-            <a:r>
-              <a:rPr kumimoji="0" lang="en-US" altLang="en-US" sz="1400" b="0" i="0" u="none" strike="noStrike" cap="none" normalizeH="0" baseline="0" dirty="0" err="1" smtClean="0">
+              <a:t>#SBATCH --output=%x-%</a:t>
+            </a:r>
+            <a:r>
+              <a:rPr kumimoji="0" lang="en-US" altLang="en-US" sz="1000" b="0" i="0" u="none" strike="noStrike" cap="none" normalizeH="0" baseline="0" dirty="0" err="1">
                 <a:ln>
                   <a:noFill/>
                 </a:ln>
@@ -9260,10 +8185,38 @@
                 <a:effectLst/>
                 <a:latin typeface="+mj-lt"/>
               </a:rPr>
-              <a:t>nodisplay</a:t>
-            </a:r>
-            <a:r>
-              <a:rPr kumimoji="0" lang="en-US" altLang="en-US" sz="1400" b="0" i="0" u="none" strike="noStrike" cap="none" normalizeH="0" baseline="0" dirty="0" smtClean="0">
+              <a:t>j.out</a:t>
+            </a:r>
+            <a:endParaRPr kumimoji="0" lang="en-US" altLang="en-US" sz="1000" b="0" i="0" u="none" strike="noStrike" cap="none" normalizeH="0" baseline="0" dirty="0">
+              <a:ln>
+                <a:noFill/>
+              </a:ln>
+              <a:solidFill>
+                <a:schemeClr val="tx1"/>
+              </a:solidFill>
+              <a:effectLst/>
+              <a:latin typeface="+mj-lt"/>
+            </a:endParaRPr>
+          </a:p>
+          <a:p>
+            <a:pPr marL="0" marR="0" lvl="0" indent="0" algn="l" defTabSz="914400" rtl="0" eaLnBrk="0" fontAlgn="base" latinLnBrk="0" hangingPunct="0">
+              <a:lnSpc>
+                <a:spcPct val="100000"/>
+              </a:lnSpc>
+              <a:spcBef>
+                <a:spcPct val="0"/>
+              </a:spcBef>
+              <a:spcAft>
+                <a:spcPct val="0"/>
+              </a:spcAft>
+              <a:buClrTx/>
+              <a:buSzTx/>
+              <a:buFontTx/>
+              <a:buNone/>
+              <a:tabLst/>
+            </a:pPr>
+            <a:r>
+              <a:rPr kumimoji="0" lang="en-US" altLang="en-US" sz="1000" b="0" i="0" u="none" strike="noStrike" cap="none" normalizeH="0" baseline="0" dirty="0">
                 <a:ln>
                   <a:noFill/>
                 </a:ln>
@@ -9273,10 +8226,28 @@
                 <a:effectLst/>
                 <a:latin typeface="+mj-lt"/>
               </a:rPr>
-              <a:t> -</a:t>
-            </a:r>
-            <a:r>
-              <a:rPr kumimoji="0" lang="en-US" altLang="en-US" sz="1400" b="0" i="0" u="none" strike="noStrike" cap="none" normalizeH="0" baseline="0" dirty="0" err="1" smtClean="0">
+              <a:t>### REQUIRED. Specify the PI group for this job</a:t>
+            </a:r>
+          </a:p>
+          <a:p>
+            <a:pPr marL="0" marR="0" lvl="0" indent="0" algn="l" defTabSz="914400" rtl="0" eaLnBrk="0" fontAlgn="base" latinLnBrk="0" hangingPunct="0">
+              <a:lnSpc>
+                <a:spcPct val="100000"/>
+              </a:lnSpc>
+              <a:spcBef>
+                <a:spcPct val="0"/>
+              </a:spcBef>
+              <a:spcAft>
+                <a:spcPct val="0"/>
+              </a:spcAft>
+              <a:buClrTx/>
+              <a:buSzTx/>
+              <a:buFontTx/>
+              <a:buNone/>
+              <a:tabLst/>
+            </a:pPr>
+            <a:r>
+              <a:rPr kumimoji="0" lang="en-US" altLang="en-US" sz="1000" b="0" i="0" u="none" strike="noStrike" cap="none" normalizeH="0" baseline="0" dirty="0">
                 <a:ln>
                   <a:noFill/>
                 </a:ln>
@@ -9286,10 +8257,28 @@
                 <a:effectLst/>
                 <a:latin typeface="+mj-lt"/>
               </a:rPr>
-              <a:t>nosplash</a:t>
-            </a:r>
-            <a:r>
-              <a:rPr kumimoji="0" lang="en-US" altLang="en-US" sz="1400" b="0" i="0" u="none" strike="noStrike" cap="none" normalizeH="0" baseline="0" dirty="0" smtClean="0">
+              <a:t>#SBATCH --account=&lt;PI GROUP&gt;</a:t>
+            </a:r>
+          </a:p>
+          <a:p>
+            <a:pPr marL="0" marR="0" lvl="0" indent="0" algn="l" defTabSz="914400" rtl="0" eaLnBrk="0" fontAlgn="base" latinLnBrk="0" hangingPunct="0">
+              <a:lnSpc>
+                <a:spcPct val="100000"/>
+              </a:lnSpc>
+              <a:spcBef>
+                <a:spcPct val="0"/>
+              </a:spcBef>
+              <a:spcAft>
+                <a:spcPct val="0"/>
+              </a:spcAft>
+              <a:buClrTx/>
+              <a:buSzTx/>
+              <a:buFontTx/>
+              <a:buNone/>
+              <a:tabLst/>
+            </a:pPr>
+            <a:r>
+              <a:rPr kumimoji="0" lang="en-US" altLang="en-US" sz="1000" b="0" i="0" u="none" strike="noStrike" cap="none" normalizeH="0" baseline="0" dirty="0">
                 <a:ln>
                   <a:noFill/>
                 </a:ln>
@@ -9299,7 +8288,459 @@
                 <a:effectLst/>
                 <a:latin typeface="+mj-lt"/>
               </a:rPr>
-              <a:t> &lt; main2d.m </a:t>
+              <a:t>### Optional. Request email when job begins and ends</a:t>
+            </a:r>
+          </a:p>
+          <a:p>
+            <a:pPr marL="0" marR="0" lvl="0" indent="0" algn="l" defTabSz="914400" rtl="0" eaLnBrk="0" fontAlgn="base" latinLnBrk="0" hangingPunct="0">
+              <a:lnSpc>
+                <a:spcPct val="100000"/>
+              </a:lnSpc>
+              <a:spcBef>
+                <a:spcPct val="0"/>
+              </a:spcBef>
+              <a:spcAft>
+                <a:spcPct val="0"/>
+              </a:spcAft>
+              <a:buClrTx/>
+              <a:buSzTx/>
+              <a:buFontTx/>
+              <a:buNone/>
+              <a:tabLst/>
+            </a:pPr>
+            <a:r>
+              <a:rPr kumimoji="0" lang="en-US" altLang="en-US" sz="1000" b="0" i="0" u="none" strike="noStrike" cap="none" normalizeH="0" baseline="0" dirty="0">
+                <a:ln>
+                  <a:noFill/>
+                </a:ln>
+                <a:solidFill>
+                  <a:schemeClr val="tx1"/>
+                </a:solidFill>
+                <a:effectLst/>
+                <a:latin typeface="+mj-lt"/>
+              </a:rPr>
+              <a:t>### SBATCH --mail-type=ALL</a:t>
+            </a:r>
+          </a:p>
+          <a:p>
+            <a:pPr marL="0" marR="0" lvl="0" indent="0" algn="l" defTabSz="914400" rtl="0" eaLnBrk="0" fontAlgn="base" latinLnBrk="0" hangingPunct="0">
+              <a:lnSpc>
+                <a:spcPct val="100000"/>
+              </a:lnSpc>
+              <a:spcBef>
+                <a:spcPct val="0"/>
+              </a:spcBef>
+              <a:spcAft>
+                <a:spcPct val="0"/>
+              </a:spcAft>
+              <a:buClrTx/>
+              <a:buSzTx/>
+              <a:buFontTx/>
+              <a:buNone/>
+              <a:tabLst/>
+            </a:pPr>
+            <a:r>
+              <a:rPr kumimoji="0" lang="en-US" altLang="en-US" sz="1000" b="0" i="0" u="none" strike="noStrike" cap="none" normalizeH="0" baseline="0" dirty="0">
+                <a:ln>
+                  <a:noFill/>
+                </a:ln>
+                <a:solidFill>
+                  <a:schemeClr val="tx1"/>
+                </a:solidFill>
+                <a:effectLst/>
+                <a:latin typeface="+mj-lt"/>
+              </a:rPr>
+              <a:t>### Optional. Specify email address to use for notification</a:t>
+            </a:r>
+          </a:p>
+          <a:p>
+            <a:pPr marL="0" marR="0" lvl="0" indent="0" algn="l" defTabSz="914400" rtl="0" eaLnBrk="0" fontAlgn="base" latinLnBrk="0" hangingPunct="0">
+              <a:lnSpc>
+                <a:spcPct val="100000"/>
+              </a:lnSpc>
+              <a:spcBef>
+                <a:spcPct val="0"/>
+              </a:spcBef>
+              <a:spcAft>
+                <a:spcPct val="0"/>
+              </a:spcAft>
+              <a:buClrTx/>
+              <a:buSzTx/>
+              <a:buFontTx/>
+              <a:buNone/>
+              <a:tabLst/>
+            </a:pPr>
+            <a:r>
+              <a:rPr kumimoji="0" lang="en-US" altLang="en-US" sz="1000" b="0" i="0" u="none" strike="noStrike" cap="none" normalizeH="0" baseline="0" dirty="0">
+                <a:ln>
+                  <a:noFill/>
+                </a:ln>
+                <a:solidFill>
+                  <a:schemeClr val="tx1"/>
+                </a:solidFill>
+                <a:effectLst/>
+                <a:latin typeface="+mj-lt"/>
+              </a:rPr>
+              <a:t>### SBATCH --mail-user=&lt;YOUR NETID&gt;@email.arizona.edu</a:t>
+            </a:r>
+          </a:p>
+          <a:p>
+            <a:pPr marL="0" marR="0" lvl="0" indent="0" algn="l" defTabSz="914400" rtl="0" eaLnBrk="0" fontAlgn="base" latinLnBrk="0" hangingPunct="0">
+              <a:lnSpc>
+                <a:spcPct val="100000"/>
+              </a:lnSpc>
+              <a:spcBef>
+                <a:spcPct val="0"/>
+              </a:spcBef>
+              <a:spcAft>
+                <a:spcPct val="0"/>
+              </a:spcAft>
+              <a:buClrTx/>
+              <a:buSzTx/>
+              <a:buFontTx/>
+              <a:buNone/>
+              <a:tabLst/>
+            </a:pPr>
+            <a:r>
+              <a:rPr kumimoji="0" lang="en-US" altLang="en-US" sz="1000" b="0" i="0" u="none" strike="noStrike" cap="none" normalizeH="0" baseline="0" dirty="0">
+                <a:ln>
+                  <a:noFill/>
+                </a:ln>
+                <a:solidFill>
+                  <a:schemeClr val="tx1"/>
+                </a:solidFill>
+                <a:effectLst/>
+                <a:latin typeface="+mj-lt"/>
+              </a:rPr>
+              <a:t>### REQUIRED. Set the partition for your job.</a:t>
+            </a:r>
+          </a:p>
+          <a:p>
+            <a:pPr marL="0" marR="0" lvl="0" indent="0" algn="l" defTabSz="914400" rtl="0" eaLnBrk="0" fontAlgn="base" latinLnBrk="0" hangingPunct="0">
+              <a:lnSpc>
+                <a:spcPct val="100000"/>
+              </a:lnSpc>
+              <a:spcBef>
+                <a:spcPct val="0"/>
+              </a:spcBef>
+              <a:spcAft>
+                <a:spcPct val="0"/>
+              </a:spcAft>
+              <a:buClrTx/>
+              <a:buSzTx/>
+              <a:buFontTx/>
+              <a:buNone/>
+              <a:tabLst/>
+            </a:pPr>
+            <a:r>
+              <a:rPr kumimoji="0" lang="en-US" altLang="en-US" sz="1000" b="0" i="0" u="none" strike="noStrike" cap="none" normalizeH="0" baseline="0" dirty="0">
+                <a:ln>
+                  <a:noFill/>
+                </a:ln>
+                <a:solidFill>
+                  <a:schemeClr val="tx1"/>
+                </a:solidFill>
+                <a:effectLst/>
+                <a:latin typeface="+mj-lt"/>
+              </a:rPr>
+              <a:t>#SBATCH --partition=standard</a:t>
+            </a:r>
+          </a:p>
+          <a:p>
+            <a:pPr marL="0" marR="0" lvl="0" indent="0" algn="l" defTabSz="914400" rtl="0" eaLnBrk="0" fontAlgn="base" latinLnBrk="0" hangingPunct="0">
+              <a:lnSpc>
+                <a:spcPct val="100000"/>
+              </a:lnSpc>
+              <a:spcBef>
+                <a:spcPct val="0"/>
+              </a:spcBef>
+              <a:spcAft>
+                <a:spcPct val="0"/>
+              </a:spcAft>
+              <a:buClrTx/>
+              <a:buSzTx/>
+              <a:buFontTx/>
+              <a:buNone/>
+              <a:tabLst/>
+            </a:pPr>
+            <a:r>
+              <a:rPr kumimoji="0" lang="en-US" altLang="en-US" sz="1000" b="0" i="0" u="none" strike="noStrike" cap="none" normalizeH="0" baseline="0" dirty="0">
+                <a:ln>
+                  <a:noFill/>
+                </a:ln>
+                <a:solidFill>
+                  <a:schemeClr val="tx1"/>
+                </a:solidFill>
+                <a:effectLst/>
+                <a:latin typeface="+mj-lt"/>
+              </a:rPr>
+              <a:t>### REQUIRED. Set the number of cores that will be used for this job. </a:t>
+            </a:r>
+          </a:p>
+          <a:p>
+            <a:pPr marL="0" marR="0" lvl="0" indent="0" algn="l" defTabSz="914400" rtl="0" eaLnBrk="0" fontAlgn="base" latinLnBrk="0" hangingPunct="0">
+              <a:lnSpc>
+                <a:spcPct val="100000"/>
+              </a:lnSpc>
+              <a:spcBef>
+                <a:spcPct val="0"/>
+              </a:spcBef>
+              <a:spcAft>
+                <a:spcPct val="0"/>
+              </a:spcAft>
+              <a:buClrTx/>
+              <a:buSzTx/>
+              <a:buFontTx/>
+              <a:buNone/>
+              <a:tabLst/>
+            </a:pPr>
+            <a:r>
+              <a:rPr kumimoji="0" lang="en-US" altLang="en-US" sz="1000" b="0" i="0" u="none" strike="noStrike" cap="none" normalizeH="0" baseline="0" dirty="0">
+                <a:ln>
+                  <a:noFill/>
+                </a:ln>
+                <a:solidFill>
+                  <a:schemeClr val="tx1"/>
+                </a:solidFill>
+                <a:effectLst/>
+                <a:latin typeface="+mj-lt"/>
+              </a:rPr>
+              <a:t>#SBATCH --</a:t>
+            </a:r>
+            <a:r>
+              <a:rPr kumimoji="0" lang="en-US" altLang="en-US" sz="1000" b="0" i="0" u="none" strike="noStrike" cap="none" normalizeH="0" baseline="0" dirty="0" err="1">
+                <a:ln>
+                  <a:noFill/>
+                </a:ln>
+                <a:solidFill>
+                  <a:schemeClr val="tx1"/>
+                </a:solidFill>
+                <a:effectLst/>
+                <a:latin typeface="+mj-lt"/>
+              </a:rPr>
+              <a:t>ntasks</a:t>
+            </a:r>
+            <a:r>
+              <a:rPr kumimoji="0" lang="en-US" altLang="en-US" sz="1000" b="0" i="0" u="none" strike="noStrike" cap="none" normalizeH="0" baseline="0" dirty="0">
+                <a:ln>
+                  <a:noFill/>
+                </a:ln>
+                <a:solidFill>
+                  <a:schemeClr val="tx1"/>
+                </a:solidFill>
+                <a:effectLst/>
+                <a:latin typeface="+mj-lt"/>
+              </a:rPr>
+              <a:t>=1 </a:t>
+            </a:r>
+          </a:p>
+          <a:p>
+            <a:pPr marL="0" marR="0" lvl="0" indent="0" algn="l" defTabSz="914400" rtl="0" eaLnBrk="0" fontAlgn="base" latinLnBrk="0" hangingPunct="0">
+              <a:lnSpc>
+                <a:spcPct val="100000"/>
+              </a:lnSpc>
+              <a:spcBef>
+                <a:spcPct val="0"/>
+              </a:spcBef>
+              <a:spcAft>
+                <a:spcPct val="0"/>
+              </a:spcAft>
+              <a:buClrTx/>
+              <a:buSzTx/>
+              <a:buFontTx/>
+              <a:buNone/>
+              <a:tabLst/>
+            </a:pPr>
+            <a:r>
+              <a:rPr kumimoji="0" lang="en-US" altLang="en-US" sz="1000" b="0" i="0" u="none" strike="noStrike" cap="none" normalizeH="0" baseline="0" dirty="0">
+                <a:ln>
+                  <a:noFill/>
+                </a:ln>
+                <a:solidFill>
+                  <a:schemeClr val="tx1"/>
+                </a:solidFill>
+                <a:effectLst/>
+                <a:latin typeface="+mj-lt"/>
+              </a:rPr>
+              <a:t>### REQUIRED. Set the number of nodes</a:t>
+            </a:r>
+          </a:p>
+          <a:p>
+            <a:pPr marL="0" marR="0" lvl="0" indent="0" algn="l" defTabSz="914400" rtl="0" eaLnBrk="0" fontAlgn="base" latinLnBrk="0" hangingPunct="0">
+              <a:lnSpc>
+                <a:spcPct val="100000"/>
+              </a:lnSpc>
+              <a:spcBef>
+                <a:spcPct val="0"/>
+              </a:spcBef>
+              <a:spcAft>
+                <a:spcPct val="0"/>
+              </a:spcAft>
+              <a:buClrTx/>
+              <a:buSzTx/>
+              <a:buFontTx/>
+              <a:buNone/>
+              <a:tabLst/>
+            </a:pPr>
+            <a:r>
+              <a:rPr kumimoji="0" lang="en-US" altLang="en-US" sz="1000" b="0" i="0" u="none" strike="noStrike" cap="none" normalizeH="0" baseline="0" dirty="0">
+                <a:ln>
+                  <a:noFill/>
+                </a:ln>
+                <a:solidFill>
+                  <a:schemeClr val="tx1"/>
+                </a:solidFill>
+                <a:effectLst/>
+                <a:latin typeface="+mj-lt"/>
+              </a:rPr>
+              <a:t>#SBATCH --nodes=1</a:t>
+            </a:r>
+          </a:p>
+          <a:p>
+            <a:pPr marL="0" marR="0" lvl="0" indent="0" algn="l" defTabSz="914400" rtl="0" eaLnBrk="0" fontAlgn="base" latinLnBrk="0" hangingPunct="0">
+              <a:lnSpc>
+                <a:spcPct val="100000"/>
+              </a:lnSpc>
+              <a:spcBef>
+                <a:spcPct val="0"/>
+              </a:spcBef>
+              <a:spcAft>
+                <a:spcPct val="0"/>
+              </a:spcAft>
+              <a:buClrTx/>
+              <a:buSzTx/>
+              <a:buFontTx/>
+              <a:buNone/>
+              <a:tabLst/>
+            </a:pPr>
+            <a:r>
+              <a:rPr kumimoji="0" lang="en-US" altLang="en-US" sz="1000" b="0" i="0" u="none" strike="noStrike" cap="none" normalizeH="0" baseline="0" dirty="0">
+                <a:ln>
+                  <a:noFill/>
+                </a:ln>
+                <a:solidFill>
+                  <a:schemeClr val="tx1"/>
+                </a:solidFill>
+                <a:effectLst/>
+                <a:latin typeface="+mj-lt"/>
+              </a:rPr>
+              <a:t>### REQUIRED. Set the memory required for this job.</a:t>
+            </a:r>
+          </a:p>
+          <a:p>
+            <a:pPr marL="0" marR="0" lvl="0" indent="0" algn="l" defTabSz="914400" rtl="0" eaLnBrk="0" fontAlgn="base" latinLnBrk="0" hangingPunct="0">
+              <a:lnSpc>
+                <a:spcPct val="100000"/>
+              </a:lnSpc>
+              <a:spcBef>
+                <a:spcPct val="0"/>
+              </a:spcBef>
+              <a:spcAft>
+                <a:spcPct val="0"/>
+              </a:spcAft>
+              <a:buClrTx/>
+              <a:buSzTx/>
+              <a:buFontTx/>
+              <a:buNone/>
+              <a:tabLst/>
+            </a:pPr>
+            <a:r>
+              <a:rPr kumimoji="0" lang="en-US" altLang="en-US" sz="1000" b="0" i="0" u="none" strike="noStrike" cap="none" normalizeH="0" baseline="0" dirty="0">
+                <a:ln>
+                  <a:noFill/>
+                </a:ln>
+                <a:solidFill>
+                  <a:schemeClr val="tx1"/>
+                </a:solidFill>
+                <a:effectLst/>
+                <a:latin typeface="+mj-lt"/>
+              </a:rPr>
+              <a:t>#SBATCH --mem=1gb</a:t>
+            </a:r>
+          </a:p>
+          <a:p>
+            <a:pPr marL="0" marR="0" lvl="0" indent="0" algn="l" defTabSz="914400" rtl="0" eaLnBrk="0" fontAlgn="base" latinLnBrk="0" hangingPunct="0">
+              <a:lnSpc>
+                <a:spcPct val="100000"/>
+              </a:lnSpc>
+              <a:spcBef>
+                <a:spcPct val="0"/>
+              </a:spcBef>
+              <a:spcAft>
+                <a:spcPct val="0"/>
+              </a:spcAft>
+              <a:buClrTx/>
+              <a:buSzTx/>
+              <a:buFontTx/>
+              <a:buNone/>
+              <a:tabLst/>
+            </a:pPr>
+            <a:r>
+              <a:rPr kumimoji="0" lang="en-US" altLang="en-US" sz="1000" b="0" i="0" u="none" strike="noStrike" cap="none" normalizeH="0" baseline="0" dirty="0">
+                <a:ln>
+                  <a:noFill/>
+                </a:ln>
+                <a:solidFill>
+                  <a:schemeClr val="tx1"/>
+                </a:solidFill>
+                <a:effectLst/>
+                <a:latin typeface="+mj-lt"/>
+              </a:rPr>
+              <a:t>### REQUIRED. Specify the time required for this job, </a:t>
+            </a:r>
+            <a:r>
+              <a:rPr kumimoji="0" lang="en-US" altLang="en-US" sz="1000" b="0" i="0" u="none" strike="noStrike" cap="none" normalizeH="0" baseline="0" dirty="0" err="1">
+                <a:ln>
+                  <a:noFill/>
+                </a:ln>
+                <a:solidFill>
+                  <a:schemeClr val="tx1"/>
+                </a:solidFill>
+                <a:effectLst/>
+                <a:latin typeface="+mj-lt"/>
+              </a:rPr>
+              <a:t>hhh:mm:ss</a:t>
+            </a:r>
+            <a:endParaRPr kumimoji="0" lang="en-US" altLang="en-US" sz="1000" b="0" i="0" u="none" strike="noStrike" cap="none" normalizeH="0" baseline="0" dirty="0">
+              <a:ln>
+                <a:noFill/>
+              </a:ln>
+              <a:solidFill>
+                <a:schemeClr val="tx1"/>
+              </a:solidFill>
+              <a:effectLst/>
+              <a:latin typeface="+mj-lt"/>
+            </a:endParaRPr>
+          </a:p>
+          <a:p>
+            <a:pPr marL="0" marR="0" lvl="0" indent="0" algn="l" defTabSz="914400" rtl="0" eaLnBrk="0" fontAlgn="base" latinLnBrk="0" hangingPunct="0">
+              <a:lnSpc>
+                <a:spcPct val="100000"/>
+              </a:lnSpc>
+              <a:spcBef>
+                <a:spcPct val="0"/>
+              </a:spcBef>
+              <a:spcAft>
+                <a:spcPct val="0"/>
+              </a:spcAft>
+              <a:buClrTx/>
+              <a:buSzTx/>
+              <a:buFontTx/>
+              <a:buNone/>
+              <a:tabLst/>
+            </a:pPr>
+            <a:r>
+              <a:rPr kumimoji="0" lang="en-US" altLang="en-US" sz="1000" b="0" i="0" u="none" strike="noStrike" cap="none" normalizeH="0" baseline="0" dirty="0">
+                <a:ln>
+                  <a:noFill/>
+                </a:ln>
+                <a:solidFill>
+                  <a:schemeClr val="tx1"/>
+                </a:solidFill>
+                <a:effectLst/>
+                <a:latin typeface="+mj-lt"/>
+              </a:rPr>
+              <a:t>#SBATCH --time=00:01:00 </a:t>
             </a:r>
           </a:p>
         </p:txBody>
@@ -9307,7 +8748,7 @@
     </p:spTree>
     <p:extLst>
       <p:ext uri="{BB962C8B-B14F-4D97-AF65-F5344CB8AC3E}">
-        <p14:creationId xmlns:p14="http://schemas.microsoft.com/office/powerpoint/2010/main" val="636812607"/>
+        <p14:creationId xmlns:p14="http://schemas.microsoft.com/office/powerpoint/2010/main" val="234960526"/>
       </p:ext>
     </p:extLst>
   </p:cSld>
@@ -9352,10 +8793,9 @@
           <a:lstStyle/>
           <a:p>
             <a:r>
-              <a:rPr lang="en-US" dirty="0" smtClean="0"/>
-              <a:t>Download data and book keeping</a:t>
-            </a:r>
-            <a:endParaRPr lang="en-US" dirty="0"/>
+              <a:rPr lang="en-US" dirty="0"/>
+              <a:t>SLURM submission script continued</a:t>
+            </a:r>
           </a:p>
         </p:txBody>
       </p:sp>
@@ -9371,35 +8811,324 @@
         </p:nvSpPr>
         <p:spPr/>
         <p:txBody>
-          <a:bodyPr/>
+          <a:bodyPr>
+            <a:normAutofit/>
+          </a:bodyPr>
           <a:lstStyle/>
           <a:p>
-            <a:pPr fontAlgn="base"/>
-            <a:r>
-              <a:rPr lang="en-US" dirty="0"/>
-              <a:t>To download the results. Use the web interface or </a:t>
-            </a:r>
-            <a:r>
-              <a:rPr lang="en-US" dirty="0" err="1"/>
-              <a:t>sftp</a:t>
-            </a:r>
-            <a:r>
-              <a:rPr lang="en-US" dirty="0"/>
-              <a:t>, cd to where viz_IB2d lives, and type get -r viz_IB2d</a:t>
-            </a:r>
-          </a:p>
-          <a:p>
-            <a:r>
-              <a:rPr lang="en-US" dirty="0"/>
-              <a:t>To save space on the cluster, now remove this data. Delete in the web interface or type </a:t>
-            </a:r>
-            <a:r>
-              <a:rPr lang="en-US" dirty="0" err="1"/>
-              <a:t>rm</a:t>
-            </a:r>
-            <a:r>
-              <a:rPr lang="en-US" dirty="0"/>
-              <a:t> -r viz_IB2d</a:t>
+            <a:pPr marL="0" lvl="0" indent="0" eaLnBrk="0" fontAlgn="base" hangingPunct="0">
+              <a:lnSpc>
+                <a:spcPct val="100000"/>
+              </a:lnSpc>
+              <a:spcBef>
+                <a:spcPct val="0"/>
+              </a:spcBef>
+              <a:spcAft>
+                <a:spcPct val="0"/>
+              </a:spcAft>
+              <a:buClrTx/>
+              <a:buSzTx/>
+              <a:buNone/>
+            </a:pPr>
+            <a:r>
+              <a:rPr lang="en-US" altLang="en-US" sz="1200" dirty="0">
+                <a:solidFill>
+                  <a:schemeClr val="tx1"/>
+                </a:solidFill>
+                <a:latin typeface="+mj-lt"/>
+              </a:rPr>
+              <a:t># --------------------------------------------------------------</a:t>
+            </a:r>
+          </a:p>
+          <a:p>
+            <a:pPr marL="0" lvl="0" indent="0" eaLnBrk="0" fontAlgn="base" hangingPunct="0">
+              <a:lnSpc>
+                <a:spcPct val="100000"/>
+              </a:lnSpc>
+              <a:spcBef>
+                <a:spcPct val="0"/>
+              </a:spcBef>
+              <a:spcAft>
+                <a:spcPct val="0"/>
+              </a:spcAft>
+              <a:buClrTx/>
+              <a:buSzTx/>
+              <a:buNone/>
+            </a:pPr>
+            <a:r>
+              <a:rPr lang="en-US" altLang="en-US" sz="1200" dirty="0">
+                <a:solidFill>
+                  <a:schemeClr val="tx1"/>
+                </a:solidFill>
+                <a:latin typeface="+mj-lt"/>
+              </a:rPr>
+              <a:t>### PART 2: Executes bash commands to run your job</a:t>
+            </a:r>
+          </a:p>
+          <a:p>
+            <a:pPr marL="0" lvl="0" indent="0" eaLnBrk="0" fontAlgn="base" hangingPunct="0">
+              <a:lnSpc>
+                <a:spcPct val="100000"/>
+              </a:lnSpc>
+              <a:spcBef>
+                <a:spcPct val="0"/>
+              </a:spcBef>
+              <a:spcAft>
+                <a:spcPct val="0"/>
+              </a:spcAft>
+              <a:buClrTx/>
+              <a:buSzTx/>
+              <a:buNone/>
+            </a:pPr>
+            <a:r>
+              <a:rPr lang="en-US" altLang="en-US" sz="1200" dirty="0">
+                <a:solidFill>
+                  <a:schemeClr val="tx1"/>
+                </a:solidFill>
+                <a:latin typeface="+mj-lt"/>
+              </a:rPr>
+              <a:t># --------------------------------------------------------------</a:t>
+            </a:r>
+          </a:p>
+          <a:p>
+            <a:pPr marL="0" lvl="0" indent="0" eaLnBrk="0" fontAlgn="base" hangingPunct="0">
+              <a:lnSpc>
+                <a:spcPct val="100000"/>
+              </a:lnSpc>
+              <a:spcBef>
+                <a:spcPct val="0"/>
+              </a:spcBef>
+              <a:spcAft>
+                <a:spcPct val="0"/>
+              </a:spcAft>
+              <a:buClrTx/>
+              <a:buSzTx/>
+              <a:buNone/>
+            </a:pPr>
+            <a:r>
+              <a:rPr lang="en-US" altLang="en-US" sz="1200" dirty="0">
+                <a:solidFill>
+                  <a:schemeClr val="tx1"/>
+                </a:solidFill>
+                <a:latin typeface="+mj-lt"/>
+              </a:rPr>
+              <a:t>### Load required modules/libraries if needed</a:t>
+            </a:r>
+          </a:p>
+          <a:p>
+            <a:pPr marL="0" lvl="0" indent="0" eaLnBrk="0" fontAlgn="base" hangingPunct="0">
+              <a:lnSpc>
+                <a:spcPct val="100000"/>
+              </a:lnSpc>
+              <a:spcBef>
+                <a:spcPct val="0"/>
+              </a:spcBef>
+              <a:spcAft>
+                <a:spcPct val="0"/>
+              </a:spcAft>
+              <a:buClrTx/>
+              <a:buSzTx/>
+              <a:buNone/>
+            </a:pPr>
+            <a:r>
+              <a:rPr lang="en-US" altLang="en-US" sz="1200" dirty="0">
+                <a:solidFill>
+                  <a:schemeClr val="tx1"/>
+                </a:solidFill>
+                <a:latin typeface="+mj-lt"/>
+              </a:rPr>
+              <a:t>module load gnu/5.4.0</a:t>
+            </a:r>
+          </a:p>
+          <a:p>
+            <a:pPr marL="0" lvl="0" indent="0" eaLnBrk="0" fontAlgn="base" hangingPunct="0">
+              <a:lnSpc>
+                <a:spcPct val="100000"/>
+              </a:lnSpc>
+              <a:spcBef>
+                <a:spcPct val="0"/>
+              </a:spcBef>
+              <a:spcAft>
+                <a:spcPct val="0"/>
+              </a:spcAft>
+              <a:buClrTx/>
+              <a:buSzTx/>
+              <a:buNone/>
+            </a:pPr>
+            <a:r>
+              <a:rPr lang="en-US" altLang="en-US" sz="1200" dirty="0">
+                <a:solidFill>
+                  <a:schemeClr val="tx1"/>
+                </a:solidFill>
+                <a:latin typeface="+mj-lt"/>
+              </a:rPr>
+              <a:t>### change to your script’s directory </a:t>
+            </a:r>
+          </a:p>
+          <a:p>
+            <a:pPr marL="0" lvl="0" indent="0" eaLnBrk="0" fontAlgn="base" hangingPunct="0">
+              <a:lnSpc>
+                <a:spcPct val="100000"/>
+              </a:lnSpc>
+              <a:spcBef>
+                <a:spcPct val="0"/>
+              </a:spcBef>
+              <a:spcAft>
+                <a:spcPct val="0"/>
+              </a:spcAft>
+              <a:buClrTx/>
+              <a:buSzTx/>
+              <a:buNone/>
+            </a:pPr>
+            <a:r>
+              <a:rPr lang="en-US" altLang="en-US" sz="1200" dirty="0">
+                <a:solidFill>
+                  <a:schemeClr val="tx1"/>
+                </a:solidFill>
+                <a:latin typeface="+mj-lt"/>
+              </a:rPr>
+              <a:t>cd ~/</a:t>
+            </a:r>
+            <a:r>
+              <a:rPr lang="en-US" altLang="en-US" sz="1200" dirty="0" err="1">
+                <a:solidFill>
+                  <a:schemeClr val="tx1"/>
+                </a:solidFill>
+                <a:latin typeface="+mj-lt"/>
+              </a:rPr>
+              <a:t>hello_world</a:t>
+            </a:r>
+            <a:endParaRPr lang="en-US" altLang="en-US" sz="1200" dirty="0">
+              <a:solidFill>
+                <a:schemeClr val="tx1"/>
+              </a:solidFill>
+              <a:latin typeface="+mj-lt"/>
+            </a:endParaRPr>
+          </a:p>
+          <a:p>
+            <a:pPr marL="0" lvl="0" indent="0" eaLnBrk="0" fontAlgn="base" hangingPunct="0">
+              <a:lnSpc>
+                <a:spcPct val="100000"/>
+              </a:lnSpc>
+              <a:spcBef>
+                <a:spcPct val="0"/>
+              </a:spcBef>
+              <a:spcAft>
+                <a:spcPct val="0"/>
+              </a:spcAft>
+              <a:buClrTx/>
+              <a:buSzTx/>
+              <a:buNone/>
+            </a:pPr>
+            <a:r>
+              <a:rPr lang="en-US" altLang="en-US" sz="1200" dirty="0">
+                <a:solidFill>
+                  <a:schemeClr val="tx1"/>
+                </a:solidFill>
+                <a:latin typeface="+mj-lt"/>
+              </a:rPr>
+              <a:t>### Run your work</a:t>
+            </a:r>
+          </a:p>
+          <a:p>
+            <a:pPr marL="0" lvl="0" indent="0" eaLnBrk="0" fontAlgn="base" hangingPunct="0">
+              <a:lnSpc>
+                <a:spcPct val="100000"/>
+              </a:lnSpc>
+              <a:spcBef>
+                <a:spcPct val="0"/>
+              </a:spcBef>
+              <a:spcAft>
+                <a:spcPct val="0"/>
+              </a:spcAft>
+              <a:buClrTx/>
+              <a:buSzTx/>
+              <a:buNone/>
+            </a:pPr>
+            <a:r>
+              <a:rPr lang="en-US" altLang="en-US" sz="1200" dirty="0">
+                <a:solidFill>
+                  <a:schemeClr val="tx1"/>
+                </a:solidFill>
+                <a:latin typeface="+mj-lt"/>
+              </a:rPr>
+              <a:t>./</a:t>
+            </a:r>
+            <a:r>
+              <a:rPr lang="en-US" altLang="en-US" sz="1200" dirty="0" err="1">
+                <a:solidFill>
+                  <a:schemeClr val="tx1"/>
+                </a:solidFill>
+                <a:latin typeface="+mj-lt"/>
+              </a:rPr>
+              <a:t>hello_world</a:t>
+            </a:r>
+            <a:endParaRPr lang="en-US" altLang="en-US" sz="1200" dirty="0">
+              <a:solidFill>
+                <a:schemeClr val="tx1"/>
+              </a:solidFill>
+              <a:latin typeface="+mj-lt"/>
+            </a:endParaRPr>
+          </a:p>
+          <a:p>
+            <a:pPr marL="0" lvl="0" indent="0" eaLnBrk="0" fontAlgn="base" hangingPunct="0">
+              <a:lnSpc>
+                <a:spcPct val="100000"/>
+              </a:lnSpc>
+              <a:spcBef>
+                <a:spcPct val="0"/>
+              </a:spcBef>
+              <a:spcAft>
+                <a:spcPct val="0"/>
+              </a:spcAft>
+              <a:buClrTx/>
+              <a:buSzTx/>
+              <a:buNone/>
+            </a:pPr>
+            <a:r>
+              <a:rPr lang="en-US" altLang="en-US" sz="1200" dirty="0">
+                <a:solidFill>
+                  <a:schemeClr val="tx1"/>
+                </a:solidFill>
+                <a:latin typeface="+mj-lt"/>
+              </a:rPr>
+              <a:t>sleep 10</a:t>
+            </a:r>
+          </a:p>
+          <a:p>
+            <a:pPr marL="114300" indent="0">
+              <a:buNone/>
+            </a:pPr>
+            <a:endParaRPr lang="en-US" sz="1200" dirty="0">
+              <a:latin typeface="+mj-lt"/>
+            </a:endParaRPr>
+          </a:p>
+        </p:txBody>
+      </p:sp>
+      <p:sp>
+        <p:nvSpPr>
+          <p:cNvPr id="4" name="Rectangle 3"/>
+          <p:cNvSpPr/>
+          <p:nvPr/>
+        </p:nvSpPr>
+        <p:spPr>
+          <a:xfrm>
+            <a:off x="407581" y="4099640"/>
+            <a:ext cx="7432158" cy="523220"/>
+          </a:xfrm>
+          <a:prstGeom prst="rect">
+            <a:avLst/>
+          </a:prstGeom>
+        </p:spPr>
+        <p:txBody>
+          <a:bodyPr wrap="square">
+            <a:spAutoFit/>
+          </a:bodyPr>
+          <a:lstStyle/>
+          <a:p>
+            <a:r>
+              <a:rPr lang="en-US" dirty="0"/>
+              <a:t>https://public.confluence.arizona.edu/display/UAHPC/Puma+Quick+Start#PumaQuickStart-WritingaSLURMSubmissionScript</a:t>
             </a:r>
           </a:p>
         </p:txBody>
@@ -9407,7 +9136,7 @@
     </p:spTree>
     <p:extLst>
       <p:ext uri="{BB962C8B-B14F-4D97-AF65-F5344CB8AC3E}">
-        <p14:creationId xmlns:p14="http://schemas.microsoft.com/office/powerpoint/2010/main" val="389745442"/>
+        <p14:creationId xmlns:p14="http://schemas.microsoft.com/office/powerpoint/2010/main" val="61784439"/>
       </p:ext>
     </p:extLst>
   </p:cSld>
@@ -9452,126 +9181,493 @@
           <a:lstStyle/>
           <a:p>
             <a:r>
-              <a:rPr lang="en-US" dirty="0" smtClean="0"/>
-              <a:t>Running IBAMR</a:t>
-            </a:r>
-            <a:endParaRPr lang="en-US" dirty="0"/>
+              <a:rPr lang="en-US" dirty="0"/>
+              <a:t>myscript.sh</a:t>
+            </a:r>
           </a:p>
         </p:txBody>
       </p:sp>
       <p:sp>
         <p:nvSpPr>
-          <p:cNvPr id="3" name="Text Placeholder 2"/>
+          <p:cNvPr id="4" name="Rectangle 1"/>
           <p:cNvSpPr>
-            <a:spLocks noGrp="1"/>
+            <a:spLocks noGrp="1" noChangeArrowheads="1"/>
           </p:cNvSpPr>
           <p:nvPr>
             <p:ph type="body" idx="1"/>
           </p:nvPr>
         </p:nvSpPr>
-        <p:spPr/>
+        <p:spPr bwMode="auto">
+          <a:xfrm>
+            <a:off x="491809" y="1228486"/>
+            <a:ext cx="3451586" cy="2031325"/>
+          </a:xfrm>
+          <a:prstGeom prst="rect">
+            <a:avLst/>
+          </a:prstGeom>
+          <a:noFill/>
+          <a:ln>
+            <a:noFill/>
+          </a:ln>
+          <a:effectLst/>
+          <a:extLst>
+            <a:ext uri="{909E8E84-426E-40DD-AFC4-6F175D3DCCD1}">
+              <a14:hiddenFill xmlns:a14="http://schemas.microsoft.com/office/drawing/2010/main">
+                <a:solidFill>
+                  <a:schemeClr val="accent1"/>
+                </a:solidFill>
+              </a14:hiddenFill>
+            </a:ext>
+            <a:ext uri="{91240B29-F687-4F45-9708-019B960494DF}">
+              <a14:hiddenLine xmlns:a14="http://schemas.microsoft.com/office/drawing/2010/main" w="9525">
+                <a:solidFill>
+                  <a:schemeClr val="tx1"/>
+                </a:solidFill>
+                <a:miter lim="800000"/>
+                <a:headEnd/>
+                <a:tailEnd/>
+              </a14:hiddenLine>
+            </a:ext>
+            <a:ext uri="{AF507438-7753-43E0-B8FC-AC1667EBCBE1}">
+              <a14:hiddenEffects xmlns:a14="http://schemas.microsoft.com/office/drawing/2010/main">
+                <a:effectLst>
+                  <a:outerShdw dist="35921" dir="2700000" algn="ctr" rotWithShape="0">
+                    <a:schemeClr val="bg2"/>
+                  </a:outerShdw>
+                </a:effectLst>
+              </a14:hiddenEffects>
+            </a:ext>
+          </a:extLst>
+        </p:spPr>
         <p:txBody>
-          <a:bodyPr/>
+          <a:bodyPr vert="horz" wrap="none" lIns="91440" tIns="45720" rIns="91440" bIns="45720" numCol="1" anchor="ctr" anchorCtr="0" compatLnSpc="1">
+            <a:prstTxWarp prst="textNoShape">
+              <a:avLst/>
+            </a:prstTxWarp>
+            <a:spAutoFit/>
+          </a:bodyPr>
           <a:lstStyle/>
           <a:p>
-            <a:pPr fontAlgn="base"/>
-            <a:r>
-              <a:rPr lang="en-US" dirty="0" err="1"/>
-              <a:t>Mpiruns</a:t>
-            </a:r>
-            <a:r>
-              <a:rPr lang="en-US" dirty="0"/>
+            <a:pPr marL="0" marR="0" lvl="0" indent="0" algn="l" defTabSz="914400" rtl="0" eaLnBrk="0" fontAlgn="base" latinLnBrk="0" hangingPunct="0">
+              <a:lnSpc>
+                <a:spcPct val="100000"/>
+              </a:lnSpc>
+              <a:spcBef>
+                <a:spcPct val="0"/>
+              </a:spcBef>
+              <a:spcAft>
+                <a:spcPct val="0"/>
+              </a:spcAft>
+              <a:buClrTx/>
+              <a:buSzTx/>
+              <a:buFontTx/>
+              <a:buNone/>
+              <a:tabLst/>
+            </a:pPr>
+            <a:r>
+              <a:rPr kumimoji="0" lang="en-US" altLang="en-US" sz="1400" b="0" i="0" u="none" strike="noStrike" cap="none" normalizeH="0" baseline="0" dirty="0">
+                <a:ln>
+                  <a:noFill/>
+                </a:ln>
+                <a:solidFill>
+                  <a:schemeClr val="tx1"/>
+                </a:solidFill>
+                <a:effectLst/>
+                <a:latin typeface="+mj-lt"/>
+              </a:rPr>
+              <a:t>#!/bin/bash </a:t>
+            </a:r>
+          </a:p>
+          <a:p>
+            <a:pPr marL="0" marR="0" lvl="0" indent="0" algn="l" defTabSz="914400" rtl="0" eaLnBrk="0" fontAlgn="base" latinLnBrk="0" hangingPunct="0">
+              <a:lnSpc>
+                <a:spcPct val="100000"/>
+              </a:lnSpc>
+              <a:spcBef>
+                <a:spcPct val="0"/>
+              </a:spcBef>
+              <a:spcAft>
+                <a:spcPct val="0"/>
+              </a:spcAft>
+              <a:buClrTx/>
+              <a:buSzTx/>
+              <a:buFontTx/>
+              <a:buNone/>
+              <a:tabLst/>
+            </a:pPr>
+            <a:r>
+              <a:rPr kumimoji="0" lang="en-US" altLang="en-US" sz="1400" b="0" i="0" u="none" strike="noStrike" cap="none" normalizeH="0" baseline="0" dirty="0">
+                <a:ln>
+                  <a:noFill/>
+                </a:ln>
+                <a:solidFill>
+                  <a:schemeClr val="tx1"/>
+                </a:solidFill>
+                <a:effectLst/>
+                <a:latin typeface="+mj-lt"/>
+              </a:rPr>
+              <a:t>#SBATCH --job-name=</a:t>
+            </a:r>
+            <a:r>
+              <a:rPr kumimoji="0" lang="en-US" altLang="en-US" sz="1400" b="0" i="0" u="none" strike="noStrike" cap="none" normalizeH="0" baseline="0" dirty="0" err="1">
+                <a:ln>
+                  <a:noFill/>
+                </a:ln>
+                <a:solidFill>
+                  <a:schemeClr val="tx1"/>
+                </a:solidFill>
+                <a:effectLst/>
+                <a:latin typeface="+mj-lt"/>
+              </a:rPr>
+              <a:t>Lauras_job</a:t>
+            </a:r>
+            <a:r>
+              <a:rPr kumimoji="0" lang="en-US" altLang="en-US" sz="1400" b="0" i="0" u="none" strike="noStrike" cap="none" normalizeH="0" baseline="0" dirty="0">
+                <a:ln>
+                  <a:noFill/>
+                </a:ln>
+                <a:solidFill>
+                  <a:schemeClr val="tx1"/>
+                </a:solidFill>
+                <a:effectLst/>
+                <a:latin typeface="+mj-lt"/>
+              </a:rPr>
               <a:t> </a:t>
             </a:r>
-            <a:r>
-              <a:rPr lang="en-US" dirty="0" smtClean="0"/>
-              <a:t>using IBFE can </a:t>
-            </a:r>
-            <a:r>
-              <a:rPr lang="en-US" dirty="0"/>
-              <a:t>only be done on ocelot </a:t>
-            </a:r>
-            <a:endParaRPr lang="en-US" dirty="0" smtClean="0"/>
-          </a:p>
-          <a:p>
-            <a:pPr lvl="1" fontAlgn="base"/>
-            <a:r>
-              <a:rPr lang="en-US" dirty="0" smtClean="0"/>
-              <a:t>This cluster should </a:t>
-            </a:r>
-            <a:r>
-              <a:rPr lang="en-US" dirty="0"/>
-              <a:t>be online July </a:t>
-            </a:r>
-            <a:r>
-              <a:rPr lang="en-US" dirty="0" smtClean="0"/>
-              <a:t>12.</a:t>
-            </a:r>
-            <a:endParaRPr lang="en-US" dirty="0"/>
-          </a:p>
-          <a:p>
-            <a:pPr lvl="1" fontAlgn="base"/>
-            <a:r>
-              <a:rPr lang="en-US" dirty="0"/>
-              <a:t>We can run </a:t>
-            </a:r>
-            <a:r>
-              <a:rPr lang="en-US" dirty="0" smtClean="0"/>
-              <a:t>simulations using IBFE by </a:t>
-            </a:r>
-            <a:r>
-              <a:rPr lang="en-US" dirty="0"/>
-              <a:t>using </a:t>
-            </a:r>
-            <a:r>
-              <a:rPr lang="en-US" dirty="0" err="1"/>
-              <a:t>srun</a:t>
-            </a:r>
-            <a:r>
-              <a:rPr lang="en-US" dirty="0"/>
-              <a:t> on puma (2D runs</a:t>
-            </a:r>
-            <a:r>
-              <a:rPr lang="en-US" dirty="0" smtClean="0"/>
-              <a:t>).</a:t>
-            </a:r>
-          </a:p>
-          <a:p>
-            <a:pPr fontAlgn="base"/>
-            <a:r>
-              <a:rPr lang="en-US" dirty="0" smtClean="0"/>
-              <a:t>If you are  not using finite elements / </a:t>
-            </a:r>
-            <a:r>
-              <a:rPr lang="en-US" dirty="0" err="1" smtClean="0"/>
-              <a:t>libmesh</a:t>
-            </a:r>
-            <a:r>
-              <a:rPr lang="en-US" dirty="0" smtClean="0"/>
-              <a:t> (e.g. fiber based IBM), then you can use </a:t>
-            </a:r>
-            <a:r>
-              <a:rPr lang="en-US" dirty="0" err="1" smtClean="0"/>
-              <a:t>mpirun</a:t>
-            </a:r>
-            <a:r>
-              <a:rPr lang="en-US" dirty="0" smtClean="0"/>
-              <a:t> on puma.</a:t>
-            </a:r>
-            <a:endParaRPr lang="en-US" dirty="0"/>
-          </a:p>
-          <a:p>
-            <a:pPr marL="114300" indent="0">
-              <a:buNone/>
+          </a:p>
+          <a:p>
+            <a:pPr marL="0" marR="0" lvl="0" indent="0" algn="l" defTabSz="914400" rtl="0" eaLnBrk="0" fontAlgn="base" latinLnBrk="0" hangingPunct="0">
+              <a:lnSpc>
+                <a:spcPct val="100000"/>
+              </a:lnSpc>
+              <a:spcBef>
+                <a:spcPct val="0"/>
+              </a:spcBef>
+              <a:spcAft>
+                <a:spcPct val="0"/>
+              </a:spcAft>
+              <a:buClrTx/>
+              <a:buSzTx/>
+              <a:buFontTx/>
+              <a:buNone/>
+              <a:tabLst/>
             </a:pPr>
-            <a:endParaRPr lang="en-US" dirty="0"/>
+            <a:r>
+              <a:rPr kumimoji="0" lang="en-US" altLang="en-US" sz="1400" b="0" i="0" u="none" strike="noStrike" cap="none" normalizeH="0" baseline="0" dirty="0">
+                <a:ln>
+                  <a:noFill/>
+                </a:ln>
+                <a:solidFill>
+                  <a:schemeClr val="tx1"/>
+                </a:solidFill>
+                <a:effectLst/>
+                <a:latin typeface="+mj-lt"/>
+              </a:rPr>
+              <a:t>#SBATCH --</a:t>
+            </a:r>
+            <a:r>
+              <a:rPr kumimoji="0" lang="en-US" altLang="en-US" sz="1400" b="0" i="0" u="none" strike="noStrike" cap="none" normalizeH="0" baseline="0" dirty="0" err="1">
+                <a:ln>
+                  <a:noFill/>
+                </a:ln>
+                <a:solidFill>
+                  <a:schemeClr val="tx1"/>
+                </a:solidFill>
+                <a:effectLst/>
+                <a:latin typeface="+mj-lt"/>
+              </a:rPr>
+              <a:t>ntasks</a:t>
+            </a:r>
+            <a:r>
+              <a:rPr kumimoji="0" lang="en-US" altLang="en-US" sz="1400" b="0" i="0" u="none" strike="noStrike" cap="none" normalizeH="0" baseline="0" dirty="0">
+                <a:ln>
+                  <a:noFill/>
+                </a:ln>
+                <a:solidFill>
+                  <a:schemeClr val="tx1"/>
+                </a:solidFill>
+                <a:effectLst/>
+                <a:latin typeface="+mj-lt"/>
+              </a:rPr>
+              <a:t>=1 </a:t>
+            </a:r>
+          </a:p>
+          <a:p>
+            <a:pPr marL="0" marR="0" lvl="0" indent="0" algn="l" defTabSz="914400" rtl="0" eaLnBrk="0" fontAlgn="base" latinLnBrk="0" hangingPunct="0">
+              <a:lnSpc>
+                <a:spcPct val="100000"/>
+              </a:lnSpc>
+              <a:spcBef>
+                <a:spcPct val="0"/>
+              </a:spcBef>
+              <a:spcAft>
+                <a:spcPct val="0"/>
+              </a:spcAft>
+              <a:buClrTx/>
+              <a:buSzTx/>
+              <a:buFontTx/>
+              <a:buNone/>
+              <a:tabLst/>
+            </a:pPr>
+            <a:r>
+              <a:rPr kumimoji="0" lang="en-US" altLang="en-US" sz="1400" b="0" i="0" u="none" strike="noStrike" cap="none" normalizeH="0" baseline="0" dirty="0">
+                <a:ln>
+                  <a:noFill/>
+                </a:ln>
+                <a:solidFill>
+                  <a:schemeClr val="tx1"/>
+                </a:solidFill>
+                <a:effectLst/>
+                <a:latin typeface="+mj-lt"/>
+              </a:rPr>
+              <a:t>#SBATCH --mem=16gb </a:t>
+            </a:r>
+          </a:p>
+          <a:p>
+            <a:pPr marL="0" marR="0" lvl="0" indent="0" algn="l" defTabSz="914400" rtl="0" eaLnBrk="0" fontAlgn="base" latinLnBrk="0" hangingPunct="0">
+              <a:lnSpc>
+                <a:spcPct val="100000"/>
+              </a:lnSpc>
+              <a:spcBef>
+                <a:spcPct val="0"/>
+              </a:spcBef>
+              <a:spcAft>
+                <a:spcPct val="0"/>
+              </a:spcAft>
+              <a:buClrTx/>
+              <a:buSzTx/>
+              <a:buFontTx/>
+              <a:buNone/>
+              <a:tabLst/>
+            </a:pPr>
+            <a:r>
+              <a:rPr kumimoji="0" lang="en-US" altLang="en-US" sz="1400" b="0" i="0" u="none" strike="noStrike" cap="none" normalizeH="0" baseline="0" dirty="0">
+                <a:ln>
+                  <a:noFill/>
+                </a:ln>
+                <a:solidFill>
+                  <a:schemeClr val="tx1"/>
+                </a:solidFill>
+                <a:effectLst/>
+                <a:latin typeface="+mj-lt"/>
+              </a:rPr>
+              <a:t>#SBATCH --time=04:00:00</a:t>
+            </a:r>
+          </a:p>
+          <a:p>
+            <a:pPr marL="0" marR="0" lvl="0" indent="0" algn="l" defTabSz="914400" rtl="0" eaLnBrk="0" fontAlgn="base" latinLnBrk="0" hangingPunct="0">
+              <a:lnSpc>
+                <a:spcPct val="100000"/>
+              </a:lnSpc>
+              <a:spcBef>
+                <a:spcPct val="0"/>
+              </a:spcBef>
+              <a:spcAft>
+                <a:spcPct val="0"/>
+              </a:spcAft>
+              <a:buClrTx/>
+              <a:buSzTx/>
+              <a:buFontTx/>
+              <a:buNone/>
+              <a:tabLst/>
+            </a:pPr>
+            <a:r>
+              <a:rPr kumimoji="0" lang="en-US" altLang="en-US" sz="1400" b="0" i="0" u="none" strike="noStrike" cap="none" normalizeH="0" baseline="0" dirty="0">
+                <a:ln>
+                  <a:noFill/>
+                </a:ln>
+                <a:solidFill>
+                  <a:schemeClr val="tx1"/>
+                </a:solidFill>
+                <a:effectLst/>
+                <a:latin typeface="+mj-lt"/>
+              </a:rPr>
+              <a:t> #SBATCH --partition=windfall </a:t>
+            </a:r>
+          </a:p>
+          <a:p>
+            <a:pPr marL="0" marR="0" lvl="0" indent="0" algn="l" defTabSz="914400" rtl="0" eaLnBrk="0" fontAlgn="base" latinLnBrk="0" hangingPunct="0">
+              <a:lnSpc>
+                <a:spcPct val="100000"/>
+              </a:lnSpc>
+              <a:spcBef>
+                <a:spcPct val="0"/>
+              </a:spcBef>
+              <a:spcAft>
+                <a:spcPct val="0"/>
+              </a:spcAft>
+              <a:buClrTx/>
+              <a:buSzTx/>
+              <a:buFontTx/>
+              <a:buNone/>
+              <a:tabLst/>
+            </a:pPr>
+            <a:endParaRPr lang="en-US" altLang="en-US" sz="1400" dirty="0">
+              <a:solidFill>
+                <a:schemeClr val="tx1"/>
+              </a:solidFill>
+              <a:latin typeface="+mj-lt"/>
+            </a:endParaRPr>
+          </a:p>
+          <a:p>
+            <a:pPr marL="0" marR="0" lvl="0" indent="0" algn="l" defTabSz="914400" rtl="0" eaLnBrk="0" fontAlgn="base" latinLnBrk="0" hangingPunct="0">
+              <a:lnSpc>
+                <a:spcPct val="100000"/>
+              </a:lnSpc>
+              <a:spcBef>
+                <a:spcPct val="0"/>
+              </a:spcBef>
+              <a:spcAft>
+                <a:spcPct val="0"/>
+              </a:spcAft>
+              <a:buClrTx/>
+              <a:buSzTx/>
+              <a:buFontTx/>
+              <a:buNone/>
+              <a:tabLst/>
+            </a:pPr>
+            <a:r>
+              <a:rPr kumimoji="0" lang="en-US" altLang="en-US" sz="1400" b="0" i="0" u="none" strike="noStrike" cap="none" normalizeH="0" baseline="0" dirty="0">
+                <a:ln>
+                  <a:noFill/>
+                </a:ln>
+                <a:solidFill>
+                  <a:schemeClr val="tx1"/>
+                </a:solidFill>
+                <a:effectLst/>
+                <a:latin typeface="+mj-lt"/>
+              </a:rPr>
+              <a:t>module load </a:t>
+            </a:r>
+            <a:r>
+              <a:rPr kumimoji="0" lang="en-US" altLang="en-US" sz="1400" b="0" i="0" u="none" strike="noStrike" cap="none" normalizeH="0" baseline="0" dirty="0" err="1">
+                <a:ln>
+                  <a:noFill/>
+                </a:ln>
+                <a:solidFill>
+                  <a:schemeClr val="tx1"/>
+                </a:solidFill>
+                <a:effectLst/>
+                <a:latin typeface="+mj-lt"/>
+              </a:rPr>
+              <a:t>matlab</a:t>
+            </a:r>
+            <a:r>
+              <a:rPr kumimoji="0" lang="en-US" altLang="en-US" sz="1400" b="0" i="0" u="none" strike="noStrike" cap="none" normalizeH="0" baseline="0" dirty="0">
+                <a:ln>
+                  <a:noFill/>
+                </a:ln>
+                <a:solidFill>
+                  <a:schemeClr val="tx1"/>
+                </a:solidFill>
+                <a:effectLst/>
+                <a:latin typeface="+mj-lt"/>
+              </a:rPr>
+              <a:t> </a:t>
+            </a:r>
+          </a:p>
+          <a:p>
+            <a:pPr marL="0" marR="0" lvl="0" indent="0" algn="l" defTabSz="914400" rtl="0" eaLnBrk="0" fontAlgn="base" latinLnBrk="0" hangingPunct="0">
+              <a:lnSpc>
+                <a:spcPct val="100000"/>
+              </a:lnSpc>
+              <a:spcBef>
+                <a:spcPct val="0"/>
+              </a:spcBef>
+              <a:spcAft>
+                <a:spcPct val="0"/>
+              </a:spcAft>
+              <a:buClrTx/>
+              <a:buSzTx/>
+              <a:buFontTx/>
+              <a:buNone/>
+              <a:tabLst/>
+            </a:pPr>
+            <a:r>
+              <a:rPr kumimoji="0" lang="en-US" altLang="en-US" sz="1400" b="0" i="0" u="none" strike="noStrike" cap="none" normalizeH="0" baseline="0" dirty="0" err="1">
+                <a:ln>
+                  <a:noFill/>
+                </a:ln>
+                <a:solidFill>
+                  <a:schemeClr val="tx1"/>
+                </a:solidFill>
+                <a:effectLst/>
+                <a:latin typeface="+mj-lt"/>
+              </a:rPr>
+              <a:t>matlab</a:t>
+            </a:r>
+            <a:r>
+              <a:rPr kumimoji="0" lang="en-US" altLang="en-US" sz="1400" b="0" i="0" u="none" strike="noStrike" cap="none" normalizeH="0" baseline="0" dirty="0">
+                <a:ln>
+                  <a:noFill/>
+                </a:ln>
+                <a:solidFill>
+                  <a:schemeClr val="tx1"/>
+                </a:solidFill>
+                <a:effectLst/>
+                <a:latin typeface="+mj-lt"/>
+              </a:rPr>
+              <a:t> -</a:t>
+            </a:r>
+            <a:r>
+              <a:rPr kumimoji="0" lang="en-US" altLang="en-US" sz="1400" b="0" i="0" u="none" strike="noStrike" cap="none" normalizeH="0" baseline="0" dirty="0" err="1">
+                <a:ln>
+                  <a:noFill/>
+                </a:ln>
+                <a:solidFill>
+                  <a:schemeClr val="tx1"/>
+                </a:solidFill>
+                <a:effectLst/>
+                <a:latin typeface="+mj-lt"/>
+              </a:rPr>
+              <a:t>nodisplay</a:t>
+            </a:r>
+            <a:r>
+              <a:rPr kumimoji="0" lang="en-US" altLang="en-US" sz="1400" b="0" i="0" u="none" strike="noStrike" cap="none" normalizeH="0" baseline="0" dirty="0">
+                <a:ln>
+                  <a:noFill/>
+                </a:ln>
+                <a:solidFill>
+                  <a:schemeClr val="tx1"/>
+                </a:solidFill>
+                <a:effectLst/>
+                <a:latin typeface="+mj-lt"/>
+              </a:rPr>
+              <a:t> -</a:t>
+            </a:r>
+            <a:r>
+              <a:rPr kumimoji="0" lang="en-US" altLang="en-US" sz="1400" b="0" i="0" u="none" strike="noStrike" cap="none" normalizeH="0" baseline="0" dirty="0" err="1">
+                <a:ln>
+                  <a:noFill/>
+                </a:ln>
+                <a:solidFill>
+                  <a:schemeClr val="tx1"/>
+                </a:solidFill>
+                <a:effectLst/>
+                <a:latin typeface="+mj-lt"/>
+              </a:rPr>
+              <a:t>nosplash</a:t>
+            </a:r>
+            <a:r>
+              <a:rPr kumimoji="0" lang="en-US" altLang="en-US" sz="1400" b="0" i="0" u="none" strike="noStrike" cap="none" normalizeH="0" baseline="0" dirty="0">
+                <a:ln>
+                  <a:noFill/>
+                </a:ln>
+                <a:solidFill>
+                  <a:schemeClr val="tx1"/>
+                </a:solidFill>
+                <a:effectLst/>
+                <a:latin typeface="+mj-lt"/>
+              </a:rPr>
+              <a:t> &lt; main2d.m </a:t>
+            </a:r>
           </a:p>
         </p:txBody>
       </p:sp>
     </p:spTree>
     <p:extLst>
       <p:ext uri="{BB962C8B-B14F-4D97-AF65-F5344CB8AC3E}">
-        <p14:creationId xmlns:p14="http://schemas.microsoft.com/office/powerpoint/2010/main" val="470862121"/>
+        <p14:creationId xmlns:p14="http://schemas.microsoft.com/office/powerpoint/2010/main" val="636812607"/>
       </p:ext>
     </p:extLst>
   </p:cSld>
@@ -9616,10 +9712,9 @@
           <a:lstStyle/>
           <a:p>
             <a:r>
-              <a:rPr lang="en-US" dirty="0" smtClean="0"/>
+              <a:rPr lang="en-US" dirty="0"/>
               <a:t>Resources</a:t>
             </a:r>
-            <a:endParaRPr lang="en-US" dirty="0"/>
           </a:p>
         </p:txBody>
       </p:sp>
@@ -9642,28 +9737,22 @@
               <a:rPr lang="en-US" u="sng" dirty="0">
                 <a:hlinkClick r:id="rId2"/>
               </a:rPr>
-              <a:t>https://</a:t>
-            </a:r>
-            <a:r>
-              <a:rPr lang="en-US" u="sng" dirty="0" smtClean="0">
-                <a:hlinkClick r:id="rId2"/>
-              </a:rPr>
-              <a:t>github.com/fairyflies9/IBAMR-Tutorials</a:t>
-            </a:r>
-            <a:endParaRPr lang="en-US" u="sng" dirty="0" smtClean="0"/>
+              <a:t>https://github.com/fairyflies9/IBAMR-Tutorials</a:t>
+            </a:r>
+            <a:endParaRPr lang="en-US" u="sng" dirty="0"/>
           </a:p>
           <a:p>
             <a:pPr lvl="1"/>
             <a:r>
-              <a:rPr lang="en-US" dirty="0" smtClean="0"/>
+              <a:rPr lang="en-US" dirty="0"/>
               <a:t>Examples and </a:t>
             </a:r>
             <a:r>
-              <a:rPr lang="en-US" dirty="0" err="1" smtClean="0"/>
+              <a:rPr lang="en-US" dirty="0" err="1"/>
               <a:t>powerpoint</a:t>
             </a:r>
             <a:r>
-              <a:rPr lang="en-US" dirty="0" smtClean="0"/>
+              <a:rPr lang="en-US" dirty="0"/>
               <a:t> slides</a:t>
             </a:r>
           </a:p>
@@ -9672,23 +9761,16 @@
               <a:rPr lang="en-US" dirty="0">
                 <a:hlinkClick r:id="rId3"/>
               </a:rPr>
-              <a:t>https://</a:t>
-            </a:r>
-            <a:r>
-              <a:rPr lang="en-US" dirty="0" smtClean="0">
-                <a:hlinkClick r:id="rId3"/>
-              </a:rPr>
-              <a:t>drive.google.com/drive/folders/1g0TIf-mRa3f2cOt2h8zztOmrhvMdZpuY?usp=sharing</a:t>
-            </a:r>
-            <a:endParaRPr lang="en-US" dirty="0" smtClean="0"/>
+              <a:t>https://drive.google.com/drive/folders/1g0TIf-mRa3f2cOt2h8zztOmrhvMdZpuY?usp=sharing</a:t>
+            </a:r>
+            <a:endParaRPr lang="en-US" dirty="0"/>
           </a:p>
           <a:p>
             <a:pPr lvl="1"/>
             <a:r>
-              <a:rPr lang="en-US" dirty="0" smtClean="0"/>
+              <a:rPr lang="en-US" dirty="0"/>
               <a:t>Zoom recordings for old and new tutorials</a:t>
             </a:r>
-            <a:endParaRPr lang="en-US" dirty="0"/>
           </a:p>
         </p:txBody>
       </p:sp>
@@ -9702,13 +9784,6 @@
   <p:clrMapOvr>
     <a:masterClrMapping/>
   </p:clrMapOvr>
-  <p:timing>
-    <p:tnLst>
-      <p:par>
-        <p:cTn id="1" dur="indefinite" restart="never" nodeType="tmRoot"/>
-      </p:par>
-    </p:tnLst>
-  </p:timing>
 </p:sld>
 </file>
 
@@ -9747,10 +9822,9 @@
           <a:lstStyle/>
           <a:p>
             <a:r>
-              <a:rPr lang="en-US" dirty="0" smtClean="0"/>
-              <a:t>IBAMR Tutorials</a:t>
-            </a:r>
-            <a:endParaRPr lang="en-US" dirty="0"/>
+              <a:rPr lang="en-US" dirty="0"/>
+              <a:t>Download data and book keeping</a:t>
+            </a:r>
           </a:p>
         </p:txBody>
       </p:sp>
@@ -9772,115 +9846,37 @@
             <a:pPr fontAlgn="base"/>
             <a:r>
               <a:rPr lang="en-US" dirty="0"/>
-              <a:t>Tutorials on </a:t>
+              <a:t>To download the results. Use the web interface or </a:t>
             </a:r>
             <a:r>
               <a:rPr lang="en-US" dirty="0" err="1"/>
-              <a:t>github</a:t>
-            </a:r>
-            <a:r>
-              <a:rPr lang="en-US" dirty="0"/>
-              <a:t> </a:t>
-            </a:r>
-            <a:r>
-              <a:rPr lang="en-US" dirty="0" smtClean="0"/>
-              <a:t>with examples from UNC</a:t>
-            </a:r>
-            <a:endParaRPr lang="en-US" dirty="0"/>
-          </a:p>
-          <a:p>
-            <a:pPr lvl="1" fontAlgn="base"/>
-            <a:r>
-              <a:rPr lang="en-US" dirty="0"/>
-              <a:t>Power point slides and code at </a:t>
-            </a:r>
-            <a:r>
-              <a:rPr lang="en-US" u="sng" dirty="0">
-                <a:hlinkClick r:id="rId2"/>
-              </a:rPr>
-              <a:t>https://github.com/fairyflies9/IBAMR-Tutorials</a:t>
-            </a:r>
-            <a:endParaRPr lang="en-US" dirty="0"/>
-          </a:p>
-          <a:p>
-            <a:r>
-              <a:rPr lang="en-US" dirty="0" smtClean="0"/>
-              <a:t>Zoom videos of old tutorials and </a:t>
-            </a:r>
-            <a:r>
-              <a:rPr lang="en-US" dirty="0"/>
-              <a:t>other </a:t>
-            </a:r>
-            <a:r>
-              <a:rPr lang="en-US" dirty="0" smtClean="0"/>
-              <a:t>materials</a:t>
-            </a:r>
-          </a:p>
-          <a:p>
-            <a:pPr lvl="1"/>
-            <a:r>
-              <a:rPr lang="en-US" u="sng" dirty="0" smtClean="0">
-                <a:hlinkClick r:id="rId3"/>
-              </a:rPr>
-              <a:t>https</a:t>
-            </a:r>
-            <a:r>
-              <a:rPr lang="en-US" u="sng" dirty="0">
-                <a:hlinkClick r:id="rId3"/>
-              </a:rPr>
-              <a:t>://drive.google.com/drive/folders/1g0TIf-mRa3f2cOt2h8zztOmrhvMdZpuY?usp=sharing</a:t>
-            </a:r>
-            <a:endParaRPr lang="en-US" dirty="0" smtClean="0"/>
-          </a:p>
-          <a:p>
-            <a:pPr fontAlgn="base"/>
-            <a:r>
-              <a:rPr lang="en-US" dirty="0" smtClean="0"/>
-              <a:t>I’ve </a:t>
-            </a:r>
-            <a:r>
-              <a:rPr lang="en-US" dirty="0"/>
-              <a:t>started a new folder for UA examples here: </a:t>
-            </a:r>
-            <a:endParaRPr lang="en-US" dirty="0" smtClean="0"/>
-          </a:p>
-          <a:p>
-            <a:pPr lvl="1" fontAlgn="base"/>
-            <a:r>
-              <a:rPr lang="en-US" u="sng" dirty="0" smtClean="0">
-                <a:hlinkClick r:id="rId4"/>
-              </a:rPr>
-              <a:t>IBAMR-Tutorials/AZ-Examples/IBFE-UA-Example-2DTriangle </a:t>
-            </a:r>
-            <a:r>
-              <a:rPr lang="en-US" u="sng" dirty="0">
-                <a:hlinkClick r:id="rId4"/>
-              </a:rPr>
-              <a:t>at master · fairyflies9/IBAMR-Tutorials · GitHub</a:t>
-            </a:r>
-            <a:endParaRPr lang="en-US" dirty="0"/>
-          </a:p>
-          <a:p>
-            <a:pPr lvl="1" fontAlgn="base"/>
-            <a:r>
-              <a:rPr lang="en-US" dirty="0"/>
-              <a:t>I will keep adding new examples over the coming weeks and will start zoom tutorials next </a:t>
-            </a:r>
-            <a:r>
-              <a:rPr lang="en-US" dirty="0" smtClean="0"/>
-              <a:t>week.</a:t>
-            </a:r>
-            <a:endParaRPr lang="en-US" dirty="0"/>
-          </a:p>
-          <a:p>
-            <a:endParaRPr lang="en-US" dirty="0"/>
+              <a:t>sftp</a:t>
+            </a:r>
+            <a:r>
+              <a:rPr lang="en-US" dirty="0"/>
+              <a:t>, cd to where viz_IB2d lives, and type get -r viz_IB2d</a:t>
+            </a:r>
+          </a:p>
+          <a:p>
+            <a:r>
+              <a:rPr lang="en-US" dirty="0"/>
+              <a:t>To save space on the cluster, now remove this data. Delete in the web interface or type </a:t>
+            </a:r>
+            <a:r>
+              <a:rPr lang="en-US" dirty="0" err="1"/>
+              <a:t>rm</a:t>
+            </a:r>
+            <a:r>
+              <a:rPr lang="en-US" dirty="0"/>
+              <a:t> -r viz_IB2d</a:t>
+            </a:r>
           </a:p>
         </p:txBody>
       </p:sp>
     </p:spTree>
     <p:extLst>
       <p:ext uri="{BB962C8B-B14F-4D97-AF65-F5344CB8AC3E}">
-        <p14:creationId xmlns:p14="http://schemas.microsoft.com/office/powerpoint/2010/main" val="3710708118"/>
+        <p14:creationId xmlns:p14="http://schemas.microsoft.com/office/powerpoint/2010/main" val="389745442"/>
       </p:ext>
     </p:extLst>
   </p:cSld>
@@ -9925,10 +9921,9 @@
           <a:lstStyle/>
           <a:p>
             <a:r>
-              <a:rPr lang="en-US" dirty="0" smtClean="0"/>
-              <a:t>Updating examples from UNC</a:t>
-            </a:r>
-            <a:endParaRPr lang="en-US" dirty="0"/>
+              <a:rPr lang="en-US" dirty="0"/>
+              <a:t>Running IBAMR</a:t>
+            </a:r>
           </a:p>
         </p:txBody>
       </p:sp>
@@ -9944,243 +9939,68 @@
         </p:nvSpPr>
         <p:spPr/>
         <p:txBody>
-          <a:bodyPr>
-            <a:normAutofit/>
-          </a:bodyPr>
+          <a:bodyPr/>
           <a:lstStyle/>
           <a:p>
             <a:pPr fontAlgn="base"/>
             <a:r>
-              <a:rPr lang="en-US" dirty="0"/>
-              <a:t>The path needs to be changed in the </a:t>
-            </a:r>
-            <a:r>
               <a:rPr lang="en-US" dirty="0" err="1"/>
-              <a:t>makefile</a:t>
-            </a:r>
-            <a:r>
-              <a:rPr lang="en-US" dirty="0"/>
-              <a:t>.</a:t>
-            </a:r>
-          </a:p>
-          <a:p>
-            <a:pPr lvl="1"/>
-            <a:r>
-              <a:rPr lang="en-US" dirty="0"/>
-              <a:t>IBAMR_SRC_DIR = /</a:t>
+              <a:t>Mpiruns</a:t>
+            </a:r>
+            <a:r>
+              <a:rPr lang="en-US" dirty="0"/>
+              <a:t> using IBFE can only be done on ocelot </a:t>
+            </a:r>
+          </a:p>
+          <a:p>
+            <a:pPr lvl="1" fontAlgn="base"/>
+            <a:r>
+              <a:rPr lang="en-US" dirty="0"/>
+              <a:t>This cluster should be online July 12.</a:t>
+            </a:r>
+          </a:p>
+          <a:p>
+            <a:pPr lvl="1" fontAlgn="base"/>
+            <a:r>
+              <a:rPr lang="en-US" dirty="0"/>
+              <a:t>We can run simulations using IBFE by using </a:t>
             </a:r>
             <a:r>
               <a:rPr lang="en-US" dirty="0" err="1"/>
-              <a:t>contrib</a:t>
-            </a:r>
-            <a:r>
-              <a:rPr lang="en-US" dirty="0"/>
-              <a:t>/lauram9/</a:t>
+              <a:t>srun</a:t>
+            </a:r>
+            <a:r>
+              <a:rPr lang="en-US" dirty="0"/>
+              <a:t> on puma (2D runs).</a:t>
+            </a:r>
+          </a:p>
+          <a:p>
+            <a:pPr fontAlgn="base"/>
+            <a:r>
+              <a:rPr lang="en-US" dirty="0"/>
+              <a:t>If you are  not using finite elements / </a:t>
             </a:r>
             <a:r>
               <a:rPr lang="en-US" dirty="0" err="1"/>
-              <a:t>ibamr</a:t>
-            </a:r>
-            <a:r>
-              <a:rPr lang="en-US" dirty="0"/>
-              <a:t>/0.7.1/include/IBAMR</a:t>
-            </a:r>
-          </a:p>
-          <a:p>
-            <a:pPr lvl="1"/>
-            <a:r>
-              <a:rPr lang="en-US" dirty="0"/>
-              <a:t>IBAMR_BUILD_DIR = /</a:t>
+              <a:t>libmesh</a:t>
+            </a:r>
+            <a:r>
+              <a:rPr lang="en-US" dirty="0"/>
+              <a:t> (e.g. fiber based IBM), then you can use </a:t>
             </a:r>
             <a:r>
               <a:rPr lang="en-US" dirty="0" err="1"/>
-              <a:t>contrib</a:t>
-            </a:r>
-            <a:r>
-              <a:rPr lang="en-US" dirty="0"/>
-              <a:t>/lauram9/</a:t>
-            </a:r>
-            <a:r>
-              <a:rPr lang="en-US" dirty="0" err="1"/>
-              <a:t>ibamr</a:t>
-            </a:r>
-            <a:r>
-              <a:rPr lang="en-US" dirty="0"/>
-              <a:t>/IBAMR-0.7.1</a:t>
-            </a:r>
-          </a:p>
-          <a:p>
-            <a:pPr lvl="1"/>
-            <a:r>
-              <a:rPr lang="en-US" dirty="0"/>
-              <a:t>LIBSNEW = $(LIBS) -</a:t>
-            </a:r>
-            <a:r>
-              <a:rPr lang="en-US" dirty="0" err="1"/>
-              <a:t>lnetcdf</a:t>
-            </a:r>
-            <a:r>
-              <a:rPr lang="en-US" dirty="0"/>
-              <a:t> -</a:t>
-            </a:r>
-            <a:r>
-              <a:rPr lang="en-US" dirty="0" err="1"/>
-              <a:t>lcurl</a:t>
-            </a:r>
-            <a:r>
-              <a:rPr lang="en-US" dirty="0"/>
-              <a:t> </a:t>
-            </a:r>
-          </a:p>
-          <a:p>
-            <a:pPr fontAlgn="base"/>
-            <a:r>
-              <a:rPr lang="en-US" dirty="0"/>
-              <a:t>There is a small change needed in the main file for IBFE examples.</a:t>
-            </a:r>
-          </a:p>
-          <a:p>
-            <a:pPr lvl="1" fontAlgn="base"/>
-            <a:r>
-              <a:rPr lang="en-US" dirty="0"/>
-              <a:t>Comment out the </a:t>
-            </a:r>
-            <a:r>
-              <a:rPr lang="en-US" dirty="0" err="1"/>
-              <a:t>AutoPtr</a:t>
-            </a:r>
-            <a:r>
-              <a:rPr lang="en-US" dirty="0"/>
-              <a:t> below and replace with </a:t>
-            </a:r>
-            <a:r>
-              <a:rPr lang="en-US" dirty="0" err="1"/>
-              <a:t>std</a:t>
-            </a:r>
-            <a:r>
-              <a:rPr lang="en-US" dirty="0"/>
-              <a:t>::</a:t>
-            </a:r>
-            <a:r>
-              <a:rPr lang="en-US" dirty="0" err="1"/>
-              <a:t>unique_ptr</a:t>
-            </a:r>
-            <a:endParaRPr lang="en-US" dirty="0"/>
-          </a:p>
-          <a:p>
-            <a:pPr marL="596900" lvl="1" indent="0">
+              <a:t>mpirun</a:t>
+            </a:r>
+            <a:r>
+              <a:rPr lang="en-US" dirty="0"/>
+              <a:t> on puma.</a:t>
+            </a:r>
+          </a:p>
+          <a:p>
+            <a:pPr marL="114300" indent="0">
               <a:buNone/>
             </a:pPr>
-            <a:r>
-              <a:rPr lang="en-US" dirty="0" smtClean="0"/>
-              <a:t>	//</a:t>
-            </a:r>
-            <a:r>
-              <a:rPr lang="en-US" dirty="0" err="1"/>
-              <a:t>AutoPtr</a:t>
-            </a:r>
-            <a:r>
-              <a:rPr lang="en-US" dirty="0"/>
-              <a:t>&lt;</a:t>
-            </a:r>
-            <a:r>
-              <a:rPr lang="en-US" dirty="0" err="1"/>
-              <a:t>ExodusII_IO</a:t>
-            </a:r>
-            <a:r>
-              <a:rPr lang="en-US" dirty="0"/>
-              <a:t>&gt; </a:t>
-            </a:r>
-            <a:r>
-              <a:rPr lang="en-US" dirty="0" err="1"/>
-              <a:t>exodus_io</a:t>
-            </a:r>
-            <a:r>
-              <a:rPr lang="en-US" dirty="0"/>
-              <a:t>(</a:t>
-            </a:r>
-            <a:r>
-              <a:rPr lang="en-US" dirty="0" err="1"/>
-              <a:t>uses_exodus</a:t>
-            </a:r>
-            <a:r>
-              <a:rPr lang="en-US" dirty="0"/>
-              <a:t> ? new </a:t>
-            </a:r>
-            <a:r>
-              <a:rPr lang="en-US" dirty="0" err="1"/>
-              <a:t>ExodusII_IO</a:t>
-            </a:r>
-            <a:r>
-              <a:rPr lang="en-US" dirty="0"/>
-              <a:t>(mesh) : NULL);</a:t>
-            </a:r>
-          </a:p>
-          <a:p>
-            <a:pPr marL="596900" lvl="1" indent="0">
-              <a:buNone/>
-            </a:pPr>
-            <a:r>
-              <a:rPr lang="en-US" dirty="0" smtClean="0"/>
-              <a:t>	</a:t>
-            </a:r>
-            <a:r>
-              <a:rPr lang="en-US" dirty="0" err="1" smtClean="0"/>
-              <a:t>std</a:t>
-            </a:r>
-            <a:r>
-              <a:rPr lang="en-US" dirty="0"/>
-              <a:t>::</a:t>
-            </a:r>
-            <a:r>
-              <a:rPr lang="en-US" dirty="0" err="1"/>
-              <a:t>unique_ptr</a:t>
-            </a:r>
-            <a:r>
-              <a:rPr lang="en-US" dirty="0"/>
-              <a:t>&lt;</a:t>
-            </a:r>
-            <a:r>
-              <a:rPr lang="en-US" dirty="0" err="1"/>
-              <a:t>ExodusII_IO</a:t>
-            </a:r>
-            <a:r>
-              <a:rPr lang="en-US" dirty="0"/>
-              <a:t>&gt; </a:t>
-            </a:r>
-            <a:r>
-              <a:rPr lang="en-US" dirty="0" err="1"/>
-              <a:t>exodus_io</a:t>
-            </a:r>
-            <a:r>
-              <a:rPr lang="en-US" dirty="0"/>
-              <a:t>(</a:t>
-            </a:r>
-            <a:r>
-              <a:rPr lang="en-US" dirty="0" err="1"/>
-              <a:t>uses_exodus</a:t>
-            </a:r>
-            <a:r>
-              <a:rPr lang="en-US" dirty="0"/>
-              <a:t> ? new </a:t>
-            </a:r>
-            <a:r>
-              <a:rPr lang="en-US" dirty="0" err="1"/>
-              <a:t>ExodusII_IO</a:t>
-            </a:r>
-            <a:r>
-              <a:rPr lang="en-US" dirty="0"/>
-              <a:t>(mesh) : NULL);</a:t>
-            </a:r>
-          </a:p>
-          <a:p>
-            <a:pPr fontAlgn="base"/>
-            <a:r>
-              <a:rPr lang="en-US" dirty="0"/>
-              <a:t>There may be other changes needed, but this is the only one I’ve encountered so far.</a:t>
-            </a:r>
-          </a:p>
-          <a:p>
             <a:endParaRPr lang="en-US" dirty="0"/>
           </a:p>
         </p:txBody>
@@ -10188,7 +10008,7 @@
     </p:spTree>
     <p:extLst>
       <p:ext uri="{BB962C8B-B14F-4D97-AF65-F5344CB8AC3E}">
-        <p14:creationId xmlns:p14="http://schemas.microsoft.com/office/powerpoint/2010/main" val="691651095"/>
+        <p14:creationId xmlns:p14="http://schemas.microsoft.com/office/powerpoint/2010/main" val="470862121"/>
       </p:ext>
     </p:extLst>
   </p:cSld>
@@ -10233,10 +10053,458 @@
           <a:lstStyle/>
           <a:p>
             <a:r>
-              <a:rPr lang="en-US" dirty="0" smtClean="0"/>
+              <a:rPr lang="en-US" dirty="0"/>
+              <a:t>IBAMR Tutorials</a:t>
+            </a:r>
+          </a:p>
+        </p:txBody>
+      </p:sp>
+      <p:sp>
+        <p:nvSpPr>
+          <p:cNvPr id="3" name="Text Placeholder 2"/>
+          <p:cNvSpPr>
+            <a:spLocks noGrp="1"/>
+          </p:cNvSpPr>
+          <p:nvPr>
+            <p:ph type="body" idx="1"/>
+          </p:nvPr>
+        </p:nvSpPr>
+        <p:spPr/>
+        <p:txBody>
+          <a:bodyPr/>
+          <a:lstStyle/>
+          <a:p>
+            <a:pPr fontAlgn="base"/>
+            <a:r>
+              <a:rPr lang="en-US" dirty="0"/>
+              <a:t>Tutorials on </a:t>
+            </a:r>
+            <a:r>
+              <a:rPr lang="en-US" dirty="0" err="1"/>
+              <a:t>github</a:t>
+            </a:r>
+            <a:r>
+              <a:rPr lang="en-US" dirty="0"/>
+              <a:t> with examples from UNC</a:t>
+            </a:r>
+          </a:p>
+          <a:p>
+            <a:pPr lvl="1" fontAlgn="base"/>
+            <a:r>
+              <a:rPr lang="en-US" dirty="0"/>
+              <a:t>Power point slides and code at </a:t>
+            </a:r>
+            <a:r>
+              <a:rPr lang="en-US" u="sng" dirty="0">
+                <a:hlinkClick r:id="rId2"/>
+              </a:rPr>
+              <a:t>https://github.com/fairyflies9/IBAMR-Tutorials</a:t>
+            </a:r>
+            <a:endParaRPr lang="en-US" dirty="0"/>
+          </a:p>
+          <a:p>
+            <a:r>
+              <a:rPr lang="en-US" dirty="0"/>
+              <a:t>Zoom videos of old tutorials and other materials</a:t>
+            </a:r>
+          </a:p>
+          <a:p>
+            <a:pPr lvl="1"/>
+            <a:r>
+              <a:rPr lang="en-US" u="sng" dirty="0">
+                <a:hlinkClick r:id="rId3"/>
+              </a:rPr>
+              <a:t>https://drive.google.com/drive/folders/1g0TIf-mRa3f2cOt2h8zztOmrhvMdZpuY?usp=sharing</a:t>
+            </a:r>
+            <a:endParaRPr lang="en-US" dirty="0"/>
+          </a:p>
+          <a:p>
+            <a:pPr fontAlgn="base"/>
+            <a:r>
+              <a:rPr lang="en-US" dirty="0"/>
+              <a:t>I’ve started a new folder for UA examples here: </a:t>
+            </a:r>
+          </a:p>
+          <a:p>
+            <a:pPr lvl="1" fontAlgn="base"/>
+            <a:r>
+              <a:rPr lang="en-US" u="sng" dirty="0">
+                <a:hlinkClick r:id="rId4"/>
+              </a:rPr>
+              <a:t>IBAMR-Tutorials/AZ-Examples/IBFE-UA-Example-2DTriangle at master · fairyflies9/IBAMR-Tutorials · GitHub</a:t>
+            </a:r>
+            <a:endParaRPr lang="en-US" dirty="0"/>
+          </a:p>
+          <a:p>
+            <a:pPr lvl="1" fontAlgn="base"/>
+            <a:r>
+              <a:rPr lang="en-US" dirty="0"/>
+              <a:t>I will keep adding new examples over the coming weeks and will start zoom tutorials next week.</a:t>
+            </a:r>
+          </a:p>
+          <a:p>
+            <a:endParaRPr lang="en-US" dirty="0"/>
+          </a:p>
+        </p:txBody>
+      </p:sp>
+    </p:spTree>
+    <p:extLst>
+      <p:ext uri="{BB962C8B-B14F-4D97-AF65-F5344CB8AC3E}">
+        <p14:creationId xmlns:p14="http://schemas.microsoft.com/office/powerpoint/2010/main" val="3710708118"/>
+      </p:ext>
+    </p:extLst>
+  </p:cSld>
+  <p:clrMapOvr>
+    <a:masterClrMapping/>
+  </p:clrMapOvr>
+</p:sld>
+</file>
+
+<file path=ppt/slides/slide23.xml><?xml version="1.0" encoding="utf-8"?>
+<p:sld xmlns:a="http://schemas.openxmlformats.org/drawingml/2006/main" xmlns:r="http://schemas.openxmlformats.org/officeDocument/2006/relationships" xmlns:p="http://schemas.openxmlformats.org/presentationml/2006/main">
+  <p:cSld>
+    <p:spTree>
+      <p:nvGrpSpPr>
+        <p:cNvPr id="1" name=""/>
+        <p:cNvGrpSpPr/>
+        <p:nvPr/>
+      </p:nvGrpSpPr>
+      <p:grpSpPr>
+        <a:xfrm>
+          <a:off x="0" y="0"/>
+          <a:ext cx="0" cy="0"/>
+          <a:chOff x="0" y="0"/>
+          <a:chExt cx="0" cy="0"/>
+        </a:xfrm>
+      </p:grpSpPr>
+      <p:sp>
+        <p:nvSpPr>
+          <p:cNvPr id="2" name="Title 1"/>
+          <p:cNvSpPr>
+            <a:spLocks noGrp="1"/>
+          </p:cNvSpPr>
+          <p:nvPr>
+            <p:ph type="title"/>
+          </p:nvPr>
+        </p:nvSpPr>
+        <p:spPr/>
+        <p:txBody>
+          <a:bodyPr>
+            <a:normAutofit fontScale="90000"/>
+          </a:bodyPr>
+          <a:lstStyle/>
+          <a:p>
+            <a:r>
+              <a:rPr lang="en-US" dirty="0"/>
+              <a:t>Updating examples from UNC</a:t>
+            </a:r>
+          </a:p>
+        </p:txBody>
+      </p:sp>
+      <p:sp>
+        <p:nvSpPr>
+          <p:cNvPr id="3" name="Text Placeholder 2"/>
+          <p:cNvSpPr>
+            <a:spLocks noGrp="1"/>
+          </p:cNvSpPr>
+          <p:nvPr>
+            <p:ph type="body" idx="1"/>
+          </p:nvPr>
+        </p:nvSpPr>
+        <p:spPr/>
+        <p:txBody>
+          <a:bodyPr>
+            <a:normAutofit/>
+          </a:bodyPr>
+          <a:lstStyle/>
+          <a:p>
+            <a:pPr fontAlgn="base"/>
+            <a:r>
+              <a:rPr lang="en-US" dirty="0"/>
+              <a:t>The path needs to be changed in the </a:t>
+            </a:r>
+            <a:r>
+              <a:rPr lang="en-US" dirty="0" err="1"/>
+              <a:t>makefile</a:t>
+            </a:r>
+            <a:r>
+              <a:rPr lang="en-US" dirty="0"/>
+              <a:t>.</a:t>
+            </a:r>
+          </a:p>
+          <a:p>
+            <a:pPr lvl="1"/>
+            <a:r>
+              <a:rPr lang="en-US" dirty="0"/>
+              <a:t>IBAMR_SRC_DIR = /</a:t>
+            </a:r>
+            <a:r>
+              <a:rPr lang="en-US" dirty="0" err="1"/>
+              <a:t>contrib</a:t>
+            </a:r>
+            <a:r>
+              <a:rPr lang="en-US" dirty="0"/>
+              <a:t>/lauram9/</a:t>
+            </a:r>
+            <a:r>
+              <a:rPr lang="en-US" dirty="0" err="1"/>
+              <a:t>ibamr</a:t>
+            </a:r>
+            <a:r>
+              <a:rPr lang="en-US" dirty="0"/>
+              <a:t>/0.7.1/include/IBAMR</a:t>
+            </a:r>
+          </a:p>
+          <a:p>
+            <a:pPr lvl="1"/>
+            <a:r>
+              <a:rPr lang="en-US" dirty="0"/>
+              <a:t>IBAMR_BUILD_DIR = /</a:t>
+            </a:r>
+            <a:r>
+              <a:rPr lang="en-US" dirty="0" err="1"/>
+              <a:t>contrib</a:t>
+            </a:r>
+            <a:r>
+              <a:rPr lang="en-US" dirty="0"/>
+              <a:t>/lauram9/</a:t>
+            </a:r>
+            <a:r>
+              <a:rPr lang="en-US" dirty="0" err="1"/>
+              <a:t>ibamr</a:t>
+            </a:r>
+            <a:r>
+              <a:rPr lang="en-US" dirty="0"/>
+              <a:t>/IBAMR-0.7.1</a:t>
+            </a:r>
+          </a:p>
+          <a:p>
+            <a:pPr lvl="1"/>
+            <a:r>
+              <a:rPr lang="en-US" dirty="0"/>
+              <a:t>LIBSNEW = $(LIBS) -</a:t>
+            </a:r>
+            <a:r>
+              <a:rPr lang="en-US" dirty="0" err="1"/>
+              <a:t>lnetcdf</a:t>
+            </a:r>
+            <a:r>
+              <a:rPr lang="en-US" dirty="0"/>
+              <a:t> -</a:t>
+            </a:r>
+            <a:r>
+              <a:rPr lang="en-US" dirty="0" err="1"/>
+              <a:t>lcurl</a:t>
+            </a:r>
+            <a:r>
+              <a:rPr lang="en-US" dirty="0"/>
+              <a:t> </a:t>
+            </a:r>
+          </a:p>
+          <a:p>
+            <a:pPr fontAlgn="base"/>
+            <a:r>
+              <a:rPr lang="en-US" dirty="0"/>
+              <a:t>There is a small change needed in the main file for IBFE examples.</a:t>
+            </a:r>
+          </a:p>
+          <a:p>
+            <a:pPr lvl="1" fontAlgn="base"/>
+            <a:r>
+              <a:rPr lang="en-US" dirty="0"/>
+              <a:t>Comment out the </a:t>
+            </a:r>
+            <a:r>
+              <a:rPr lang="en-US" dirty="0" err="1"/>
+              <a:t>AutoPtr</a:t>
+            </a:r>
+            <a:r>
+              <a:rPr lang="en-US" dirty="0"/>
+              <a:t> below and replace with </a:t>
+            </a:r>
+            <a:r>
+              <a:rPr lang="en-US" dirty="0" err="1"/>
+              <a:t>std</a:t>
+            </a:r>
+            <a:r>
+              <a:rPr lang="en-US" dirty="0"/>
+              <a:t>::</a:t>
+            </a:r>
+            <a:r>
+              <a:rPr lang="en-US" dirty="0" err="1"/>
+              <a:t>unique_ptr</a:t>
+            </a:r>
+            <a:endParaRPr lang="en-US" dirty="0"/>
+          </a:p>
+          <a:p>
+            <a:pPr marL="596900" lvl="1" indent="0">
+              <a:buNone/>
+            </a:pPr>
+            <a:r>
+              <a:rPr lang="en-US" dirty="0"/>
+              <a:t>	//</a:t>
+            </a:r>
+            <a:r>
+              <a:rPr lang="en-US" dirty="0" err="1"/>
+              <a:t>AutoPtr</a:t>
+            </a:r>
+            <a:r>
+              <a:rPr lang="en-US" dirty="0"/>
+              <a:t>&lt;</a:t>
+            </a:r>
+            <a:r>
+              <a:rPr lang="en-US" dirty="0" err="1"/>
+              <a:t>ExodusII_IO</a:t>
+            </a:r>
+            <a:r>
+              <a:rPr lang="en-US" dirty="0"/>
+              <a:t>&gt; </a:t>
+            </a:r>
+            <a:r>
+              <a:rPr lang="en-US" dirty="0" err="1"/>
+              <a:t>exodus_io</a:t>
+            </a:r>
+            <a:r>
+              <a:rPr lang="en-US" dirty="0"/>
+              <a:t>(</a:t>
+            </a:r>
+            <a:r>
+              <a:rPr lang="en-US" dirty="0" err="1"/>
+              <a:t>uses_exodus</a:t>
+            </a:r>
+            <a:r>
+              <a:rPr lang="en-US" dirty="0"/>
+              <a:t> ? new </a:t>
+            </a:r>
+            <a:r>
+              <a:rPr lang="en-US" dirty="0" err="1"/>
+              <a:t>ExodusII_IO</a:t>
+            </a:r>
+            <a:r>
+              <a:rPr lang="en-US" dirty="0"/>
+              <a:t>(mesh) : NULL);</a:t>
+            </a:r>
+          </a:p>
+          <a:p>
+            <a:pPr marL="596900" lvl="1" indent="0">
+              <a:buNone/>
+            </a:pPr>
+            <a:r>
+              <a:rPr lang="en-US" dirty="0"/>
+              <a:t>	</a:t>
+            </a:r>
+            <a:r>
+              <a:rPr lang="en-US" dirty="0" err="1"/>
+              <a:t>std</a:t>
+            </a:r>
+            <a:r>
+              <a:rPr lang="en-US" dirty="0"/>
+              <a:t>::</a:t>
+            </a:r>
+            <a:r>
+              <a:rPr lang="en-US" dirty="0" err="1"/>
+              <a:t>unique_ptr</a:t>
+            </a:r>
+            <a:r>
+              <a:rPr lang="en-US" dirty="0"/>
+              <a:t>&lt;</a:t>
+            </a:r>
+            <a:r>
+              <a:rPr lang="en-US" dirty="0" err="1"/>
+              <a:t>ExodusII_IO</a:t>
+            </a:r>
+            <a:r>
+              <a:rPr lang="en-US" dirty="0"/>
+              <a:t>&gt; </a:t>
+            </a:r>
+            <a:r>
+              <a:rPr lang="en-US" dirty="0" err="1"/>
+              <a:t>exodus_io</a:t>
+            </a:r>
+            <a:r>
+              <a:rPr lang="en-US" dirty="0"/>
+              <a:t>(</a:t>
+            </a:r>
+            <a:r>
+              <a:rPr lang="en-US" dirty="0" err="1"/>
+              <a:t>uses_exodus</a:t>
+            </a:r>
+            <a:r>
+              <a:rPr lang="en-US" dirty="0"/>
+              <a:t> ? new </a:t>
+            </a:r>
+            <a:r>
+              <a:rPr lang="en-US" dirty="0" err="1"/>
+              <a:t>ExodusII_IO</a:t>
+            </a:r>
+            <a:r>
+              <a:rPr lang="en-US" dirty="0"/>
+              <a:t>(mesh) : NULL);</a:t>
+            </a:r>
+          </a:p>
+          <a:p>
+            <a:pPr fontAlgn="base"/>
+            <a:r>
+              <a:rPr lang="en-US" dirty="0"/>
+              <a:t>There may be other changes needed, but this is the only one I’ve encountered so far.</a:t>
+            </a:r>
+          </a:p>
+          <a:p>
+            <a:endParaRPr lang="en-US" dirty="0"/>
+          </a:p>
+        </p:txBody>
+      </p:sp>
+    </p:spTree>
+    <p:extLst>
+      <p:ext uri="{BB962C8B-B14F-4D97-AF65-F5344CB8AC3E}">
+        <p14:creationId xmlns:p14="http://schemas.microsoft.com/office/powerpoint/2010/main" val="691651095"/>
+      </p:ext>
+    </p:extLst>
+  </p:cSld>
+  <p:clrMapOvr>
+    <a:masterClrMapping/>
+  </p:clrMapOvr>
+</p:sld>
+</file>
+
+<file path=ppt/slides/slide24.xml><?xml version="1.0" encoding="utf-8"?>
+<p:sld xmlns:a="http://schemas.openxmlformats.org/drawingml/2006/main" xmlns:r="http://schemas.openxmlformats.org/officeDocument/2006/relationships" xmlns:p="http://schemas.openxmlformats.org/presentationml/2006/main">
+  <p:cSld>
+    <p:spTree>
+      <p:nvGrpSpPr>
+        <p:cNvPr id="1" name=""/>
+        <p:cNvGrpSpPr/>
+        <p:nvPr/>
+      </p:nvGrpSpPr>
+      <p:grpSpPr>
+        <a:xfrm>
+          <a:off x="0" y="0"/>
+          <a:ext cx="0" cy="0"/>
+          <a:chOff x="0" y="0"/>
+          <a:chExt cx="0" cy="0"/>
+        </a:xfrm>
+      </p:grpSpPr>
+      <p:sp>
+        <p:nvSpPr>
+          <p:cNvPr id="2" name="Title 1"/>
+          <p:cNvSpPr>
+            <a:spLocks noGrp="1"/>
+          </p:cNvSpPr>
+          <p:nvPr>
+            <p:ph type="title"/>
+          </p:nvPr>
+        </p:nvSpPr>
+        <p:spPr/>
+        <p:txBody>
+          <a:bodyPr>
+            <a:normAutofit fontScale="90000"/>
+          </a:bodyPr>
+          <a:lstStyle/>
+          <a:p>
+            <a:r>
+              <a:rPr lang="en-US" dirty="0"/>
               <a:t>SLURM submission script for IBAMR</a:t>
             </a:r>
-            <a:endParaRPr lang="en-US" dirty="0"/>
           </a:p>
         </p:txBody>
       </p:sp>
@@ -10279,7 +10547,7 @@
                     <a:p>
                       <a:pPr fontAlgn="t"/>
                       <a:r>
-                        <a:rPr lang="en-US" sz="1300" dirty="0" smtClean="0">
+                        <a:rPr lang="en-US" sz="1300" dirty="0">
                           <a:effectLst/>
                           <a:latin typeface="+mj-lt"/>
                         </a:rPr>
@@ -10288,7 +10556,7 @@
                     </a:p>
                     <a:p>
                       <a:pPr fontAlgn="t"/>
-                      <a:endParaRPr lang="en-US" sz="1300" dirty="0" smtClean="0">
+                      <a:endParaRPr lang="en-US" sz="1300" dirty="0">
                         <a:effectLst/>
                         <a:latin typeface="+mj-lt"/>
                       </a:endParaRPr>
@@ -10296,18 +10564,11 @@
                     <a:p>
                       <a:pPr fontAlgn="t"/>
                       <a:r>
-                        <a:rPr lang="en-US" sz="1300" dirty="0" smtClean="0">
-                          <a:effectLst/>
-                          <a:latin typeface="+mj-lt"/>
-                        </a:rPr>
-                        <a:t>#</a:t>
-                      </a:r>
-                      <a:r>
                         <a:rPr lang="en-US" sz="1300" dirty="0">
                           <a:effectLst/>
                           <a:latin typeface="+mj-lt"/>
                         </a:rPr>
-                        <a:t>SBATCH --job-name=IBAMR-test</a:t>
+                        <a:t>#SBATCH --job-name=IBAMR-test</a:t>
                       </a:r>
                     </a:p>
                   </a:txBody>
@@ -10504,21 +10765,7 @@
                           <a:effectLst/>
                           <a:latin typeface="+mj-lt"/>
                         </a:rPr>
-                        <a:t>#</a:t>
-                      </a:r>
-                      <a:r>
-                        <a:rPr lang="en-US" sz="1300" dirty="0" smtClean="0">
-                          <a:effectLst/>
-                          <a:latin typeface="+mj-lt"/>
-                        </a:rPr>
-                        <a:t>SBATCH </a:t>
-                      </a:r>
-                      <a:r>
-                        <a:rPr lang="en-US" sz="1300" dirty="0">
-                          <a:effectLst/>
-                          <a:latin typeface="+mj-lt"/>
-                        </a:rPr>
-                        <a:t>--output IBAMR2D.out</a:t>
+                        <a:t>#SBATCH --output IBAMR2D.out</a:t>
                       </a:r>
                     </a:p>
                   </a:txBody>
@@ -10647,7 +10894,7 @@
 </p:sld>
 </file>
 
-<file path=ppt/slides/slide23.xml><?xml version="1.0" encoding="utf-8"?>
+<file path=ppt/slides/slide25.xml><?xml version="1.0" encoding="utf-8"?>
 <p:sld xmlns:a="http://schemas.openxmlformats.org/drawingml/2006/main" xmlns:r="http://schemas.openxmlformats.org/officeDocument/2006/relationships" xmlns:p="http://schemas.openxmlformats.org/presentationml/2006/main">
   <p:cSld>
     <p:spTree>
@@ -10709,115 +10956,99 @@
           <a:p>
             <a:pPr fontAlgn="base"/>
             <a:r>
-              <a:rPr lang="en-US" dirty="0" smtClean="0"/>
-              <a:t>IB </a:t>
-            </a:r>
-            <a:r>
-              <a:rPr lang="en-US" dirty="0"/>
-              <a:t>data is large, and I have created </a:t>
-            </a:r>
-            <a:r>
-              <a:rPr lang="en-US" dirty="0" smtClean="0"/>
-              <a:t>a new </a:t>
-            </a:r>
-            <a:r>
-              <a:rPr lang="en-US" dirty="0"/>
-              <a:t>temporary space.</a:t>
+              <a:rPr lang="en-US" dirty="0"/>
+              <a:t>IB data is large, and I have created a new temporary space.</a:t>
             </a:r>
           </a:p>
           <a:p>
             <a:pPr lvl="1" fontAlgn="base"/>
             <a:r>
-              <a:rPr lang="en-US" dirty="0" smtClean="0"/>
+              <a:rPr lang="en-US" dirty="0"/>
               <a:t>The path to this folder is /</a:t>
             </a:r>
             <a:r>
-              <a:rPr lang="en-US" dirty="0" err="1" smtClean="0"/>
+              <a:rPr lang="en-US" dirty="0" err="1"/>
               <a:t>xdisk</a:t>
             </a:r>
             <a:r>
-              <a:rPr lang="en-US" dirty="0" smtClean="0"/>
+              <a:rPr lang="en-US" dirty="0"/>
               <a:t>/lauram9</a:t>
             </a:r>
           </a:p>
           <a:p>
             <a:pPr fontAlgn="base"/>
             <a:r>
-              <a:rPr lang="en-US" dirty="0" smtClean="0"/>
+              <a:rPr lang="en-US" dirty="0"/>
               <a:t>I suggest that you put your ib2d and IBAMR simulation folders here.</a:t>
             </a:r>
           </a:p>
           <a:p>
             <a:pPr lvl="1" fontAlgn="base"/>
             <a:r>
-              <a:rPr lang="en-US" dirty="0" smtClean="0"/>
+              <a:rPr lang="en-US" dirty="0"/>
               <a:t>Update the paths for ib2d or </a:t>
             </a:r>
             <a:r>
-              <a:rPr lang="en-US" dirty="0" err="1" smtClean="0"/>
+              <a:rPr lang="en-US" dirty="0" err="1"/>
               <a:t>ibamr</a:t>
             </a:r>
             <a:r>
               <a:rPr lang="en-US" dirty="0"/>
-              <a:t> </a:t>
-            </a:r>
-            <a:r>
-              <a:rPr lang="en-US" dirty="0" smtClean="0"/>
-              <a:t>in main2d / </a:t>
-            </a:r>
-            <a:r>
-              <a:rPr lang="en-US" dirty="0" err="1" smtClean="0"/>
+              <a:t> in main2d / </a:t>
+            </a:r>
+            <a:r>
+              <a:rPr lang="en-US" dirty="0" err="1"/>
               <a:t>makefile</a:t>
             </a:r>
             <a:r>
-              <a:rPr lang="en-US" dirty="0" smtClean="0"/>
+              <a:rPr lang="en-US" dirty="0"/>
               <a:t>.</a:t>
             </a:r>
           </a:p>
           <a:p>
             <a:pPr lvl="1" fontAlgn="base"/>
             <a:r>
-              <a:rPr lang="en-US" dirty="0" smtClean="0"/>
+              <a:rPr lang="en-US" dirty="0"/>
               <a:t>Run your simulation from these folders / write </a:t>
             </a:r>
             <a:r>
-              <a:rPr lang="en-US" dirty="0" err="1" smtClean="0"/>
+              <a:rPr lang="en-US" dirty="0" err="1"/>
               <a:t>viz</a:t>
             </a:r>
             <a:r>
-              <a:rPr lang="en-US" dirty="0" smtClean="0"/>
+              <a:rPr lang="en-US" dirty="0"/>
               <a:t> data here.</a:t>
             </a:r>
           </a:p>
           <a:p>
             <a:pPr lvl="1" fontAlgn="base"/>
             <a:r>
-              <a:rPr lang="en-US" dirty="0" smtClean="0"/>
+              <a:rPr lang="en-US" dirty="0"/>
               <a:t>Download your data in a timely manner.</a:t>
             </a:r>
           </a:p>
           <a:p>
             <a:pPr lvl="1" fontAlgn="base"/>
             <a:r>
-              <a:rPr lang="en-US" dirty="0" smtClean="0"/>
+              <a:rPr lang="en-US" dirty="0"/>
               <a:t>Delete files regularly</a:t>
             </a:r>
           </a:p>
           <a:p>
             <a:pPr lvl="2" fontAlgn="base"/>
             <a:r>
-              <a:rPr lang="en-US" dirty="0" err="1" smtClean="0"/>
+              <a:rPr lang="en-US" dirty="0" err="1"/>
               <a:t>rm</a:t>
             </a:r>
             <a:r>
-              <a:rPr lang="en-US" dirty="0" smtClean="0"/>
+              <a:rPr lang="en-US" dirty="0"/>
               <a:t> –r </a:t>
             </a:r>
             <a:r>
-              <a:rPr lang="en-US" dirty="0" err="1" smtClean="0"/>
+              <a:rPr lang="en-US" dirty="0" err="1"/>
               <a:t>my_ib_sim_folder</a:t>
             </a:r>
-            <a:endParaRPr lang="en-US" dirty="0" smtClean="0"/>
+            <a:endParaRPr lang="en-US" dirty="0"/>
           </a:p>
           <a:p>
             <a:pPr marL="1054100" lvl="2" indent="0" fontAlgn="base">
@@ -10948,7 +11179,7 @@
                 <a:hlinkClick r:id="rId3">
                   <a:extLst>
                     <a:ext uri="{A12FA001-AC4F-418D-AE19-62706E023703}">
-                      <ahyp:hlinkClr xmlns="" xmlns:mc="http://schemas.openxmlformats.org/markup-compatibility/2006" xmlns:mv="urn:schemas-microsoft-com:mac:vml" xmlns:c="http://schemas.openxmlformats.org/drawingml/2006/chart" xmlns:dgm="http://schemas.openxmlformats.org/drawingml/2006/diagram" xmlns:o="urn:schemas-microsoft-com:office:office" xmlns:v="urn:schemas-microsoft-com:vml" xmlns:pvml="urn:schemas-microsoft-com:office:powerpoint" xmlns:com="http://schemas.openxmlformats.org/drawingml/2006/compatibility" xmlns:p14="http://schemas.microsoft.com/office/powerpoint/2010/main" xmlns:p15="http://schemas.microsoft.com/office/powerpoint/2012/main" xmlns:ahyp="http://schemas.microsoft.com/office/drawing/2018/hyperlinkcolor" val="tx"/>
+                      <ahyp:hlinkClr xmlns:ahyp="http://schemas.microsoft.com/office/drawing/2018/hyperlinkcolor" val="tx"/>
                     </a:ext>
                   </a:extLst>
                 </a:hlinkClick>
@@ -10963,7 +11194,7 @@
                 <a:hlinkClick r:id="rId3">
                   <a:extLst>
                     <a:ext uri="{A12FA001-AC4F-418D-AE19-62706E023703}">
-                      <ahyp:hlinkClr xmlns="" xmlns:mc="http://schemas.openxmlformats.org/markup-compatibility/2006" xmlns:mv="urn:schemas-microsoft-com:mac:vml" xmlns:c="http://schemas.openxmlformats.org/drawingml/2006/chart" xmlns:dgm="http://schemas.openxmlformats.org/drawingml/2006/diagram" xmlns:o="urn:schemas-microsoft-com:office:office" xmlns:v="urn:schemas-microsoft-com:vml" xmlns:pvml="urn:schemas-microsoft-com:office:powerpoint" xmlns:com="http://schemas.openxmlformats.org/drawingml/2006/compatibility" xmlns:p14="http://schemas.microsoft.com/office/powerpoint/2010/main" xmlns:p15="http://schemas.microsoft.com/office/powerpoint/2012/main" xmlns:ahyp="http://schemas.microsoft.com/office/drawing/2018/hyperlinkcolor" val="tx"/>
+                      <ahyp:hlinkClr xmlns:ahyp="http://schemas.microsoft.com/office/drawing/2018/hyperlinkcolor" val="tx"/>
                     </a:ext>
                   </a:extLst>
                 </a:hlinkClick>
@@ -11007,13 +11238,6 @@
   <p:clrMapOvr>
     <a:masterClrMapping/>
   </p:clrMapOvr>
-  <p:timing>
-    <p:tnLst>
-      <p:par>
-        <p:cTn id="1" dur="indefinite" restart="never" nodeType="tmRoot"/>
-      </p:par>
-    </p:tnLst>
-  </p:timing>
 </p:sld>
 </file>
 
@@ -11183,7 +11407,7 @@
                 <a:hlinkClick r:id="rId3">
                   <a:extLst>
                     <a:ext uri="{A12FA001-AC4F-418D-AE19-62706E023703}">
-                      <ahyp:hlinkClr xmlns="" xmlns:mc="http://schemas.openxmlformats.org/markup-compatibility/2006" xmlns:mv="urn:schemas-microsoft-com:mac:vml" xmlns:c="http://schemas.openxmlformats.org/drawingml/2006/chart" xmlns:dgm="http://schemas.openxmlformats.org/drawingml/2006/diagram" xmlns:o="urn:schemas-microsoft-com:office:office" xmlns:v="urn:schemas-microsoft-com:vml" xmlns:pvml="urn:schemas-microsoft-com:office:powerpoint" xmlns:com="http://schemas.openxmlformats.org/drawingml/2006/compatibility" xmlns:p14="http://schemas.microsoft.com/office/powerpoint/2010/main" xmlns:p15="http://schemas.microsoft.com/office/powerpoint/2012/main" xmlns:ahyp="http://schemas.microsoft.com/office/drawing/2018/hyperlinkcolor" val="tx"/>
+                      <ahyp:hlinkClr xmlns:ahyp="http://schemas.microsoft.com/office/drawing/2018/hyperlinkcolor" val="tx"/>
                     </a:ext>
                   </a:extLst>
                 </a:hlinkClick>
@@ -11260,36 +11484,12 @@
               <a:buChar char="●"/>
             </a:pPr>
             <a:r>
-              <a:rPr lang="en" dirty="0" smtClean="0">
+              <a:rPr lang="en" dirty="0">
                 <a:solidFill>
                   <a:schemeClr val="dk1"/>
                 </a:solidFill>
               </a:rPr>
-              <a:t>I will need to </a:t>
-            </a:r>
-            <a:r>
-              <a:rPr lang="en" dirty="0">
-                <a:solidFill>
-                  <a:schemeClr val="dk1"/>
-                </a:solidFill>
-              </a:rPr>
-              <a:t>add you to </a:t>
-            </a:r>
-            <a:r>
-              <a:rPr lang="en" dirty="0" smtClean="0">
-                <a:solidFill>
-                  <a:schemeClr val="dk1"/>
-                </a:solidFill>
-              </a:rPr>
-              <a:t>my </a:t>
-            </a:r>
-            <a:r>
-              <a:rPr lang="en" dirty="0">
-                <a:solidFill>
-                  <a:schemeClr val="dk1"/>
-                </a:solidFill>
-              </a:rPr>
-              <a:t>group.</a:t>
+              <a:t>I will need to add you to my group.</a:t>
             </a:r>
             <a:endParaRPr dirty="0">
               <a:solidFill>
@@ -11327,7 +11527,7 @@
                 <a:hlinkClick r:id="rId4">
                   <a:extLst>
                     <a:ext uri="{A12FA001-AC4F-418D-AE19-62706E023703}">
-                      <ahyp:hlinkClr xmlns="" xmlns:mc="http://schemas.openxmlformats.org/markup-compatibility/2006" xmlns:mv="urn:schemas-microsoft-com:mac:vml" xmlns:c="http://schemas.openxmlformats.org/drawingml/2006/chart" xmlns:dgm="http://schemas.openxmlformats.org/drawingml/2006/diagram" xmlns:o="urn:schemas-microsoft-com:office:office" xmlns:v="urn:schemas-microsoft-com:vml" xmlns:pvml="urn:schemas-microsoft-com:office:powerpoint" xmlns:com="http://schemas.openxmlformats.org/drawingml/2006/compatibility" xmlns:p14="http://schemas.microsoft.com/office/powerpoint/2010/main" xmlns:p15="http://schemas.microsoft.com/office/powerpoint/2012/main" xmlns:ahyp="http://schemas.microsoft.com/office/drawing/2018/hyperlinkcolor" val="tx"/>
+                      <ahyp:hlinkClr xmlns:ahyp="http://schemas.microsoft.com/office/drawing/2018/hyperlinkcolor" val="tx"/>
                     </a:ext>
                   </a:extLst>
                 </a:hlinkClick>
@@ -11344,7 +11544,7 @@
               <a:t>HPC Documentation</a:t>
             </a:r>
             <a:r>
-              <a:rPr lang="en" dirty="0" smtClean="0">
+              <a:rPr lang="en" dirty="0">
                 <a:solidFill>
                   <a:schemeClr val="dk1"/>
                 </a:solidFill>
@@ -11364,7 +11564,7 @@
               <a:buChar char="●"/>
             </a:pPr>
             <a:r>
-              <a:rPr lang="en" dirty="0" smtClean="0">
+              <a:rPr lang="en" dirty="0">
                 <a:solidFill>
                   <a:schemeClr val="dk1"/>
                 </a:solidFill>
@@ -11396,13 +11596,6 @@
   <p:clrMapOvr>
     <a:masterClrMapping/>
   </p:clrMapOvr>
-  <p:timing>
-    <p:tnLst>
-      <p:par>
-        <p:cTn id="1" dur="indefinite" restart="never" nodeType="tmRoot"/>
-      </p:par>
-    </p:tnLst>
-  </p:timing>
 </p:sld>
 </file>
 
@@ -11545,15 +11738,7 @@
                   <a:schemeClr val="dk1"/>
                 </a:solidFill>
               </a:rPr>
-              <a:t>To log into the web interface, go </a:t>
-            </a:r>
-            <a:r>
-              <a:rPr lang="en" dirty="0" smtClean="0">
-                <a:solidFill>
-                  <a:schemeClr val="dk1"/>
-                </a:solidFill>
-              </a:rPr>
-              <a:t>to </a:t>
+              <a:t>To log into the web interface, go to </a:t>
             </a:r>
             <a:r>
               <a:rPr lang="en-US" u="sng" dirty="0">
@@ -11593,13 +11778,6 @@
   <p:clrMapOvr>
     <a:masterClrMapping/>
   </p:clrMapOvr>
-  <p:timing>
-    <p:tnLst>
-      <p:par>
-        <p:cTn id="1" dur="indefinite" restart="never" nodeType="tmRoot"/>
-      </p:par>
-    </p:tnLst>
-  </p:timing>
 </p:sld>
 </file>
 
@@ -11828,7 +12006,7 @@
                 <a:hlinkClick r:id="rId3">
                   <a:extLst>
                     <a:ext uri="{A12FA001-AC4F-418D-AE19-62706E023703}">
-                      <ahyp:hlinkClr xmlns="" xmlns:mc="http://schemas.openxmlformats.org/markup-compatibility/2006" xmlns:mv="urn:schemas-microsoft-com:mac:vml" xmlns:c="http://schemas.openxmlformats.org/drawingml/2006/chart" xmlns:dgm="http://schemas.openxmlformats.org/drawingml/2006/diagram" xmlns:o="urn:schemas-microsoft-com:office:office" xmlns:v="urn:schemas-microsoft-com:vml" xmlns:pvml="urn:schemas-microsoft-com:office:powerpoint" xmlns:com="http://schemas.openxmlformats.org/drawingml/2006/compatibility" xmlns:p14="http://schemas.microsoft.com/office/powerpoint/2010/main" xmlns:p15="http://schemas.microsoft.com/office/powerpoint/2012/main" xmlns:ahyp="http://schemas.microsoft.com/office/drawing/2018/hyperlinkcolor" val="tx"/>
+                      <ahyp:hlinkClr xmlns:ahyp="http://schemas.microsoft.com/office/drawing/2018/hyperlinkcolor" val="tx"/>
                     </a:ext>
                   </a:extLst>
                 </a:hlinkClick>
@@ -11844,17 +12022,845 @@
   <p:clrMapOvr>
     <a:masterClrMapping/>
   </p:clrMapOvr>
-  <p:timing>
-    <p:tnLst>
-      <p:par>
-        <p:cTn id="1" dur="indefinite" restart="never" nodeType="tmRoot"/>
-      </p:par>
-    </p:tnLst>
-  </p:timing>
 </p:sld>
 </file>
 
 <file path=ppt/slides/slide7.xml><?xml version="1.0" encoding="utf-8"?>
+<p:sld xmlns:a="http://schemas.openxmlformats.org/drawingml/2006/main" xmlns:r="http://schemas.openxmlformats.org/officeDocument/2006/relationships" xmlns:p="http://schemas.openxmlformats.org/presentationml/2006/main">
+  <p:cSld>
+    <p:spTree>
+      <p:nvGrpSpPr>
+        <p:cNvPr id="1" name=""/>
+        <p:cNvGrpSpPr/>
+        <p:nvPr/>
+      </p:nvGrpSpPr>
+      <p:grpSpPr>
+        <a:xfrm>
+          <a:off x="0" y="0"/>
+          <a:ext cx="0" cy="0"/>
+          <a:chOff x="0" y="0"/>
+          <a:chExt cx="0" cy="0"/>
+        </a:xfrm>
+      </p:grpSpPr>
+      <p:sp>
+        <p:nvSpPr>
+          <p:cNvPr id="2" name="Title 1">
+            <a:extLst>
+              <a:ext uri="{FF2B5EF4-FFF2-40B4-BE49-F238E27FC236}">
+                <a16:creationId xmlns:a16="http://schemas.microsoft.com/office/drawing/2014/main" id="{5873B182-542A-433E-99D4-11AE3B14D032}"/>
+              </a:ext>
+            </a:extLst>
+          </p:cNvPr>
+          <p:cNvSpPr>
+            <a:spLocks noGrp="1"/>
+          </p:cNvSpPr>
+          <p:nvPr>
+            <p:ph type="title"/>
+          </p:nvPr>
+        </p:nvSpPr>
+        <p:spPr/>
+        <p:txBody>
+          <a:bodyPr>
+            <a:normAutofit fontScale="90000"/>
+          </a:bodyPr>
+          <a:lstStyle/>
+          <a:p>
+            <a:r>
+              <a:rPr lang="en-US" dirty="0"/>
+              <a:t>Moving files with </a:t>
+            </a:r>
+            <a:r>
+              <a:rPr lang="en-US" dirty="0" err="1"/>
+              <a:t>Filezilla</a:t>
+            </a:r>
+            <a:endParaRPr lang="en-US" dirty="0"/>
+          </a:p>
+        </p:txBody>
+      </p:sp>
+      <p:sp>
+        <p:nvSpPr>
+          <p:cNvPr id="3" name="Text Placeholder 2">
+            <a:extLst>
+              <a:ext uri="{FF2B5EF4-FFF2-40B4-BE49-F238E27FC236}">
+                <a16:creationId xmlns:a16="http://schemas.microsoft.com/office/drawing/2014/main" id="{F6DBB6C3-280E-4F9B-8B8C-521352FB00C4}"/>
+              </a:ext>
+            </a:extLst>
+          </p:cNvPr>
+          <p:cNvSpPr>
+            <a:spLocks noGrp="1"/>
+          </p:cNvSpPr>
+          <p:nvPr>
+            <p:ph type="body" idx="1"/>
+          </p:nvPr>
+        </p:nvSpPr>
+        <p:spPr/>
+        <p:txBody>
+          <a:bodyPr>
+            <a:normAutofit/>
+          </a:bodyPr>
+          <a:lstStyle/>
+          <a:p>
+            <a:pPr marL="0" marR="0" lvl="0" indent="0" algn="l" defTabSz="914400" rtl="0" eaLnBrk="0" fontAlgn="base" latinLnBrk="0" hangingPunct="0">
+              <a:lnSpc>
+                <a:spcPct val="100000"/>
+              </a:lnSpc>
+              <a:spcBef>
+                <a:spcPct val="0"/>
+              </a:spcBef>
+              <a:spcAft>
+                <a:spcPct val="0"/>
+              </a:spcAft>
+              <a:buClrTx/>
+              <a:buSzTx/>
+              <a:buFontTx/>
+              <a:buAutoNum type="arabicPeriod"/>
+              <a:tabLst/>
+            </a:pPr>
+            <a:r>
+              <a:rPr kumimoji="0" lang="en-US" altLang="en-US" sz="1400" b="0" i="0" u="none" strike="noStrike" cap="none" normalizeH="0" baseline="0" dirty="0">
+                <a:ln>
+                  <a:noFill/>
+                </a:ln>
+                <a:solidFill>
+                  <a:srgbClr val="2B2B2B"/>
+                </a:solidFill>
+                <a:effectLst/>
+                <a:latin typeface="Helvetica Neue"/>
+              </a:rPr>
+              <a:t>In FileZilla, select the </a:t>
+            </a:r>
+            <a:r>
+              <a:rPr kumimoji="0" lang="en-US" altLang="en-US" sz="1400" b="1" i="0" u="none" strike="noStrike" cap="none" normalizeH="0" baseline="0" dirty="0">
+                <a:ln>
+                  <a:noFill/>
+                </a:ln>
+                <a:solidFill>
+                  <a:srgbClr val="2B2B2B"/>
+                </a:solidFill>
+                <a:effectLst/>
+                <a:latin typeface="Helvetica Neue"/>
+              </a:rPr>
+              <a:t>File </a:t>
+            </a:r>
+            <a:r>
+              <a:rPr kumimoji="0" lang="en-US" altLang="en-US" sz="1400" b="0" i="0" u="none" strike="noStrike" cap="none" normalizeH="0" baseline="0" dirty="0">
+                <a:ln>
+                  <a:noFill/>
+                </a:ln>
+                <a:solidFill>
+                  <a:srgbClr val="2B2B2B"/>
+                </a:solidFill>
+                <a:effectLst/>
+                <a:latin typeface="Helvetica Neue"/>
+              </a:rPr>
+              <a:t>menu</a:t>
+            </a:r>
+          </a:p>
+          <a:p>
+            <a:pPr marL="0" marR="0" lvl="0" indent="0" algn="l" defTabSz="914400" rtl="0" eaLnBrk="0" fontAlgn="base" latinLnBrk="0" hangingPunct="0">
+              <a:lnSpc>
+                <a:spcPct val="100000"/>
+              </a:lnSpc>
+              <a:spcBef>
+                <a:spcPct val="0"/>
+              </a:spcBef>
+              <a:spcAft>
+                <a:spcPct val="0"/>
+              </a:spcAft>
+              <a:buClrTx/>
+              <a:buSzTx/>
+              <a:buFontTx/>
+              <a:buAutoNum type="arabicPeriod" startAt="2"/>
+              <a:tabLst/>
+            </a:pPr>
+            <a:r>
+              <a:rPr kumimoji="0" lang="en-US" altLang="en-US" sz="1400" b="0" i="0" u="none" strike="noStrike" cap="none" normalizeH="0" baseline="0" dirty="0">
+                <a:ln>
+                  <a:noFill/>
+                </a:ln>
+                <a:solidFill>
+                  <a:srgbClr val="2B2B2B"/>
+                </a:solidFill>
+                <a:effectLst/>
+                <a:latin typeface="Helvetica Neue"/>
+              </a:rPr>
+              <a:t>Select </a:t>
+            </a:r>
+            <a:r>
+              <a:rPr kumimoji="0" lang="en-US" altLang="en-US" sz="1400" b="1" i="0" u="none" strike="noStrike" cap="none" normalizeH="0" baseline="0" dirty="0">
+                <a:ln>
+                  <a:noFill/>
+                </a:ln>
+                <a:solidFill>
+                  <a:srgbClr val="2B2B2B"/>
+                </a:solidFill>
+                <a:effectLst/>
+                <a:latin typeface="Helvetica Neue"/>
+              </a:rPr>
+              <a:t>Site Manager</a:t>
+            </a:r>
+            <a:endParaRPr kumimoji="0" lang="en-US" altLang="en-US" sz="1400" b="0" i="0" u="none" strike="noStrike" cap="none" normalizeH="0" baseline="0" dirty="0">
+              <a:ln>
+                <a:noFill/>
+              </a:ln>
+              <a:solidFill>
+                <a:srgbClr val="2B2B2B"/>
+              </a:solidFill>
+              <a:effectLst/>
+              <a:latin typeface="Helvetica Neue"/>
+            </a:endParaRPr>
+          </a:p>
+          <a:p>
+            <a:pPr marL="0" marR="0" lvl="0" indent="0" algn="l" defTabSz="914400" rtl="0" eaLnBrk="0" fontAlgn="base" latinLnBrk="0" hangingPunct="0">
+              <a:lnSpc>
+                <a:spcPct val="100000"/>
+              </a:lnSpc>
+              <a:spcBef>
+                <a:spcPct val="0"/>
+              </a:spcBef>
+              <a:spcAft>
+                <a:spcPct val="0"/>
+              </a:spcAft>
+              <a:buClrTx/>
+              <a:buSzTx/>
+              <a:buFontTx/>
+              <a:buAutoNum type="arabicPeriod" startAt="3"/>
+              <a:tabLst/>
+            </a:pPr>
+            <a:r>
+              <a:rPr kumimoji="0" lang="en-US" altLang="en-US" sz="1400" b="0" i="0" u="none" strike="noStrike" cap="none" normalizeH="0" baseline="0" dirty="0">
+                <a:ln>
+                  <a:noFill/>
+                </a:ln>
+                <a:solidFill>
+                  <a:srgbClr val="2B2B2B"/>
+                </a:solidFill>
+                <a:effectLst/>
+                <a:latin typeface="Helvetica Neue"/>
+              </a:rPr>
+              <a:t>Select an existing site or select </a:t>
+            </a:r>
+            <a:r>
+              <a:rPr kumimoji="0" lang="en-US" altLang="en-US" sz="1400" b="1" i="0" u="none" strike="noStrike" cap="none" normalizeH="0" baseline="0" dirty="0">
+                <a:ln>
+                  <a:noFill/>
+                </a:ln>
+                <a:solidFill>
+                  <a:srgbClr val="2B2B2B"/>
+                </a:solidFill>
+                <a:effectLst/>
+                <a:latin typeface="Helvetica Neue"/>
+              </a:rPr>
+              <a:t>New Site</a:t>
+            </a:r>
+            <a:r>
+              <a:rPr kumimoji="0" lang="en-US" altLang="en-US" sz="1400" b="0" i="0" u="none" strike="noStrike" cap="none" normalizeH="0" baseline="0" dirty="0">
+                <a:ln>
+                  <a:noFill/>
+                </a:ln>
+                <a:solidFill>
+                  <a:srgbClr val="2B2B2B"/>
+                </a:solidFill>
+                <a:effectLst/>
+                <a:latin typeface="Helvetica Neue"/>
+              </a:rPr>
+              <a:t> to create a new connection</a:t>
+            </a:r>
+          </a:p>
+          <a:p>
+            <a:pPr marL="0" marR="0" lvl="0" indent="0" algn="l" defTabSz="914400" rtl="0" eaLnBrk="0" fontAlgn="base" latinLnBrk="0" hangingPunct="0">
+              <a:lnSpc>
+                <a:spcPct val="100000"/>
+              </a:lnSpc>
+              <a:spcBef>
+                <a:spcPct val="0"/>
+              </a:spcBef>
+              <a:spcAft>
+                <a:spcPct val="0"/>
+              </a:spcAft>
+              <a:buClrTx/>
+              <a:buSzTx/>
+              <a:buFontTx/>
+              <a:buAutoNum type="arabicPeriod" startAt="4"/>
+              <a:tabLst/>
+            </a:pPr>
+            <a:r>
+              <a:rPr kumimoji="0" lang="en-US" altLang="en-US" sz="1400" b="0" i="0" u="none" strike="noStrike" cap="none" normalizeH="0" baseline="0" dirty="0">
+                <a:ln>
+                  <a:noFill/>
+                </a:ln>
+                <a:solidFill>
+                  <a:srgbClr val="2B2B2B"/>
+                </a:solidFill>
+                <a:effectLst/>
+                <a:latin typeface="Helvetica Neue"/>
+              </a:rPr>
+              <a:t>Enter the following information in the General tab:</a:t>
+            </a:r>
+          </a:p>
+          <a:p>
+            <a:pPr marL="457200" marR="0" lvl="1" indent="0" algn="l" defTabSz="914400" rtl="0" eaLnBrk="0" fontAlgn="base" latinLnBrk="0" hangingPunct="0">
+              <a:lnSpc>
+                <a:spcPct val="100000"/>
+              </a:lnSpc>
+              <a:spcBef>
+                <a:spcPct val="0"/>
+              </a:spcBef>
+              <a:spcAft>
+                <a:spcPct val="0"/>
+              </a:spcAft>
+              <a:buClrTx/>
+              <a:buSzTx/>
+              <a:buFontTx/>
+              <a:buChar char="•"/>
+              <a:tabLst/>
+            </a:pPr>
+            <a:r>
+              <a:rPr kumimoji="0" lang="en-US" altLang="en-US" b="0" i="0" u="none" strike="noStrike" cap="none" normalizeH="0" baseline="0" dirty="0">
+                <a:ln>
+                  <a:noFill/>
+                </a:ln>
+                <a:solidFill>
+                  <a:srgbClr val="2B2B2B"/>
+                </a:solidFill>
+                <a:effectLst/>
+                <a:latin typeface="Helvetica Neue"/>
+              </a:rPr>
+              <a:t>Protocol: </a:t>
+            </a:r>
+            <a:r>
+              <a:rPr kumimoji="0" lang="en-US" altLang="en-US" b="1" i="0" u="none" strike="noStrike" cap="none" normalizeH="0" baseline="0" dirty="0">
+                <a:ln>
+                  <a:noFill/>
+                </a:ln>
+                <a:solidFill>
+                  <a:srgbClr val="2B2B2B"/>
+                </a:solidFill>
+                <a:effectLst/>
+                <a:latin typeface="Helvetica Neue"/>
+              </a:rPr>
+              <a:t>SFTP</a:t>
+            </a:r>
+            <a:endParaRPr kumimoji="0" lang="en-US" altLang="en-US" b="0" i="0" u="none" strike="noStrike" cap="none" normalizeH="0" baseline="0" dirty="0">
+              <a:ln>
+                <a:noFill/>
+              </a:ln>
+              <a:solidFill>
+                <a:srgbClr val="2B2B2B"/>
+              </a:solidFill>
+              <a:effectLst/>
+              <a:latin typeface="Helvetica Neue"/>
+            </a:endParaRPr>
+          </a:p>
+          <a:p>
+            <a:pPr marL="457200" marR="0" lvl="1" indent="0" algn="l" defTabSz="914400" rtl="0" eaLnBrk="0" fontAlgn="base" latinLnBrk="0" hangingPunct="0">
+              <a:lnSpc>
+                <a:spcPct val="100000"/>
+              </a:lnSpc>
+              <a:spcBef>
+                <a:spcPct val="0"/>
+              </a:spcBef>
+              <a:spcAft>
+                <a:spcPct val="0"/>
+              </a:spcAft>
+              <a:buClrTx/>
+              <a:buSzTx/>
+              <a:buFontTx/>
+              <a:buChar char="•"/>
+              <a:tabLst/>
+            </a:pPr>
+            <a:r>
+              <a:rPr kumimoji="0" lang="en-US" altLang="en-US" b="0" i="0" u="none" strike="noStrike" cap="none" normalizeH="0" baseline="0" dirty="0">
+                <a:ln>
+                  <a:noFill/>
+                </a:ln>
+                <a:solidFill>
+                  <a:srgbClr val="2B2B2B"/>
+                </a:solidFill>
+                <a:effectLst/>
+                <a:latin typeface="Helvetica Neue"/>
+              </a:rPr>
+              <a:t>Host: enter the server name</a:t>
+            </a:r>
+          </a:p>
+          <a:p>
+            <a:pPr marL="914400" lvl="2" indent="0" eaLnBrk="0" fontAlgn="base" hangingPunct="0">
+              <a:lnSpc>
+                <a:spcPct val="100000"/>
+              </a:lnSpc>
+              <a:spcBef>
+                <a:spcPct val="0"/>
+              </a:spcBef>
+              <a:spcAft>
+                <a:spcPct val="0"/>
+              </a:spcAft>
+              <a:buClrTx/>
+              <a:buSzTx/>
+              <a:buFontTx/>
+              <a:buChar char="•"/>
+            </a:pPr>
+            <a:r>
+              <a:rPr kumimoji="0" lang="en-US" altLang="en-US" b="1" i="0" u="none" strike="noStrike" cap="none" normalizeH="0" baseline="0" dirty="0">
+                <a:ln>
+                  <a:noFill/>
+                </a:ln>
+                <a:solidFill>
+                  <a:srgbClr val="2B2B2B"/>
+                </a:solidFill>
+                <a:effectLst/>
+                <a:latin typeface="Helvetica Neue"/>
+              </a:rPr>
+              <a:t>filexfer.hpc.arizona.edu</a:t>
+            </a:r>
+          </a:p>
+          <a:p>
+            <a:pPr marL="457200" marR="0" lvl="1" indent="0" algn="l" defTabSz="914400" rtl="0" eaLnBrk="0" fontAlgn="base" latinLnBrk="0" hangingPunct="0">
+              <a:lnSpc>
+                <a:spcPct val="100000"/>
+              </a:lnSpc>
+              <a:spcBef>
+                <a:spcPct val="0"/>
+              </a:spcBef>
+              <a:spcAft>
+                <a:spcPct val="0"/>
+              </a:spcAft>
+              <a:buClrTx/>
+              <a:buSzTx/>
+              <a:buFontTx/>
+              <a:buChar char="•"/>
+              <a:tabLst/>
+            </a:pPr>
+            <a:r>
+              <a:rPr kumimoji="0" lang="en-US" altLang="en-US" b="0" i="0" u="none" strike="noStrike" cap="none" normalizeH="0" baseline="0" dirty="0">
+                <a:ln>
+                  <a:noFill/>
+                </a:ln>
+                <a:solidFill>
+                  <a:srgbClr val="2B2B2B"/>
+                </a:solidFill>
+                <a:effectLst/>
+                <a:latin typeface="Helvetica Neue"/>
+              </a:rPr>
+              <a:t>Logon Type: </a:t>
+            </a:r>
+            <a:r>
+              <a:rPr kumimoji="0" lang="en-US" altLang="en-US" b="1" i="0" u="none" strike="noStrike" cap="none" normalizeH="0" baseline="0" dirty="0">
+                <a:ln>
+                  <a:noFill/>
+                </a:ln>
+                <a:solidFill>
+                  <a:srgbClr val="2B2B2B"/>
+                </a:solidFill>
+                <a:effectLst/>
+                <a:latin typeface="Helvetica Neue"/>
+              </a:rPr>
+              <a:t>Interactive</a:t>
+            </a:r>
+          </a:p>
+          <a:p>
+            <a:pPr marL="457200" marR="0" lvl="1" indent="0" algn="l" defTabSz="914400" rtl="0" eaLnBrk="0" fontAlgn="base" latinLnBrk="0" hangingPunct="0">
+              <a:lnSpc>
+                <a:spcPct val="100000"/>
+              </a:lnSpc>
+              <a:spcBef>
+                <a:spcPct val="0"/>
+              </a:spcBef>
+              <a:spcAft>
+                <a:spcPct val="0"/>
+              </a:spcAft>
+              <a:buClrTx/>
+              <a:buSzTx/>
+              <a:buFontTx/>
+              <a:buChar char="•"/>
+              <a:tabLst/>
+            </a:pPr>
+            <a:r>
+              <a:rPr lang="en-US" altLang="en-US" dirty="0">
+                <a:solidFill>
+                  <a:srgbClr val="2B2B2B"/>
+                </a:solidFill>
+                <a:latin typeface="Helvetica Neue"/>
+              </a:rPr>
+              <a:t>User: </a:t>
+            </a:r>
+            <a:r>
+              <a:rPr lang="en-US" altLang="en-US" b="1" dirty="0">
+                <a:solidFill>
+                  <a:srgbClr val="2B2B2B"/>
+                </a:solidFill>
+                <a:latin typeface="Helvetica Neue"/>
+              </a:rPr>
+              <a:t>Your NetID</a:t>
+            </a:r>
+            <a:endParaRPr kumimoji="0" lang="en-US" altLang="en-US" b="0" i="0" u="none" strike="noStrike" cap="none" normalizeH="0" baseline="0" dirty="0">
+              <a:ln>
+                <a:noFill/>
+              </a:ln>
+              <a:solidFill>
+                <a:srgbClr val="2B2B2B"/>
+              </a:solidFill>
+              <a:effectLst/>
+              <a:latin typeface="Helvetica Neue"/>
+            </a:endParaRPr>
+          </a:p>
+          <a:p>
+            <a:endParaRPr lang="en-US" sz="1400" dirty="0"/>
+          </a:p>
+        </p:txBody>
+      </p:sp>
+      <p:pic>
+        <p:nvPicPr>
+          <p:cNvPr id="6" name="Picture 5">
+            <a:extLst>
+              <a:ext uri="{FF2B5EF4-FFF2-40B4-BE49-F238E27FC236}">
+                <a16:creationId xmlns:a16="http://schemas.microsoft.com/office/drawing/2014/main" id="{AA277C24-5BB9-424F-BEA7-54421491D3F7}"/>
+              </a:ext>
+            </a:extLst>
+          </p:cNvPr>
+          <p:cNvPicPr>
+            <a:picLocks noChangeAspect="1"/>
+          </p:cNvPicPr>
+          <p:nvPr/>
+        </p:nvPicPr>
+        <p:blipFill>
+          <a:blip r:embed="rId2"/>
+          <a:stretch>
+            <a:fillRect/>
+          </a:stretch>
+        </p:blipFill>
+        <p:spPr>
+          <a:xfrm>
+            <a:off x="3684762" y="2189110"/>
+            <a:ext cx="5368803" cy="2832029"/>
+          </a:xfrm>
+          <a:prstGeom prst="rect">
+            <a:avLst/>
+          </a:prstGeom>
+        </p:spPr>
+      </p:pic>
+    </p:spTree>
+    <p:extLst>
+      <p:ext uri="{BB962C8B-B14F-4D97-AF65-F5344CB8AC3E}">
+        <p14:creationId xmlns:p14="http://schemas.microsoft.com/office/powerpoint/2010/main" val="1873251731"/>
+      </p:ext>
+    </p:extLst>
+  </p:cSld>
+  <p:clrMapOvr>
+    <a:masterClrMapping/>
+  </p:clrMapOvr>
+</p:sld>
+</file>
+
+<file path=ppt/slides/slide8.xml><?xml version="1.0" encoding="utf-8"?>
+<p:sld xmlns:a="http://schemas.openxmlformats.org/drawingml/2006/main" xmlns:r="http://schemas.openxmlformats.org/officeDocument/2006/relationships" xmlns:p="http://schemas.openxmlformats.org/presentationml/2006/main">
+  <p:cSld>
+    <p:spTree>
+      <p:nvGrpSpPr>
+        <p:cNvPr id="1" name=""/>
+        <p:cNvGrpSpPr/>
+        <p:nvPr/>
+      </p:nvGrpSpPr>
+      <p:grpSpPr>
+        <a:xfrm>
+          <a:off x="0" y="0"/>
+          <a:ext cx="0" cy="0"/>
+          <a:chOff x="0" y="0"/>
+          <a:chExt cx="0" cy="0"/>
+        </a:xfrm>
+      </p:grpSpPr>
+      <p:sp>
+        <p:nvSpPr>
+          <p:cNvPr id="2" name="Title 1">
+            <a:extLst>
+              <a:ext uri="{FF2B5EF4-FFF2-40B4-BE49-F238E27FC236}">
+                <a16:creationId xmlns:a16="http://schemas.microsoft.com/office/drawing/2014/main" id="{5873B182-542A-433E-99D4-11AE3B14D032}"/>
+              </a:ext>
+            </a:extLst>
+          </p:cNvPr>
+          <p:cNvSpPr>
+            <a:spLocks noGrp="1"/>
+          </p:cNvSpPr>
+          <p:nvPr>
+            <p:ph type="title"/>
+          </p:nvPr>
+        </p:nvSpPr>
+        <p:spPr/>
+        <p:txBody>
+          <a:bodyPr>
+            <a:normAutofit fontScale="90000"/>
+          </a:bodyPr>
+          <a:lstStyle/>
+          <a:p>
+            <a:r>
+              <a:rPr lang="en-US" dirty="0"/>
+              <a:t>Moving files with </a:t>
+            </a:r>
+            <a:r>
+              <a:rPr lang="en-US" dirty="0" err="1"/>
+              <a:t>Filezilla</a:t>
+            </a:r>
+            <a:endParaRPr lang="en-US" dirty="0"/>
+          </a:p>
+        </p:txBody>
+      </p:sp>
+      <p:sp>
+        <p:nvSpPr>
+          <p:cNvPr id="3" name="Text Placeholder 2">
+            <a:extLst>
+              <a:ext uri="{FF2B5EF4-FFF2-40B4-BE49-F238E27FC236}">
+                <a16:creationId xmlns:a16="http://schemas.microsoft.com/office/drawing/2014/main" id="{F6DBB6C3-280E-4F9B-8B8C-521352FB00C4}"/>
+              </a:ext>
+            </a:extLst>
+          </p:cNvPr>
+          <p:cNvSpPr>
+            <a:spLocks noGrp="1"/>
+          </p:cNvSpPr>
+          <p:nvPr>
+            <p:ph type="body" idx="1"/>
+          </p:nvPr>
+        </p:nvSpPr>
+        <p:spPr>
+          <a:xfrm>
+            <a:off x="311700" y="1152475"/>
+            <a:ext cx="5315377" cy="3416400"/>
+          </a:xfrm>
+        </p:spPr>
+        <p:txBody>
+          <a:bodyPr>
+            <a:normAutofit/>
+          </a:bodyPr>
+          <a:lstStyle/>
+          <a:p>
+            <a:r>
+              <a:rPr lang="en-US" b="0" i="0" dirty="0">
+                <a:solidFill>
+                  <a:srgbClr val="2B2B2B"/>
+                </a:solidFill>
+                <a:effectLst/>
+                <a:latin typeface="Helvetica Neue"/>
+              </a:rPr>
+              <a:t>Select the </a:t>
+            </a:r>
+            <a:r>
+              <a:rPr lang="en-US" b="1" i="0" dirty="0">
+                <a:solidFill>
+                  <a:srgbClr val="2B2B2B"/>
+                </a:solidFill>
+                <a:effectLst/>
+                <a:latin typeface="Helvetica Neue"/>
+              </a:rPr>
+              <a:t>Transfer Settings</a:t>
+            </a:r>
+            <a:r>
+              <a:rPr lang="en-US" b="0" i="0" dirty="0">
+                <a:solidFill>
+                  <a:srgbClr val="2B2B2B"/>
+                </a:solidFill>
+                <a:effectLst/>
+                <a:latin typeface="Helvetica Neue"/>
+              </a:rPr>
+              <a:t> tab</a:t>
+            </a:r>
+          </a:p>
+          <a:p>
+            <a:pPr marL="742950" lvl="1" indent="-285750"/>
+            <a:r>
+              <a:rPr lang="en-US" b="0" i="0" dirty="0">
+                <a:solidFill>
+                  <a:srgbClr val="2B2B2B"/>
+                </a:solidFill>
+                <a:effectLst/>
+                <a:latin typeface="Helvetica Neue"/>
+              </a:rPr>
+              <a:t>Select "Limit number of simultaneous connections"</a:t>
+            </a:r>
+          </a:p>
+          <a:p>
+            <a:pPr marL="742950" lvl="1" indent="-285750"/>
+            <a:r>
+              <a:rPr lang="en-US" b="0" i="0" dirty="0">
+                <a:solidFill>
+                  <a:srgbClr val="2B2B2B"/>
+                </a:solidFill>
+                <a:effectLst/>
+                <a:latin typeface="Helvetica Neue"/>
+              </a:rPr>
+              <a:t>Set simultaneous connections to: 1</a:t>
+            </a:r>
+          </a:p>
+          <a:p>
+            <a:r>
+              <a:rPr lang="en-US" b="0" i="0" dirty="0">
+                <a:solidFill>
+                  <a:srgbClr val="2B2B2B"/>
+                </a:solidFill>
+                <a:effectLst/>
+                <a:latin typeface="Helvetica Neue"/>
+              </a:rPr>
+              <a:t>Click </a:t>
+            </a:r>
+            <a:r>
+              <a:rPr lang="en-US" b="1" i="0" dirty="0">
+                <a:solidFill>
+                  <a:srgbClr val="2B2B2B"/>
+                </a:solidFill>
+                <a:effectLst/>
+                <a:latin typeface="Helvetica Neue"/>
+              </a:rPr>
+              <a:t>Connect</a:t>
+            </a:r>
+            <a:endParaRPr lang="en-US" b="0" i="0" dirty="0">
+              <a:solidFill>
+                <a:srgbClr val="2B2B2B"/>
+              </a:solidFill>
+              <a:effectLst/>
+              <a:latin typeface="Helvetica Neue"/>
+            </a:endParaRPr>
+          </a:p>
+          <a:p>
+            <a:pPr marL="742950" lvl="1" indent="-285750"/>
+            <a:r>
+              <a:rPr lang="en-US" b="0" i="0" dirty="0">
+                <a:solidFill>
+                  <a:srgbClr val="2B2B2B"/>
+                </a:solidFill>
+                <a:effectLst/>
+                <a:latin typeface="Helvetica Neue"/>
+              </a:rPr>
+              <a:t>In the first password box, enter your </a:t>
+            </a:r>
+            <a:r>
+              <a:rPr lang="en-US" b="1" i="0" dirty="0">
+                <a:solidFill>
+                  <a:srgbClr val="2B2B2B"/>
+                </a:solidFill>
+                <a:effectLst/>
+                <a:latin typeface="Helvetica Neue"/>
+              </a:rPr>
+              <a:t>NetID password</a:t>
+            </a:r>
+            <a:endParaRPr lang="en-US" b="0" i="0" dirty="0">
+              <a:solidFill>
+                <a:srgbClr val="2B2B2B"/>
+              </a:solidFill>
+              <a:effectLst/>
+              <a:latin typeface="Helvetica Neue"/>
+            </a:endParaRPr>
+          </a:p>
+          <a:p>
+            <a:pPr marL="742950" lvl="1" indent="-285750"/>
+            <a:r>
+              <a:rPr lang="en-US" b="0" i="0" dirty="0">
+                <a:solidFill>
+                  <a:srgbClr val="2B2B2B"/>
+                </a:solidFill>
+                <a:effectLst/>
+                <a:latin typeface="Helvetica Neue"/>
+              </a:rPr>
+              <a:t>In the second password box, type a </a:t>
+            </a:r>
+            <a:r>
+              <a:rPr lang="en-US" b="1" i="0" dirty="0">
+                <a:solidFill>
+                  <a:srgbClr val="2B2B2B"/>
+                </a:solidFill>
+                <a:effectLst/>
+                <a:latin typeface="Helvetica Neue"/>
+              </a:rPr>
+              <a:t>1</a:t>
+            </a:r>
+            <a:r>
+              <a:rPr lang="en-US" b="0" i="0" dirty="0">
+                <a:solidFill>
+                  <a:srgbClr val="2B2B2B"/>
+                </a:solidFill>
+                <a:effectLst/>
+                <a:latin typeface="Helvetica Neue"/>
+              </a:rPr>
+              <a:t> for Duo push </a:t>
+            </a:r>
+            <a:r>
+              <a:rPr lang="en-US" b="0" i="0" u="sng" dirty="0">
+                <a:solidFill>
+                  <a:srgbClr val="2B2B2B"/>
+                </a:solidFill>
+                <a:effectLst/>
+                <a:latin typeface="Helvetica Neue"/>
+              </a:rPr>
+              <a:t>or</a:t>
+            </a:r>
+            <a:r>
+              <a:rPr lang="en-US" b="0" i="0" dirty="0">
+                <a:solidFill>
+                  <a:srgbClr val="2B2B2B"/>
+                </a:solidFill>
+                <a:effectLst/>
+                <a:latin typeface="Helvetica Neue"/>
+              </a:rPr>
+              <a:t> enter a passcode from your Duo device</a:t>
+            </a:r>
+          </a:p>
+          <a:p>
+            <a:r>
+              <a:rPr lang="en-US" b="0" i="0" dirty="0">
+                <a:solidFill>
+                  <a:srgbClr val="2B2B2B"/>
+                </a:solidFill>
+                <a:effectLst/>
+                <a:latin typeface="Helvetica Neue"/>
+              </a:rPr>
+              <a:t>You can now use FileZilla to transfer files to and from the shell server.</a:t>
+            </a:r>
+          </a:p>
+          <a:p>
+            <a:endParaRPr lang="en-US" sz="1400" dirty="0"/>
+          </a:p>
+        </p:txBody>
+      </p:sp>
+      <p:pic>
+        <p:nvPicPr>
+          <p:cNvPr id="5" name="Picture 4">
+            <a:extLst>
+              <a:ext uri="{FF2B5EF4-FFF2-40B4-BE49-F238E27FC236}">
+                <a16:creationId xmlns:a16="http://schemas.microsoft.com/office/drawing/2014/main" id="{DBD5551F-4799-48FF-B8B2-12C4DAEA1BF6}"/>
+              </a:ext>
+            </a:extLst>
+          </p:cNvPr>
+          <p:cNvPicPr>
+            <a:picLocks noChangeAspect="1"/>
+          </p:cNvPicPr>
+          <p:nvPr/>
+        </p:nvPicPr>
+        <p:blipFill>
+          <a:blip r:embed="rId2"/>
+          <a:stretch>
+            <a:fillRect/>
+          </a:stretch>
+        </p:blipFill>
+        <p:spPr>
+          <a:xfrm>
+            <a:off x="5627077" y="1275512"/>
+            <a:ext cx="3235962" cy="2209381"/>
+          </a:xfrm>
+          <a:prstGeom prst="rect">
+            <a:avLst/>
+          </a:prstGeom>
+        </p:spPr>
+      </p:pic>
+    </p:spTree>
+    <p:extLst>
+      <p:ext uri="{BB962C8B-B14F-4D97-AF65-F5344CB8AC3E}">
+        <p14:creationId xmlns:p14="http://schemas.microsoft.com/office/powerpoint/2010/main" val="531461348"/>
+      </p:ext>
+    </p:extLst>
+  </p:cSld>
+  <p:clrMapOvr>
+    <a:masterClrMapping/>
+  </p:clrMapOvr>
+</p:sld>
+</file>
+
+<file path=ppt/slides/slide9.xml><?xml version="1.0" encoding="utf-8"?>
 <p:sld xmlns:a="http://schemas.openxmlformats.org/drawingml/2006/main" xmlns:r="http://schemas.openxmlformats.org/officeDocument/2006/relationships" xmlns:p="http://schemas.openxmlformats.org/presentationml/2006/main">
   <p:cSld>
     <p:spTree>
@@ -11906,12 +12912,8 @@
               <a:buNone/>
             </a:pPr>
             <a:r>
-              <a:rPr lang="en" dirty="0" smtClean="0"/>
-              <a:t>Moving files through the terminal - Using </a:t>
-            </a:r>
-            <a:r>
               <a:rPr lang="en" dirty="0"/>
-              <a:t>sftp</a:t>
+              <a:t>Moving files through the terminal - Using sftp</a:t>
             </a:r>
             <a:endParaRPr dirty="0"/>
           </a:p>
@@ -11957,26 +12959,10 @@
                   <a:schemeClr val="dk1"/>
                 </a:solidFill>
               </a:rPr>
-              <a:t>Open a terminal. You may want to cd to the directory where files you want to upload/download live. For example, cd Desktop if </a:t>
-            </a:r>
-            <a:r>
-              <a:rPr lang="en" dirty="0" smtClean="0">
-                <a:solidFill>
-                  <a:schemeClr val="dk1"/>
-                </a:solidFill>
-              </a:rPr>
-              <a:t>the files are </a:t>
+              <a:t>Open a terminal. You may want to cd to the directory where files you want to upload/download live. For example, cd Desktop if the files are on your Desktop. Otherwise, you need to know the path so that you can use that when you upload/download. For example </a:t>
             </a:r>
             <a:r>
               <a:rPr lang="en" dirty="0">
-                <a:solidFill>
-                  <a:schemeClr val="dk1"/>
-                </a:solidFill>
-              </a:rPr>
-              <a:t>on your Desktop. Otherwise, you need to know the path so that you can use that when you upload/download. For example </a:t>
-            </a:r>
-            <a:r>
-              <a:rPr lang="en" dirty="0" smtClean="0">
                 <a:solidFill>
                   <a:schemeClr val="dk1"/>
                 </a:solidFill>
@@ -11984,18 +12970,7 @@
                   <a:srgbClr val="D9D9D9"/>
                 </a:highlight>
               </a:rPr>
-              <a:t>C</a:t>
-            </a:r>
-            <a:r>
-              <a:rPr lang="en" dirty="0">
-                <a:solidFill>
-                  <a:schemeClr val="dk1"/>
-                </a:solidFill>
-                <a:highlight>
-                  <a:srgbClr val="D9D9D9"/>
-                </a:highlight>
-              </a:rPr>
-              <a:t>:/Users/lam9/Desktop</a:t>
+              <a:t>C:/Users/lam9/Desktop</a:t>
             </a:r>
             <a:endParaRPr dirty="0">
               <a:solidFill>
@@ -12023,18 +12998,10 @@
                   <a:schemeClr val="dk1"/>
                 </a:solidFill>
               </a:rPr>
-              <a:t>Enter Host Name </a:t>
-            </a:r>
-            <a:r>
-              <a:rPr lang="en" dirty="0" smtClean="0">
-                <a:solidFill>
-                  <a:schemeClr val="dk1"/>
-                </a:solidFill>
-              </a:rPr>
-              <a:t>netid@filexfer.</a:t>
-            </a:r>
-            <a:r>
-              <a:rPr lang="en" b="1" dirty="0" smtClean="0">
+              <a:t>Enter Host Name netid@filexfer.</a:t>
+            </a:r>
+            <a:r>
+              <a:rPr lang="en" b="1" dirty="0">
                 <a:solidFill>
                   <a:schemeClr val="dk1"/>
                 </a:solidFill>
@@ -12122,7 +13089,7 @@
               <a:t>Select </a:t>
             </a:r>
             <a:r>
-              <a:rPr lang="en" b="1" dirty="0" smtClean="0">
+              <a:rPr lang="en" b="1" dirty="0">
                 <a:solidFill>
                   <a:schemeClr val="dk1"/>
                 </a:solidFill>
@@ -12158,7 +13125,7 @@
               <a:t>sftp </a:t>
             </a:r>
             <a:r>
-              <a:rPr lang="en" i="1" u="sng" dirty="0" smtClean="0">
+              <a:rPr lang="en" i="1" u="sng" dirty="0">
                 <a:solidFill>
                   <a:schemeClr val="hlink"/>
                 </a:solidFill>
@@ -12190,577 +13157,6 @@
           </a:p>
         </p:txBody>
       </p:sp>
-    </p:spTree>
-  </p:cSld>
-  <p:clrMapOvr>
-    <a:masterClrMapping/>
-  </p:clrMapOvr>
-  <p:timing>
-    <p:tnLst>
-      <p:par>
-        <p:cTn id="1" dur="indefinite" restart="never" nodeType="tmRoot"/>
-      </p:par>
-    </p:tnLst>
-  </p:timing>
-</p:sld>
-</file>
-
-<file path=ppt/slides/slide8.xml><?xml version="1.0" encoding="utf-8"?>
-<p:sld xmlns:a="http://schemas.openxmlformats.org/drawingml/2006/main" xmlns:r="http://schemas.openxmlformats.org/officeDocument/2006/relationships" xmlns:p="http://schemas.openxmlformats.org/presentationml/2006/main">
-  <p:cSld>
-    <p:spTree>
-      <p:nvGrpSpPr>
-        <p:cNvPr id="1" name="Shape 114"/>
-        <p:cNvGrpSpPr/>
-        <p:nvPr/>
-      </p:nvGrpSpPr>
-      <p:grpSpPr>
-        <a:xfrm>
-          <a:off x="0" y="0"/>
-          <a:ext cx="0" cy="0"/>
-          <a:chOff x="0" y="0"/>
-          <a:chExt cx="0" cy="0"/>
-        </a:xfrm>
-      </p:grpSpPr>
-      <p:sp>
-        <p:nvSpPr>
-          <p:cNvPr id="115" name="Google Shape;115;p23"/>
-          <p:cNvSpPr txBox="1">
-            <a:spLocks noGrp="1"/>
-          </p:cNvSpPr>
-          <p:nvPr>
-            <p:ph type="title"/>
-          </p:nvPr>
-        </p:nvSpPr>
-        <p:spPr>
-          <a:xfrm>
-            <a:off x="311700" y="445025"/>
-            <a:ext cx="8520600" cy="572700"/>
-          </a:xfrm>
-          <a:prstGeom prst="rect">
-            <a:avLst/>
-          </a:prstGeom>
-        </p:spPr>
-        <p:txBody>
-          <a:bodyPr spcFirstLastPara="1" wrap="square" lIns="91425" tIns="91425" rIns="91425" bIns="91425" anchor="t" anchorCtr="0">
-            <a:normAutofit fontScale="90000"/>
-          </a:bodyPr>
-          <a:lstStyle/>
-          <a:p>
-            <a:pPr marL="0" lvl="0" indent="0" algn="l" rtl="0">
-              <a:spcBef>
-                <a:spcPts val="0"/>
-              </a:spcBef>
-              <a:spcAft>
-                <a:spcPts val="0"/>
-              </a:spcAft>
-              <a:buNone/>
-            </a:pPr>
-            <a:r>
-              <a:rPr lang="en" dirty="0" smtClean="0"/>
-              <a:t>Terminal - transferring </a:t>
-            </a:r>
-            <a:r>
-              <a:rPr lang="en" dirty="0"/>
-              <a:t>files and folders</a:t>
-            </a:r>
-            <a:endParaRPr dirty="0"/>
-          </a:p>
-        </p:txBody>
-      </p:sp>
-      <p:sp>
-        <p:nvSpPr>
-          <p:cNvPr id="116" name="Google Shape;116;p23"/>
-          <p:cNvSpPr txBox="1">
-            <a:spLocks noGrp="1"/>
-          </p:cNvSpPr>
-          <p:nvPr>
-            <p:ph type="body" idx="1"/>
-          </p:nvPr>
-        </p:nvSpPr>
-        <p:spPr>
-          <a:xfrm>
-            <a:off x="311700" y="1152475"/>
-            <a:ext cx="8520600" cy="3416400"/>
-          </a:xfrm>
-          <a:prstGeom prst="rect">
-            <a:avLst/>
-          </a:prstGeom>
-        </p:spPr>
-        <p:txBody>
-          <a:bodyPr spcFirstLastPara="1" wrap="square" lIns="91425" tIns="91425" rIns="91425" bIns="91425" anchor="t" anchorCtr="0">
-            <a:normAutofit/>
-          </a:bodyPr>
-          <a:lstStyle/>
-          <a:p>
-            <a:pPr marL="0" lvl="0" indent="0" algn="l" rtl="0">
-              <a:spcBef>
-                <a:spcPts val="0"/>
-              </a:spcBef>
-              <a:spcAft>
-                <a:spcPts val="0"/>
-              </a:spcAft>
-              <a:buNone/>
-            </a:pPr>
-            <a:r>
-              <a:rPr lang="en" sz="1600" dirty="0" smtClean="0">
-                <a:solidFill>
-                  <a:schemeClr val="dk1"/>
-                </a:solidFill>
-              </a:rPr>
-              <a:t>Once logged in, type puma or ocelot to use one of these servers. </a:t>
-            </a:r>
-          </a:p>
-          <a:p>
-            <a:pPr marL="0" lvl="0" indent="0" algn="l" rtl="0">
-              <a:spcBef>
-                <a:spcPts val="0"/>
-              </a:spcBef>
-              <a:spcAft>
-                <a:spcPts val="0"/>
-              </a:spcAft>
-              <a:buNone/>
-            </a:pPr>
-            <a:endParaRPr lang="en" sz="1600" dirty="0" smtClean="0">
-              <a:solidFill>
-                <a:schemeClr val="dk1"/>
-              </a:solidFill>
-            </a:endParaRPr>
-          </a:p>
-          <a:p>
-            <a:pPr marL="0" lvl="0" indent="0" algn="l" rtl="0">
-              <a:spcBef>
-                <a:spcPts val="0"/>
-              </a:spcBef>
-              <a:spcAft>
-                <a:spcPts val="0"/>
-              </a:spcAft>
-              <a:buNone/>
-            </a:pPr>
-            <a:r>
-              <a:rPr lang="en" sz="1600" dirty="0" smtClean="0">
-                <a:solidFill>
-                  <a:schemeClr val="dk1"/>
-                </a:solidFill>
-              </a:rPr>
-              <a:t>Type </a:t>
-            </a:r>
-            <a:r>
-              <a:rPr lang="en" sz="1600" i="1" dirty="0">
-                <a:solidFill>
-                  <a:srgbClr val="0000FF"/>
-                </a:solidFill>
-              </a:rPr>
-              <a:t>ls</a:t>
-            </a:r>
-            <a:r>
-              <a:rPr lang="en" sz="1600" dirty="0">
-                <a:solidFill>
-                  <a:schemeClr val="dk1"/>
-                </a:solidFill>
-              </a:rPr>
-              <a:t> and you will see the files in your current </a:t>
-            </a:r>
-            <a:r>
-              <a:rPr lang="en" sz="1600" dirty="0" smtClean="0">
-                <a:solidFill>
-                  <a:schemeClr val="dk1"/>
-                </a:solidFill>
-              </a:rPr>
-              <a:t>directory</a:t>
-            </a:r>
-            <a:r>
-              <a:rPr lang="en" sz="1600" dirty="0">
-                <a:solidFill>
-                  <a:schemeClr val="dk1"/>
-                </a:solidFill>
-              </a:rPr>
-              <a:t>. Type </a:t>
-            </a:r>
-            <a:r>
-              <a:rPr lang="en" sz="1600" i="1" dirty="0">
-                <a:solidFill>
-                  <a:srgbClr val="0000FF"/>
-                </a:solidFill>
-              </a:rPr>
-              <a:t>pwd</a:t>
-            </a:r>
-            <a:r>
-              <a:rPr lang="en" sz="1600" dirty="0">
-                <a:solidFill>
-                  <a:schemeClr val="dk1"/>
-                </a:solidFill>
-              </a:rPr>
-              <a:t> to see the current path. You may also cd to while you would like to upload or download files.</a:t>
-            </a:r>
-            <a:endParaRPr sz="1600" dirty="0">
-              <a:solidFill>
-                <a:schemeClr val="dk1"/>
-              </a:solidFill>
-            </a:endParaRPr>
-          </a:p>
-          <a:p>
-            <a:pPr marL="0" lvl="0" indent="0" algn="l" rtl="0">
-              <a:spcBef>
-                <a:spcPts val="0"/>
-              </a:spcBef>
-              <a:spcAft>
-                <a:spcPts val="0"/>
-              </a:spcAft>
-              <a:buNone/>
-            </a:pPr>
-            <a:endParaRPr sz="1600" dirty="0">
-              <a:solidFill>
-                <a:schemeClr val="dk1"/>
-              </a:solidFill>
-            </a:endParaRPr>
-          </a:p>
-          <a:p>
-            <a:pPr marL="0" lvl="0" indent="0" algn="l" rtl="0">
-              <a:spcBef>
-                <a:spcPts val="0"/>
-              </a:spcBef>
-              <a:spcAft>
-                <a:spcPts val="0"/>
-              </a:spcAft>
-              <a:buNone/>
-            </a:pPr>
-            <a:r>
-              <a:rPr lang="en" sz="1600" dirty="0">
-                <a:solidFill>
-                  <a:schemeClr val="dk1"/>
-                </a:solidFill>
-              </a:rPr>
-              <a:t>To upload a file from your computer to </a:t>
-            </a:r>
-            <a:r>
-              <a:rPr lang="en" sz="1600" dirty="0" smtClean="0">
-                <a:solidFill>
-                  <a:schemeClr val="dk1"/>
-                </a:solidFill>
-              </a:rPr>
-              <a:t>the cluster, </a:t>
-            </a:r>
-            <a:r>
-              <a:rPr lang="en" sz="1600" dirty="0">
-                <a:solidFill>
-                  <a:schemeClr val="dk1"/>
-                </a:solidFill>
-              </a:rPr>
-              <a:t>type </a:t>
-            </a:r>
-            <a:r>
-              <a:rPr lang="en" sz="1600" i="1" dirty="0">
-                <a:solidFill>
-                  <a:srgbClr val="0000FF"/>
-                </a:solidFill>
-              </a:rPr>
-              <a:t>put file. </a:t>
-            </a:r>
-            <a:r>
-              <a:rPr lang="en" sz="1600" dirty="0">
-                <a:solidFill>
-                  <a:schemeClr val="dk1"/>
-                </a:solidFill>
-              </a:rPr>
-              <a:t>To put an entire folder on </a:t>
-            </a:r>
-            <a:r>
-              <a:rPr lang="en" sz="1600" dirty="0" smtClean="0">
-                <a:solidFill>
-                  <a:schemeClr val="dk1"/>
-                </a:solidFill>
-              </a:rPr>
-              <a:t>the cluster, </a:t>
-            </a:r>
-            <a:r>
-              <a:rPr lang="en" sz="1600" dirty="0">
-                <a:solidFill>
-                  <a:schemeClr val="dk1"/>
-                </a:solidFill>
-              </a:rPr>
-              <a:t>type </a:t>
-            </a:r>
-            <a:r>
-              <a:rPr lang="en" sz="1600" i="1" dirty="0">
-                <a:solidFill>
-                  <a:srgbClr val="0000FF"/>
-                </a:solidFill>
-                <a:latin typeface="Roboto Mono"/>
-                <a:ea typeface="Roboto Mono"/>
-                <a:cs typeface="Roboto Mono"/>
-                <a:sym typeface="Roboto Mono"/>
-              </a:rPr>
-              <a:t>put -r folder</a:t>
-            </a:r>
-            <a:endParaRPr sz="1600" i="1" dirty="0">
-              <a:solidFill>
-                <a:srgbClr val="0000FF"/>
-              </a:solidFill>
-              <a:latin typeface="Roboto Mono"/>
-              <a:ea typeface="Roboto Mono"/>
-              <a:cs typeface="Roboto Mono"/>
-              <a:sym typeface="Roboto Mono"/>
-            </a:endParaRPr>
-          </a:p>
-          <a:p>
-            <a:pPr marL="0" lvl="0" indent="0" algn="l" rtl="0">
-              <a:spcBef>
-                <a:spcPts val="0"/>
-              </a:spcBef>
-              <a:spcAft>
-                <a:spcPts val="0"/>
-              </a:spcAft>
-              <a:buNone/>
-            </a:pPr>
-            <a:r>
-              <a:rPr lang="en" sz="1600" dirty="0">
-                <a:solidFill>
-                  <a:schemeClr val="dk1"/>
-                </a:solidFill>
-              </a:rPr>
-              <a:t>If you want to get files / folders </a:t>
-            </a:r>
-            <a:r>
-              <a:rPr lang="en" sz="1600" dirty="0" smtClean="0">
-                <a:solidFill>
-                  <a:schemeClr val="dk1"/>
-                </a:solidFill>
-              </a:rPr>
-              <a:t>from the cluster to </a:t>
-            </a:r>
-            <a:r>
-              <a:rPr lang="en" sz="1600" dirty="0">
-                <a:solidFill>
-                  <a:schemeClr val="dk1"/>
-                </a:solidFill>
-              </a:rPr>
-              <a:t>your computer, cd to where the folder lives and type </a:t>
-            </a:r>
-            <a:r>
-              <a:rPr lang="en" sz="1600" i="1" dirty="0">
-                <a:solidFill>
-                  <a:srgbClr val="0000FF"/>
-                </a:solidFill>
-                <a:latin typeface="Roboto Mono"/>
-                <a:ea typeface="Roboto Mono"/>
-                <a:cs typeface="Roboto Mono"/>
-                <a:sym typeface="Roboto Mono"/>
-              </a:rPr>
-              <a:t>get file </a:t>
-            </a:r>
-            <a:r>
-              <a:rPr lang="en" sz="1600" dirty="0">
-                <a:solidFill>
-                  <a:schemeClr val="dk1"/>
-                </a:solidFill>
-                <a:latin typeface="Roboto Mono"/>
-                <a:ea typeface="Roboto Mono"/>
-                <a:cs typeface="Roboto Mono"/>
-                <a:sym typeface="Roboto Mono"/>
-              </a:rPr>
-              <a:t>or</a:t>
-            </a:r>
-            <a:r>
-              <a:rPr lang="en" sz="1600" dirty="0">
-                <a:solidFill>
-                  <a:schemeClr val="dk1"/>
-                </a:solidFill>
-              </a:rPr>
-              <a:t> </a:t>
-            </a:r>
-            <a:r>
-              <a:rPr lang="en" sz="1600" i="1" dirty="0">
-                <a:solidFill>
-                  <a:srgbClr val="0000FF"/>
-                </a:solidFill>
-                <a:latin typeface="Roboto Mono"/>
-                <a:ea typeface="Roboto Mono"/>
-                <a:cs typeface="Roboto Mono"/>
-                <a:sym typeface="Roboto Mono"/>
-              </a:rPr>
-              <a:t>get -r folder</a:t>
-            </a:r>
-            <a:endParaRPr sz="1600" i="1" dirty="0">
-              <a:solidFill>
-                <a:srgbClr val="0000FF"/>
-              </a:solidFill>
-              <a:latin typeface="Roboto Mono"/>
-              <a:ea typeface="Roboto Mono"/>
-              <a:cs typeface="Roboto Mono"/>
-              <a:sym typeface="Roboto Mono"/>
-            </a:endParaRPr>
-          </a:p>
-          <a:p>
-            <a:pPr marL="0" lvl="0" indent="0" algn="l" rtl="0">
-              <a:spcBef>
-                <a:spcPts val="0"/>
-              </a:spcBef>
-              <a:spcAft>
-                <a:spcPts val="0"/>
-              </a:spcAft>
-              <a:buNone/>
-            </a:pPr>
-            <a:endParaRPr sz="1600" i="1" dirty="0">
-              <a:solidFill>
-                <a:srgbClr val="0000FF"/>
-              </a:solidFill>
-              <a:latin typeface="Roboto Mono"/>
-              <a:ea typeface="Roboto Mono"/>
-              <a:cs typeface="Roboto Mono"/>
-              <a:sym typeface="Roboto Mono"/>
-            </a:endParaRPr>
-          </a:p>
-        </p:txBody>
-      </p:sp>
-    </p:spTree>
-  </p:cSld>
-  <p:clrMapOvr>
-    <a:masterClrMapping/>
-  </p:clrMapOvr>
-  <p:timing>
-    <p:tnLst>
-      <p:par>
-        <p:cTn id="1" dur="indefinite" restart="never" nodeType="tmRoot"/>
-      </p:par>
-    </p:tnLst>
-  </p:timing>
-</p:sld>
-</file>
-
-<file path=ppt/slides/slide9.xml><?xml version="1.0" encoding="utf-8"?>
-<p:sld xmlns:a="http://schemas.openxmlformats.org/drawingml/2006/main" xmlns:r="http://schemas.openxmlformats.org/officeDocument/2006/relationships" xmlns:p="http://schemas.openxmlformats.org/presentationml/2006/main">
-  <p:cSld>
-    <p:spTree>
-      <p:nvGrpSpPr>
-        <p:cNvPr id="1" name="Shape 138"/>
-        <p:cNvGrpSpPr/>
-        <p:nvPr/>
-      </p:nvGrpSpPr>
-      <p:grpSpPr>
-        <a:xfrm>
-          <a:off x="0" y="0"/>
-          <a:ext cx="0" cy="0"/>
-          <a:chOff x="0" y="0"/>
-          <a:chExt cx="0" cy="0"/>
-        </a:xfrm>
-      </p:grpSpPr>
-      <p:sp>
-        <p:nvSpPr>
-          <p:cNvPr id="139" name="Google Shape;139;p27"/>
-          <p:cNvSpPr txBox="1">
-            <a:spLocks noGrp="1"/>
-          </p:cNvSpPr>
-          <p:nvPr>
-            <p:ph type="title"/>
-          </p:nvPr>
-        </p:nvSpPr>
-        <p:spPr>
-          <a:xfrm>
-            <a:off x="311700" y="445025"/>
-            <a:ext cx="8520600" cy="572700"/>
-          </a:xfrm>
-          <a:prstGeom prst="rect">
-            <a:avLst/>
-          </a:prstGeom>
-        </p:spPr>
-        <p:txBody>
-          <a:bodyPr spcFirstLastPara="1" wrap="square" lIns="91425" tIns="91425" rIns="91425" bIns="91425" anchor="t" anchorCtr="0">
-            <a:normAutofit fontScale="90000"/>
-          </a:bodyPr>
-          <a:lstStyle/>
-          <a:p>
-            <a:pPr marL="0" lvl="0" indent="0" algn="l" rtl="0">
-              <a:spcBef>
-                <a:spcPts val="0"/>
-              </a:spcBef>
-              <a:spcAft>
-                <a:spcPts val="0"/>
-              </a:spcAft>
-              <a:buNone/>
-            </a:pPr>
-            <a:r>
-              <a:rPr lang="en" dirty="0" smtClean="0"/>
-              <a:t>GUI - Moving </a:t>
-            </a:r>
-            <a:r>
-              <a:rPr lang="en" dirty="0"/>
-              <a:t>files</a:t>
-            </a:r>
-            <a:endParaRPr dirty="0"/>
-          </a:p>
-        </p:txBody>
-      </p:sp>
-      <p:sp>
-        <p:nvSpPr>
-          <p:cNvPr id="140" name="Google Shape;140;p27"/>
-          <p:cNvSpPr txBox="1">
-            <a:spLocks noGrp="1"/>
-          </p:cNvSpPr>
-          <p:nvPr>
-            <p:ph type="body" idx="1"/>
-          </p:nvPr>
-        </p:nvSpPr>
-        <p:spPr>
-          <a:xfrm>
-            <a:off x="311700" y="1152475"/>
-            <a:ext cx="8520600" cy="3416400"/>
-          </a:xfrm>
-          <a:prstGeom prst="rect">
-            <a:avLst/>
-          </a:prstGeom>
-        </p:spPr>
-        <p:txBody>
-          <a:bodyPr spcFirstLastPara="1" wrap="square" lIns="91425" tIns="91425" rIns="91425" bIns="91425" anchor="t" anchorCtr="0">
-            <a:normAutofit/>
-          </a:bodyPr>
-          <a:lstStyle/>
-          <a:p>
-            <a:pPr marL="0" lvl="0" indent="0" algn="l" rtl="0">
-              <a:spcBef>
-                <a:spcPts val="0"/>
-              </a:spcBef>
-              <a:spcAft>
-                <a:spcPts val="1200"/>
-              </a:spcAft>
-              <a:buNone/>
-            </a:pPr>
-            <a:r>
-              <a:rPr lang="en"/>
-              <a:t>From the OpenOnDemand portal, select files and home directory</a:t>
-            </a:r>
-            <a:endParaRPr/>
-          </a:p>
-        </p:txBody>
-      </p:sp>
-      <p:pic>
-        <p:nvPicPr>
-          <p:cNvPr id="141" name="Google Shape;141;p27"/>
-          <p:cNvPicPr preferRelativeResize="0"/>
-          <p:nvPr/>
-        </p:nvPicPr>
-        <p:blipFill>
-          <a:blip r:embed="rId3">
-            <a:alphaModFix/>
-          </a:blip>
-          <a:stretch>
-            <a:fillRect/>
-          </a:stretch>
-        </p:blipFill>
-        <p:spPr>
-          <a:xfrm>
-            <a:off x="370563" y="1646275"/>
-            <a:ext cx="8402875" cy="3335049"/>
-          </a:xfrm>
-          <a:prstGeom prst="rect">
-            <a:avLst/>
-          </a:prstGeom>
-          <a:noFill/>
-          <a:ln>
-            <a:noFill/>
-          </a:ln>
-        </p:spPr>
-      </p:pic>
     </p:spTree>
   </p:cSld>
   <p:clrMapOvr>

--- a/UA Tutorials/UAClusterIb2dIBAMR.pptx
+++ b/UA Tutorials/UAClusterIb2dIBAMR.pptx
@@ -9769,8 +9769,32 @@
             <a:pPr lvl="1"/>
             <a:r>
               <a:rPr lang="en-US" dirty="0"/>
-              <a:t>Zoom recordings for old and new tutorials</a:t>
-            </a:r>
+              <a:t>Zoom recordings for old tutorials before Spring 2022</a:t>
+            </a:r>
+          </a:p>
+          <a:p>
+            <a:r>
+              <a:rPr lang="en-US" b="0" i="0" dirty="0">
+                <a:solidFill>
+                  <a:srgbClr val="1D1C1D"/>
+                </a:solidFill>
+                <a:effectLst/>
+                <a:latin typeface="Slack-Lato"/>
+              </a:rPr>
+              <a:t>Recordings from Spring 2022: </a:t>
+            </a:r>
+          </a:p>
+          <a:p>
+            <a:pPr lvl="1"/>
+            <a:r>
+              <a:rPr lang="en-US" b="0" i="0" u="none" strike="noStrike" dirty="0">
+                <a:effectLst/>
+                <a:latin typeface="Slack-Lato"/>
+                <a:hlinkClick r:id="rId2"/>
+              </a:rPr>
+              <a:t>https://github.com/fairyflies9/IBAMR-Tutorials</a:t>
+            </a:r>
+            <a:endParaRPr lang="en-US" dirty="0"/>
           </a:p>
         </p:txBody>
       </p:sp>
@@ -11169,7 +11193,7 @@
               <a:buChar char="●"/>
             </a:pPr>
             <a:r>
-              <a:rPr lang="en">
+              <a:rPr lang="en" dirty="0">
                 <a:solidFill>
                   <a:schemeClr val="dk1"/>
                 </a:solidFill>
@@ -11187,7 +11211,7 @@
               <a:t> UA offers a variety of services, including a Unix environment and an HPC account. </a:t>
             </a:r>
             <a:r>
-              <a:rPr lang="en" u="sng">
+              <a:rPr lang="en" u="sng" dirty="0">
                 <a:solidFill>
                   <a:schemeClr val="accent5"/>
                 </a:solidFill>
@@ -11201,7 +11225,7 @@
               </a:rPr>
               <a:t>https://account.arizona.edu</a:t>
             </a:r>
-            <a:endParaRPr/>
+            <a:endParaRPr dirty="0"/>
           </a:p>
         </p:txBody>
       </p:sp>

--- a/UA Tutorials/UAClusterIb2dIBAMR.pptx
+++ b/UA Tutorials/UAClusterIb2dIBAMR.pptx
@@ -9968,57 +9968,15 @@
           <a:p>
             <a:pPr fontAlgn="base"/>
             <a:r>
-              <a:rPr lang="en-US" dirty="0" err="1"/>
-              <a:t>Mpiruns</a:t>
-            </a:r>
-            <a:r>
               <a:rPr lang="en-US" dirty="0"/>
-              <a:t> using IBFE can only be done on ocelot </a:t>
-            </a:r>
-          </a:p>
-          <a:p>
-            <a:pPr lvl="1" fontAlgn="base"/>
+              <a:t>We have a new install of IBAMR that in the /groups/lauram9 folder on the cluster.</a:t>
+            </a:r>
+          </a:p>
+          <a:p>
+            <a:pPr fontAlgn="base"/>
             <a:r>
               <a:rPr lang="en-US" dirty="0"/>
-              <a:t>This cluster should be online July 12.</a:t>
-            </a:r>
-          </a:p>
-          <a:p>
-            <a:pPr lvl="1" fontAlgn="base"/>
-            <a:r>
-              <a:rPr lang="en-US" dirty="0"/>
-              <a:t>We can run simulations using IBFE by using </a:t>
-            </a:r>
-            <a:r>
-              <a:rPr lang="en-US" dirty="0" err="1"/>
-              <a:t>srun</a:t>
-            </a:r>
-            <a:r>
-              <a:rPr lang="en-US" dirty="0"/>
-              <a:t> on puma (2D runs).</a:t>
-            </a:r>
-          </a:p>
-          <a:p>
-            <a:pPr fontAlgn="base"/>
-            <a:r>
-              <a:rPr lang="en-US" dirty="0"/>
-              <a:t>If you are  not using finite elements / </a:t>
-            </a:r>
-            <a:r>
-              <a:rPr lang="en-US" dirty="0" err="1"/>
-              <a:t>libmesh</a:t>
-            </a:r>
-            <a:r>
-              <a:rPr lang="en-US" dirty="0"/>
-              <a:t> (e.g. fiber based IBM), then you can use </a:t>
-            </a:r>
-            <a:r>
-              <a:rPr lang="en-US" dirty="0" err="1"/>
-              <a:t>mpirun</a:t>
-            </a:r>
-            <a:r>
-              <a:rPr lang="en-US" dirty="0"/>
-              <a:t> on puma.</a:t>
+              <a:t>Old version, IBFE does not work.</a:t>
             </a:r>
           </a:p>
           <a:p>
@@ -10323,6 +10281,13 @@
             <a:r>
               <a:rPr lang="en-US" dirty="0"/>
               <a:t> </a:t>
+            </a:r>
+          </a:p>
+          <a:p>
+            <a:pPr lvl="1"/>
+            <a:r>
+              <a:rPr lang="en-US" dirty="0"/>
+              <a:t>*These directories are for the old IBAMR install where IBFE does not work. I will add info for the new paths soon.</a:t>
             </a:r>
           </a:p>
           <a:p>
@@ -10625,11 +10590,25 @@
                     <a:p>
                       <a:pPr fontAlgn="t"/>
                       <a:r>
-                        <a:rPr lang="en-US" sz="1300">
+                        <a:rPr lang="en-US" sz="1300" dirty="0">
                           <a:effectLst/>
                           <a:latin typeface="+mj-lt"/>
                         </a:rPr>
-                        <a:t>#SBATCH --ntasks-per-node=16</a:t>
+                        <a:t>#SBATCH --</a:t>
+                      </a:r>
+                      <a:r>
+                        <a:rPr lang="en-US" sz="1300" dirty="0" err="1">
+                          <a:effectLst/>
+                          <a:latin typeface="+mj-lt"/>
+                        </a:rPr>
+                        <a:t>ntasks</a:t>
+                      </a:r>
+                      <a:r>
+                        <a:rPr lang="en-US" sz="1300" dirty="0">
+                          <a:effectLst/>
+                          <a:latin typeface="+mj-lt"/>
+                        </a:rPr>
+                        <a:t>-per-node=16</a:t>
                       </a:r>
                     </a:p>
                   </a:txBody>
@@ -10997,6 +10976,13 @@
             <a:r>
               <a:rPr lang="en-US" dirty="0"/>
               <a:t>/lauram9</a:t>
+            </a:r>
+          </a:p>
+          <a:p>
+            <a:pPr lvl="1" fontAlgn="base"/>
+            <a:r>
+              <a:rPr lang="en-US" dirty="0"/>
+              <a:t>Permanent space at /groups/lauram9 – 500 GB, currently almost full.</a:t>
             </a:r>
           </a:p>
           <a:p>

--- a/UA Tutorials/UAClusterIb2dIBAMR.pptx
+++ b/UA Tutorials/UAClusterIb2dIBAMR.pptx
@@ -5,7 +5,7 @@
     <p:sldMasterId id="2147483659" r:id="rId1"/>
   </p:sldMasterIdLst>
   <p:notesMasterIdLst>
-    <p:notesMasterId r:id="rId27"/>
+    <p:notesMasterId r:id="rId28"/>
   </p:notesMasterIdLst>
   <p:sldIdLst>
     <p:sldId id="256" r:id="rId2"/>
@@ -31,18 +31,19 @@
     <p:sldId id="278" r:id="rId22"/>
     <p:sldId id="275" r:id="rId23"/>
     <p:sldId id="276" r:id="rId24"/>
-    <p:sldId id="284" r:id="rId25"/>
-    <p:sldId id="277" r:id="rId26"/>
+    <p:sldId id="288" r:id="rId25"/>
+    <p:sldId id="284" r:id="rId26"/>
+    <p:sldId id="277" r:id="rId27"/>
   </p:sldIdLst>
   <p:sldSz cx="9144000" cy="5143500" type="screen16x9"/>
   <p:notesSz cx="6858000" cy="9144000"/>
   <p:embeddedFontLst>
     <p:embeddedFont>
       <p:font typeface="Roboto Mono" panose="020B0604020202020204" charset="0"/>
-      <p:regular r:id="rId28"/>
-      <p:bold r:id="rId29"/>
-      <p:italic r:id="rId30"/>
-      <p:boldItalic r:id="rId31"/>
+      <p:regular r:id="rId29"/>
+      <p:bold r:id="rId30"/>
+      <p:italic r:id="rId31"/>
+      <p:boldItalic r:id="rId32"/>
     </p:embeddedFont>
   </p:embeddedFontLst>
   <p:defaultTextStyle>
@@ -10294,149 +10295,49 @@
             <a:pPr fontAlgn="base"/>
             <a:r>
               <a:rPr lang="en-US" dirty="0"/>
-              <a:t>There is a small change needed in the main file for IBFE examples.</a:t>
+              <a:t>The new installation where IBFE works is as follows:</a:t>
+            </a:r>
+          </a:p>
+          <a:p>
+            <a:pPr lvl="1"/>
+            <a:r>
+              <a:rPr lang="en-US" dirty="0"/>
+              <a:t>IBAMR_SRC_DIR = </a:t>
+            </a:r>
+          </a:p>
+          <a:p>
+            <a:pPr lvl="1"/>
+            <a:r>
+              <a:rPr lang="en-US" dirty="0"/>
+              <a:t>IBAMR_BUILD_DIR = </a:t>
+            </a:r>
+          </a:p>
+          <a:p>
+            <a:pPr lvl="1"/>
+            <a:r>
+              <a:rPr lang="en-US" dirty="0"/>
+              <a:t>LIBSNEW = $(LIBS) -</a:t>
+            </a:r>
+            <a:r>
+              <a:rPr lang="en-US" dirty="0" err="1"/>
+              <a:t>lnetcdf</a:t>
+            </a:r>
+            <a:r>
+              <a:rPr lang="en-US" dirty="0"/>
+              <a:t> -</a:t>
+            </a:r>
+            <a:r>
+              <a:rPr lang="en-US" dirty="0" err="1"/>
+              <a:t>lcurl</a:t>
+            </a:r>
+            <a:r>
+              <a:rPr lang="en-US" dirty="0"/>
+              <a:t> </a:t>
             </a:r>
           </a:p>
           <a:p>
             <a:pPr lvl="1" fontAlgn="base"/>
-            <a:r>
-              <a:rPr lang="en-US" dirty="0"/>
-              <a:t>Comment out the </a:t>
-            </a:r>
-            <a:r>
-              <a:rPr lang="en-US" dirty="0" err="1"/>
-              <a:t>AutoPtr</a:t>
-            </a:r>
-            <a:r>
-              <a:rPr lang="en-US" dirty="0"/>
-              <a:t> below and replace with </a:t>
-            </a:r>
-            <a:r>
-              <a:rPr lang="en-US" dirty="0" err="1"/>
-              <a:t>std</a:t>
-            </a:r>
-            <a:r>
-              <a:rPr lang="en-US" dirty="0"/>
-              <a:t>::</a:t>
-            </a:r>
-            <a:r>
-              <a:rPr lang="en-US" dirty="0" err="1"/>
-              <a:t>unique_ptr</a:t>
-            </a:r>
             <a:endParaRPr lang="en-US" dirty="0"/>
-          </a:p>
-          <a:p>
-            <a:pPr marL="596900" lvl="1" indent="0">
-              <a:buNone/>
-            </a:pPr>
-            <a:r>
-              <a:rPr lang="en-US" dirty="0"/>
-              <a:t>	//</a:t>
-            </a:r>
-            <a:r>
-              <a:rPr lang="en-US" dirty="0" err="1"/>
-              <a:t>AutoPtr</a:t>
-            </a:r>
-            <a:r>
-              <a:rPr lang="en-US" dirty="0"/>
-              <a:t>&lt;</a:t>
-            </a:r>
-            <a:r>
-              <a:rPr lang="en-US" dirty="0" err="1"/>
-              <a:t>ExodusII_IO</a:t>
-            </a:r>
-            <a:r>
-              <a:rPr lang="en-US" dirty="0"/>
-              <a:t>&gt; </a:t>
-            </a:r>
-            <a:r>
-              <a:rPr lang="en-US" dirty="0" err="1"/>
-              <a:t>exodus_io</a:t>
-            </a:r>
-            <a:r>
-              <a:rPr lang="en-US" dirty="0"/>
-              <a:t>(</a:t>
-            </a:r>
-            <a:r>
-              <a:rPr lang="en-US" dirty="0" err="1"/>
-              <a:t>uses_exodus</a:t>
-            </a:r>
-            <a:r>
-              <a:rPr lang="en-US" dirty="0"/>
-              <a:t> ? new </a:t>
-            </a:r>
-            <a:r>
-              <a:rPr lang="en-US" dirty="0" err="1"/>
-              <a:t>ExodusII_IO</a:t>
-            </a:r>
-            <a:r>
-              <a:rPr lang="en-US" dirty="0"/>
-              <a:t>(mesh) : NULL);</a:t>
-            </a:r>
-          </a:p>
-          <a:p>
-            <a:pPr marL="596900" lvl="1" indent="0">
-              <a:buNone/>
-            </a:pPr>
-            <a:r>
-              <a:rPr lang="en-US" dirty="0"/>
-              <a:t>	</a:t>
-            </a:r>
-            <a:r>
-              <a:rPr lang="en-US" dirty="0" err="1"/>
-              <a:t>std</a:t>
-            </a:r>
-            <a:r>
-              <a:rPr lang="en-US" dirty="0"/>
-              <a:t>::</a:t>
-            </a:r>
-            <a:r>
-              <a:rPr lang="en-US" dirty="0" err="1"/>
-              <a:t>unique_ptr</a:t>
-            </a:r>
-            <a:r>
-              <a:rPr lang="en-US" dirty="0"/>
-              <a:t>&lt;</a:t>
-            </a:r>
-            <a:r>
-              <a:rPr lang="en-US" dirty="0" err="1"/>
-              <a:t>ExodusII_IO</a:t>
-            </a:r>
-            <a:r>
-              <a:rPr lang="en-US" dirty="0"/>
-              <a:t>&gt; </a:t>
-            </a:r>
-            <a:r>
-              <a:rPr lang="en-US" dirty="0" err="1"/>
-              <a:t>exodus_io</a:t>
-            </a:r>
-            <a:r>
-              <a:rPr lang="en-US" dirty="0"/>
-              <a:t>(</a:t>
-            </a:r>
-            <a:r>
-              <a:rPr lang="en-US" dirty="0" err="1"/>
-              <a:t>uses_exodus</a:t>
-            </a:r>
-            <a:r>
-              <a:rPr lang="en-US" dirty="0"/>
-              <a:t> ? new </a:t>
-            </a:r>
-            <a:r>
-              <a:rPr lang="en-US" dirty="0" err="1"/>
-              <a:t>ExodusII_IO</a:t>
-            </a:r>
-            <a:r>
-              <a:rPr lang="en-US" dirty="0"/>
-              <a:t>(mesh) : NULL);</a:t>
-            </a:r>
-          </a:p>
-          <a:p>
-            <a:pPr fontAlgn="base"/>
-            <a:r>
-              <a:rPr lang="en-US" dirty="0"/>
-              <a:t>There may be other changes needed, but this is the only one I’ve encountered so far.</a:t>
-            </a:r>
           </a:p>
           <a:p>
             <a:endParaRPr lang="en-US" dirty="0"/>
@@ -10457,6 +10358,220 @@
 </file>
 
 <file path=ppt/slides/slide24.xml><?xml version="1.0" encoding="utf-8"?>
+<p:sld xmlns:a="http://schemas.openxmlformats.org/drawingml/2006/main" xmlns:r="http://schemas.openxmlformats.org/officeDocument/2006/relationships" xmlns:p="http://schemas.openxmlformats.org/presentationml/2006/main">
+  <p:cSld>
+    <p:spTree>
+      <p:nvGrpSpPr>
+        <p:cNvPr id="1" name=""/>
+        <p:cNvGrpSpPr/>
+        <p:nvPr/>
+      </p:nvGrpSpPr>
+      <p:grpSpPr>
+        <a:xfrm>
+          <a:off x="0" y="0"/>
+          <a:ext cx="0" cy="0"/>
+          <a:chOff x="0" y="0"/>
+          <a:chExt cx="0" cy="0"/>
+        </a:xfrm>
+      </p:grpSpPr>
+      <p:sp>
+        <p:nvSpPr>
+          <p:cNvPr id="2" name="Title 1">
+            <a:extLst>
+              <a:ext uri="{FF2B5EF4-FFF2-40B4-BE49-F238E27FC236}">
+                <a16:creationId xmlns:a16="http://schemas.microsoft.com/office/drawing/2014/main" id="{D8135800-1A8D-5532-20C6-37BC944E9273}"/>
+              </a:ext>
+            </a:extLst>
+          </p:cNvPr>
+          <p:cNvSpPr>
+            <a:spLocks noGrp="1"/>
+          </p:cNvSpPr>
+          <p:nvPr>
+            <p:ph type="title"/>
+          </p:nvPr>
+        </p:nvSpPr>
+        <p:spPr/>
+        <p:txBody>
+          <a:bodyPr>
+            <a:normAutofit fontScale="90000"/>
+          </a:bodyPr>
+          <a:lstStyle/>
+          <a:p>
+            <a:r>
+              <a:rPr lang="en-US" dirty="0"/>
+              <a:t>Updating examples from UNC</a:t>
+            </a:r>
+          </a:p>
+        </p:txBody>
+      </p:sp>
+      <p:sp>
+        <p:nvSpPr>
+          <p:cNvPr id="3" name="Text Placeholder 2">
+            <a:extLst>
+              <a:ext uri="{FF2B5EF4-FFF2-40B4-BE49-F238E27FC236}">
+                <a16:creationId xmlns:a16="http://schemas.microsoft.com/office/drawing/2014/main" id="{43BEC97C-6F3B-D5F1-4087-59E5D63B07BE}"/>
+              </a:ext>
+            </a:extLst>
+          </p:cNvPr>
+          <p:cNvSpPr>
+            <a:spLocks noGrp="1"/>
+          </p:cNvSpPr>
+          <p:nvPr>
+            <p:ph type="body" idx="1"/>
+          </p:nvPr>
+        </p:nvSpPr>
+        <p:spPr/>
+        <p:txBody>
+          <a:bodyPr/>
+          <a:lstStyle/>
+          <a:p>
+            <a:pPr fontAlgn="base"/>
+            <a:r>
+              <a:rPr lang="en-US" dirty="0"/>
+              <a:t>There is a small change needed in the main file for IBFE examples.</a:t>
+            </a:r>
+          </a:p>
+          <a:p>
+            <a:pPr lvl="1" fontAlgn="base"/>
+            <a:r>
+              <a:rPr lang="en-US" dirty="0"/>
+              <a:t>Comment out the </a:t>
+            </a:r>
+            <a:r>
+              <a:rPr lang="en-US" dirty="0" err="1"/>
+              <a:t>AutoPtr</a:t>
+            </a:r>
+            <a:r>
+              <a:rPr lang="en-US" dirty="0"/>
+              <a:t> below and replace with std::</a:t>
+            </a:r>
+            <a:r>
+              <a:rPr lang="en-US" dirty="0" err="1"/>
+              <a:t>unique_ptr</a:t>
+            </a:r>
+            <a:endParaRPr lang="en-US" dirty="0"/>
+          </a:p>
+          <a:p>
+            <a:pPr marL="596900" lvl="1" indent="0">
+              <a:buNone/>
+            </a:pPr>
+            <a:r>
+              <a:rPr lang="en-US" dirty="0"/>
+              <a:t>	//</a:t>
+            </a:r>
+            <a:r>
+              <a:rPr lang="en-US" dirty="0" err="1"/>
+              <a:t>AutoPtr</a:t>
+            </a:r>
+            <a:r>
+              <a:rPr lang="en-US" dirty="0"/>
+              <a:t>&lt;</a:t>
+            </a:r>
+            <a:r>
+              <a:rPr lang="en-US" dirty="0" err="1"/>
+              <a:t>ExodusII_IO</a:t>
+            </a:r>
+            <a:r>
+              <a:rPr lang="en-US" dirty="0"/>
+              <a:t>&gt; </a:t>
+            </a:r>
+            <a:r>
+              <a:rPr lang="en-US" dirty="0" err="1"/>
+              <a:t>exodus_io</a:t>
+            </a:r>
+            <a:r>
+              <a:rPr lang="en-US" dirty="0"/>
+              <a:t>(</a:t>
+            </a:r>
+            <a:r>
+              <a:rPr lang="en-US" dirty="0" err="1"/>
+              <a:t>uses_exodus</a:t>
+            </a:r>
+            <a:r>
+              <a:rPr lang="en-US" dirty="0"/>
+              <a:t> ? new </a:t>
+            </a:r>
+            <a:r>
+              <a:rPr lang="en-US" dirty="0" err="1"/>
+              <a:t>ExodusII_IO</a:t>
+            </a:r>
+            <a:r>
+              <a:rPr lang="en-US" dirty="0"/>
+              <a:t>(mesh) : NULL);</a:t>
+            </a:r>
+          </a:p>
+          <a:p>
+            <a:pPr marL="596900" lvl="1" indent="0">
+              <a:buNone/>
+            </a:pPr>
+            <a:r>
+              <a:rPr lang="en-US" dirty="0"/>
+              <a:t>	std::</a:t>
+            </a:r>
+            <a:r>
+              <a:rPr lang="en-US" dirty="0" err="1"/>
+              <a:t>unique_ptr</a:t>
+            </a:r>
+            <a:r>
+              <a:rPr lang="en-US" dirty="0"/>
+              <a:t>&lt;</a:t>
+            </a:r>
+            <a:r>
+              <a:rPr lang="en-US" dirty="0" err="1"/>
+              <a:t>ExodusII_IO</a:t>
+            </a:r>
+            <a:r>
+              <a:rPr lang="en-US" dirty="0"/>
+              <a:t>&gt; </a:t>
+            </a:r>
+            <a:r>
+              <a:rPr lang="en-US" dirty="0" err="1"/>
+              <a:t>exodus_io</a:t>
+            </a:r>
+            <a:r>
+              <a:rPr lang="en-US" dirty="0"/>
+              <a:t>(</a:t>
+            </a:r>
+            <a:r>
+              <a:rPr lang="en-US" dirty="0" err="1"/>
+              <a:t>uses_exodus</a:t>
+            </a:r>
+            <a:r>
+              <a:rPr lang="en-US" dirty="0"/>
+              <a:t> ? new </a:t>
+            </a:r>
+            <a:r>
+              <a:rPr lang="en-US" dirty="0" err="1"/>
+              <a:t>ExodusII_IO</a:t>
+            </a:r>
+            <a:r>
+              <a:rPr lang="en-US" dirty="0"/>
+              <a:t>(mesh) : NULL);</a:t>
+            </a:r>
+          </a:p>
+          <a:p>
+            <a:pPr fontAlgn="base"/>
+            <a:r>
+              <a:rPr lang="en-US" dirty="0"/>
+              <a:t>There may be other changes needed, but this is the only one I’ve encountered so far</a:t>
+            </a:r>
+          </a:p>
+        </p:txBody>
+      </p:sp>
+    </p:spTree>
+    <p:extLst>
+      <p:ext uri="{BB962C8B-B14F-4D97-AF65-F5344CB8AC3E}">
+        <p14:creationId xmlns:p14="http://schemas.microsoft.com/office/powerpoint/2010/main" val="1363450144"/>
+      </p:ext>
+    </p:extLst>
+  </p:cSld>
+  <p:clrMapOvr>
+    <a:masterClrMapping/>
+  </p:clrMapOvr>
+</p:sld>
+</file>
+
+<file path=ppt/slides/slide25.xml><?xml version="1.0" encoding="utf-8"?>
 <p:sld xmlns:a="http://schemas.openxmlformats.org/drawingml/2006/main" xmlns:r="http://schemas.openxmlformats.org/officeDocument/2006/relationships" xmlns:p="http://schemas.openxmlformats.org/presentationml/2006/main">
   <p:cSld>
     <p:spTree>
@@ -10897,7 +11012,7 @@
 </p:sld>
 </file>
 
-<file path=ppt/slides/slide25.xml><?xml version="1.0" encoding="utf-8"?>
+<file path=ppt/slides/slide26.xml><?xml version="1.0" encoding="utf-8"?>
 <p:sld xmlns:a="http://schemas.openxmlformats.org/drawingml/2006/main" xmlns:r="http://schemas.openxmlformats.org/officeDocument/2006/relationships" xmlns:p="http://schemas.openxmlformats.org/presentationml/2006/main">
   <p:cSld>
     <p:spTree>

--- a/UA Tutorials/UAClusterIb2dIBAMR.pptx
+++ b/UA Tutorials/UAClusterIb2dIBAMR.pptx
@@ -10302,14 +10302,46 @@
             <a:pPr lvl="1"/>
             <a:r>
               <a:rPr lang="en-US" dirty="0"/>
-              <a:t>IBAMR_SRC_DIR = </a:t>
+              <a:t>IBAMR_SRC_DIR = /groups/lauram9/ib10/</a:t>
+            </a:r>
+            <a:r>
+              <a:rPr lang="en-US" dirty="0" err="1"/>
+              <a:t>ibamr</a:t>
+            </a:r>
+            <a:r>
+              <a:rPr lang="en-US" dirty="0"/>
+              <a:t>/IBAMR </a:t>
             </a:r>
           </a:p>
           <a:p>
             <a:pPr lvl="1"/>
             <a:r>
               <a:rPr lang="en-US" dirty="0"/>
-              <a:t>IBAMR_BUILD_DIR = </a:t>
+              <a:t>IBAMR_BUILD_DIR = /groups/lauram9/ib10/</a:t>
+            </a:r>
+            <a:r>
+              <a:rPr lang="en-US" dirty="0" err="1"/>
+              <a:t>ibamr</a:t>
+            </a:r>
+            <a:r>
+              <a:rPr lang="en-US" dirty="0"/>
+              <a:t>/</a:t>
+            </a:r>
+            <a:r>
+              <a:rPr lang="en-US" dirty="0" err="1"/>
+              <a:t>ibamr</a:t>
+            </a:r>
+            <a:r>
+              <a:rPr lang="en-US" dirty="0"/>
+              <a:t>-</a:t>
+            </a:r>
+            <a:r>
+              <a:rPr lang="en-US" dirty="0" err="1"/>
+              <a:t>objs</a:t>
+            </a:r>
+            <a:r>
+              <a:rPr lang="en-US" dirty="0"/>
+              <a:t>-opt</a:t>
             </a:r>
           </a:p>
           <a:p>
